--- a/DevSession - ESP8266.pptx
+++ b/DevSession - ESP8266.pptx
@@ -6,19 +6,22 @@
   </p:sldMasterIdLst>
   <p:sldIdLst>
     <p:sldId id="256" r:id="rId2"/>
-    <p:sldId id="262" r:id="rId3"/>
+    <p:sldId id="278" r:id="rId3"/>
     <p:sldId id="274" r:id="rId4"/>
-    <p:sldId id="273" r:id="rId5"/>
-    <p:sldId id="270" r:id="rId6"/>
-    <p:sldId id="271" r:id="rId7"/>
-    <p:sldId id="272" r:id="rId8"/>
-    <p:sldId id="269" r:id="rId9"/>
-    <p:sldId id="268" r:id="rId10"/>
-    <p:sldId id="266" r:id="rId11"/>
-    <p:sldId id="265" r:id="rId12"/>
-    <p:sldId id="267" r:id="rId13"/>
-    <p:sldId id="264" r:id="rId14"/>
-    <p:sldId id="263" r:id="rId15"/>
+    <p:sldId id="270" r:id="rId5"/>
+    <p:sldId id="271" r:id="rId6"/>
+    <p:sldId id="272" r:id="rId7"/>
+    <p:sldId id="275" r:id="rId8"/>
+    <p:sldId id="277" r:id="rId9"/>
+    <p:sldId id="276" r:id="rId10"/>
+    <p:sldId id="273" r:id="rId11"/>
+    <p:sldId id="268" r:id="rId12"/>
+    <p:sldId id="269" r:id="rId13"/>
+    <p:sldId id="266" r:id="rId14"/>
+    <p:sldId id="265" r:id="rId15"/>
+    <p:sldId id="267" r:id="rId16"/>
+    <p:sldId id="263" r:id="rId17"/>
+    <p:sldId id="262" r:id="rId18"/>
   </p:sldIdLst>
   <p:sldSz cx="9144000" cy="6858000" type="screen4x3"/>
   <p:notesSz cx="6858000" cy="9144000"/>
@@ -317,7 +320,7 @@
           <a:p>
             <a:fld id="{479DD079-A5C7-4211-B487-5DD4D6307C94}" type="datetimeFigureOut">
               <a:rPr lang="en-US" smtClean="0"/>
-              <a:t>1/12/2017</a:t>
+              <a:t>1/21/2017</a:t>
             </a:fld>
             <a:endParaRPr lang="en-US"/>
           </a:p>
@@ -487,7 +490,7 @@
           <a:p>
             <a:fld id="{479DD079-A5C7-4211-B487-5DD4D6307C94}" type="datetimeFigureOut">
               <a:rPr lang="en-US" smtClean="0"/>
-              <a:t>1/12/2017</a:t>
+              <a:t>1/21/2017</a:t>
             </a:fld>
             <a:endParaRPr lang="en-US"/>
           </a:p>
@@ -667,7 +670,7 @@
           <a:p>
             <a:fld id="{479DD079-A5C7-4211-B487-5DD4D6307C94}" type="datetimeFigureOut">
               <a:rPr lang="en-US" smtClean="0"/>
-              <a:t>1/12/2017</a:t>
+              <a:t>1/21/2017</a:t>
             </a:fld>
             <a:endParaRPr lang="en-US"/>
           </a:p>
@@ -837,7 +840,7 @@
           <a:p>
             <a:fld id="{479DD079-A5C7-4211-B487-5DD4D6307C94}" type="datetimeFigureOut">
               <a:rPr lang="en-US" smtClean="0"/>
-              <a:t>1/12/2017</a:t>
+              <a:t>1/21/2017</a:t>
             </a:fld>
             <a:endParaRPr lang="en-US"/>
           </a:p>
@@ -1083,7 +1086,7 @@
           <a:p>
             <a:fld id="{479DD079-A5C7-4211-B487-5DD4D6307C94}" type="datetimeFigureOut">
               <a:rPr lang="en-US" smtClean="0"/>
-              <a:t>1/12/2017</a:t>
+              <a:t>1/21/2017</a:t>
             </a:fld>
             <a:endParaRPr lang="en-US"/>
           </a:p>
@@ -1371,7 +1374,7 @@
           <a:p>
             <a:fld id="{479DD079-A5C7-4211-B487-5DD4D6307C94}" type="datetimeFigureOut">
               <a:rPr lang="en-US" smtClean="0"/>
-              <a:t>1/12/2017</a:t>
+              <a:t>1/21/2017</a:t>
             </a:fld>
             <a:endParaRPr lang="en-US"/>
           </a:p>
@@ -1793,7 +1796,7 @@
           <a:p>
             <a:fld id="{479DD079-A5C7-4211-B487-5DD4D6307C94}" type="datetimeFigureOut">
               <a:rPr lang="en-US" smtClean="0"/>
-              <a:t>1/12/2017</a:t>
+              <a:t>1/21/2017</a:t>
             </a:fld>
             <a:endParaRPr lang="en-US"/>
           </a:p>
@@ -1911,7 +1914,7 @@
           <a:p>
             <a:fld id="{479DD079-A5C7-4211-B487-5DD4D6307C94}" type="datetimeFigureOut">
               <a:rPr lang="en-US" smtClean="0"/>
-              <a:t>1/12/2017</a:t>
+              <a:t>1/21/2017</a:t>
             </a:fld>
             <a:endParaRPr lang="en-US"/>
           </a:p>
@@ -2006,7 +2009,7 @@
           <a:p>
             <a:fld id="{479DD079-A5C7-4211-B487-5DD4D6307C94}" type="datetimeFigureOut">
               <a:rPr lang="en-US" smtClean="0"/>
-              <a:t>1/12/2017</a:t>
+              <a:t>1/21/2017</a:t>
             </a:fld>
             <a:endParaRPr lang="en-US"/>
           </a:p>
@@ -2283,7 +2286,7 @@
           <a:p>
             <a:fld id="{479DD079-A5C7-4211-B487-5DD4D6307C94}" type="datetimeFigureOut">
               <a:rPr lang="en-US" smtClean="0"/>
-              <a:t>1/12/2017</a:t>
+              <a:t>1/21/2017</a:t>
             </a:fld>
             <a:endParaRPr lang="en-US"/>
           </a:p>
@@ -2540,7 +2543,7 @@
           <a:p>
             <a:fld id="{479DD079-A5C7-4211-B487-5DD4D6307C94}" type="datetimeFigureOut">
               <a:rPr lang="en-US" smtClean="0"/>
-              <a:t>1/12/2017</a:t>
+              <a:t>1/21/2017</a:t>
             </a:fld>
             <a:endParaRPr lang="en-US"/>
           </a:p>
@@ -2753,7 +2756,7 @@
           <a:p>
             <a:fld id="{479DD079-A5C7-4211-B487-5DD4D6307C94}" type="datetimeFigureOut">
               <a:rPr lang="en-US" smtClean="0"/>
-              <a:t>1/12/2017</a:t>
+              <a:t>1/21/2017</a:t>
             </a:fld>
             <a:endParaRPr lang="en-US"/>
           </a:p>
@@ -4167,28 +4170,12 @@
           <a:p>
             <a:pPr algn="l"/>
             <a:r>
-              <a:rPr lang="en-US" sz="3200" dirty="0" err="1" smtClean="0">
+              <a:rPr lang="en-US" sz="3200" dirty="0" smtClean="0">
                 <a:solidFill>
                   <a:srgbClr val="00B0F0"/>
                 </a:solidFill>
               </a:rPr>
-              <a:t>Zarizeni</a:t>
-            </a:r>
-            <a:r>
-              <a:rPr lang="en-US" sz="3200" dirty="0" smtClean="0">
-                <a:solidFill>
-                  <a:srgbClr val="00B0F0"/>
-                </a:solidFill>
-              </a:rPr>
-              <a:t> od </a:t>
-            </a:r>
-            <a:r>
-              <a:rPr lang="en-US" sz="3200" dirty="0" err="1" smtClean="0">
-                <a:solidFill>
-                  <a:srgbClr val="00B0F0"/>
-                </a:solidFill>
-              </a:rPr>
-              <a:t>Jakuba</a:t>
+              <a:t>Breadboard</a:t>
             </a:r>
             <a:endParaRPr lang="en-US" sz="3200" dirty="0">
               <a:solidFill>
@@ -4252,7 +4239,7 @@
         <p:spPr>
           <a:xfrm>
             <a:off x="611560" y="1304764"/>
-            <a:ext cx="8084999" cy="5004556"/>
+            <a:ext cx="4495503" cy="5004556"/>
           </a:xfrm>
           <a:prstGeom prst="rect">
             <a:avLst/>
@@ -4400,9 +4387,64 @@
             </a:pPr>
             <a:r>
               <a:rPr lang="en-US" sz="2400" b="0" dirty="0" smtClean="0"/>
-              <a:t>Text</a:t>
+              <a:t>+/- are connected vertically.</a:t>
             </a:r>
+          </a:p>
+          <a:p>
+            <a:pPr marL="457200" indent="-457200" algn="l">
+              <a:buFont typeface="Courier New" panose="02070309020205020404" pitchFamily="49" charset="0"/>
+              <a:buChar char="o"/>
+            </a:pPr>
+            <a:r>
+              <a:rPr lang="en-US" sz="2400" b="0" dirty="0" smtClean="0"/>
+              <a:t>+/- from one side is NOT connected to other side.</a:t>
+            </a:r>
+          </a:p>
+          <a:p>
+            <a:pPr marL="457200" indent="-457200" algn="l">
+              <a:buFont typeface="Courier New" panose="02070309020205020404" pitchFamily="49" charset="0"/>
+              <a:buChar char="o"/>
+            </a:pPr>
             <a:endParaRPr lang="en-US" sz="2400" b="0" dirty="0"/>
+          </a:p>
+          <a:p>
+            <a:pPr marL="457200" indent="-457200" algn="l">
+              <a:buFont typeface="Courier New" panose="02070309020205020404" pitchFamily="49" charset="0"/>
+              <a:buChar char="o"/>
+            </a:pPr>
+            <a:r>
+              <a:rPr lang="en-US" sz="2400" b="0" dirty="0" smtClean="0"/>
+              <a:t>A-E and F-J are connected horizontally.</a:t>
+            </a:r>
+          </a:p>
+          <a:p>
+            <a:pPr marL="457200" indent="-457200" algn="l">
+              <a:buFont typeface="Courier New" panose="02070309020205020404" pitchFamily="49" charset="0"/>
+              <a:buChar char="o"/>
+            </a:pPr>
+            <a:r>
+              <a:rPr lang="en-US" sz="2400" b="0" dirty="0" smtClean="0"/>
+              <a:t>A-E is NOT connected to F-J.</a:t>
+            </a:r>
+          </a:p>
+          <a:p>
+            <a:pPr marL="457200" indent="-457200" algn="l">
+              <a:buFont typeface="Courier New" panose="02070309020205020404" pitchFamily="49" charset="0"/>
+              <a:buChar char="o"/>
+            </a:pPr>
+            <a:r>
+              <a:rPr lang="en-US" sz="2400" b="0" dirty="0" smtClean="0"/>
+              <a:t>Connection example on 4</a:t>
+            </a:r>
+            <a:r>
+              <a:rPr lang="en-US" sz="2400" b="0" baseline="30000" dirty="0" smtClean="0"/>
+              <a:t>th</a:t>
+            </a:r>
+            <a:r>
+              <a:rPr lang="en-US" sz="2400" b="0" dirty="0" smtClean="0"/>
+              <a:t> line</a:t>
+            </a:r>
+            <a:endParaRPr lang="en-US" sz="2200" b="0" dirty="0"/>
           </a:p>
         </p:txBody>
       </p:sp>
@@ -4430,10 +4472,40 @@
           </a:prstGeom>
         </p:spPr>
       </p:pic>
+      <p:pic>
+        <p:nvPicPr>
+          <p:cNvPr id="4" name="Picture 3"/>
+          <p:cNvPicPr>
+            <a:picLocks noChangeAspect="1"/>
+          </p:cNvPicPr>
+          <p:nvPr/>
+        </p:nvPicPr>
+        <p:blipFill>
+          <a:blip r:embed="rId3">
+            <a:extLst>
+              <a:ext uri="{28A0092B-C50C-407E-A947-70E740481C1C}">
+                <a14:useLocalDpi xmlns:a14="http://schemas.microsoft.com/office/drawing/2010/main" val="0"/>
+              </a:ext>
+            </a:extLst>
+          </a:blip>
+          <a:stretch>
+            <a:fillRect/>
+          </a:stretch>
+        </p:blipFill>
+        <p:spPr>
+          <a:xfrm>
+            <a:off x="5107063" y="657351"/>
+            <a:ext cx="3813217" cy="5646293"/>
+          </a:xfrm>
+          <a:prstGeom prst="rect">
+            <a:avLst/>
+          </a:prstGeom>
+        </p:spPr>
+      </p:pic>
     </p:spTree>
     <p:extLst>
       <p:ext uri="{BB962C8B-B14F-4D97-AF65-F5344CB8AC3E}">
-        <p14:creationId xmlns:p14="http://schemas.microsoft.com/office/powerpoint/2010/main" val="197425036"/>
+        <p14:creationId xmlns:p14="http://schemas.microsoft.com/office/powerpoint/2010/main" val="722208484"/>
       </p:ext>
     </p:extLst>
   </p:cSld>
@@ -4627,15 +4699,7 @@
                   <a:srgbClr val="00B0F0"/>
                 </a:solidFill>
               </a:rPr>
-              <a:t>DS1820 – </a:t>
-            </a:r>
-            <a:r>
-              <a:rPr lang="cs-CZ" sz="3200" dirty="0" smtClean="0">
-                <a:solidFill>
-                  <a:srgbClr val="00B0F0"/>
-                </a:solidFill>
-              </a:rPr>
-              <a:t>Teplota</a:t>
+              <a:t>Install on Windows</a:t>
             </a:r>
             <a:endParaRPr lang="en-US" sz="3200" dirty="0">
               <a:solidFill>
@@ -4847,27 +4911,7 @@
             </a:pPr>
             <a:r>
               <a:rPr lang="en-US" sz="2400" b="0" dirty="0" smtClean="0"/>
-              <a:t>Vic </a:t>
-            </a:r>
-            <a:r>
-              <a:rPr lang="en-US" sz="2400" b="0" dirty="0" err="1" smtClean="0"/>
-              <a:t>na</a:t>
-            </a:r>
-            <a:r>
-              <a:rPr lang="en-US" sz="2400" b="0" dirty="0" smtClean="0"/>
-              <a:t> drat, </a:t>
-            </a:r>
-            <a:r>
-              <a:rPr lang="en-US" sz="2400" b="0" dirty="0" err="1" smtClean="0"/>
-              <a:t>odpor</a:t>
-            </a:r>
-            <a:r>
-              <a:rPr lang="en-US" sz="2400" b="0" dirty="0" smtClean="0"/>
-              <a:t> co </a:t>
-            </a:r>
-            <a:r>
-              <a:rPr lang="en-US" sz="2400" b="0" dirty="0" err="1" smtClean="0"/>
-              <a:t>nejbliz</a:t>
+              <a:t>Text</a:t>
             </a:r>
             <a:endParaRPr lang="en-US" sz="2400" b="0" dirty="0"/>
           </a:p>
@@ -4900,7 +4944,7 @@
     </p:spTree>
     <p:extLst>
       <p:ext uri="{BB962C8B-B14F-4D97-AF65-F5344CB8AC3E}">
-        <p14:creationId xmlns:p14="http://schemas.microsoft.com/office/powerpoint/2010/main" val="3251745859"/>
+        <p14:creationId xmlns:p14="http://schemas.microsoft.com/office/powerpoint/2010/main" val="2917186210"/>
       </p:ext>
     </p:extLst>
   </p:cSld>
@@ -5089,28 +5133,12 @@
           <a:p>
             <a:pPr algn="l"/>
             <a:r>
-              <a:rPr lang="cs-CZ" sz="3200" dirty="0" err="1" smtClean="0">
+              <a:rPr lang="en-US" sz="3200" dirty="0" smtClean="0">
                 <a:solidFill>
                   <a:srgbClr val="00B0F0"/>
                 </a:solidFill>
               </a:rPr>
-              <a:t>DHTxxx</a:t>
-            </a:r>
-            <a:r>
-              <a:rPr lang="en-US" sz="3200" dirty="0" smtClean="0">
-                <a:solidFill>
-                  <a:srgbClr val="00B0F0"/>
-                </a:solidFill>
-              </a:rPr>
-              <a:t> – </a:t>
-            </a:r>
-            <a:r>
-              <a:rPr lang="cs-CZ" sz="3200" dirty="0" smtClean="0">
-                <a:solidFill>
-                  <a:srgbClr val="00B0F0"/>
-                </a:solidFill>
-              </a:rPr>
-              <a:t>Teplota a vlhkost</a:t>
+              <a:t>Install on Mac OS X</a:t>
             </a:r>
             <a:endParaRPr lang="en-US" sz="3200" dirty="0">
               <a:solidFill>
@@ -5321,30 +5349,127 @@
               <a:buChar char="o"/>
             </a:pPr>
             <a:r>
-              <a:rPr lang="en-US" sz="2400" b="0" dirty="0" smtClean="0"/>
-              <a:t>Vic </a:t>
+              <a:rPr lang="en-US" sz="2200" b="0" dirty="0" smtClean="0"/>
+              <a:t>Tutorial</a:t>
+            </a:r>
+          </a:p>
+          <a:p>
+            <a:pPr lvl="1" algn="l"/>
+            <a:r>
+              <a:rPr lang="en-US" sz="2000" b="0" dirty="0" smtClean="0">
+                <a:hlinkClick r:id="rId2"/>
+              </a:rPr>
+              <a:t>https</a:t>
             </a:r>
             <a:r>
-              <a:rPr lang="en-US" sz="2400" b="0" dirty="0" err="1" smtClean="0"/>
-              <a:t>na</a:t>
+              <a:rPr lang="en-US" sz="2000" b="0" dirty="0">
+                <a:hlinkClick r:id="rId2"/>
+              </a:rPr>
+              <a:t>://</a:t>
             </a:r>
             <a:r>
-              <a:rPr lang="en-US" sz="2400" b="0" dirty="0" smtClean="0"/>
-              <a:t> drat, </a:t>
+              <a:rPr lang="en-US" sz="2000" b="0" dirty="0" smtClean="0">
+                <a:hlinkClick r:id="rId2"/>
+              </a:rPr>
+              <a:t>github.com/nodemcu/nodemcu-devkit/wiki/Getting-Started-on-OSX</a:t>
+            </a:r>
+            <a:endParaRPr lang="en-US" sz="2000" b="0" dirty="0" smtClean="0"/>
+          </a:p>
+          <a:p>
+            <a:pPr marL="914400" lvl="1" indent="-457200" algn="l">
+              <a:buFont typeface="Courier New" panose="02070309020205020404" pitchFamily="49" charset="0"/>
+              <a:buChar char="o"/>
+            </a:pPr>
+            <a:r>
+              <a:rPr lang="en-US" sz="2000" dirty="0" smtClean="0"/>
+              <a:t>Install driver</a:t>
+            </a:r>
+          </a:p>
+          <a:p>
+            <a:pPr marL="914400" lvl="1" indent="-457200" algn="l">
+              <a:buFont typeface="Courier New" panose="02070309020205020404" pitchFamily="49" charset="0"/>
+              <a:buChar char="o"/>
+            </a:pPr>
+            <a:r>
+              <a:rPr lang="en-US" sz="2000" b="0" dirty="0" smtClean="0"/>
+              <a:t>Install </a:t>
             </a:r>
             <a:r>
-              <a:rPr lang="en-US" sz="2400" b="0" dirty="0" err="1" smtClean="0"/>
-              <a:t>odpor</a:t>
+              <a:rPr lang="en-US" sz="2000" b="0" dirty="0" err="1" smtClean="0"/>
+              <a:t>ESPlorer</a:t>
+            </a:r>
+            <a:endParaRPr lang="en-US" sz="2000" dirty="0"/>
+          </a:p>
+          <a:p>
+            <a:pPr marL="914400" lvl="1" indent="-457200" algn="l">
+              <a:buFont typeface="Courier New" panose="02070309020205020404" pitchFamily="49" charset="0"/>
+              <a:buChar char="o"/>
+            </a:pPr>
+            <a:r>
+              <a:rPr lang="en-US" sz="2000" dirty="0" smtClean="0"/>
+              <a:t>Install python</a:t>
+            </a:r>
+          </a:p>
+          <a:p>
+            <a:pPr marL="914400" lvl="1" indent="-457200" algn="l">
+              <a:buFont typeface="Courier New" panose="02070309020205020404" pitchFamily="49" charset="0"/>
+              <a:buChar char="o"/>
+            </a:pPr>
+            <a:r>
+              <a:rPr lang="en-US" sz="2000" b="0" dirty="0" smtClean="0"/>
+              <a:t>Install </a:t>
             </a:r>
             <a:r>
+              <a:rPr lang="en-US" sz="2000" b="0" dirty="0" err="1" smtClean="0"/>
+              <a:t>esptool</a:t>
+            </a:r>
+            <a:endParaRPr lang="en-US" sz="2000" b="0" dirty="0" smtClean="0"/>
+          </a:p>
+          <a:p>
+            <a:pPr marL="457200" indent="-457200" algn="l">
+              <a:buFont typeface="Courier New" panose="02070309020205020404" pitchFamily="49" charset="0"/>
+              <a:buChar char="o"/>
+            </a:pPr>
+            <a:endParaRPr lang="en-US" sz="2400" b="0" dirty="0"/>
+          </a:p>
+          <a:p>
+            <a:pPr marL="457200" indent="-457200" algn="l">
+              <a:buFont typeface="Courier New" panose="02070309020205020404" pitchFamily="49" charset="0"/>
+              <a:buChar char="o"/>
+            </a:pPr>
+            <a:r>
               <a:rPr lang="en-US" sz="2400" b="0" dirty="0" smtClean="0"/>
-              <a:t> co </a:t>
+              <a:t>Driver:</a:t>
+            </a:r>
+          </a:p>
+          <a:p>
+            <a:pPr lvl="1" algn="l"/>
+            <a:r>
+              <a:rPr lang="en-US" sz="2200" b="0" dirty="0" smtClean="0">
+                <a:hlinkClick r:id="rId3"/>
+              </a:rPr>
+              <a:t>http</a:t>
             </a:r>
             <a:r>
-              <a:rPr lang="en-US" sz="2400" b="0" dirty="0" err="1" smtClean="0"/>
-              <a:t>nejbliz</a:t>
+              <a:rPr lang="en-US" sz="2200" b="0" dirty="0">
+                <a:hlinkClick r:id="rId3"/>
+              </a:rPr>
+              <a:t>://</a:t>
             </a:r>
-            <a:endParaRPr lang="en-US" sz="2400" b="0" dirty="0"/>
+            <a:r>
+              <a:rPr lang="en-US" sz="2200" b="0" dirty="0" smtClean="0">
+                <a:hlinkClick r:id="rId3"/>
+              </a:rPr>
+              <a:t>www.prolific.com.tw/US/ShowProduct.aspx?p_id=229&amp;pcid=41</a:t>
+            </a:r>
+            <a:endParaRPr lang="en-US" sz="2200" b="0" dirty="0" smtClean="0"/>
+          </a:p>
+          <a:p>
+            <a:pPr marL="457200" indent="-457200" algn="l">
+              <a:buFont typeface="Courier New" panose="02070309020205020404" pitchFamily="49" charset="0"/>
+              <a:buChar char="o"/>
+            </a:pPr>
+            <a:endParaRPr lang="en-US" sz="2400" b="0" dirty="0" smtClean="0"/>
           </a:p>
         </p:txBody>
       </p:sp>
@@ -5357,7 +5482,7 @@
           <p:nvPr/>
         </p:nvPicPr>
         <p:blipFill>
-          <a:blip r:embed="rId2"/>
+          <a:blip r:embed="rId4"/>
           <a:stretch>
             <a:fillRect/>
           </a:stretch>
@@ -5375,7 +5500,7 @@
     </p:spTree>
     <p:extLst>
       <p:ext uri="{BB962C8B-B14F-4D97-AF65-F5344CB8AC3E}">
-        <p14:creationId xmlns:p14="http://schemas.microsoft.com/office/powerpoint/2010/main" val="644679015"/>
+        <p14:creationId xmlns:p14="http://schemas.microsoft.com/office/powerpoint/2010/main" val="229410286"/>
       </p:ext>
     </p:extLst>
   </p:cSld>
@@ -5564,12 +5689,28 @@
           <a:p>
             <a:pPr algn="l"/>
             <a:r>
+              <a:rPr lang="en-US" sz="3200" dirty="0" err="1" smtClean="0">
+                <a:solidFill>
+                  <a:srgbClr val="00B0F0"/>
+                </a:solidFill>
+              </a:rPr>
+              <a:t>Zarizeni</a:t>
+            </a:r>
+            <a:r>
               <a:rPr lang="en-US" sz="3200" dirty="0" smtClean="0">
                 <a:solidFill>
                   <a:srgbClr val="00B0F0"/>
                 </a:solidFill>
               </a:rPr>
-              <a:t>HW – What to buy?</a:t>
+              <a:t> od </a:t>
+            </a:r>
+            <a:r>
+              <a:rPr lang="en-US" sz="3200" dirty="0" err="1" smtClean="0">
+                <a:solidFill>
+                  <a:srgbClr val="00B0F0"/>
+                </a:solidFill>
+              </a:rPr>
+              <a:t>Jakuba</a:t>
             </a:r>
             <a:endParaRPr lang="en-US" sz="3200" dirty="0">
               <a:solidFill>
@@ -5814,7 +5955,7 @@
     </p:spTree>
     <p:extLst>
       <p:ext uri="{BB962C8B-B14F-4D97-AF65-F5344CB8AC3E}">
-        <p14:creationId xmlns:p14="http://schemas.microsoft.com/office/powerpoint/2010/main" val="2252176339"/>
+        <p14:creationId xmlns:p14="http://schemas.microsoft.com/office/powerpoint/2010/main" val="197425036"/>
       </p:ext>
     </p:extLst>
   </p:cSld>
@@ -6008,7 +6149,15 @@
                   <a:srgbClr val="00B0F0"/>
                 </a:solidFill>
               </a:rPr>
-              <a:t>Arduino IDE</a:t>
+              <a:t>DS1820 – </a:t>
+            </a:r>
+            <a:r>
+              <a:rPr lang="en-US" sz="3200" dirty="0" smtClean="0">
+                <a:solidFill>
+                  <a:srgbClr val="00B0F0"/>
+                </a:solidFill>
+              </a:rPr>
+              <a:t>Temperature</a:t>
             </a:r>
             <a:endParaRPr lang="en-US" sz="3200" dirty="0">
               <a:solidFill>
@@ -6220,6 +6369,912 @@
             </a:pPr>
             <a:r>
               <a:rPr lang="en-US" sz="2400" b="0" dirty="0" smtClean="0"/>
+              <a:t>It is possible to connect mor</a:t>
+            </a:r>
+            <a:r>
+              <a:rPr lang="en-US" sz="2400" b="0" dirty="0" smtClean="0"/>
+              <a:t>e DS1820 to one wire connected to one GPIO.</a:t>
+            </a:r>
+            <a:endParaRPr lang="en-US" sz="2400" b="0" dirty="0"/>
+          </a:p>
+        </p:txBody>
+      </p:sp>
+      <p:pic>
+        <p:nvPicPr>
+          <p:cNvPr id="6" name="Picture 5"/>
+          <p:cNvPicPr>
+            <a:picLocks noChangeAspect="1"/>
+          </p:cNvPicPr>
+          <p:nvPr/>
+        </p:nvPicPr>
+        <p:blipFill>
+          <a:blip r:embed="rId2"/>
+          <a:stretch>
+            <a:fillRect/>
+          </a:stretch>
+        </p:blipFill>
+        <p:spPr>
+          <a:xfrm>
+            <a:off x="467544" y="408935"/>
+            <a:ext cx="809945" cy="623850"/>
+          </a:xfrm>
+          <a:prstGeom prst="rect">
+            <a:avLst/>
+          </a:prstGeom>
+        </p:spPr>
+      </p:pic>
+    </p:spTree>
+    <p:extLst>
+      <p:ext uri="{BB962C8B-B14F-4D97-AF65-F5344CB8AC3E}">
+        <p14:creationId xmlns:p14="http://schemas.microsoft.com/office/powerpoint/2010/main" val="3251745859"/>
+      </p:ext>
+    </p:extLst>
+  </p:cSld>
+  <p:clrMapOvr>
+    <a:masterClrMapping/>
+  </p:clrMapOvr>
+  <p:timing>
+    <p:tnLst>
+      <p:par>
+        <p:cTn id="1" dur="indefinite" restart="never" nodeType="tmRoot"/>
+      </p:par>
+    </p:tnLst>
+  </p:timing>
+</p:sld>
+</file>
+
+<file path=ppt/slides/slide15.xml><?xml version="1.0" encoding="utf-8"?>
+<p:sld xmlns:a="http://schemas.openxmlformats.org/drawingml/2006/main" xmlns:r="http://schemas.openxmlformats.org/officeDocument/2006/relationships" xmlns:p="http://schemas.openxmlformats.org/presentationml/2006/main">
+  <p:cSld>
+    <p:spTree>
+      <p:nvGrpSpPr>
+        <p:cNvPr id="1" name=""/>
+        <p:cNvGrpSpPr/>
+        <p:nvPr/>
+      </p:nvGrpSpPr>
+      <p:grpSpPr>
+        <a:xfrm>
+          <a:off x="0" y="0"/>
+          <a:ext cx="0" cy="0"/>
+          <a:chOff x="0" y="0"/>
+          <a:chExt cx="0" cy="0"/>
+        </a:xfrm>
+      </p:grpSpPr>
+      <p:sp>
+        <p:nvSpPr>
+          <p:cNvPr id="2" name="Subtitle 2"/>
+          <p:cNvSpPr txBox="1">
+            <a:spLocks/>
+          </p:cNvSpPr>
+          <p:nvPr/>
+        </p:nvSpPr>
+        <p:spPr>
+          <a:xfrm>
+            <a:off x="1547664" y="332656"/>
+            <a:ext cx="7264896" cy="776408"/>
+          </a:xfrm>
+          <a:prstGeom prst="rect">
+            <a:avLst/>
+          </a:prstGeom>
+        </p:spPr>
+        <p:txBody>
+          <a:bodyPr vert="horz" lIns="91440" tIns="45720" rIns="91440" bIns="45720" rtlCol="0" anchor="ctr">
+            <a:normAutofit/>
+          </a:bodyPr>
+          <a:lstStyle>
+            <a:lvl1pPr indent="0" algn="ctr">
+              <a:spcBef>
+                <a:spcPct val="20000"/>
+              </a:spcBef>
+              <a:buFont typeface="Arial" panose="020B0604020202020204" pitchFamily="34" charset="0"/>
+              <a:buNone/>
+              <a:defRPr sz="3000" b="1">
+                <a:solidFill>
+                  <a:schemeClr val="tx1">
+                    <a:tint val="75000"/>
+                  </a:schemeClr>
+                </a:solidFill>
+                <a:latin typeface="Tahoma" panose="020B0604030504040204" pitchFamily="34" charset="0"/>
+                <a:ea typeface="Tahoma" panose="020B0604030504040204" pitchFamily="34" charset="0"/>
+                <a:cs typeface="Tahoma" panose="020B0604030504040204" pitchFamily="34" charset="0"/>
+              </a:defRPr>
+            </a:lvl1pPr>
+            <a:lvl2pPr indent="0" algn="ctr">
+              <a:spcBef>
+                <a:spcPct val="20000"/>
+              </a:spcBef>
+              <a:buFont typeface="Arial" panose="020B0604020202020204" pitchFamily="34" charset="0"/>
+              <a:buNone/>
+              <a:defRPr sz="2800">
+                <a:solidFill>
+                  <a:schemeClr val="tx1">
+                    <a:tint val="75000"/>
+                  </a:schemeClr>
+                </a:solidFill>
+              </a:defRPr>
+            </a:lvl2pPr>
+            <a:lvl3pPr indent="0" algn="ctr">
+              <a:spcBef>
+                <a:spcPct val="20000"/>
+              </a:spcBef>
+              <a:buFont typeface="Arial" panose="020B0604020202020204" pitchFamily="34" charset="0"/>
+              <a:buNone/>
+              <a:defRPr sz="2400">
+                <a:solidFill>
+                  <a:schemeClr val="tx1">
+                    <a:tint val="75000"/>
+                  </a:schemeClr>
+                </a:solidFill>
+              </a:defRPr>
+            </a:lvl3pPr>
+            <a:lvl4pPr indent="0" algn="ctr">
+              <a:spcBef>
+                <a:spcPct val="20000"/>
+              </a:spcBef>
+              <a:buFont typeface="Arial" panose="020B0604020202020204" pitchFamily="34" charset="0"/>
+              <a:buNone/>
+              <a:defRPr sz="2000">
+                <a:solidFill>
+                  <a:schemeClr val="tx1">
+                    <a:tint val="75000"/>
+                  </a:schemeClr>
+                </a:solidFill>
+              </a:defRPr>
+            </a:lvl4pPr>
+            <a:lvl5pPr indent="0" algn="ctr">
+              <a:spcBef>
+                <a:spcPct val="20000"/>
+              </a:spcBef>
+              <a:buFont typeface="Arial" panose="020B0604020202020204" pitchFamily="34" charset="0"/>
+              <a:buNone/>
+              <a:defRPr sz="2000">
+                <a:solidFill>
+                  <a:schemeClr val="tx1">
+                    <a:tint val="75000"/>
+                  </a:schemeClr>
+                </a:solidFill>
+              </a:defRPr>
+            </a:lvl5pPr>
+            <a:lvl6pPr indent="0" algn="ctr">
+              <a:spcBef>
+                <a:spcPct val="20000"/>
+              </a:spcBef>
+              <a:buFont typeface="Arial" panose="020B0604020202020204" pitchFamily="34" charset="0"/>
+              <a:buNone/>
+              <a:defRPr sz="2000">
+                <a:solidFill>
+                  <a:schemeClr val="tx1">
+                    <a:tint val="75000"/>
+                  </a:schemeClr>
+                </a:solidFill>
+              </a:defRPr>
+            </a:lvl6pPr>
+            <a:lvl7pPr indent="0" algn="ctr">
+              <a:spcBef>
+                <a:spcPct val="20000"/>
+              </a:spcBef>
+              <a:buFont typeface="Arial" panose="020B0604020202020204" pitchFamily="34" charset="0"/>
+              <a:buNone/>
+              <a:defRPr sz="2000">
+                <a:solidFill>
+                  <a:schemeClr val="tx1">
+                    <a:tint val="75000"/>
+                  </a:schemeClr>
+                </a:solidFill>
+              </a:defRPr>
+            </a:lvl7pPr>
+            <a:lvl8pPr indent="0" algn="ctr">
+              <a:spcBef>
+                <a:spcPct val="20000"/>
+              </a:spcBef>
+              <a:buFont typeface="Arial" panose="020B0604020202020204" pitchFamily="34" charset="0"/>
+              <a:buNone/>
+              <a:defRPr sz="2000">
+                <a:solidFill>
+                  <a:schemeClr val="tx1">
+                    <a:tint val="75000"/>
+                  </a:schemeClr>
+                </a:solidFill>
+              </a:defRPr>
+            </a:lvl8pPr>
+            <a:lvl9pPr indent="0" algn="ctr">
+              <a:spcBef>
+                <a:spcPct val="20000"/>
+              </a:spcBef>
+              <a:buFont typeface="Arial" panose="020B0604020202020204" pitchFamily="34" charset="0"/>
+              <a:buNone/>
+              <a:defRPr sz="2000">
+                <a:solidFill>
+                  <a:schemeClr val="tx1">
+                    <a:tint val="75000"/>
+                  </a:schemeClr>
+                </a:solidFill>
+              </a:defRPr>
+            </a:lvl9pPr>
+          </a:lstStyle>
+          <a:p>
+            <a:pPr algn="l"/>
+            <a:r>
+              <a:rPr lang="cs-CZ" sz="3200" dirty="0" smtClean="0">
+                <a:solidFill>
+                  <a:srgbClr val="00B0F0"/>
+                </a:solidFill>
+              </a:rPr>
+              <a:t>DHT</a:t>
+            </a:r>
+            <a:r>
+              <a:rPr lang="en-US" sz="3200" dirty="0" smtClean="0">
+                <a:solidFill>
+                  <a:srgbClr val="00B0F0"/>
+                </a:solidFill>
+              </a:rPr>
+              <a:t>22 </a:t>
+            </a:r>
+            <a:r>
+              <a:rPr lang="en-US" sz="3200" dirty="0" smtClean="0">
+                <a:solidFill>
+                  <a:srgbClr val="00B0F0"/>
+                </a:solidFill>
+              </a:rPr>
+              <a:t>– </a:t>
+            </a:r>
+            <a:r>
+              <a:rPr lang="en-US" sz="3200" dirty="0" smtClean="0">
+                <a:solidFill>
+                  <a:srgbClr val="00B0F0"/>
+                </a:solidFill>
+              </a:rPr>
+              <a:t>Temperature &amp; Humidity</a:t>
+            </a:r>
+            <a:endParaRPr lang="en-US" sz="3200" dirty="0">
+              <a:solidFill>
+                <a:srgbClr val="00B0F0"/>
+              </a:solidFill>
+            </a:endParaRPr>
+          </a:p>
+        </p:txBody>
+      </p:sp>
+      <p:sp>
+        <p:nvSpPr>
+          <p:cNvPr id="3" name="Rectangle 2"/>
+          <p:cNvSpPr/>
+          <p:nvPr/>
+        </p:nvSpPr>
+        <p:spPr>
+          <a:xfrm>
+            <a:off x="2636" y="6309320"/>
+            <a:ext cx="9141365" cy="551206"/>
+          </a:xfrm>
+          <a:prstGeom prst="rect">
+            <a:avLst/>
+          </a:prstGeom>
+          <a:ln>
+            <a:noFill/>
+          </a:ln>
+        </p:spPr>
+        <p:style>
+          <a:lnRef idx="2">
+            <a:schemeClr val="accent1">
+              <a:shade val="50000"/>
+            </a:schemeClr>
+          </a:lnRef>
+          <a:fillRef idx="1">
+            <a:schemeClr val="accent1"/>
+          </a:fillRef>
+          <a:effectRef idx="0">
+            <a:schemeClr val="accent1"/>
+          </a:effectRef>
+          <a:fontRef idx="minor">
+            <a:schemeClr val="lt1"/>
+          </a:fontRef>
+        </p:style>
+        <p:txBody>
+          <a:bodyPr rtlCol="0" anchor="ctr"/>
+          <a:lstStyle/>
+          <a:p>
+            <a:pPr algn="ctr"/>
+            <a:endParaRPr lang="en-US"/>
+          </a:p>
+        </p:txBody>
+      </p:sp>
+      <p:sp>
+        <p:nvSpPr>
+          <p:cNvPr id="5" name="Subtitle 2"/>
+          <p:cNvSpPr txBox="1">
+            <a:spLocks/>
+          </p:cNvSpPr>
+          <p:nvPr/>
+        </p:nvSpPr>
+        <p:spPr>
+          <a:xfrm>
+            <a:off x="611560" y="1304764"/>
+            <a:ext cx="8084999" cy="5004556"/>
+          </a:xfrm>
+          <a:prstGeom prst="rect">
+            <a:avLst/>
+          </a:prstGeom>
+        </p:spPr>
+        <p:txBody>
+          <a:bodyPr vert="horz" lIns="91440" tIns="45720" rIns="91440" bIns="45720" rtlCol="0" anchor="t">
+            <a:normAutofit/>
+          </a:bodyPr>
+          <a:lstStyle>
+            <a:lvl1pPr indent="0" algn="ctr">
+              <a:spcBef>
+                <a:spcPct val="20000"/>
+              </a:spcBef>
+              <a:buFont typeface="Arial" panose="020B0604020202020204" pitchFamily="34" charset="0"/>
+              <a:buNone/>
+              <a:defRPr sz="3000" b="1">
+                <a:solidFill>
+                  <a:schemeClr val="tx1">
+                    <a:tint val="75000"/>
+                  </a:schemeClr>
+                </a:solidFill>
+                <a:latin typeface="Tahoma" panose="020B0604030504040204" pitchFamily="34" charset="0"/>
+                <a:ea typeface="Tahoma" panose="020B0604030504040204" pitchFamily="34" charset="0"/>
+                <a:cs typeface="Tahoma" panose="020B0604030504040204" pitchFamily="34" charset="0"/>
+              </a:defRPr>
+            </a:lvl1pPr>
+            <a:lvl2pPr indent="0" algn="ctr">
+              <a:spcBef>
+                <a:spcPct val="20000"/>
+              </a:spcBef>
+              <a:buFont typeface="Arial" panose="020B0604020202020204" pitchFamily="34" charset="0"/>
+              <a:buNone/>
+              <a:defRPr sz="2800">
+                <a:solidFill>
+                  <a:schemeClr val="tx1">
+                    <a:tint val="75000"/>
+                  </a:schemeClr>
+                </a:solidFill>
+              </a:defRPr>
+            </a:lvl2pPr>
+            <a:lvl3pPr indent="0" algn="ctr">
+              <a:spcBef>
+                <a:spcPct val="20000"/>
+              </a:spcBef>
+              <a:buFont typeface="Arial" panose="020B0604020202020204" pitchFamily="34" charset="0"/>
+              <a:buNone/>
+              <a:defRPr sz="2400">
+                <a:solidFill>
+                  <a:schemeClr val="tx1">
+                    <a:tint val="75000"/>
+                  </a:schemeClr>
+                </a:solidFill>
+              </a:defRPr>
+            </a:lvl3pPr>
+            <a:lvl4pPr indent="0" algn="ctr">
+              <a:spcBef>
+                <a:spcPct val="20000"/>
+              </a:spcBef>
+              <a:buFont typeface="Arial" panose="020B0604020202020204" pitchFamily="34" charset="0"/>
+              <a:buNone/>
+              <a:defRPr sz="2000">
+                <a:solidFill>
+                  <a:schemeClr val="tx1">
+                    <a:tint val="75000"/>
+                  </a:schemeClr>
+                </a:solidFill>
+              </a:defRPr>
+            </a:lvl4pPr>
+            <a:lvl5pPr indent="0" algn="ctr">
+              <a:spcBef>
+                <a:spcPct val="20000"/>
+              </a:spcBef>
+              <a:buFont typeface="Arial" panose="020B0604020202020204" pitchFamily="34" charset="0"/>
+              <a:buNone/>
+              <a:defRPr sz="2000">
+                <a:solidFill>
+                  <a:schemeClr val="tx1">
+                    <a:tint val="75000"/>
+                  </a:schemeClr>
+                </a:solidFill>
+              </a:defRPr>
+            </a:lvl5pPr>
+            <a:lvl6pPr indent="0" algn="ctr">
+              <a:spcBef>
+                <a:spcPct val="20000"/>
+              </a:spcBef>
+              <a:buFont typeface="Arial" panose="020B0604020202020204" pitchFamily="34" charset="0"/>
+              <a:buNone/>
+              <a:defRPr sz="2000">
+                <a:solidFill>
+                  <a:schemeClr val="tx1">
+                    <a:tint val="75000"/>
+                  </a:schemeClr>
+                </a:solidFill>
+              </a:defRPr>
+            </a:lvl6pPr>
+            <a:lvl7pPr indent="0" algn="ctr">
+              <a:spcBef>
+                <a:spcPct val="20000"/>
+              </a:spcBef>
+              <a:buFont typeface="Arial" panose="020B0604020202020204" pitchFamily="34" charset="0"/>
+              <a:buNone/>
+              <a:defRPr sz="2000">
+                <a:solidFill>
+                  <a:schemeClr val="tx1">
+                    <a:tint val="75000"/>
+                  </a:schemeClr>
+                </a:solidFill>
+              </a:defRPr>
+            </a:lvl7pPr>
+            <a:lvl8pPr indent="0" algn="ctr">
+              <a:spcBef>
+                <a:spcPct val="20000"/>
+              </a:spcBef>
+              <a:buFont typeface="Arial" panose="020B0604020202020204" pitchFamily="34" charset="0"/>
+              <a:buNone/>
+              <a:defRPr sz="2000">
+                <a:solidFill>
+                  <a:schemeClr val="tx1">
+                    <a:tint val="75000"/>
+                  </a:schemeClr>
+                </a:solidFill>
+              </a:defRPr>
+            </a:lvl8pPr>
+            <a:lvl9pPr indent="0" algn="ctr">
+              <a:spcBef>
+                <a:spcPct val="20000"/>
+              </a:spcBef>
+              <a:buFont typeface="Arial" panose="020B0604020202020204" pitchFamily="34" charset="0"/>
+              <a:buNone/>
+              <a:defRPr sz="2000">
+                <a:solidFill>
+                  <a:schemeClr val="tx1">
+                    <a:tint val="75000"/>
+                  </a:schemeClr>
+                </a:solidFill>
+              </a:defRPr>
+            </a:lvl9pPr>
+          </a:lstStyle>
+          <a:p>
+            <a:pPr marL="457200" indent="-457200" algn="l">
+              <a:buFont typeface="Courier New" panose="02070309020205020404" pitchFamily="49" charset="0"/>
+              <a:buChar char="o"/>
+            </a:pPr>
+            <a:r>
+              <a:rPr lang="en-US" sz="2400" b="0" dirty="0" smtClean="0"/>
+              <a:t>One DHT22 can be connected to one GPIO</a:t>
+            </a:r>
+            <a:endParaRPr lang="en-US" sz="2400" b="0" dirty="0"/>
+          </a:p>
+        </p:txBody>
+      </p:sp>
+      <p:pic>
+        <p:nvPicPr>
+          <p:cNvPr id="6" name="Picture 5"/>
+          <p:cNvPicPr>
+            <a:picLocks noChangeAspect="1"/>
+          </p:cNvPicPr>
+          <p:nvPr/>
+        </p:nvPicPr>
+        <p:blipFill>
+          <a:blip r:embed="rId2"/>
+          <a:stretch>
+            <a:fillRect/>
+          </a:stretch>
+        </p:blipFill>
+        <p:spPr>
+          <a:xfrm>
+            <a:off x="467544" y="408935"/>
+            <a:ext cx="809945" cy="623850"/>
+          </a:xfrm>
+          <a:prstGeom prst="rect">
+            <a:avLst/>
+          </a:prstGeom>
+        </p:spPr>
+      </p:pic>
+    </p:spTree>
+    <p:extLst>
+      <p:ext uri="{BB962C8B-B14F-4D97-AF65-F5344CB8AC3E}">
+        <p14:creationId xmlns:p14="http://schemas.microsoft.com/office/powerpoint/2010/main" val="644679015"/>
+      </p:ext>
+    </p:extLst>
+  </p:cSld>
+  <p:clrMapOvr>
+    <a:masterClrMapping/>
+  </p:clrMapOvr>
+  <p:timing>
+    <p:tnLst>
+      <p:par>
+        <p:cTn id="1" dur="indefinite" restart="never" nodeType="tmRoot"/>
+      </p:par>
+    </p:tnLst>
+  </p:timing>
+</p:sld>
+</file>
+
+<file path=ppt/slides/slide16.xml><?xml version="1.0" encoding="utf-8"?>
+<p:sld xmlns:a="http://schemas.openxmlformats.org/drawingml/2006/main" xmlns:r="http://schemas.openxmlformats.org/officeDocument/2006/relationships" xmlns:p="http://schemas.openxmlformats.org/presentationml/2006/main">
+  <p:cSld>
+    <p:spTree>
+      <p:nvGrpSpPr>
+        <p:cNvPr id="1" name=""/>
+        <p:cNvGrpSpPr/>
+        <p:nvPr/>
+      </p:nvGrpSpPr>
+      <p:grpSpPr>
+        <a:xfrm>
+          <a:off x="0" y="0"/>
+          <a:ext cx="0" cy="0"/>
+          <a:chOff x="0" y="0"/>
+          <a:chExt cx="0" cy="0"/>
+        </a:xfrm>
+      </p:grpSpPr>
+      <p:sp>
+        <p:nvSpPr>
+          <p:cNvPr id="2" name="Subtitle 2"/>
+          <p:cNvSpPr txBox="1">
+            <a:spLocks/>
+          </p:cNvSpPr>
+          <p:nvPr/>
+        </p:nvSpPr>
+        <p:spPr>
+          <a:xfrm>
+            <a:off x="1547664" y="332656"/>
+            <a:ext cx="7264896" cy="776408"/>
+          </a:xfrm>
+          <a:prstGeom prst="rect">
+            <a:avLst/>
+          </a:prstGeom>
+        </p:spPr>
+        <p:txBody>
+          <a:bodyPr vert="horz" lIns="91440" tIns="45720" rIns="91440" bIns="45720" rtlCol="0" anchor="ctr">
+            <a:normAutofit/>
+          </a:bodyPr>
+          <a:lstStyle>
+            <a:lvl1pPr indent="0" algn="ctr">
+              <a:spcBef>
+                <a:spcPct val="20000"/>
+              </a:spcBef>
+              <a:buFont typeface="Arial" panose="020B0604020202020204" pitchFamily="34" charset="0"/>
+              <a:buNone/>
+              <a:defRPr sz="3000" b="1">
+                <a:solidFill>
+                  <a:schemeClr val="tx1">
+                    <a:tint val="75000"/>
+                  </a:schemeClr>
+                </a:solidFill>
+                <a:latin typeface="Tahoma" panose="020B0604030504040204" pitchFamily="34" charset="0"/>
+                <a:ea typeface="Tahoma" panose="020B0604030504040204" pitchFamily="34" charset="0"/>
+                <a:cs typeface="Tahoma" panose="020B0604030504040204" pitchFamily="34" charset="0"/>
+              </a:defRPr>
+            </a:lvl1pPr>
+            <a:lvl2pPr indent="0" algn="ctr">
+              <a:spcBef>
+                <a:spcPct val="20000"/>
+              </a:spcBef>
+              <a:buFont typeface="Arial" panose="020B0604020202020204" pitchFamily="34" charset="0"/>
+              <a:buNone/>
+              <a:defRPr sz="2800">
+                <a:solidFill>
+                  <a:schemeClr val="tx1">
+                    <a:tint val="75000"/>
+                  </a:schemeClr>
+                </a:solidFill>
+              </a:defRPr>
+            </a:lvl2pPr>
+            <a:lvl3pPr indent="0" algn="ctr">
+              <a:spcBef>
+                <a:spcPct val="20000"/>
+              </a:spcBef>
+              <a:buFont typeface="Arial" panose="020B0604020202020204" pitchFamily="34" charset="0"/>
+              <a:buNone/>
+              <a:defRPr sz="2400">
+                <a:solidFill>
+                  <a:schemeClr val="tx1">
+                    <a:tint val="75000"/>
+                  </a:schemeClr>
+                </a:solidFill>
+              </a:defRPr>
+            </a:lvl3pPr>
+            <a:lvl4pPr indent="0" algn="ctr">
+              <a:spcBef>
+                <a:spcPct val="20000"/>
+              </a:spcBef>
+              <a:buFont typeface="Arial" panose="020B0604020202020204" pitchFamily="34" charset="0"/>
+              <a:buNone/>
+              <a:defRPr sz="2000">
+                <a:solidFill>
+                  <a:schemeClr val="tx1">
+                    <a:tint val="75000"/>
+                  </a:schemeClr>
+                </a:solidFill>
+              </a:defRPr>
+            </a:lvl4pPr>
+            <a:lvl5pPr indent="0" algn="ctr">
+              <a:spcBef>
+                <a:spcPct val="20000"/>
+              </a:spcBef>
+              <a:buFont typeface="Arial" panose="020B0604020202020204" pitchFamily="34" charset="0"/>
+              <a:buNone/>
+              <a:defRPr sz="2000">
+                <a:solidFill>
+                  <a:schemeClr val="tx1">
+                    <a:tint val="75000"/>
+                  </a:schemeClr>
+                </a:solidFill>
+              </a:defRPr>
+            </a:lvl5pPr>
+            <a:lvl6pPr indent="0" algn="ctr">
+              <a:spcBef>
+                <a:spcPct val="20000"/>
+              </a:spcBef>
+              <a:buFont typeface="Arial" panose="020B0604020202020204" pitchFamily="34" charset="0"/>
+              <a:buNone/>
+              <a:defRPr sz="2000">
+                <a:solidFill>
+                  <a:schemeClr val="tx1">
+                    <a:tint val="75000"/>
+                  </a:schemeClr>
+                </a:solidFill>
+              </a:defRPr>
+            </a:lvl6pPr>
+            <a:lvl7pPr indent="0" algn="ctr">
+              <a:spcBef>
+                <a:spcPct val="20000"/>
+              </a:spcBef>
+              <a:buFont typeface="Arial" panose="020B0604020202020204" pitchFamily="34" charset="0"/>
+              <a:buNone/>
+              <a:defRPr sz="2000">
+                <a:solidFill>
+                  <a:schemeClr val="tx1">
+                    <a:tint val="75000"/>
+                  </a:schemeClr>
+                </a:solidFill>
+              </a:defRPr>
+            </a:lvl7pPr>
+            <a:lvl8pPr indent="0" algn="ctr">
+              <a:spcBef>
+                <a:spcPct val="20000"/>
+              </a:spcBef>
+              <a:buFont typeface="Arial" panose="020B0604020202020204" pitchFamily="34" charset="0"/>
+              <a:buNone/>
+              <a:defRPr sz="2000">
+                <a:solidFill>
+                  <a:schemeClr val="tx1">
+                    <a:tint val="75000"/>
+                  </a:schemeClr>
+                </a:solidFill>
+              </a:defRPr>
+            </a:lvl8pPr>
+            <a:lvl9pPr indent="0" algn="ctr">
+              <a:spcBef>
+                <a:spcPct val="20000"/>
+              </a:spcBef>
+              <a:buFont typeface="Arial" panose="020B0604020202020204" pitchFamily="34" charset="0"/>
+              <a:buNone/>
+              <a:defRPr sz="2000">
+                <a:solidFill>
+                  <a:schemeClr val="tx1">
+                    <a:tint val="75000"/>
+                  </a:schemeClr>
+                </a:solidFill>
+              </a:defRPr>
+            </a:lvl9pPr>
+          </a:lstStyle>
+          <a:p>
+            <a:pPr algn="l"/>
+            <a:r>
+              <a:rPr lang="en-US" sz="3200" dirty="0" smtClean="0">
+                <a:solidFill>
+                  <a:srgbClr val="00B0F0"/>
+                </a:solidFill>
+              </a:rPr>
+              <a:t>Arduino IDE</a:t>
+            </a:r>
+            <a:endParaRPr lang="en-US" sz="3200" dirty="0">
+              <a:solidFill>
+                <a:srgbClr val="00B0F0"/>
+              </a:solidFill>
+            </a:endParaRPr>
+          </a:p>
+        </p:txBody>
+      </p:sp>
+      <p:sp>
+        <p:nvSpPr>
+          <p:cNvPr id="3" name="Rectangle 2"/>
+          <p:cNvSpPr/>
+          <p:nvPr/>
+        </p:nvSpPr>
+        <p:spPr>
+          <a:xfrm>
+            <a:off x="2636" y="6309320"/>
+            <a:ext cx="9141365" cy="551206"/>
+          </a:xfrm>
+          <a:prstGeom prst="rect">
+            <a:avLst/>
+          </a:prstGeom>
+          <a:ln>
+            <a:noFill/>
+          </a:ln>
+        </p:spPr>
+        <p:style>
+          <a:lnRef idx="2">
+            <a:schemeClr val="accent1">
+              <a:shade val="50000"/>
+            </a:schemeClr>
+          </a:lnRef>
+          <a:fillRef idx="1">
+            <a:schemeClr val="accent1"/>
+          </a:fillRef>
+          <a:effectRef idx="0">
+            <a:schemeClr val="accent1"/>
+          </a:effectRef>
+          <a:fontRef idx="minor">
+            <a:schemeClr val="lt1"/>
+          </a:fontRef>
+        </p:style>
+        <p:txBody>
+          <a:bodyPr rtlCol="0" anchor="ctr"/>
+          <a:lstStyle/>
+          <a:p>
+            <a:pPr algn="ctr"/>
+            <a:endParaRPr lang="en-US"/>
+          </a:p>
+        </p:txBody>
+      </p:sp>
+      <p:sp>
+        <p:nvSpPr>
+          <p:cNvPr id="5" name="Subtitle 2"/>
+          <p:cNvSpPr txBox="1">
+            <a:spLocks/>
+          </p:cNvSpPr>
+          <p:nvPr/>
+        </p:nvSpPr>
+        <p:spPr>
+          <a:xfrm>
+            <a:off x="611560" y="1304764"/>
+            <a:ext cx="8084999" cy="5004556"/>
+          </a:xfrm>
+          <a:prstGeom prst="rect">
+            <a:avLst/>
+          </a:prstGeom>
+        </p:spPr>
+        <p:txBody>
+          <a:bodyPr vert="horz" lIns="91440" tIns="45720" rIns="91440" bIns="45720" rtlCol="0" anchor="t">
+            <a:normAutofit/>
+          </a:bodyPr>
+          <a:lstStyle>
+            <a:lvl1pPr indent="0" algn="ctr">
+              <a:spcBef>
+                <a:spcPct val="20000"/>
+              </a:spcBef>
+              <a:buFont typeface="Arial" panose="020B0604020202020204" pitchFamily="34" charset="0"/>
+              <a:buNone/>
+              <a:defRPr sz="3000" b="1">
+                <a:solidFill>
+                  <a:schemeClr val="tx1">
+                    <a:tint val="75000"/>
+                  </a:schemeClr>
+                </a:solidFill>
+                <a:latin typeface="Tahoma" panose="020B0604030504040204" pitchFamily="34" charset="0"/>
+                <a:ea typeface="Tahoma" panose="020B0604030504040204" pitchFamily="34" charset="0"/>
+                <a:cs typeface="Tahoma" panose="020B0604030504040204" pitchFamily="34" charset="0"/>
+              </a:defRPr>
+            </a:lvl1pPr>
+            <a:lvl2pPr indent="0" algn="ctr">
+              <a:spcBef>
+                <a:spcPct val="20000"/>
+              </a:spcBef>
+              <a:buFont typeface="Arial" panose="020B0604020202020204" pitchFamily="34" charset="0"/>
+              <a:buNone/>
+              <a:defRPr sz="2800">
+                <a:solidFill>
+                  <a:schemeClr val="tx1">
+                    <a:tint val="75000"/>
+                  </a:schemeClr>
+                </a:solidFill>
+              </a:defRPr>
+            </a:lvl2pPr>
+            <a:lvl3pPr indent="0" algn="ctr">
+              <a:spcBef>
+                <a:spcPct val="20000"/>
+              </a:spcBef>
+              <a:buFont typeface="Arial" panose="020B0604020202020204" pitchFamily="34" charset="0"/>
+              <a:buNone/>
+              <a:defRPr sz="2400">
+                <a:solidFill>
+                  <a:schemeClr val="tx1">
+                    <a:tint val="75000"/>
+                  </a:schemeClr>
+                </a:solidFill>
+              </a:defRPr>
+            </a:lvl3pPr>
+            <a:lvl4pPr indent="0" algn="ctr">
+              <a:spcBef>
+                <a:spcPct val="20000"/>
+              </a:spcBef>
+              <a:buFont typeface="Arial" panose="020B0604020202020204" pitchFamily="34" charset="0"/>
+              <a:buNone/>
+              <a:defRPr sz="2000">
+                <a:solidFill>
+                  <a:schemeClr val="tx1">
+                    <a:tint val="75000"/>
+                  </a:schemeClr>
+                </a:solidFill>
+              </a:defRPr>
+            </a:lvl4pPr>
+            <a:lvl5pPr indent="0" algn="ctr">
+              <a:spcBef>
+                <a:spcPct val="20000"/>
+              </a:spcBef>
+              <a:buFont typeface="Arial" panose="020B0604020202020204" pitchFamily="34" charset="0"/>
+              <a:buNone/>
+              <a:defRPr sz="2000">
+                <a:solidFill>
+                  <a:schemeClr val="tx1">
+                    <a:tint val="75000"/>
+                  </a:schemeClr>
+                </a:solidFill>
+              </a:defRPr>
+            </a:lvl5pPr>
+            <a:lvl6pPr indent="0" algn="ctr">
+              <a:spcBef>
+                <a:spcPct val="20000"/>
+              </a:spcBef>
+              <a:buFont typeface="Arial" panose="020B0604020202020204" pitchFamily="34" charset="0"/>
+              <a:buNone/>
+              <a:defRPr sz="2000">
+                <a:solidFill>
+                  <a:schemeClr val="tx1">
+                    <a:tint val="75000"/>
+                  </a:schemeClr>
+                </a:solidFill>
+              </a:defRPr>
+            </a:lvl6pPr>
+            <a:lvl7pPr indent="0" algn="ctr">
+              <a:spcBef>
+                <a:spcPct val="20000"/>
+              </a:spcBef>
+              <a:buFont typeface="Arial" panose="020B0604020202020204" pitchFamily="34" charset="0"/>
+              <a:buNone/>
+              <a:defRPr sz="2000">
+                <a:solidFill>
+                  <a:schemeClr val="tx1">
+                    <a:tint val="75000"/>
+                  </a:schemeClr>
+                </a:solidFill>
+              </a:defRPr>
+            </a:lvl7pPr>
+            <a:lvl8pPr indent="0" algn="ctr">
+              <a:spcBef>
+                <a:spcPct val="20000"/>
+              </a:spcBef>
+              <a:buFont typeface="Arial" panose="020B0604020202020204" pitchFamily="34" charset="0"/>
+              <a:buNone/>
+              <a:defRPr sz="2000">
+                <a:solidFill>
+                  <a:schemeClr val="tx1">
+                    <a:tint val="75000"/>
+                  </a:schemeClr>
+                </a:solidFill>
+              </a:defRPr>
+            </a:lvl8pPr>
+            <a:lvl9pPr indent="0" algn="ctr">
+              <a:spcBef>
+                <a:spcPct val="20000"/>
+              </a:spcBef>
+              <a:buFont typeface="Arial" panose="020B0604020202020204" pitchFamily="34" charset="0"/>
+              <a:buNone/>
+              <a:defRPr sz="2000">
+                <a:solidFill>
+                  <a:schemeClr val="tx1">
+                    <a:tint val="75000"/>
+                  </a:schemeClr>
+                </a:solidFill>
+              </a:defRPr>
+            </a:lvl9pPr>
+          </a:lstStyle>
+          <a:p>
+            <a:pPr marL="457200" indent="-457200" algn="l">
+              <a:buFont typeface="Courier New" panose="02070309020205020404" pitchFamily="49" charset="0"/>
+              <a:buChar char="o"/>
+            </a:pPr>
+            <a:r>
+              <a:rPr lang="en-US" sz="2400" b="0" dirty="0" smtClean="0"/>
               <a:t>Install ESP 8266 support into Arduino IDE:</a:t>
             </a:r>
           </a:p>
@@ -6300,6 +7355,463 @@
     <p:extLst>
       <p:ext uri="{BB962C8B-B14F-4D97-AF65-F5344CB8AC3E}">
         <p14:creationId xmlns:p14="http://schemas.microsoft.com/office/powerpoint/2010/main" val="3233665424"/>
+      </p:ext>
+    </p:extLst>
+  </p:cSld>
+  <p:clrMapOvr>
+    <a:masterClrMapping/>
+  </p:clrMapOvr>
+  <p:timing>
+    <p:tnLst>
+      <p:par>
+        <p:cTn id="1" dur="indefinite" restart="never" nodeType="tmRoot"/>
+      </p:par>
+    </p:tnLst>
+  </p:timing>
+</p:sld>
+</file>
+
+<file path=ppt/slides/slide17.xml><?xml version="1.0" encoding="utf-8"?>
+<p:sld xmlns:a="http://schemas.openxmlformats.org/drawingml/2006/main" xmlns:r="http://schemas.openxmlformats.org/officeDocument/2006/relationships" xmlns:p="http://schemas.openxmlformats.org/presentationml/2006/main">
+  <p:cSld>
+    <p:spTree>
+      <p:nvGrpSpPr>
+        <p:cNvPr id="1" name=""/>
+        <p:cNvGrpSpPr/>
+        <p:nvPr/>
+      </p:nvGrpSpPr>
+      <p:grpSpPr>
+        <a:xfrm>
+          <a:off x="0" y="0"/>
+          <a:ext cx="0" cy="0"/>
+          <a:chOff x="0" y="0"/>
+          <a:chExt cx="0" cy="0"/>
+        </a:xfrm>
+      </p:grpSpPr>
+      <p:sp>
+        <p:nvSpPr>
+          <p:cNvPr id="2" name="Subtitle 2"/>
+          <p:cNvSpPr txBox="1">
+            <a:spLocks/>
+          </p:cNvSpPr>
+          <p:nvPr/>
+        </p:nvSpPr>
+        <p:spPr>
+          <a:xfrm>
+            <a:off x="1547664" y="332656"/>
+            <a:ext cx="7264896" cy="776408"/>
+          </a:xfrm>
+          <a:prstGeom prst="rect">
+            <a:avLst/>
+          </a:prstGeom>
+        </p:spPr>
+        <p:txBody>
+          <a:bodyPr vert="horz" lIns="91440" tIns="45720" rIns="91440" bIns="45720" rtlCol="0" anchor="ctr">
+            <a:normAutofit/>
+          </a:bodyPr>
+          <a:lstStyle>
+            <a:lvl1pPr indent="0" algn="ctr">
+              <a:spcBef>
+                <a:spcPct val="20000"/>
+              </a:spcBef>
+              <a:buFont typeface="Arial" panose="020B0604020202020204" pitchFamily="34" charset="0"/>
+              <a:buNone/>
+              <a:defRPr sz="3000" b="1">
+                <a:solidFill>
+                  <a:schemeClr val="tx1">
+                    <a:tint val="75000"/>
+                  </a:schemeClr>
+                </a:solidFill>
+                <a:latin typeface="Tahoma" panose="020B0604030504040204" pitchFamily="34" charset="0"/>
+                <a:ea typeface="Tahoma" panose="020B0604030504040204" pitchFamily="34" charset="0"/>
+                <a:cs typeface="Tahoma" panose="020B0604030504040204" pitchFamily="34" charset="0"/>
+              </a:defRPr>
+            </a:lvl1pPr>
+            <a:lvl2pPr indent="0" algn="ctr">
+              <a:spcBef>
+                <a:spcPct val="20000"/>
+              </a:spcBef>
+              <a:buFont typeface="Arial" panose="020B0604020202020204" pitchFamily="34" charset="0"/>
+              <a:buNone/>
+              <a:defRPr sz="2800">
+                <a:solidFill>
+                  <a:schemeClr val="tx1">
+                    <a:tint val="75000"/>
+                  </a:schemeClr>
+                </a:solidFill>
+              </a:defRPr>
+            </a:lvl2pPr>
+            <a:lvl3pPr indent="0" algn="ctr">
+              <a:spcBef>
+                <a:spcPct val="20000"/>
+              </a:spcBef>
+              <a:buFont typeface="Arial" panose="020B0604020202020204" pitchFamily="34" charset="0"/>
+              <a:buNone/>
+              <a:defRPr sz="2400">
+                <a:solidFill>
+                  <a:schemeClr val="tx1">
+                    <a:tint val="75000"/>
+                  </a:schemeClr>
+                </a:solidFill>
+              </a:defRPr>
+            </a:lvl3pPr>
+            <a:lvl4pPr indent="0" algn="ctr">
+              <a:spcBef>
+                <a:spcPct val="20000"/>
+              </a:spcBef>
+              <a:buFont typeface="Arial" panose="020B0604020202020204" pitchFamily="34" charset="0"/>
+              <a:buNone/>
+              <a:defRPr sz="2000">
+                <a:solidFill>
+                  <a:schemeClr val="tx1">
+                    <a:tint val="75000"/>
+                  </a:schemeClr>
+                </a:solidFill>
+              </a:defRPr>
+            </a:lvl4pPr>
+            <a:lvl5pPr indent="0" algn="ctr">
+              <a:spcBef>
+                <a:spcPct val="20000"/>
+              </a:spcBef>
+              <a:buFont typeface="Arial" panose="020B0604020202020204" pitchFamily="34" charset="0"/>
+              <a:buNone/>
+              <a:defRPr sz="2000">
+                <a:solidFill>
+                  <a:schemeClr val="tx1">
+                    <a:tint val="75000"/>
+                  </a:schemeClr>
+                </a:solidFill>
+              </a:defRPr>
+            </a:lvl5pPr>
+            <a:lvl6pPr indent="0" algn="ctr">
+              <a:spcBef>
+                <a:spcPct val="20000"/>
+              </a:spcBef>
+              <a:buFont typeface="Arial" panose="020B0604020202020204" pitchFamily="34" charset="0"/>
+              <a:buNone/>
+              <a:defRPr sz="2000">
+                <a:solidFill>
+                  <a:schemeClr val="tx1">
+                    <a:tint val="75000"/>
+                  </a:schemeClr>
+                </a:solidFill>
+              </a:defRPr>
+            </a:lvl6pPr>
+            <a:lvl7pPr indent="0" algn="ctr">
+              <a:spcBef>
+                <a:spcPct val="20000"/>
+              </a:spcBef>
+              <a:buFont typeface="Arial" panose="020B0604020202020204" pitchFamily="34" charset="0"/>
+              <a:buNone/>
+              <a:defRPr sz="2000">
+                <a:solidFill>
+                  <a:schemeClr val="tx1">
+                    <a:tint val="75000"/>
+                  </a:schemeClr>
+                </a:solidFill>
+              </a:defRPr>
+            </a:lvl7pPr>
+            <a:lvl8pPr indent="0" algn="ctr">
+              <a:spcBef>
+                <a:spcPct val="20000"/>
+              </a:spcBef>
+              <a:buFont typeface="Arial" panose="020B0604020202020204" pitchFamily="34" charset="0"/>
+              <a:buNone/>
+              <a:defRPr sz="2000">
+                <a:solidFill>
+                  <a:schemeClr val="tx1">
+                    <a:tint val="75000"/>
+                  </a:schemeClr>
+                </a:solidFill>
+              </a:defRPr>
+            </a:lvl8pPr>
+            <a:lvl9pPr indent="0" algn="ctr">
+              <a:spcBef>
+                <a:spcPct val="20000"/>
+              </a:spcBef>
+              <a:buFont typeface="Arial" panose="020B0604020202020204" pitchFamily="34" charset="0"/>
+              <a:buNone/>
+              <a:defRPr sz="2000">
+                <a:solidFill>
+                  <a:schemeClr val="tx1">
+                    <a:tint val="75000"/>
+                  </a:schemeClr>
+                </a:solidFill>
+              </a:defRPr>
+            </a:lvl9pPr>
+          </a:lstStyle>
+          <a:p>
+            <a:pPr algn="l"/>
+            <a:r>
+              <a:rPr lang="en-US" sz="3200" dirty="0" smtClean="0">
+                <a:solidFill>
+                  <a:srgbClr val="00B0F0"/>
+                </a:solidFill>
+              </a:rPr>
+              <a:t>Title</a:t>
+            </a:r>
+            <a:endParaRPr lang="en-US" sz="3200" dirty="0">
+              <a:solidFill>
+                <a:srgbClr val="00B0F0"/>
+              </a:solidFill>
+            </a:endParaRPr>
+          </a:p>
+        </p:txBody>
+      </p:sp>
+      <p:sp>
+        <p:nvSpPr>
+          <p:cNvPr id="3" name="Rectangle 2"/>
+          <p:cNvSpPr/>
+          <p:nvPr/>
+        </p:nvSpPr>
+        <p:spPr>
+          <a:xfrm>
+            <a:off x="2636" y="6309320"/>
+            <a:ext cx="9141365" cy="551206"/>
+          </a:xfrm>
+          <a:prstGeom prst="rect">
+            <a:avLst/>
+          </a:prstGeom>
+          <a:ln>
+            <a:noFill/>
+          </a:ln>
+        </p:spPr>
+        <p:style>
+          <a:lnRef idx="2">
+            <a:schemeClr val="accent1">
+              <a:shade val="50000"/>
+            </a:schemeClr>
+          </a:lnRef>
+          <a:fillRef idx="1">
+            <a:schemeClr val="accent1"/>
+          </a:fillRef>
+          <a:effectRef idx="0">
+            <a:schemeClr val="accent1"/>
+          </a:effectRef>
+          <a:fontRef idx="minor">
+            <a:schemeClr val="lt1"/>
+          </a:fontRef>
+        </p:style>
+        <p:txBody>
+          <a:bodyPr rtlCol="0" anchor="ctr"/>
+          <a:lstStyle/>
+          <a:p>
+            <a:pPr algn="ctr"/>
+            <a:endParaRPr lang="en-US"/>
+          </a:p>
+        </p:txBody>
+      </p:sp>
+      <p:sp>
+        <p:nvSpPr>
+          <p:cNvPr id="5" name="Subtitle 2"/>
+          <p:cNvSpPr txBox="1">
+            <a:spLocks/>
+          </p:cNvSpPr>
+          <p:nvPr/>
+        </p:nvSpPr>
+        <p:spPr>
+          <a:xfrm>
+            <a:off x="611560" y="1304764"/>
+            <a:ext cx="8084999" cy="5004556"/>
+          </a:xfrm>
+          <a:prstGeom prst="rect">
+            <a:avLst/>
+          </a:prstGeom>
+        </p:spPr>
+        <p:txBody>
+          <a:bodyPr vert="horz" lIns="91440" tIns="45720" rIns="91440" bIns="45720" rtlCol="0" anchor="t">
+            <a:normAutofit/>
+          </a:bodyPr>
+          <a:lstStyle>
+            <a:lvl1pPr indent="0" algn="ctr">
+              <a:spcBef>
+                <a:spcPct val="20000"/>
+              </a:spcBef>
+              <a:buFont typeface="Arial" panose="020B0604020202020204" pitchFamily="34" charset="0"/>
+              <a:buNone/>
+              <a:defRPr sz="3000" b="1">
+                <a:solidFill>
+                  <a:schemeClr val="tx1">
+                    <a:tint val="75000"/>
+                  </a:schemeClr>
+                </a:solidFill>
+                <a:latin typeface="Tahoma" panose="020B0604030504040204" pitchFamily="34" charset="0"/>
+                <a:ea typeface="Tahoma" panose="020B0604030504040204" pitchFamily="34" charset="0"/>
+                <a:cs typeface="Tahoma" panose="020B0604030504040204" pitchFamily="34" charset="0"/>
+              </a:defRPr>
+            </a:lvl1pPr>
+            <a:lvl2pPr indent="0" algn="ctr">
+              <a:spcBef>
+                <a:spcPct val="20000"/>
+              </a:spcBef>
+              <a:buFont typeface="Arial" panose="020B0604020202020204" pitchFamily="34" charset="0"/>
+              <a:buNone/>
+              <a:defRPr sz="2800">
+                <a:solidFill>
+                  <a:schemeClr val="tx1">
+                    <a:tint val="75000"/>
+                  </a:schemeClr>
+                </a:solidFill>
+              </a:defRPr>
+            </a:lvl2pPr>
+            <a:lvl3pPr indent="0" algn="ctr">
+              <a:spcBef>
+                <a:spcPct val="20000"/>
+              </a:spcBef>
+              <a:buFont typeface="Arial" panose="020B0604020202020204" pitchFamily="34" charset="0"/>
+              <a:buNone/>
+              <a:defRPr sz="2400">
+                <a:solidFill>
+                  <a:schemeClr val="tx1">
+                    <a:tint val="75000"/>
+                  </a:schemeClr>
+                </a:solidFill>
+              </a:defRPr>
+            </a:lvl3pPr>
+            <a:lvl4pPr indent="0" algn="ctr">
+              <a:spcBef>
+                <a:spcPct val="20000"/>
+              </a:spcBef>
+              <a:buFont typeface="Arial" panose="020B0604020202020204" pitchFamily="34" charset="0"/>
+              <a:buNone/>
+              <a:defRPr sz="2000">
+                <a:solidFill>
+                  <a:schemeClr val="tx1">
+                    <a:tint val="75000"/>
+                  </a:schemeClr>
+                </a:solidFill>
+              </a:defRPr>
+            </a:lvl4pPr>
+            <a:lvl5pPr indent="0" algn="ctr">
+              <a:spcBef>
+                <a:spcPct val="20000"/>
+              </a:spcBef>
+              <a:buFont typeface="Arial" panose="020B0604020202020204" pitchFamily="34" charset="0"/>
+              <a:buNone/>
+              <a:defRPr sz="2000">
+                <a:solidFill>
+                  <a:schemeClr val="tx1">
+                    <a:tint val="75000"/>
+                  </a:schemeClr>
+                </a:solidFill>
+              </a:defRPr>
+            </a:lvl5pPr>
+            <a:lvl6pPr indent="0" algn="ctr">
+              <a:spcBef>
+                <a:spcPct val="20000"/>
+              </a:spcBef>
+              <a:buFont typeface="Arial" panose="020B0604020202020204" pitchFamily="34" charset="0"/>
+              <a:buNone/>
+              <a:defRPr sz="2000">
+                <a:solidFill>
+                  <a:schemeClr val="tx1">
+                    <a:tint val="75000"/>
+                  </a:schemeClr>
+                </a:solidFill>
+              </a:defRPr>
+            </a:lvl6pPr>
+            <a:lvl7pPr indent="0" algn="ctr">
+              <a:spcBef>
+                <a:spcPct val="20000"/>
+              </a:spcBef>
+              <a:buFont typeface="Arial" panose="020B0604020202020204" pitchFamily="34" charset="0"/>
+              <a:buNone/>
+              <a:defRPr sz="2000">
+                <a:solidFill>
+                  <a:schemeClr val="tx1">
+                    <a:tint val="75000"/>
+                  </a:schemeClr>
+                </a:solidFill>
+              </a:defRPr>
+            </a:lvl7pPr>
+            <a:lvl8pPr indent="0" algn="ctr">
+              <a:spcBef>
+                <a:spcPct val="20000"/>
+              </a:spcBef>
+              <a:buFont typeface="Arial" panose="020B0604020202020204" pitchFamily="34" charset="0"/>
+              <a:buNone/>
+              <a:defRPr sz="2000">
+                <a:solidFill>
+                  <a:schemeClr val="tx1">
+                    <a:tint val="75000"/>
+                  </a:schemeClr>
+                </a:solidFill>
+              </a:defRPr>
+            </a:lvl8pPr>
+            <a:lvl9pPr indent="0" algn="ctr">
+              <a:spcBef>
+                <a:spcPct val="20000"/>
+              </a:spcBef>
+              <a:buFont typeface="Arial" panose="020B0604020202020204" pitchFamily="34" charset="0"/>
+              <a:buNone/>
+              <a:defRPr sz="2000">
+                <a:solidFill>
+                  <a:schemeClr val="tx1">
+                    <a:tint val="75000"/>
+                  </a:schemeClr>
+                </a:solidFill>
+              </a:defRPr>
+            </a:lvl9pPr>
+          </a:lstStyle>
+          <a:p>
+            <a:pPr marL="457200" indent="-457200" algn="l">
+              <a:buFont typeface="Courier New" panose="02070309020205020404" pitchFamily="49" charset="0"/>
+              <a:buChar char="o"/>
+            </a:pPr>
+            <a:r>
+              <a:rPr lang="en-US" sz="2400" b="0" dirty="0" smtClean="0"/>
+              <a:t>T</a:t>
+            </a:r>
+            <a:r>
+              <a:rPr lang="en-US" sz="2400" b="0" dirty="0" smtClean="0">
+                <a:solidFill>
+                  <a:srgbClr val="898989"/>
+                </a:solidFill>
+              </a:rPr>
+              <a:t>ex</a:t>
+            </a:r>
+            <a:r>
+              <a:rPr lang="en-US" sz="2400" b="0" dirty="0" smtClean="0"/>
+              <a:t>t</a:t>
+            </a:r>
+          </a:p>
+          <a:p>
+            <a:pPr marL="914400" lvl="1" indent="-457200" algn="l">
+              <a:buFont typeface="Courier New" panose="02070309020205020404" pitchFamily="49" charset="0"/>
+              <a:buChar char="o"/>
+            </a:pPr>
+            <a:endParaRPr lang="en-US" sz="2200" b="0" dirty="0"/>
+          </a:p>
+        </p:txBody>
+      </p:sp>
+      <p:pic>
+        <p:nvPicPr>
+          <p:cNvPr id="6" name="Picture 5"/>
+          <p:cNvPicPr>
+            <a:picLocks noChangeAspect="1"/>
+          </p:cNvPicPr>
+          <p:nvPr/>
+        </p:nvPicPr>
+        <p:blipFill>
+          <a:blip r:embed="rId2"/>
+          <a:stretch>
+            <a:fillRect/>
+          </a:stretch>
+        </p:blipFill>
+        <p:spPr>
+          <a:xfrm>
+            <a:off x="467544" y="408935"/>
+            <a:ext cx="809945" cy="623850"/>
+          </a:xfrm>
+          <a:prstGeom prst="rect">
+            <a:avLst/>
+          </a:prstGeom>
+        </p:spPr>
+      </p:pic>
+    </p:spTree>
+    <p:extLst>
+      <p:ext uri="{BB962C8B-B14F-4D97-AF65-F5344CB8AC3E}">
+        <p14:creationId xmlns:p14="http://schemas.microsoft.com/office/powerpoint/2010/main" val="3037266953"/>
       </p:ext>
     </p:extLst>
   </p:cSld>
@@ -6493,7 +8005,7 @@
                   <a:srgbClr val="00B0F0"/>
                 </a:solidFill>
               </a:rPr>
-              <a:t>Title</a:t>
+              <a:t>ESP 8266</a:t>
             </a:r>
             <a:endParaRPr lang="en-US" sz="3200" dirty="0">
               <a:solidFill>
@@ -6756,7 +8268,7 @@
     </p:spTree>
     <p:extLst>
       <p:ext uri="{BB962C8B-B14F-4D97-AF65-F5344CB8AC3E}">
-        <p14:creationId xmlns:p14="http://schemas.microsoft.com/office/powerpoint/2010/main" val="3037266953"/>
+        <p14:creationId xmlns:p14="http://schemas.microsoft.com/office/powerpoint/2010/main" val="2621200559"/>
       </p:ext>
     </p:extLst>
   </p:cSld>
@@ -7100,11 +8612,6 @@
                         </a:rPr>
                         <a:t>External antenna needed</a:t>
                       </a:r>
-                      <a:endParaRPr lang="en-US" sz="1800" b="0" dirty="0" smtClean="0">
-                        <a:solidFill>
-                          <a:schemeClr val="tx1"/>
-                        </a:solidFill>
-                      </a:endParaRPr>
                     </a:p>
                   </a:txBody>
                   <a:tcPr>
@@ -7278,7 +8785,15 @@
                   <a:srgbClr val="00B0F0"/>
                 </a:solidFill>
               </a:rPr>
-              <a:t>ESP8266 | Recommended Types</a:t>
+              <a:t>ESP 8266 </a:t>
+            </a:r>
+            <a:r>
+              <a:rPr lang="en-US" sz="3200" dirty="0" smtClean="0">
+                <a:solidFill>
+                  <a:srgbClr val="00B0F0"/>
+                </a:solidFill>
+              </a:rPr>
+              <a:t>| Recommended Types</a:t>
             </a:r>
             <a:endParaRPr lang="en-US" sz="3200" dirty="0">
               <a:solidFill>
@@ -7752,7 +9267,7 @@
                   <a:srgbClr val="00B0F0"/>
                 </a:solidFill>
               </a:rPr>
-              <a:t>Breadboard</a:t>
+              <a:t>Shopping List 1/3</a:t>
             </a:r>
             <a:endParaRPr lang="en-US" sz="3200" dirty="0">
               <a:solidFill>
@@ -7805,530 +9320,6 @@
           </a:p>
         </p:txBody>
       </p:sp>
-      <p:sp>
-        <p:nvSpPr>
-          <p:cNvPr id="5" name="Subtitle 2"/>
-          <p:cNvSpPr txBox="1">
-            <a:spLocks/>
-          </p:cNvSpPr>
-          <p:nvPr/>
-        </p:nvSpPr>
-        <p:spPr>
-          <a:xfrm>
-            <a:off x="611560" y="1304764"/>
-            <a:ext cx="4495503" cy="5004556"/>
-          </a:xfrm>
-          <a:prstGeom prst="rect">
-            <a:avLst/>
-          </a:prstGeom>
-        </p:spPr>
-        <p:txBody>
-          <a:bodyPr vert="horz" lIns="91440" tIns="45720" rIns="91440" bIns="45720" rtlCol="0" anchor="t">
-            <a:normAutofit/>
-          </a:bodyPr>
-          <a:lstStyle>
-            <a:lvl1pPr indent="0" algn="ctr">
-              <a:spcBef>
-                <a:spcPct val="20000"/>
-              </a:spcBef>
-              <a:buFont typeface="Arial" panose="020B0604020202020204" pitchFamily="34" charset="0"/>
-              <a:buNone/>
-              <a:defRPr sz="3000" b="1">
-                <a:solidFill>
-                  <a:schemeClr val="tx1">
-                    <a:tint val="75000"/>
-                  </a:schemeClr>
-                </a:solidFill>
-                <a:latin typeface="Tahoma" panose="020B0604030504040204" pitchFamily="34" charset="0"/>
-                <a:ea typeface="Tahoma" panose="020B0604030504040204" pitchFamily="34" charset="0"/>
-                <a:cs typeface="Tahoma" panose="020B0604030504040204" pitchFamily="34" charset="0"/>
-              </a:defRPr>
-            </a:lvl1pPr>
-            <a:lvl2pPr indent="0" algn="ctr">
-              <a:spcBef>
-                <a:spcPct val="20000"/>
-              </a:spcBef>
-              <a:buFont typeface="Arial" panose="020B0604020202020204" pitchFamily="34" charset="0"/>
-              <a:buNone/>
-              <a:defRPr sz="2800">
-                <a:solidFill>
-                  <a:schemeClr val="tx1">
-                    <a:tint val="75000"/>
-                  </a:schemeClr>
-                </a:solidFill>
-              </a:defRPr>
-            </a:lvl2pPr>
-            <a:lvl3pPr indent="0" algn="ctr">
-              <a:spcBef>
-                <a:spcPct val="20000"/>
-              </a:spcBef>
-              <a:buFont typeface="Arial" panose="020B0604020202020204" pitchFamily="34" charset="0"/>
-              <a:buNone/>
-              <a:defRPr sz="2400">
-                <a:solidFill>
-                  <a:schemeClr val="tx1">
-                    <a:tint val="75000"/>
-                  </a:schemeClr>
-                </a:solidFill>
-              </a:defRPr>
-            </a:lvl3pPr>
-            <a:lvl4pPr indent="0" algn="ctr">
-              <a:spcBef>
-                <a:spcPct val="20000"/>
-              </a:spcBef>
-              <a:buFont typeface="Arial" panose="020B0604020202020204" pitchFamily="34" charset="0"/>
-              <a:buNone/>
-              <a:defRPr sz="2000">
-                <a:solidFill>
-                  <a:schemeClr val="tx1">
-                    <a:tint val="75000"/>
-                  </a:schemeClr>
-                </a:solidFill>
-              </a:defRPr>
-            </a:lvl4pPr>
-            <a:lvl5pPr indent="0" algn="ctr">
-              <a:spcBef>
-                <a:spcPct val="20000"/>
-              </a:spcBef>
-              <a:buFont typeface="Arial" panose="020B0604020202020204" pitchFamily="34" charset="0"/>
-              <a:buNone/>
-              <a:defRPr sz="2000">
-                <a:solidFill>
-                  <a:schemeClr val="tx1">
-                    <a:tint val="75000"/>
-                  </a:schemeClr>
-                </a:solidFill>
-              </a:defRPr>
-            </a:lvl5pPr>
-            <a:lvl6pPr indent="0" algn="ctr">
-              <a:spcBef>
-                <a:spcPct val="20000"/>
-              </a:spcBef>
-              <a:buFont typeface="Arial" panose="020B0604020202020204" pitchFamily="34" charset="0"/>
-              <a:buNone/>
-              <a:defRPr sz="2000">
-                <a:solidFill>
-                  <a:schemeClr val="tx1">
-                    <a:tint val="75000"/>
-                  </a:schemeClr>
-                </a:solidFill>
-              </a:defRPr>
-            </a:lvl6pPr>
-            <a:lvl7pPr indent="0" algn="ctr">
-              <a:spcBef>
-                <a:spcPct val="20000"/>
-              </a:spcBef>
-              <a:buFont typeface="Arial" panose="020B0604020202020204" pitchFamily="34" charset="0"/>
-              <a:buNone/>
-              <a:defRPr sz="2000">
-                <a:solidFill>
-                  <a:schemeClr val="tx1">
-                    <a:tint val="75000"/>
-                  </a:schemeClr>
-                </a:solidFill>
-              </a:defRPr>
-            </a:lvl7pPr>
-            <a:lvl8pPr indent="0" algn="ctr">
-              <a:spcBef>
-                <a:spcPct val="20000"/>
-              </a:spcBef>
-              <a:buFont typeface="Arial" panose="020B0604020202020204" pitchFamily="34" charset="0"/>
-              <a:buNone/>
-              <a:defRPr sz="2000">
-                <a:solidFill>
-                  <a:schemeClr val="tx1">
-                    <a:tint val="75000"/>
-                  </a:schemeClr>
-                </a:solidFill>
-              </a:defRPr>
-            </a:lvl8pPr>
-            <a:lvl9pPr indent="0" algn="ctr">
-              <a:spcBef>
-                <a:spcPct val="20000"/>
-              </a:spcBef>
-              <a:buFont typeface="Arial" panose="020B0604020202020204" pitchFamily="34" charset="0"/>
-              <a:buNone/>
-              <a:defRPr sz="2000">
-                <a:solidFill>
-                  <a:schemeClr val="tx1">
-                    <a:tint val="75000"/>
-                  </a:schemeClr>
-                </a:solidFill>
-              </a:defRPr>
-            </a:lvl9pPr>
-          </a:lstStyle>
-          <a:p>
-            <a:pPr marL="457200" indent="-457200" algn="l">
-              <a:buFont typeface="Courier New" panose="02070309020205020404" pitchFamily="49" charset="0"/>
-              <a:buChar char="o"/>
-            </a:pPr>
-            <a:r>
-              <a:rPr lang="en-US" sz="2400" b="0" dirty="0" smtClean="0"/>
-              <a:t>+/- are connected vertically.</a:t>
-            </a:r>
-          </a:p>
-          <a:p>
-            <a:pPr marL="457200" indent="-457200" algn="l">
-              <a:buFont typeface="Courier New" panose="02070309020205020404" pitchFamily="49" charset="0"/>
-              <a:buChar char="o"/>
-            </a:pPr>
-            <a:r>
-              <a:rPr lang="en-US" sz="2400" b="0" dirty="0" smtClean="0"/>
-              <a:t>+/- from one side is NOT connected to other side.</a:t>
-            </a:r>
-          </a:p>
-          <a:p>
-            <a:pPr marL="457200" indent="-457200" algn="l">
-              <a:buFont typeface="Courier New" panose="02070309020205020404" pitchFamily="49" charset="0"/>
-              <a:buChar char="o"/>
-            </a:pPr>
-            <a:endParaRPr lang="en-US" sz="2400" b="0" dirty="0"/>
-          </a:p>
-          <a:p>
-            <a:pPr marL="457200" indent="-457200" algn="l">
-              <a:buFont typeface="Courier New" panose="02070309020205020404" pitchFamily="49" charset="0"/>
-              <a:buChar char="o"/>
-            </a:pPr>
-            <a:r>
-              <a:rPr lang="en-US" sz="2400" b="0" dirty="0" smtClean="0"/>
-              <a:t>A-E and F-J are connected horizontally.</a:t>
-            </a:r>
-          </a:p>
-          <a:p>
-            <a:pPr marL="457200" indent="-457200" algn="l">
-              <a:buFont typeface="Courier New" panose="02070309020205020404" pitchFamily="49" charset="0"/>
-              <a:buChar char="o"/>
-            </a:pPr>
-            <a:r>
-              <a:rPr lang="en-US" sz="2400" b="0" dirty="0" smtClean="0"/>
-              <a:t>A-E is NOT connected to F-J.</a:t>
-            </a:r>
-          </a:p>
-          <a:p>
-            <a:pPr marL="457200" indent="-457200" algn="l">
-              <a:buFont typeface="Courier New" panose="02070309020205020404" pitchFamily="49" charset="0"/>
-              <a:buChar char="o"/>
-            </a:pPr>
-            <a:r>
-              <a:rPr lang="en-US" sz="2400" b="0" dirty="0" smtClean="0"/>
-              <a:t>Connection example on 4</a:t>
-            </a:r>
-            <a:r>
-              <a:rPr lang="en-US" sz="2400" b="0" baseline="30000" dirty="0" smtClean="0"/>
-              <a:t>th</a:t>
-            </a:r>
-            <a:r>
-              <a:rPr lang="en-US" sz="2400" b="0" dirty="0" smtClean="0"/>
-              <a:t> line</a:t>
-            </a:r>
-            <a:endParaRPr lang="en-US" sz="2200" b="0" dirty="0"/>
-          </a:p>
-        </p:txBody>
-      </p:sp>
-      <p:pic>
-        <p:nvPicPr>
-          <p:cNvPr id="6" name="Picture 5"/>
-          <p:cNvPicPr>
-            <a:picLocks noChangeAspect="1"/>
-          </p:cNvPicPr>
-          <p:nvPr/>
-        </p:nvPicPr>
-        <p:blipFill>
-          <a:blip r:embed="rId2"/>
-          <a:stretch>
-            <a:fillRect/>
-          </a:stretch>
-        </p:blipFill>
-        <p:spPr>
-          <a:xfrm>
-            <a:off x="467544" y="408935"/>
-            <a:ext cx="809945" cy="623850"/>
-          </a:xfrm>
-          <a:prstGeom prst="rect">
-            <a:avLst/>
-          </a:prstGeom>
-        </p:spPr>
-      </p:pic>
-      <p:pic>
-        <p:nvPicPr>
-          <p:cNvPr id="4" name="Picture 3"/>
-          <p:cNvPicPr>
-            <a:picLocks noChangeAspect="1"/>
-          </p:cNvPicPr>
-          <p:nvPr/>
-        </p:nvPicPr>
-        <p:blipFill>
-          <a:blip r:embed="rId3">
-            <a:extLst>
-              <a:ext uri="{28A0092B-C50C-407E-A947-70E740481C1C}">
-                <a14:useLocalDpi xmlns:a14="http://schemas.microsoft.com/office/drawing/2010/main" val="0"/>
-              </a:ext>
-            </a:extLst>
-          </a:blip>
-          <a:stretch>
-            <a:fillRect/>
-          </a:stretch>
-        </p:blipFill>
-        <p:spPr>
-          <a:xfrm>
-            <a:off x="5107063" y="657351"/>
-            <a:ext cx="3813217" cy="5646293"/>
-          </a:xfrm>
-          <a:prstGeom prst="rect">
-            <a:avLst/>
-          </a:prstGeom>
-        </p:spPr>
-      </p:pic>
-    </p:spTree>
-    <p:extLst>
-      <p:ext uri="{BB962C8B-B14F-4D97-AF65-F5344CB8AC3E}">
-        <p14:creationId xmlns:p14="http://schemas.microsoft.com/office/powerpoint/2010/main" val="722208484"/>
-      </p:ext>
-    </p:extLst>
-  </p:cSld>
-  <p:clrMapOvr>
-    <a:masterClrMapping/>
-  </p:clrMapOvr>
-  <p:timing>
-    <p:tnLst>
-      <p:par>
-        <p:cTn id="1" dur="indefinite" restart="never" nodeType="tmRoot"/>
-      </p:par>
-    </p:tnLst>
-  </p:timing>
-</p:sld>
-</file>
-
-<file path=ppt/slides/slide5.xml><?xml version="1.0" encoding="utf-8"?>
-<p:sld xmlns:a="http://schemas.openxmlformats.org/drawingml/2006/main" xmlns:r="http://schemas.openxmlformats.org/officeDocument/2006/relationships" xmlns:p="http://schemas.openxmlformats.org/presentationml/2006/main">
-  <p:cSld>
-    <p:spTree>
-      <p:nvGrpSpPr>
-        <p:cNvPr id="1" name=""/>
-        <p:cNvGrpSpPr/>
-        <p:nvPr/>
-      </p:nvGrpSpPr>
-      <p:grpSpPr>
-        <a:xfrm>
-          <a:off x="0" y="0"/>
-          <a:ext cx="0" cy="0"/>
-          <a:chOff x="0" y="0"/>
-          <a:chExt cx="0" cy="0"/>
-        </a:xfrm>
-      </p:grpSpPr>
-      <p:sp>
-        <p:nvSpPr>
-          <p:cNvPr id="2" name="Subtitle 2"/>
-          <p:cNvSpPr txBox="1">
-            <a:spLocks/>
-          </p:cNvSpPr>
-          <p:nvPr/>
-        </p:nvSpPr>
-        <p:spPr>
-          <a:xfrm>
-            <a:off x="1547664" y="332656"/>
-            <a:ext cx="7264896" cy="776408"/>
-          </a:xfrm>
-          <a:prstGeom prst="rect">
-            <a:avLst/>
-          </a:prstGeom>
-        </p:spPr>
-        <p:txBody>
-          <a:bodyPr vert="horz" lIns="91440" tIns="45720" rIns="91440" bIns="45720" rtlCol="0" anchor="ctr">
-            <a:normAutofit/>
-          </a:bodyPr>
-          <a:lstStyle>
-            <a:lvl1pPr indent="0" algn="ctr">
-              <a:spcBef>
-                <a:spcPct val="20000"/>
-              </a:spcBef>
-              <a:buFont typeface="Arial" panose="020B0604020202020204" pitchFamily="34" charset="0"/>
-              <a:buNone/>
-              <a:defRPr sz="3000" b="1">
-                <a:solidFill>
-                  <a:schemeClr val="tx1">
-                    <a:tint val="75000"/>
-                  </a:schemeClr>
-                </a:solidFill>
-                <a:latin typeface="Tahoma" panose="020B0604030504040204" pitchFamily="34" charset="0"/>
-                <a:ea typeface="Tahoma" panose="020B0604030504040204" pitchFamily="34" charset="0"/>
-                <a:cs typeface="Tahoma" panose="020B0604030504040204" pitchFamily="34" charset="0"/>
-              </a:defRPr>
-            </a:lvl1pPr>
-            <a:lvl2pPr indent="0" algn="ctr">
-              <a:spcBef>
-                <a:spcPct val="20000"/>
-              </a:spcBef>
-              <a:buFont typeface="Arial" panose="020B0604020202020204" pitchFamily="34" charset="0"/>
-              <a:buNone/>
-              <a:defRPr sz="2800">
-                <a:solidFill>
-                  <a:schemeClr val="tx1">
-                    <a:tint val="75000"/>
-                  </a:schemeClr>
-                </a:solidFill>
-              </a:defRPr>
-            </a:lvl2pPr>
-            <a:lvl3pPr indent="0" algn="ctr">
-              <a:spcBef>
-                <a:spcPct val="20000"/>
-              </a:spcBef>
-              <a:buFont typeface="Arial" panose="020B0604020202020204" pitchFamily="34" charset="0"/>
-              <a:buNone/>
-              <a:defRPr sz="2400">
-                <a:solidFill>
-                  <a:schemeClr val="tx1">
-                    <a:tint val="75000"/>
-                  </a:schemeClr>
-                </a:solidFill>
-              </a:defRPr>
-            </a:lvl3pPr>
-            <a:lvl4pPr indent="0" algn="ctr">
-              <a:spcBef>
-                <a:spcPct val="20000"/>
-              </a:spcBef>
-              <a:buFont typeface="Arial" panose="020B0604020202020204" pitchFamily="34" charset="0"/>
-              <a:buNone/>
-              <a:defRPr sz="2000">
-                <a:solidFill>
-                  <a:schemeClr val="tx1">
-                    <a:tint val="75000"/>
-                  </a:schemeClr>
-                </a:solidFill>
-              </a:defRPr>
-            </a:lvl4pPr>
-            <a:lvl5pPr indent="0" algn="ctr">
-              <a:spcBef>
-                <a:spcPct val="20000"/>
-              </a:spcBef>
-              <a:buFont typeface="Arial" panose="020B0604020202020204" pitchFamily="34" charset="0"/>
-              <a:buNone/>
-              <a:defRPr sz="2000">
-                <a:solidFill>
-                  <a:schemeClr val="tx1">
-                    <a:tint val="75000"/>
-                  </a:schemeClr>
-                </a:solidFill>
-              </a:defRPr>
-            </a:lvl5pPr>
-            <a:lvl6pPr indent="0" algn="ctr">
-              <a:spcBef>
-                <a:spcPct val="20000"/>
-              </a:spcBef>
-              <a:buFont typeface="Arial" panose="020B0604020202020204" pitchFamily="34" charset="0"/>
-              <a:buNone/>
-              <a:defRPr sz="2000">
-                <a:solidFill>
-                  <a:schemeClr val="tx1">
-                    <a:tint val="75000"/>
-                  </a:schemeClr>
-                </a:solidFill>
-              </a:defRPr>
-            </a:lvl6pPr>
-            <a:lvl7pPr indent="0" algn="ctr">
-              <a:spcBef>
-                <a:spcPct val="20000"/>
-              </a:spcBef>
-              <a:buFont typeface="Arial" panose="020B0604020202020204" pitchFamily="34" charset="0"/>
-              <a:buNone/>
-              <a:defRPr sz="2000">
-                <a:solidFill>
-                  <a:schemeClr val="tx1">
-                    <a:tint val="75000"/>
-                  </a:schemeClr>
-                </a:solidFill>
-              </a:defRPr>
-            </a:lvl7pPr>
-            <a:lvl8pPr indent="0" algn="ctr">
-              <a:spcBef>
-                <a:spcPct val="20000"/>
-              </a:spcBef>
-              <a:buFont typeface="Arial" panose="020B0604020202020204" pitchFamily="34" charset="0"/>
-              <a:buNone/>
-              <a:defRPr sz="2000">
-                <a:solidFill>
-                  <a:schemeClr val="tx1">
-                    <a:tint val="75000"/>
-                  </a:schemeClr>
-                </a:solidFill>
-              </a:defRPr>
-            </a:lvl8pPr>
-            <a:lvl9pPr indent="0" algn="ctr">
-              <a:spcBef>
-                <a:spcPct val="20000"/>
-              </a:spcBef>
-              <a:buFont typeface="Arial" panose="020B0604020202020204" pitchFamily="34" charset="0"/>
-              <a:buNone/>
-              <a:defRPr sz="2000">
-                <a:solidFill>
-                  <a:schemeClr val="tx1">
-                    <a:tint val="75000"/>
-                  </a:schemeClr>
-                </a:solidFill>
-              </a:defRPr>
-            </a:lvl9pPr>
-          </a:lstStyle>
-          <a:p>
-            <a:pPr algn="l"/>
-            <a:r>
-              <a:rPr lang="en-US" sz="3200" dirty="0" smtClean="0">
-                <a:solidFill>
-                  <a:srgbClr val="00B0F0"/>
-                </a:solidFill>
-              </a:rPr>
-              <a:t>Shopping List 1/3</a:t>
-            </a:r>
-            <a:endParaRPr lang="en-US" sz="3200" dirty="0">
-              <a:solidFill>
-                <a:srgbClr val="00B0F0"/>
-              </a:solidFill>
-            </a:endParaRPr>
-          </a:p>
-        </p:txBody>
-      </p:sp>
-      <p:sp>
-        <p:nvSpPr>
-          <p:cNvPr id="3" name="Rectangle 2"/>
-          <p:cNvSpPr/>
-          <p:nvPr/>
-        </p:nvSpPr>
-        <p:spPr>
-          <a:xfrm>
-            <a:off x="2636" y="6309320"/>
-            <a:ext cx="9141365" cy="551206"/>
-          </a:xfrm>
-          <a:prstGeom prst="rect">
-            <a:avLst/>
-          </a:prstGeom>
-          <a:ln>
-            <a:noFill/>
-          </a:ln>
-        </p:spPr>
-        <p:style>
-          <a:lnRef idx="2">
-            <a:schemeClr val="accent1">
-              <a:shade val="50000"/>
-            </a:schemeClr>
-          </a:lnRef>
-          <a:fillRef idx="1">
-            <a:schemeClr val="accent1"/>
-          </a:fillRef>
-          <a:effectRef idx="0">
-            <a:schemeClr val="accent1"/>
-          </a:effectRef>
-          <a:fontRef idx="minor">
-            <a:schemeClr val="lt1"/>
-          </a:fontRef>
-        </p:style>
-        <p:txBody>
-          <a:bodyPr rtlCol="0" anchor="ctr"/>
-          <a:lstStyle/>
-          <a:p>
-            <a:pPr algn="ctr"/>
-            <a:endParaRPr lang="en-US"/>
-          </a:p>
-        </p:txBody>
-      </p:sp>
       <p:pic>
         <p:nvPicPr>
           <p:cNvPr id="6" name="Picture 5"/>
@@ -8362,7 +9353,7 @@
           <p:nvPr>
             <p:extLst>
               <p:ext uri="{D42A27DB-BD31-4B8C-83A1-F6EECF244321}">
-                <p14:modId xmlns:p14="http://schemas.microsoft.com/office/powerpoint/2010/main" val="1968274887"/>
+                <p14:modId xmlns:p14="http://schemas.microsoft.com/office/powerpoint/2010/main" val="3858511232"/>
               </p:ext>
             </p:extLst>
           </p:nvPr>
@@ -8483,8 +9474,13 @@
                       </a:pPr>
                       <a:r>
                         <a:rPr lang="en-US" dirty="0" smtClean="0"/>
-                        <a:t>4 GPIO</a:t>
+                        <a:t>4 </a:t>
                       </a:r>
+                      <a:r>
+                        <a:rPr lang="en-US" dirty="0" smtClean="0"/>
+                        <a:t>GPIO</a:t>
+                      </a:r>
+                      <a:endParaRPr lang="en-US" dirty="0" smtClean="0"/>
                     </a:p>
                     <a:p>
                       <a:pPr marL="285750" indent="-285750">
@@ -8577,15 +9573,34 @@
                       </a:pPr>
                       <a:r>
                         <a:rPr lang="en-US" dirty="0" smtClean="0"/>
-                        <a:t>Suitable for ESP-12e/f</a:t>
-                      </a:r>
-                      <a:r>
-                        <a:rPr lang="en-US" baseline="0" dirty="0" smtClean="0"/>
-                        <a:t> (a</a:t>
+                        <a:t>Suitable for </a:t>
                       </a:r>
                       <a:r>
                         <a:rPr lang="en-US" dirty="0" smtClean="0"/>
-                        <a:t>dapter for ESP-12e/f not available yet)</a:t>
+                        <a:t>ESP-12e/f</a:t>
+                      </a:r>
+                      <a:endParaRPr lang="en-US" baseline="0" dirty="0" smtClean="0"/>
+                    </a:p>
+                    <a:p>
+                      <a:pPr marL="285750" indent="-285750">
+                        <a:buFontTx/>
+                        <a:buChar char="-"/>
+                      </a:pPr>
+                      <a:r>
+                        <a:rPr lang="en-US" baseline="0" dirty="0" smtClean="0"/>
+                        <a:t>A</a:t>
+                      </a:r>
+                      <a:r>
+                        <a:rPr lang="en-US" dirty="0" smtClean="0"/>
+                        <a:t>dapter </a:t>
+                      </a:r>
+                      <a:r>
+                        <a:rPr lang="en-US" dirty="0" smtClean="0"/>
+                        <a:t>for ESP-12e/f not available </a:t>
+                      </a:r>
+                      <a:r>
+                        <a:rPr lang="en-US" dirty="0" smtClean="0"/>
+                        <a:t>yet</a:t>
                       </a:r>
                       <a:r>
                         <a:rPr lang="en-US" baseline="0" dirty="0" smtClean="0"/>
@@ -8964,7 +9979,7 @@
 </p:sld>
 </file>
 
-<file path=ppt/slides/slide6.xml><?xml version="1.0" encoding="utf-8"?>
+<file path=ppt/slides/slide5.xml><?xml version="1.0" encoding="utf-8"?>
 <p:sld xmlns:a="http://schemas.openxmlformats.org/drawingml/2006/main" xmlns:r="http://schemas.openxmlformats.org/officeDocument/2006/relationships" xmlns:p="http://schemas.openxmlformats.org/presentationml/2006/main">
   <p:cSld>
     <p:spTree>
@@ -9801,7 +10816,7 @@
 </p:sld>
 </file>
 
-<file path=ppt/slides/slide7.xml><?xml version="1.0" encoding="utf-8"?>
+<file path=ppt/slides/slide6.xml><?xml version="1.0" encoding="utf-8"?>
 <p:sld xmlns:a="http://schemas.openxmlformats.org/drawingml/2006/main" xmlns:r="http://schemas.openxmlformats.org/officeDocument/2006/relationships" xmlns:p="http://schemas.openxmlformats.org/presentationml/2006/main">
   <p:cSld>
     <p:spTree>
@@ -10591,6 +11606,478 @@
 </p:sld>
 </file>
 
+<file path=ppt/slides/slide7.xml><?xml version="1.0" encoding="utf-8"?>
+<p:sld xmlns:a="http://schemas.openxmlformats.org/drawingml/2006/main" xmlns:r="http://schemas.openxmlformats.org/officeDocument/2006/relationships" xmlns:p="http://schemas.openxmlformats.org/presentationml/2006/main">
+  <p:cSld>
+    <p:spTree>
+      <p:nvGrpSpPr>
+        <p:cNvPr id="1" name=""/>
+        <p:cNvGrpSpPr/>
+        <p:nvPr/>
+      </p:nvGrpSpPr>
+      <p:grpSpPr>
+        <a:xfrm>
+          <a:off x="0" y="0"/>
+          <a:ext cx="0" cy="0"/>
+          <a:chOff x="0" y="0"/>
+          <a:chExt cx="0" cy="0"/>
+        </a:xfrm>
+      </p:grpSpPr>
+      <p:sp>
+        <p:nvSpPr>
+          <p:cNvPr id="2" name="Subtitle 2"/>
+          <p:cNvSpPr txBox="1">
+            <a:spLocks/>
+          </p:cNvSpPr>
+          <p:nvPr/>
+        </p:nvSpPr>
+        <p:spPr>
+          <a:xfrm>
+            <a:off x="1547664" y="332656"/>
+            <a:ext cx="7264896" cy="776408"/>
+          </a:xfrm>
+          <a:prstGeom prst="rect">
+            <a:avLst/>
+          </a:prstGeom>
+        </p:spPr>
+        <p:txBody>
+          <a:bodyPr vert="horz" lIns="91440" tIns="45720" rIns="91440" bIns="45720" rtlCol="0" anchor="ctr">
+            <a:normAutofit/>
+          </a:bodyPr>
+          <a:lstStyle>
+            <a:lvl1pPr indent="0" algn="ctr">
+              <a:spcBef>
+                <a:spcPct val="20000"/>
+              </a:spcBef>
+              <a:buFont typeface="Arial" panose="020B0604020202020204" pitchFamily="34" charset="0"/>
+              <a:buNone/>
+              <a:defRPr sz="3000" b="1">
+                <a:solidFill>
+                  <a:schemeClr val="tx1">
+                    <a:tint val="75000"/>
+                  </a:schemeClr>
+                </a:solidFill>
+                <a:latin typeface="Tahoma" panose="020B0604030504040204" pitchFamily="34" charset="0"/>
+                <a:ea typeface="Tahoma" panose="020B0604030504040204" pitchFamily="34" charset="0"/>
+                <a:cs typeface="Tahoma" panose="020B0604030504040204" pitchFamily="34" charset="0"/>
+              </a:defRPr>
+            </a:lvl1pPr>
+            <a:lvl2pPr indent="0" algn="ctr">
+              <a:spcBef>
+                <a:spcPct val="20000"/>
+              </a:spcBef>
+              <a:buFont typeface="Arial" panose="020B0604020202020204" pitchFamily="34" charset="0"/>
+              <a:buNone/>
+              <a:defRPr sz="2800">
+                <a:solidFill>
+                  <a:schemeClr val="tx1">
+                    <a:tint val="75000"/>
+                  </a:schemeClr>
+                </a:solidFill>
+              </a:defRPr>
+            </a:lvl2pPr>
+            <a:lvl3pPr indent="0" algn="ctr">
+              <a:spcBef>
+                <a:spcPct val="20000"/>
+              </a:spcBef>
+              <a:buFont typeface="Arial" panose="020B0604020202020204" pitchFamily="34" charset="0"/>
+              <a:buNone/>
+              <a:defRPr sz="2400">
+                <a:solidFill>
+                  <a:schemeClr val="tx1">
+                    <a:tint val="75000"/>
+                  </a:schemeClr>
+                </a:solidFill>
+              </a:defRPr>
+            </a:lvl3pPr>
+            <a:lvl4pPr indent="0" algn="ctr">
+              <a:spcBef>
+                <a:spcPct val="20000"/>
+              </a:spcBef>
+              <a:buFont typeface="Arial" panose="020B0604020202020204" pitchFamily="34" charset="0"/>
+              <a:buNone/>
+              <a:defRPr sz="2000">
+                <a:solidFill>
+                  <a:schemeClr val="tx1">
+                    <a:tint val="75000"/>
+                  </a:schemeClr>
+                </a:solidFill>
+              </a:defRPr>
+            </a:lvl4pPr>
+            <a:lvl5pPr indent="0" algn="ctr">
+              <a:spcBef>
+                <a:spcPct val="20000"/>
+              </a:spcBef>
+              <a:buFont typeface="Arial" panose="020B0604020202020204" pitchFamily="34" charset="0"/>
+              <a:buNone/>
+              <a:defRPr sz="2000">
+                <a:solidFill>
+                  <a:schemeClr val="tx1">
+                    <a:tint val="75000"/>
+                  </a:schemeClr>
+                </a:solidFill>
+              </a:defRPr>
+            </a:lvl5pPr>
+            <a:lvl6pPr indent="0" algn="ctr">
+              <a:spcBef>
+                <a:spcPct val="20000"/>
+              </a:spcBef>
+              <a:buFont typeface="Arial" panose="020B0604020202020204" pitchFamily="34" charset="0"/>
+              <a:buNone/>
+              <a:defRPr sz="2000">
+                <a:solidFill>
+                  <a:schemeClr val="tx1">
+                    <a:tint val="75000"/>
+                  </a:schemeClr>
+                </a:solidFill>
+              </a:defRPr>
+            </a:lvl6pPr>
+            <a:lvl7pPr indent="0" algn="ctr">
+              <a:spcBef>
+                <a:spcPct val="20000"/>
+              </a:spcBef>
+              <a:buFont typeface="Arial" panose="020B0604020202020204" pitchFamily="34" charset="0"/>
+              <a:buNone/>
+              <a:defRPr sz="2000">
+                <a:solidFill>
+                  <a:schemeClr val="tx1">
+                    <a:tint val="75000"/>
+                  </a:schemeClr>
+                </a:solidFill>
+              </a:defRPr>
+            </a:lvl7pPr>
+            <a:lvl8pPr indent="0" algn="ctr">
+              <a:spcBef>
+                <a:spcPct val="20000"/>
+              </a:spcBef>
+              <a:buFont typeface="Arial" panose="020B0604020202020204" pitchFamily="34" charset="0"/>
+              <a:buNone/>
+              <a:defRPr sz="2000">
+                <a:solidFill>
+                  <a:schemeClr val="tx1">
+                    <a:tint val="75000"/>
+                  </a:schemeClr>
+                </a:solidFill>
+              </a:defRPr>
+            </a:lvl8pPr>
+            <a:lvl9pPr indent="0" algn="ctr">
+              <a:spcBef>
+                <a:spcPct val="20000"/>
+              </a:spcBef>
+              <a:buFont typeface="Arial" panose="020B0604020202020204" pitchFamily="34" charset="0"/>
+              <a:buNone/>
+              <a:defRPr sz="2000">
+                <a:solidFill>
+                  <a:schemeClr val="tx1">
+                    <a:tint val="75000"/>
+                  </a:schemeClr>
+                </a:solidFill>
+              </a:defRPr>
+            </a:lvl9pPr>
+          </a:lstStyle>
+          <a:p>
+            <a:pPr algn="l"/>
+            <a:r>
+              <a:rPr lang="en-US" sz="3200" dirty="0" smtClean="0">
+                <a:solidFill>
+                  <a:srgbClr val="00B0F0"/>
+                </a:solidFill>
+              </a:rPr>
+              <a:t>Connection | ESP-01</a:t>
+            </a:r>
+            <a:endParaRPr lang="en-US" sz="3200" dirty="0">
+              <a:solidFill>
+                <a:srgbClr val="00B0F0"/>
+              </a:solidFill>
+            </a:endParaRPr>
+          </a:p>
+        </p:txBody>
+      </p:sp>
+      <p:sp>
+        <p:nvSpPr>
+          <p:cNvPr id="3" name="Rectangle 2"/>
+          <p:cNvSpPr/>
+          <p:nvPr/>
+        </p:nvSpPr>
+        <p:spPr>
+          <a:xfrm>
+            <a:off x="2636" y="6309320"/>
+            <a:ext cx="9141365" cy="551206"/>
+          </a:xfrm>
+          <a:prstGeom prst="rect">
+            <a:avLst/>
+          </a:prstGeom>
+          <a:ln>
+            <a:noFill/>
+          </a:ln>
+        </p:spPr>
+        <p:style>
+          <a:lnRef idx="2">
+            <a:schemeClr val="accent1">
+              <a:shade val="50000"/>
+            </a:schemeClr>
+          </a:lnRef>
+          <a:fillRef idx="1">
+            <a:schemeClr val="accent1"/>
+          </a:fillRef>
+          <a:effectRef idx="0">
+            <a:schemeClr val="accent1"/>
+          </a:effectRef>
+          <a:fontRef idx="minor">
+            <a:schemeClr val="lt1"/>
+          </a:fontRef>
+        </p:style>
+        <p:txBody>
+          <a:bodyPr rtlCol="0" anchor="ctr"/>
+          <a:lstStyle/>
+          <a:p>
+            <a:pPr algn="ctr"/>
+            <a:endParaRPr lang="en-US"/>
+          </a:p>
+        </p:txBody>
+      </p:sp>
+      <p:sp>
+        <p:nvSpPr>
+          <p:cNvPr id="5" name="Subtitle 2"/>
+          <p:cNvSpPr txBox="1">
+            <a:spLocks/>
+          </p:cNvSpPr>
+          <p:nvPr/>
+        </p:nvSpPr>
+        <p:spPr>
+          <a:xfrm>
+            <a:off x="611560" y="1304764"/>
+            <a:ext cx="8084999" cy="5004556"/>
+          </a:xfrm>
+          <a:prstGeom prst="rect">
+            <a:avLst/>
+          </a:prstGeom>
+        </p:spPr>
+        <p:txBody>
+          <a:bodyPr vert="horz" lIns="91440" tIns="45720" rIns="91440" bIns="45720" rtlCol="0" anchor="t">
+            <a:normAutofit/>
+          </a:bodyPr>
+          <a:lstStyle>
+            <a:lvl1pPr indent="0" algn="ctr">
+              <a:spcBef>
+                <a:spcPct val="20000"/>
+              </a:spcBef>
+              <a:buFont typeface="Arial" panose="020B0604020202020204" pitchFamily="34" charset="0"/>
+              <a:buNone/>
+              <a:defRPr sz="3000" b="1">
+                <a:solidFill>
+                  <a:schemeClr val="tx1">
+                    <a:tint val="75000"/>
+                  </a:schemeClr>
+                </a:solidFill>
+                <a:latin typeface="Tahoma" panose="020B0604030504040204" pitchFamily="34" charset="0"/>
+                <a:ea typeface="Tahoma" panose="020B0604030504040204" pitchFamily="34" charset="0"/>
+                <a:cs typeface="Tahoma" panose="020B0604030504040204" pitchFamily="34" charset="0"/>
+              </a:defRPr>
+            </a:lvl1pPr>
+            <a:lvl2pPr indent="0" algn="ctr">
+              <a:spcBef>
+                <a:spcPct val="20000"/>
+              </a:spcBef>
+              <a:buFont typeface="Arial" panose="020B0604020202020204" pitchFamily="34" charset="0"/>
+              <a:buNone/>
+              <a:defRPr sz="2800">
+                <a:solidFill>
+                  <a:schemeClr val="tx1">
+                    <a:tint val="75000"/>
+                  </a:schemeClr>
+                </a:solidFill>
+              </a:defRPr>
+            </a:lvl2pPr>
+            <a:lvl3pPr indent="0" algn="ctr">
+              <a:spcBef>
+                <a:spcPct val="20000"/>
+              </a:spcBef>
+              <a:buFont typeface="Arial" panose="020B0604020202020204" pitchFamily="34" charset="0"/>
+              <a:buNone/>
+              <a:defRPr sz="2400">
+                <a:solidFill>
+                  <a:schemeClr val="tx1">
+                    <a:tint val="75000"/>
+                  </a:schemeClr>
+                </a:solidFill>
+              </a:defRPr>
+            </a:lvl3pPr>
+            <a:lvl4pPr indent="0" algn="ctr">
+              <a:spcBef>
+                <a:spcPct val="20000"/>
+              </a:spcBef>
+              <a:buFont typeface="Arial" panose="020B0604020202020204" pitchFamily="34" charset="0"/>
+              <a:buNone/>
+              <a:defRPr sz="2000">
+                <a:solidFill>
+                  <a:schemeClr val="tx1">
+                    <a:tint val="75000"/>
+                  </a:schemeClr>
+                </a:solidFill>
+              </a:defRPr>
+            </a:lvl4pPr>
+            <a:lvl5pPr indent="0" algn="ctr">
+              <a:spcBef>
+                <a:spcPct val="20000"/>
+              </a:spcBef>
+              <a:buFont typeface="Arial" panose="020B0604020202020204" pitchFamily="34" charset="0"/>
+              <a:buNone/>
+              <a:defRPr sz="2000">
+                <a:solidFill>
+                  <a:schemeClr val="tx1">
+                    <a:tint val="75000"/>
+                  </a:schemeClr>
+                </a:solidFill>
+              </a:defRPr>
+            </a:lvl5pPr>
+            <a:lvl6pPr indent="0" algn="ctr">
+              <a:spcBef>
+                <a:spcPct val="20000"/>
+              </a:spcBef>
+              <a:buFont typeface="Arial" panose="020B0604020202020204" pitchFamily="34" charset="0"/>
+              <a:buNone/>
+              <a:defRPr sz="2000">
+                <a:solidFill>
+                  <a:schemeClr val="tx1">
+                    <a:tint val="75000"/>
+                  </a:schemeClr>
+                </a:solidFill>
+              </a:defRPr>
+            </a:lvl6pPr>
+            <a:lvl7pPr indent="0" algn="ctr">
+              <a:spcBef>
+                <a:spcPct val="20000"/>
+              </a:spcBef>
+              <a:buFont typeface="Arial" panose="020B0604020202020204" pitchFamily="34" charset="0"/>
+              <a:buNone/>
+              <a:defRPr sz="2000">
+                <a:solidFill>
+                  <a:schemeClr val="tx1">
+                    <a:tint val="75000"/>
+                  </a:schemeClr>
+                </a:solidFill>
+              </a:defRPr>
+            </a:lvl7pPr>
+            <a:lvl8pPr indent="0" algn="ctr">
+              <a:spcBef>
+                <a:spcPct val="20000"/>
+              </a:spcBef>
+              <a:buFont typeface="Arial" panose="020B0604020202020204" pitchFamily="34" charset="0"/>
+              <a:buNone/>
+              <a:defRPr sz="2000">
+                <a:solidFill>
+                  <a:schemeClr val="tx1">
+                    <a:tint val="75000"/>
+                  </a:schemeClr>
+                </a:solidFill>
+              </a:defRPr>
+            </a:lvl8pPr>
+            <a:lvl9pPr indent="0" algn="ctr">
+              <a:spcBef>
+                <a:spcPct val="20000"/>
+              </a:spcBef>
+              <a:buFont typeface="Arial" panose="020B0604020202020204" pitchFamily="34" charset="0"/>
+              <a:buNone/>
+              <a:defRPr sz="2000">
+                <a:solidFill>
+                  <a:schemeClr val="tx1">
+                    <a:tint val="75000"/>
+                  </a:schemeClr>
+                </a:solidFill>
+              </a:defRPr>
+            </a:lvl9pPr>
+          </a:lstStyle>
+          <a:p>
+            <a:pPr marL="457200" indent="-457200" algn="l">
+              <a:buFont typeface="Courier New" panose="02070309020205020404" pitchFamily="49" charset="0"/>
+              <a:buChar char="o"/>
+            </a:pPr>
+            <a:endParaRPr lang="en-US" sz="2400" b="0" dirty="0" smtClean="0"/>
+          </a:p>
+          <a:p>
+            <a:pPr marL="914400" lvl="1" indent="-457200" algn="l">
+              <a:buFont typeface="Courier New" panose="02070309020205020404" pitchFamily="49" charset="0"/>
+              <a:buChar char="o"/>
+            </a:pPr>
+            <a:endParaRPr lang="en-US" sz="2200" b="0" dirty="0"/>
+          </a:p>
+        </p:txBody>
+      </p:sp>
+      <p:pic>
+        <p:nvPicPr>
+          <p:cNvPr id="6" name="Picture 5"/>
+          <p:cNvPicPr>
+            <a:picLocks noChangeAspect="1"/>
+          </p:cNvPicPr>
+          <p:nvPr/>
+        </p:nvPicPr>
+        <p:blipFill>
+          <a:blip r:embed="rId2"/>
+          <a:stretch>
+            <a:fillRect/>
+          </a:stretch>
+        </p:blipFill>
+        <p:spPr>
+          <a:xfrm>
+            <a:off x="467544" y="408935"/>
+            <a:ext cx="809945" cy="623850"/>
+          </a:xfrm>
+          <a:prstGeom prst="rect">
+            <a:avLst/>
+          </a:prstGeom>
+        </p:spPr>
+      </p:pic>
+      <p:pic>
+        <p:nvPicPr>
+          <p:cNvPr id="4" name="Picture 3"/>
+          <p:cNvPicPr>
+            <a:picLocks noChangeAspect="1"/>
+          </p:cNvPicPr>
+          <p:nvPr/>
+        </p:nvPicPr>
+        <p:blipFill>
+          <a:blip r:embed="rId3" cstate="print">
+            <a:extLst>
+              <a:ext uri="{28A0092B-C50C-407E-A947-70E740481C1C}">
+                <a14:useLocalDpi xmlns:a14="http://schemas.microsoft.com/office/drawing/2010/main" val="0"/>
+              </a:ext>
+            </a:extLst>
+          </a:blip>
+          <a:stretch>
+            <a:fillRect/>
+          </a:stretch>
+        </p:blipFill>
+        <p:spPr>
+          <a:xfrm>
+            <a:off x="1331640" y="1306875"/>
+            <a:ext cx="5881253" cy="5002445"/>
+          </a:xfrm>
+          <a:prstGeom prst="rect">
+            <a:avLst/>
+          </a:prstGeom>
+        </p:spPr>
+      </p:pic>
+    </p:spTree>
+    <p:extLst>
+      <p:ext uri="{BB962C8B-B14F-4D97-AF65-F5344CB8AC3E}">
+        <p14:creationId xmlns:p14="http://schemas.microsoft.com/office/powerpoint/2010/main" val="4265407914"/>
+      </p:ext>
+    </p:extLst>
+  </p:cSld>
+  <p:clrMapOvr>
+    <a:masterClrMapping/>
+  </p:clrMapOvr>
+  <p:timing>
+    <p:tnLst>
+      <p:par>
+        <p:cTn id="1" dur="indefinite" restart="never" nodeType="tmRoot"/>
+      </p:par>
+    </p:tnLst>
+  </p:timing>
+</p:sld>
+</file>
+
 <file path=ppt/slides/slide8.xml><?xml version="1.0" encoding="utf-8"?>
 <p:sld xmlns:a="http://schemas.openxmlformats.org/drawingml/2006/main" xmlns:r="http://schemas.openxmlformats.org/officeDocument/2006/relationships" xmlns:p="http://schemas.openxmlformats.org/presentationml/2006/main">
   <p:cSld>
@@ -10768,7 +12255,7 @@
                   <a:srgbClr val="00B0F0"/>
                 </a:solidFill>
               </a:rPr>
-              <a:t>Install on Mac OS X</a:t>
+              <a:t>Connection | ESP-01</a:t>
             </a:r>
             <a:endParaRPr lang="en-US" sz="3200" dirty="0">
               <a:solidFill>
@@ -10978,128 +12465,14 @@
               <a:buFont typeface="Courier New" panose="02070309020205020404" pitchFamily="49" charset="0"/>
               <a:buChar char="o"/>
             </a:pPr>
-            <a:r>
-              <a:rPr lang="en-US" sz="2200" b="0" dirty="0" smtClean="0"/>
-              <a:t>Tutorial</a:t>
-            </a:r>
-          </a:p>
-          <a:p>
-            <a:pPr lvl="1" algn="l"/>
-            <a:r>
-              <a:rPr lang="en-US" sz="2000" b="0" dirty="0" smtClean="0">
-                <a:hlinkClick r:id="rId2"/>
-              </a:rPr>
-              <a:t>https</a:t>
-            </a:r>
-            <a:r>
-              <a:rPr lang="en-US" sz="2000" b="0" dirty="0">
-                <a:hlinkClick r:id="rId2"/>
-              </a:rPr>
-              <a:t>://</a:t>
-            </a:r>
-            <a:r>
-              <a:rPr lang="en-US" sz="2000" b="0" dirty="0" smtClean="0">
-                <a:hlinkClick r:id="rId2"/>
-              </a:rPr>
-              <a:t>github.com/nodemcu/nodemcu-devkit/wiki/Getting-Started-on-OSX</a:t>
-            </a:r>
-            <a:endParaRPr lang="en-US" sz="2000" b="0" dirty="0" smtClean="0"/>
+            <a:endParaRPr lang="en-US" sz="2400" b="0" dirty="0" smtClean="0"/>
           </a:p>
           <a:p>
             <a:pPr marL="914400" lvl="1" indent="-457200" algn="l">
               <a:buFont typeface="Courier New" panose="02070309020205020404" pitchFamily="49" charset="0"/>
               <a:buChar char="o"/>
             </a:pPr>
-            <a:r>
-              <a:rPr lang="en-US" sz="2000" dirty="0" smtClean="0"/>
-              <a:t>Install driver</a:t>
-            </a:r>
-          </a:p>
-          <a:p>
-            <a:pPr marL="914400" lvl="1" indent="-457200" algn="l">
-              <a:buFont typeface="Courier New" panose="02070309020205020404" pitchFamily="49" charset="0"/>
-              <a:buChar char="o"/>
-            </a:pPr>
-            <a:r>
-              <a:rPr lang="en-US" sz="2000" b="0" dirty="0" smtClean="0"/>
-              <a:t>Install </a:t>
-            </a:r>
-            <a:r>
-              <a:rPr lang="en-US" sz="2000" b="0" dirty="0" err="1" smtClean="0"/>
-              <a:t>ESPlorer</a:t>
-            </a:r>
-            <a:endParaRPr lang="en-US" sz="2000" dirty="0"/>
-          </a:p>
-          <a:p>
-            <a:pPr marL="914400" lvl="1" indent="-457200" algn="l">
-              <a:buFont typeface="Courier New" panose="02070309020205020404" pitchFamily="49" charset="0"/>
-              <a:buChar char="o"/>
-            </a:pPr>
-            <a:r>
-              <a:rPr lang="en-US" sz="2000" dirty="0" smtClean="0"/>
-              <a:t>Install python</a:t>
-            </a:r>
-          </a:p>
-          <a:p>
-            <a:pPr marL="914400" lvl="1" indent="-457200" algn="l">
-              <a:buFont typeface="Courier New" panose="02070309020205020404" pitchFamily="49" charset="0"/>
-              <a:buChar char="o"/>
-            </a:pPr>
-            <a:r>
-              <a:rPr lang="en-US" sz="2000" b="0" dirty="0" smtClean="0"/>
-              <a:t>Install </a:t>
-            </a:r>
-            <a:r>
-              <a:rPr lang="en-US" sz="2000" b="0" dirty="0" err="1" smtClean="0"/>
-              <a:t>esptool</a:t>
-            </a:r>
-            <a:endParaRPr lang="en-US" sz="2000" b="0" dirty="0" smtClean="0"/>
-          </a:p>
-          <a:p>
-            <a:pPr marL="457200" indent="-457200" algn="l">
-              <a:buFont typeface="Courier New" panose="02070309020205020404" pitchFamily="49" charset="0"/>
-              <a:buChar char="o"/>
-            </a:pPr>
-            <a:endParaRPr lang="en-US" sz="2400" b="0" dirty="0"/>
-          </a:p>
-          <a:p>
-            <a:pPr marL="457200" indent="-457200" algn="l">
-              <a:buFont typeface="Courier New" panose="02070309020205020404" pitchFamily="49" charset="0"/>
-              <a:buChar char="o"/>
-            </a:pPr>
-            <a:r>
-              <a:rPr lang="en-US" sz="2400" b="0" dirty="0" smtClean="0"/>
-              <a:t>Driver:</a:t>
-            </a:r>
-          </a:p>
-          <a:p>
-            <a:pPr lvl="1" algn="l"/>
-            <a:r>
-              <a:rPr lang="en-US" sz="2200" b="0" dirty="0" smtClean="0">
-                <a:hlinkClick r:id="rId3"/>
-              </a:rPr>
-              <a:t>http</a:t>
-            </a:r>
-            <a:r>
-              <a:rPr lang="en-US" sz="2200" b="0" dirty="0">
-                <a:hlinkClick r:id="rId3"/>
-              </a:rPr>
-              <a:t>://</a:t>
-            </a:r>
-            <a:r>
-              <a:rPr lang="en-US" sz="2200" b="0" dirty="0" smtClean="0">
-                <a:hlinkClick r:id="rId3"/>
-              </a:rPr>
-              <a:t>www.prolific.com.tw/US/ShowProduct.aspx?p_id=229&amp;pcid=41</a:t>
-            </a:r>
-            <a:endParaRPr lang="en-US" sz="2200" b="0" dirty="0" smtClean="0"/>
-          </a:p>
-          <a:p>
-            <a:pPr marL="457200" indent="-457200" algn="l">
-              <a:buFont typeface="Courier New" panose="02070309020205020404" pitchFamily="49" charset="0"/>
-              <a:buChar char="o"/>
-            </a:pPr>
-            <a:endParaRPr lang="en-US" sz="2400" b="0" dirty="0" smtClean="0"/>
+            <a:endParaRPr lang="en-US" sz="2200" b="0" dirty="0"/>
           </a:p>
         </p:txBody>
       </p:sp>
@@ -11112,7 +12485,7 @@
           <p:nvPr/>
         </p:nvPicPr>
         <p:blipFill>
-          <a:blip r:embed="rId4"/>
+          <a:blip r:embed="rId2"/>
           <a:stretch>
             <a:fillRect/>
           </a:stretch>
@@ -11127,10 +12500,40 @@
           </a:prstGeom>
         </p:spPr>
       </p:pic>
+      <p:pic>
+        <p:nvPicPr>
+          <p:cNvPr id="7" name="Picture 6"/>
+          <p:cNvPicPr>
+            <a:picLocks noChangeAspect="1"/>
+          </p:cNvPicPr>
+          <p:nvPr/>
+        </p:nvPicPr>
+        <p:blipFill>
+          <a:blip r:embed="rId3" cstate="print">
+            <a:extLst>
+              <a:ext uri="{28A0092B-C50C-407E-A947-70E740481C1C}">
+                <a14:useLocalDpi xmlns:a14="http://schemas.microsoft.com/office/drawing/2010/main" val="0"/>
+              </a:ext>
+            </a:extLst>
+          </a:blip>
+          <a:stretch>
+            <a:fillRect/>
+          </a:stretch>
+        </p:blipFill>
+        <p:spPr>
+          <a:xfrm>
+            <a:off x="1547664" y="1351124"/>
+            <a:ext cx="5904656" cy="4952828"/>
+          </a:xfrm>
+          <a:prstGeom prst="rect">
+            <a:avLst/>
+          </a:prstGeom>
+        </p:spPr>
+      </p:pic>
     </p:spTree>
     <p:extLst>
       <p:ext uri="{BB962C8B-B14F-4D97-AF65-F5344CB8AC3E}">
-        <p14:creationId xmlns:p14="http://schemas.microsoft.com/office/powerpoint/2010/main" val="229410286"/>
+        <p14:creationId xmlns:p14="http://schemas.microsoft.com/office/powerpoint/2010/main" val="3961316146"/>
       </p:ext>
     </p:extLst>
   </p:cSld>
@@ -11183,7 +12586,7 @@
         </p:spPr>
         <p:txBody>
           <a:bodyPr vert="horz" lIns="91440" tIns="45720" rIns="91440" bIns="45720" rtlCol="0" anchor="ctr">
-            <a:normAutofit fontScale="85000" lnSpcReduction="10000"/>
+            <a:normAutofit/>
           </a:bodyPr>
           <a:lstStyle>
             <a:lvl1pPr indent="0" algn="ctr">
@@ -11324,55 +12727,7 @@
                   <a:srgbClr val="00B0F0"/>
                 </a:solidFill>
               </a:rPr>
-              <a:t>ESP – </a:t>
-            </a:r>
-            <a:r>
-              <a:rPr lang="en-US" sz="3200" dirty="0" err="1" smtClean="0">
-                <a:solidFill>
-                  <a:srgbClr val="00B0F0"/>
-                </a:solidFill>
-              </a:rPr>
-              <a:t>druhy</a:t>
-            </a:r>
-            <a:r>
-              <a:rPr lang="en-US" sz="3200" dirty="0" smtClean="0">
-                <a:solidFill>
-                  <a:srgbClr val="00B0F0"/>
-                </a:solidFill>
-              </a:rPr>
-              <a:t>, </a:t>
-            </a:r>
-            <a:r>
-              <a:rPr lang="en-US" sz="3200" dirty="0" err="1" smtClean="0">
-                <a:solidFill>
-                  <a:srgbClr val="00B0F0"/>
-                </a:solidFill>
-              </a:rPr>
-              <a:t>vyhody</a:t>
-            </a:r>
-            <a:r>
-              <a:rPr lang="en-US" sz="3200" dirty="0" smtClean="0">
-                <a:solidFill>
-                  <a:srgbClr val="00B0F0"/>
-                </a:solidFill>
-              </a:rPr>
-              <a:t>, </a:t>
-            </a:r>
-            <a:r>
-              <a:rPr lang="en-US" sz="3200" dirty="0" err="1" smtClean="0">
-                <a:solidFill>
-                  <a:srgbClr val="00B0F0"/>
-                </a:solidFill>
-              </a:rPr>
-              <a:t>uspavani</a:t>
-            </a:r>
-            <a:r>
-              <a:rPr lang="en-US" sz="3200" dirty="0" smtClean="0">
-                <a:solidFill>
-                  <a:srgbClr val="00B0F0"/>
-                </a:solidFill>
-              </a:rPr>
-              <a:t>, GPIO</a:t>
+              <a:t>Connection | ESP-12</a:t>
             </a:r>
             <a:endParaRPr lang="en-US" sz="3200" dirty="0">
               <a:solidFill>
@@ -11582,11 +12937,14 @@
               <a:buFont typeface="Courier New" panose="02070309020205020404" pitchFamily="49" charset="0"/>
               <a:buChar char="o"/>
             </a:pPr>
-            <a:r>
-              <a:rPr lang="en-US" sz="2400" b="0" dirty="0" smtClean="0"/>
-              <a:t>Text</a:t>
-            </a:r>
-            <a:endParaRPr lang="en-US" sz="2400" b="0" dirty="0"/>
+            <a:endParaRPr lang="en-US" sz="2400" b="0" dirty="0" smtClean="0"/>
+          </a:p>
+          <a:p>
+            <a:pPr marL="914400" lvl="1" indent="-457200" algn="l">
+              <a:buFont typeface="Courier New" panose="02070309020205020404" pitchFamily="49" charset="0"/>
+              <a:buChar char="o"/>
+            </a:pPr>
+            <a:endParaRPr lang="en-US" sz="2200" b="0" dirty="0"/>
           </a:p>
         </p:txBody>
       </p:sp>
@@ -11614,10 +12972,40 @@
           </a:prstGeom>
         </p:spPr>
       </p:pic>
+      <p:pic>
+        <p:nvPicPr>
+          <p:cNvPr id="7" name="Picture 6"/>
+          <p:cNvPicPr>
+            <a:picLocks noChangeAspect="1"/>
+          </p:cNvPicPr>
+          <p:nvPr/>
+        </p:nvPicPr>
+        <p:blipFill>
+          <a:blip r:embed="rId3" cstate="print">
+            <a:extLst>
+              <a:ext uri="{28A0092B-C50C-407E-A947-70E740481C1C}">
+                <a14:useLocalDpi xmlns:a14="http://schemas.microsoft.com/office/drawing/2010/main" val="0"/>
+              </a:ext>
+            </a:extLst>
+          </a:blip>
+          <a:stretch>
+            <a:fillRect/>
+          </a:stretch>
+        </p:blipFill>
+        <p:spPr>
+          <a:xfrm>
+            <a:off x="971600" y="1102055"/>
+            <a:ext cx="6984776" cy="5207266"/>
+          </a:xfrm>
+          <a:prstGeom prst="rect">
+            <a:avLst/>
+          </a:prstGeom>
+        </p:spPr>
+      </p:pic>
     </p:spTree>
     <p:extLst>
       <p:ext uri="{BB962C8B-B14F-4D97-AF65-F5344CB8AC3E}">
-        <p14:creationId xmlns:p14="http://schemas.microsoft.com/office/powerpoint/2010/main" val="2917186210"/>
+        <p14:creationId xmlns:p14="http://schemas.microsoft.com/office/powerpoint/2010/main" val="2441515095"/>
       </p:ext>
     </p:extLst>
   </p:cSld>

--- a/DevSession - ESP8266.pptx
+++ b/DevSession - ESP8266.pptx
@@ -6149,15 +6149,7 @@
                   <a:srgbClr val="00B0F0"/>
                 </a:solidFill>
               </a:rPr>
-              <a:t>DS1820 – </a:t>
-            </a:r>
-            <a:r>
-              <a:rPr lang="en-US" sz="3200" dirty="0" smtClean="0">
-                <a:solidFill>
-                  <a:srgbClr val="00B0F0"/>
-                </a:solidFill>
-              </a:rPr>
-              <a:t>Temperature</a:t>
+              <a:t>DS1820 – Temperature</a:t>
             </a:r>
             <a:endParaRPr lang="en-US" sz="3200" dirty="0">
               <a:solidFill>
@@ -6369,11 +6361,7 @@
             </a:pPr>
             <a:r>
               <a:rPr lang="en-US" sz="2400" b="0" dirty="0" smtClean="0"/>
-              <a:t>It is possible to connect mor</a:t>
-            </a:r>
-            <a:r>
-              <a:rPr lang="en-US" sz="2400" b="0" dirty="0" smtClean="0"/>
-              <a:t>e DS1820 to one wire connected to one GPIO.</a:t>
+              <a:t>It is possible to connect more DS1820 to one wire connected to one GPIO.</a:t>
             </a:r>
             <a:endParaRPr lang="en-US" sz="2400" b="0" dirty="0"/>
           </a:p>
@@ -6608,23 +6596,7 @@
                   <a:srgbClr val="00B0F0"/>
                 </a:solidFill>
               </a:rPr>
-              <a:t>22 </a:t>
-            </a:r>
-            <a:r>
-              <a:rPr lang="en-US" sz="3200" dirty="0" smtClean="0">
-                <a:solidFill>
-                  <a:srgbClr val="00B0F0"/>
-                </a:solidFill>
-              </a:rPr>
-              <a:t>– </a:t>
-            </a:r>
-            <a:r>
-              <a:rPr lang="en-US" sz="3200" dirty="0" smtClean="0">
-                <a:solidFill>
-                  <a:srgbClr val="00B0F0"/>
-                </a:solidFill>
-              </a:rPr>
-              <a:t>Temperature &amp; Humidity</a:t>
+              <a:t>22 – Temperature &amp; Humidity</a:t>
             </a:r>
             <a:endParaRPr lang="en-US" sz="3200" dirty="0">
               <a:solidFill>
@@ -8785,15 +8757,7 @@
                   <a:srgbClr val="00B0F0"/>
                 </a:solidFill>
               </a:rPr>
-              <a:t>ESP 8266 </a:t>
-            </a:r>
-            <a:r>
-              <a:rPr lang="en-US" sz="3200" dirty="0" smtClean="0">
-                <a:solidFill>
-                  <a:srgbClr val="00B0F0"/>
-                </a:solidFill>
-              </a:rPr>
-              <a:t>| Recommended Types</a:t>
+              <a:t>ESP 8266 | Recommended Types</a:t>
             </a:r>
             <a:endParaRPr lang="en-US" sz="3200" dirty="0">
               <a:solidFill>
@@ -9474,13 +9438,8 @@
                       </a:pPr>
                       <a:r>
                         <a:rPr lang="en-US" dirty="0" smtClean="0"/>
-                        <a:t>4 </a:t>
+                        <a:t>4 GPIO</a:t>
                       </a:r>
-                      <a:r>
-                        <a:rPr lang="en-US" dirty="0" smtClean="0"/>
-                        <a:t>GPIO</a:t>
-                      </a:r>
-                      <a:endParaRPr lang="en-US" dirty="0" smtClean="0"/>
                     </a:p>
                     <a:p>
                       <a:pPr marL="285750" indent="-285750">
@@ -9573,11 +9532,7 @@
                       </a:pPr>
                       <a:r>
                         <a:rPr lang="en-US" dirty="0" smtClean="0"/>
-                        <a:t>Suitable for </a:t>
-                      </a:r>
-                      <a:r>
-                        <a:rPr lang="en-US" dirty="0" smtClean="0"/>
-                        <a:t>ESP-12e/f</a:t>
+                        <a:t>Suitable for ESP-12e/f</a:t>
                       </a:r>
                       <a:endParaRPr lang="en-US" baseline="0" dirty="0" smtClean="0"/>
                     </a:p>
@@ -9592,15 +9547,7 @@
                       </a:r>
                       <a:r>
                         <a:rPr lang="en-US" dirty="0" smtClean="0"/>
-                        <a:t>dapter </a:t>
-                      </a:r>
-                      <a:r>
-                        <a:rPr lang="en-US" dirty="0" smtClean="0"/>
-                        <a:t>for ESP-12e/f not available </a:t>
-                      </a:r>
-                      <a:r>
-                        <a:rPr lang="en-US" dirty="0" smtClean="0"/>
-                        <a:t>yet</a:t>
+                        <a:t>dapter for ESP-12e/f not available yet</a:t>
                       </a:r>
                       <a:r>
                         <a:rPr lang="en-US" baseline="0" dirty="0" smtClean="0"/>
@@ -12058,6 +12005,36 @@
           </a:prstGeom>
         </p:spPr>
       </p:pic>
+      <p:pic>
+        <p:nvPicPr>
+          <p:cNvPr id="7" name="Picture 6"/>
+          <p:cNvPicPr>
+            <a:picLocks noChangeAspect="1"/>
+          </p:cNvPicPr>
+          <p:nvPr/>
+        </p:nvPicPr>
+        <p:blipFill>
+          <a:blip r:embed="rId4" cstate="print">
+            <a:extLst>
+              <a:ext uri="{28A0092B-C50C-407E-A947-70E740481C1C}">
+                <a14:useLocalDpi xmlns:a14="http://schemas.microsoft.com/office/drawing/2010/main" val="0"/>
+              </a:ext>
+            </a:extLst>
+          </a:blip>
+          <a:stretch>
+            <a:fillRect/>
+          </a:stretch>
+        </p:blipFill>
+        <p:spPr>
+          <a:xfrm>
+            <a:off x="5173084" y="4869160"/>
+            <a:ext cx="2088422" cy="989390"/>
+          </a:xfrm>
+          <a:prstGeom prst="rect">
+            <a:avLst/>
+          </a:prstGeom>
+        </p:spPr>
+      </p:pic>
     </p:spTree>
     <p:extLst>
       <p:ext uri="{BB962C8B-B14F-4D97-AF65-F5344CB8AC3E}">
@@ -12524,6 +12501,36 @@
           <a:xfrm>
             <a:off x="1547664" y="1351124"/>
             <a:ext cx="5904656" cy="4952828"/>
+          </a:xfrm>
+          <a:prstGeom prst="rect">
+            <a:avLst/>
+          </a:prstGeom>
+        </p:spPr>
+      </p:pic>
+      <p:pic>
+        <p:nvPicPr>
+          <p:cNvPr id="8" name="Picture 7"/>
+          <p:cNvPicPr>
+            <a:picLocks noChangeAspect="1"/>
+          </p:cNvPicPr>
+          <p:nvPr/>
+        </p:nvPicPr>
+        <p:blipFill>
+          <a:blip r:embed="rId4" cstate="print">
+            <a:extLst>
+              <a:ext uri="{28A0092B-C50C-407E-A947-70E740481C1C}">
+                <a14:useLocalDpi xmlns:a14="http://schemas.microsoft.com/office/drawing/2010/main" val="0"/>
+              </a:ext>
+            </a:extLst>
+          </a:blip>
+          <a:stretch>
+            <a:fillRect/>
+          </a:stretch>
+        </p:blipFill>
+        <p:spPr>
+          <a:xfrm>
+            <a:off x="5436096" y="5013176"/>
+            <a:ext cx="2088422" cy="989390"/>
           </a:xfrm>
           <a:prstGeom prst="rect">
             <a:avLst/>
@@ -12996,6 +13003,36 @@
           <a:xfrm>
             <a:off x="971600" y="1102055"/>
             <a:ext cx="6984776" cy="5207266"/>
+          </a:xfrm>
+          <a:prstGeom prst="rect">
+            <a:avLst/>
+          </a:prstGeom>
+        </p:spPr>
+      </p:pic>
+      <p:pic>
+        <p:nvPicPr>
+          <p:cNvPr id="4" name="Picture 3"/>
+          <p:cNvPicPr>
+            <a:picLocks noChangeAspect="1"/>
+          </p:cNvPicPr>
+          <p:nvPr/>
+        </p:nvPicPr>
+        <p:blipFill>
+          <a:blip r:embed="rId4" cstate="print">
+            <a:extLst>
+              <a:ext uri="{28A0092B-C50C-407E-A947-70E740481C1C}">
+                <a14:useLocalDpi xmlns:a14="http://schemas.microsoft.com/office/drawing/2010/main" val="0"/>
+              </a:ext>
+            </a:extLst>
+          </a:blip>
+          <a:stretch>
+            <a:fillRect/>
+          </a:stretch>
+        </p:blipFill>
+        <p:spPr>
+          <a:xfrm>
+            <a:off x="6237157" y="4605837"/>
+            <a:ext cx="1886329" cy="1690911"/>
           </a:xfrm>
           <a:prstGeom prst="rect">
             <a:avLst/>

--- a/DevSession - ESP8266.pptx
+++ b/DevSession - ESP8266.pptx
@@ -7,21 +7,27 @@
   <p:sldIdLst>
     <p:sldId id="256" r:id="rId2"/>
     <p:sldId id="278" r:id="rId3"/>
-    <p:sldId id="274" r:id="rId4"/>
-    <p:sldId id="270" r:id="rId5"/>
-    <p:sldId id="271" r:id="rId6"/>
-    <p:sldId id="272" r:id="rId7"/>
-    <p:sldId id="275" r:id="rId8"/>
-    <p:sldId id="277" r:id="rId9"/>
-    <p:sldId id="276" r:id="rId10"/>
-    <p:sldId id="273" r:id="rId11"/>
-    <p:sldId id="268" r:id="rId12"/>
-    <p:sldId id="269" r:id="rId13"/>
-    <p:sldId id="266" r:id="rId14"/>
-    <p:sldId id="265" r:id="rId15"/>
-    <p:sldId id="267" r:id="rId16"/>
-    <p:sldId id="263" r:id="rId17"/>
-    <p:sldId id="262" r:id="rId18"/>
+    <p:sldId id="280" r:id="rId4"/>
+    <p:sldId id="274" r:id="rId5"/>
+    <p:sldId id="270" r:id="rId6"/>
+    <p:sldId id="271" r:id="rId7"/>
+    <p:sldId id="272" r:id="rId8"/>
+    <p:sldId id="275" r:id="rId9"/>
+    <p:sldId id="277" r:id="rId10"/>
+    <p:sldId id="276" r:id="rId11"/>
+    <p:sldId id="273" r:id="rId12"/>
+    <p:sldId id="268" r:id="rId13"/>
+    <p:sldId id="282" r:id="rId14"/>
+    <p:sldId id="283" r:id="rId15"/>
+    <p:sldId id="281" r:id="rId16"/>
+    <p:sldId id="265" r:id="rId17"/>
+    <p:sldId id="279" r:id="rId18"/>
+    <p:sldId id="285" r:id="rId19"/>
+    <p:sldId id="266" r:id="rId20"/>
+    <p:sldId id="269" r:id="rId21"/>
+    <p:sldId id="263" r:id="rId22"/>
+    <p:sldId id="284" r:id="rId23"/>
+    <p:sldId id="262" r:id="rId24"/>
   </p:sldIdLst>
   <p:sldSz cx="9144000" cy="6858000" type="screen4x3"/>
   <p:notesSz cx="6858000" cy="9144000"/>
@@ -320,7 +326,7 @@
           <a:p>
             <a:fld id="{479DD079-A5C7-4211-B487-5DD4D6307C94}" type="datetimeFigureOut">
               <a:rPr lang="en-US" smtClean="0"/>
-              <a:t>1/21/2017</a:t>
+              <a:t>1/22/2017</a:t>
             </a:fld>
             <a:endParaRPr lang="en-US"/>
           </a:p>
@@ -490,7 +496,7 @@
           <a:p>
             <a:fld id="{479DD079-A5C7-4211-B487-5DD4D6307C94}" type="datetimeFigureOut">
               <a:rPr lang="en-US" smtClean="0"/>
-              <a:t>1/21/2017</a:t>
+              <a:t>1/22/2017</a:t>
             </a:fld>
             <a:endParaRPr lang="en-US"/>
           </a:p>
@@ -670,7 +676,7 @@
           <a:p>
             <a:fld id="{479DD079-A5C7-4211-B487-5DD4D6307C94}" type="datetimeFigureOut">
               <a:rPr lang="en-US" smtClean="0"/>
-              <a:t>1/21/2017</a:t>
+              <a:t>1/22/2017</a:t>
             </a:fld>
             <a:endParaRPr lang="en-US"/>
           </a:p>
@@ -840,7 +846,7 @@
           <a:p>
             <a:fld id="{479DD079-A5C7-4211-B487-5DD4D6307C94}" type="datetimeFigureOut">
               <a:rPr lang="en-US" smtClean="0"/>
-              <a:t>1/21/2017</a:t>
+              <a:t>1/22/2017</a:t>
             </a:fld>
             <a:endParaRPr lang="en-US"/>
           </a:p>
@@ -1086,7 +1092,7 @@
           <a:p>
             <a:fld id="{479DD079-A5C7-4211-B487-5DD4D6307C94}" type="datetimeFigureOut">
               <a:rPr lang="en-US" smtClean="0"/>
-              <a:t>1/21/2017</a:t>
+              <a:t>1/22/2017</a:t>
             </a:fld>
             <a:endParaRPr lang="en-US"/>
           </a:p>
@@ -1374,7 +1380,7 @@
           <a:p>
             <a:fld id="{479DD079-A5C7-4211-B487-5DD4D6307C94}" type="datetimeFigureOut">
               <a:rPr lang="en-US" smtClean="0"/>
-              <a:t>1/21/2017</a:t>
+              <a:t>1/22/2017</a:t>
             </a:fld>
             <a:endParaRPr lang="en-US"/>
           </a:p>
@@ -1796,7 +1802,7 @@
           <a:p>
             <a:fld id="{479DD079-A5C7-4211-B487-5DD4D6307C94}" type="datetimeFigureOut">
               <a:rPr lang="en-US" smtClean="0"/>
-              <a:t>1/21/2017</a:t>
+              <a:t>1/22/2017</a:t>
             </a:fld>
             <a:endParaRPr lang="en-US"/>
           </a:p>
@@ -1914,7 +1920,7 @@
           <a:p>
             <a:fld id="{479DD079-A5C7-4211-B487-5DD4D6307C94}" type="datetimeFigureOut">
               <a:rPr lang="en-US" smtClean="0"/>
-              <a:t>1/21/2017</a:t>
+              <a:t>1/22/2017</a:t>
             </a:fld>
             <a:endParaRPr lang="en-US"/>
           </a:p>
@@ -2009,7 +2015,7 @@
           <a:p>
             <a:fld id="{479DD079-A5C7-4211-B487-5DD4D6307C94}" type="datetimeFigureOut">
               <a:rPr lang="en-US" smtClean="0"/>
-              <a:t>1/21/2017</a:t>
+              <a:t>1/22/2017</a:t>
             </a:fld>
             <a:endParaRPr lang="en-US"/>
           </a:p>
@@ -2286,7 +2292,7 @@
           <a:p>
             <a:fld id="{479DD079-A5C7-4211-B487-5DD4D6307C94}" type="datetimeFigureOut">
               <a:rPr lang="en-US" smtClean="0"/>
-              <a:t>1/21/2017</a:t>
+              <a:t>1/22/2017</a:t>
             </a:fld>
             <a:endParaRPr lang="en-US"/>
           </a:p>
@@ -2543,7 +2549,7 @@
           <a:p>
             <a:fld id="{479DD079-A5C7-4211-B487-5DD4D6307C94}" type="datetimeFigureOut">
               <a:rPr lang="en-US" smtClean="0"/>
-              <a:t>1/21/2017</a:t>
+              <a:t>1/22/2017</a:t>
             </a:fld>
             <a:endParaRPr lang="en-US"/>
           </a:p>
@@ -2756,7 +2762,7 @@
           <a:p>
             <a:fld id="{479DD079-A5C7-4211-B487-5DD4D6307C94}" type="datetimeFigureOut">
               <a:rPr lang="en-US" smtClean="0"/>
-              <a:t>1/21/2017</a:t>
+              <a:t>1/22/2017</a:t>
             </a:fld>
             <a:endParaRPr lang="en-US"/>
           </a:p>
@@ -4175,6 +4181,508 @@
                   <a:srgbClr val="00B0F0"/>
                 </a:solidFill>
               </a:rPr>
+              <a:t>Connection | ESP-12</a:t>
+            </a:r>
+            <a:endParaRPr lang="en-US" sz="3200" dirty="0">
+              <a:solidFill>
+                <a:srgbClr val="00B0F0"/>
+              </a:solidFill>
+            </a:endParaRPr>
+          </a:p>
+        </p:txBody>
+      </p:sp>
+      <p:sp>
+        <p:nvSpPr>
+          <p:cNvPr id="3" name="Rectangle 2"/>
+          <p:cNvSpPr/>
+          <p:nvPr/>
+        </p:nvSpPr>
+        <p:spPr>
+          <a:xfrm>
+            <a:off x="2636" y="6309320"/>
+            <a:ext cx="9141365" cy="551206"/>
+          </a:xfrm>
+          <a:prstGeom prst="rect">
+            <a:avLst/>
+          </a:prstGeom>
+          <a:ln>
+            <a:noFill/>
+          </a:ln>
+        </p:spPr>
+        <p:style>
+          <a:lnRef idx="2">
+            <a:schemeClr val="accent1">
+              <a:shade val="50000"/>
+            </a:schemeClr>
+          </a:lnRef>
+          <a:fillRef idx="1">
+            <a:schemeClr val="accent1"/>
+          </a:fillRef>
+          <a:effectRef idx="0">
+            <a:schemeClr val="accent1"/>
+          </a:effectRef>
+          <a:fontRef idx="minor">
+            <a:schemeClr val="lt1"/>
+          </a:fontRef>
+        </p:style>
+        <p:txBody>
+          <a:bodyPr rtlCol="0" anchor="ctr"/>
+          <a:lstStyle/>
+          <a:p>
+            <a:pPr algn="ctr"/>
+            <a:endParaRPr lang="en-US"/>
+          </a:p>
+        </p:txBody>
+      </p:sp>
+      <p:sp>
+        <p:nvSpPr>
+          <p:cNvPr id="5" name="Subtitle 2"/>
+          <p:cNvSpPr txBox="1">
+            <a:spLocks/>
+          </p:cNvSpPr>
+          <p:nvPr/>
+        </p:nvSpPr>
+        <p:spPr>
+          <a:xfrm>
+            <a:off x="611560" y="1304764"/>
+            <a:ext cx="8084999" cy="5004556"/>
+          </a:xfrm>
+          <a:prstGeom prst="rect">
+            <a:avLst/>
+          </a:prstGeom>
+        </p:spPr>
+        <p:txBody>
+          <a:bodyPr vert="horz" lIns="91440" tIns="45720" rIns="91440" bIns="45720" rtlCol="0" anchor="t">
+            <a:normAutofit/>
+          </a:bodyPr>
+          <a:lstStyle>
+            <a:lvl1pPr indent="0" algn="ctr">
+              <a:spcBef>
+                <a:spcPct val="20000"/>
+              </a:spcBef>
+              <a:buFont typeface="Arial" panose="020B0604020202020204" pitchFamily="34" charset="0"/>
+              <a:buNone/>
+              <a:defRPr sz="3000" b="1">
+                <a:solidFill>
+                  <a:schemeClr val="tx1">
+                    <a:tint val="75000"/>
+                  </a:schemeClr>
+                </a:solidFill>
+                <a:latin typeface="Tahoma" panose="020B0604030504040204" pitchFamily="34" charset="0"/>
+                <a:ea typeface="Tahoma" panose="020B0604030504040204" pitchFamily="34" charset="0"/>
+                <a:cs typeface="Tahoma" panose="020B0604030504040204" pitchFamily="34" charset="0"/>
+              </a:defRPr>
+            </a:lvl1pPr>
+            <a:lvl2pPr indent="0" algn="ctr">
+              <a:spcBef>
+                <a:spcPct val="20000"/>
+              </a:spcBef>
+              <a:buFont typeface="Arial" panose="020B0604020202020204" pitchFamily="34" charset="0"/>
+              <a:buNone/>
+              <a:defRPr sz="2800">
+                <a:solidFill>
+                  <a:schemeClr val="tx1">
+                    <a:tint val="75000"/>
+                  </a:schemeClr>
+                </a:solidFill>
+              </a:defRPr>
+            </a:lvl2pPr>
+            <a:lvl3pPr indent="0" algn="ctr">
+              <a:spcBef>
+                <a:spcPct val="20000"/>
+              </a:spcBef>
+              <a:buFont typeface="Arial" panose="020B0604020202020204" pitchFamily="34" charset="0"/>
+              <a:buNone/>
+              <a:defRPr sz="2400">
+                <a:solidFill>
+                  <a:schemeClr val="tx1">
+                    <a:tint val="75000"/>
+                  </a:schemeClr>
+                </a:solidFill>
+              </a:defRPr>
+            </a:lvl3pPr>
+            <a:lvl4pPr indent="0" algn="ctr">
+              <a:spcBef>
+                <a:spcPct val="20000"/>
+              </a:spcBef>
+              <a:buFont typeface="Arial" panose="020B0604020202020204" pitchFamily="34" charset="0"/>
+              <a:buNone/>
+              <a:defRPr sz="2000">
+                <a:solidFill>
+                  <a:schemeClr val="tx1">
+                    <a:tint val="75000"/>
+                  </a:schemeClr>
+                </a:solidFill>
+              </a:defRPr>
+            </a:lvl4pPr>
+            <a:lvl5pPr indent="0" algn="ctr">
+              <a:spcBef>
+                <a:spcPct val="20000"/>
+              </a:spcBef>
+              <a:buFont typeface="Arial" panose="020B0604020202020204" pitchFamily="34" charset="0"/>
+              <a:buNone/>
+              <a:defRPr sz="2000">
+                <a:solidFill>
+                  <a:schemeClr val="tx1">
+                    <a:tint val="75000"/>
+                  </a:schemeClr>
+                </a:solidFill>
+              </a:defRPr>
+            </a:lvl5pPr>
+            <a:lvl6pPr indent="0" algn="ctr">
+              <a:spcBef>
+                <a:spcPct val="20000"/>
+              </a:spcBef>
+              <a:buFont typeface="Arial" panose="020B0604020202020204" pitchFamily="34" charset="0"/>
+              <a:buNone/>
+              <a:defRPr sz="2000">
+                <a:solidFill>
+                  <a:schemeClr val="tx1">
+                    <a:tint val="75000"/>
+                  </a:schemeClr>
+                </a:solidFill>
+              </a:defRPr>
+            </a:lvl6pPr>
+            <a:lvl7pPr indent="0" algn="ctr">
+              <a:spcBef>
+                <a:spcPct val="20000"/>
+              </a:spcBef>
+              <a:buFont typeface="Arial" panose="020B0604020202020204" pitchFamily="34" charset="0"/>
+              <a:buNone/>
+              <a:defRPr sz="2000">
+                <a:solidFill>
+                  <a:schemeClr val="tx1">
+                    <a:tint val="75000"/>
+                  </a:schemeClr>
+                </a:solidFill>
+              </a:defRPr>
+            </a:lvl7pPr>
+            <a:lvl8pPr indent="0" algn="ctr">
+              <a:spcBef>
+                <a:spcPct val="20000"/>
+              </a:spcBef>
+              <a:buFont typeface="Arial" panose="020B0604020202020204" pitchFamily="34" charset="0"/>
+              <a:buNone/>
+              <a:defRPr sz="2000">
+                <a:solidFill>
+                  <a:schemeClr val="tx1">
+                    <a:tint val="75000"/>
+                  </a:schemeClr>
+                </a:solidFill>
+              </a:defRPr>
+            </a:lvl8pPr>
+            <a:lvl9pPr indent="0" algn="ctr">
+              <a:spcBef>
+                <a:spcPct val="20000"/>
+              </a:spcBef>
+              <a:buFont typeface="Arial" panose="020B0604020202020204" pitchFamily="34" charset="0"/>
+              <a:buNone/>
+              <a:defRPr sz="2000">
+                <a:solidFill>
+                  <a:schemeClr val="tx1">
+                    <a:tint val="75000"/>
+                  </a:schemeClr>
+                </a:solidFill>
+              </a:defRPr>
+            </a:lvl9pPr>
+          </a:lstStyle>
+          <a:p>
+            <a:pPr marL="457200" indent="-457200" algn="l">
+              <a:buFont typeface="Courier New" panose="02070309020205020404" pitchFamily="49" charset="0"/>
+              <a:buChar char="o"/>
+            </a:pPr>
+            <a:endParaRPr lang="en-US" sz="2400" b="0" dirty="0" smtClean="0"/>
+          </a:p>
+          <a:p>
+            <a:pPr marL="914400" lvl="1" indent="-457200" algn="l">
+              <a:buFont typeface="Courier New" panose="02070309020205020404" pitchFamily="49" charset="0"/>
+              <a:buChar char="o"/>
+            </a:pPr>
+            <a:endParaRPr lang="en-US" sz="2200" b="0" dirty="0"/>
+          </a:p>
+        </p:txBody>
+      </p:sp>
+      <p:pic>
+        <p:nvPicPr>
+          <p:cNvPr id="6" name="Picture 5"/>
+          <p:cNvPicPr>
+            <a:picLocks noChangeAspect="1"/>
+          </p:cNvPicPr>
+          <p:nvPr/>
+        </p:nvPicPr>
+        <p:blipFill>
+          <a:blip r:embed="rId2"/>
+          <a:stretch>
+            <a:fillRect/>
+          </a:stretch>
+        </p:blipFill>
+        <p:spPr>
+          <a:xfrm>
+            <a:off x="467544" y="408935"/>
+            <a:ext cx="809945" cy="623850"/>
+          </a:xfrm>
+          <a:prstGeom prst="rect">
+            <a:avLst/>
+          </a:prstGeom>
+        </p:spPr>
+      </p:pic>
+      <p:pic>
+        <p:nvPicPr>
+          <p:cNvPr id="7" name="Picture 6"/>
+          <p:cNvPicPr>
+            <a:picLocks noChangeAspect="1"/>
+          </p:cNvPicPr>
+          <p:nvPr/>
+        </p:nvPicPr>
+        <p:blipFill>
+          <a:blip r:embed="rId3" cstate="print">
+            <a:extLst>
+              <a:ext uri="{28A0092B-C50C-407E-A947-70E740481C1C}">
+                <a14:useLocalDpi xmlns:a14="http://schemas.microsoft.com/office/drawing/2010/main" val="0"/>
+              </a:ext>
+            </a:extLst>
+          </a:blip>
+          <a:stretch>
+            <a:fillRect/>
+          </a:stretch>
+        </p:blipFill>
+        <p:spPr>
+          <a:xfrm>
+            <a:off x="971600" y="1102055"/>
+            <a:ext cx="6984776" cy="5207266"/>
+          </a:xfrm>
+          <a:prstGeom prst="rect">
+            <a:avLst/>
+          </a:prstGeom>
+        </p:spPr>
+      </p:pic>
+      <p:pic>
+        <p:nvPicPr>
+          <p:cNvPr id="4" name="Picture 3"/>
+          <p:cNvPicPr>
+            <a:picLocks noChangeAspect="1"/>
+          </p:cNvPicPr>
+          <p:nvPr/>
+        </p:nvPicPr>
+        <p:blipFill>
+          <a:blip r:embed="rId4" cstate="print">
+            <a:extLst>
+              <a:ext uri="{28A0092B-C50C-407E-A947-70E740481C1C}">
+                <a14:useLocalDpi xmlns:a14="http://schemas.microsoft.com/office/drawing/2010/main" val="0"/>
+              </a:ext>
+            </a:extLst>
+          </a:blip>
+          <a:stretch>
+            <a:fillRect/>
+          </a:stretch>
+        </p:blipFill>
+        <p:spPr>
+          <a:xfrm>
+            <a:off x="6237157" y="4605837"/>
+            <a:ext cx="1886329" cy="1690911"/>
+          </a:xfrm>
+          <a:prstGeom prst="rect">
+            <a:avLst/>
+          </a:prstGeom>
+        </p:spPr>
+      </p:pic>
+    </p:spTree>
+    <p:extLst>
+      <p:ext uri="{BB962C8B-B14F-4D97-AF65-F5344CB8AC3E}">
+        <p14:creationId xmlns:p14="http://schemas.microsoft.com/office/powerpoint/2010/main" val="2441515095"/>
+      </p:ext>
+    </p:extLst>
+  </p:cSld>
+  <p:clrMapOvr>
+    <a:masterClrMapping/>
+  </p:clrMapOvr>
+  <p:timing>
+    <p:tnLst>
+      <p:par>
+        <p:cTn id="1" dur="indefinite" restart="never" nodeType="tmRoot"/>
+      </p:par>
+    </p:tnLst>
+  </p:timing>
+</p:sld>
+</file>
+
+<file path=ppt/slides/slide11.xml><?xml version="1.0" encoding="utf-8"?>
+<p:sld xmlns:a="http://schemas.openxmlformats.org/drawingml/2006/main" xmlns:r="http://schemas.openxmlformats.org/officeDocument/2006/relationships" xmlns:p="http://schemas.openxmlformats.org/presentationml/2006/main">
+  <p:cSld>
+    <p:spTree>
+      <p:nvGrpSpPr>
+        <p:cNvPr id="1" name=""/>
+        <p:cNvGrpSpPr/>
+        <p:nvPr/>
+      </p:nvGrpSpPr>
+      <p:grpSpPr>
+        <a:xfrm>
+          <a:off x="0" y="0"/>
+          <a:ext cx="0" cy="0"/>
+          <a:chOff x="0" y="0"/>
+          <a:chExt cx="0" cy="0"/>
+        </a:xfrm>
+      </p:grpSpPr>
+      <p:sp>
+        <p:nvSpPr>
+          <p:cNvPr id="2" name="Subtitle 2"/>
+          <p:cNvSpPr txBox="1">
+            <a:spLocks/>
+          </p:cNvSpPr>
+          <p:nvPr/>
+        </p:nvSpPr>
+        <p:spPr>
+          <a:xfrm>
+            <a:off x="1547664" y="332656"/>
+            <a:ext cx="7264896" cy="776408"/>
+          </a:xfrm>
+          <a:prstGeom prst="rect">
+            <a:avLst/>
+          </a:prstGeom>
+        </p:spPr>
+        <p:txBody>
+          <a:bodyPr vert="horz" lIns="91440" tIns="45720" rIns="91440" bIns="45720" rtlCol="0" anchor="ctr">
+            <a:normAutofit/>
+          </a:bodyPr>
+          <a:lstStyle>
+            <a:lvl1pPr indent="0" algn="ctr">
+              <a:spcBef>
+                <a:spcPct val="20000"/>
+              </a:spcBef>
+              <a:buFont typeface="Arial" panose="020B0604020202020204" pitchFamily="34" charset="0"/>
+              <a:buNone/>
+              <a:defRPr sz="3000" b="1">
+                <a:solidFill>
+                  <a:schemeClr val="tx1">
+                    <a:tint val="75000"/>
+                  </a:schemeClr>
+                </a:solidFill>
+                <a:latin typeface="Tahoma" panose="020B0604030504040204" pitchFamily="34" charset="0"/>
+                <a:ea typeface="Tahoma" panose="020B0604030504040204" pitchFamily="34" charset="0"/>
+                <a:cs typeface="Tahoma" panose="020B0604030504040204" pitchFamily="34" charset="0"/>
+              </a:defRPr>
+            </a:lvl1pPr>
+            <a:lvl2pPr indent="0" algn="ctr">
+              <a:spcBef>
+                <a:spcPct val="20000"/>
+              </a:spcBef>
+              <a:buFont typeface="Arial" panose="020B0604020202020204" pitchFamily="34" charset="0"/>
+              <a:buNone/>
+              <a:defRPr sz="2800">
+                <a:solidFill>
+                  <a:schemeClr val="tx1">
+                    <a:tint val="75000"/>
+                  </a:schemeClr>
+                </a:solidFill>
+              </a:defRPr>
+            </a:lvl2pPr>
+            <a:lvl3pPr indent="0" algn="ctr">
+              <a:spcBef>
+                <a:spcPct val="20000"/>
+              </a:spcBef>
+              <a:buFont typeface="Arial" panose="020B0604020202020204" pitchFamily="34" charset="0"/>
+              <a:buNone/>
+              <a:defRPr sz="2400">
+                <a:solidFill>
+                  <a:schemeClr val="tx1">
+                    <a:tint val="75000"/>
+                  </a:schemeClr>
+                </a:solidFill>
+              </a:defRPr>
+            </a:lvl3pPr>
+            <a:lvl4pPr indent="0" algn="ctr">
+              <a:spcBef>
+                <a:spcPct val="20000"/>
+              </a:spcBef>
+              <a:buFont typeface="Arial" panose="020B0604020202020204" pitchFamily="34" charset="0"/>
+              <a:buNone/>
+              <a:defRPr sz="2000">
+                <a:solidFill>
+                  <a:schemeClr val="tx1">
+                    <a:tint val="75000"/>
+                  </a:schemeClr>
+                </a:solidFill>
+              </a:defRPr>
+            </a:lvl4pPr>
+            <a:lvl5pPr indent="0" algn="ctr">
+              <a:spcBef>
+                <a:spcPct val="20000"/>
+              </a:spcBef>
+              <a:buFont typeface="Arial" panose="020B0604020202020204" pitchFamily="34" charset="0"/>
+              <a:buNone/>
+              <a:defRPr sz="2000">
+                <a:solidFill>
+                  <a:schemeClr val="tx1">
+                    <a:tint val="75000"/>
+                  </a:schemeClr>
+                </a:solidFill>
+              </a:defRPr>
+            </a:lvl5pPr>
+            <a:lvl6pPr indent="0" algn="ctr">
+              <a:spcBef>
+                <a:spcPct val="20000"/>
+              </a:spcBef>
+              <a:buFont typeface="Arial" panose="020B0604020202020204" pitchFamily="34" charset="0"/>
+              <a:buNone/>
+              <a:defRPr sz="2000">
+                <a:solidFill>
+                  <a:schemeClr val="tx1">
+                    <a:tint val="75000"/>
+                  </a:schemeClr>
+                </a:solidFill>
+              </a:defRPr>
+            </a:lvl6pPr>
+            <a:lvl7pPr indent="0" algn="ctr">
+              <a:spcBef>
+                <a:spcPct val="20000"/>
+              </a:spcBef>
+              <a:buFont typeface="Arial" panose="020B0604020202020204" pitchFamily="34" charset="0"/>
+              <a:buNone/>
+              <a:defRPr sz="2000">
+                <a:solidFill>
+                  <a:schemeClr val="tx1">
+                    <a:tint val="75000"/>
+                  </a:schemeClr>
+                </a:solidFill>
+              </a:defRPr>
+            </a:lvl7pPr>
+            <a:lvl8pPr indent="0" algn="ctr">
+              <a:spcBef>
+                <a:spcPct val="20000"/>
+              </a:spcBef>
+              <a:buFont typeface="Arial" panose="020B0604020202020204" pitchFamily="34" charset="0"/>
+              <a:buNone/>
+              <a:defRPr sz="2000">
+                <a:solidFill>
+                  <a:schemeClr val="tx1">
+                    <a:tint val="75000"/>
+                  </a:schemeClr>
+                </a:solidFill>
+              </a:defRPr>
+            </a:lvl8pPr>
+            <a:lvl9pPr indent="0" algn="ctr">
+              <a:spcBef>
+                <a:spcPct val="20000"/>
+              </a:spcBef>
+              <a:buFont typeface="Arial" panose="020B0604020202020204" pitchFamily="34" charset="0"/>
+              <a:buNone/>
+              <a:defRPr sz="2000">
+                <a:solidFill>
+                  <a:schemeClr val="tx1">
+                    <a:tint val="75000"/>
+                  </a:schemeClr>
+                </a:solidFill>
+              </a:defRPr>
+            </a:lvl9pPr>
+          </a:lstStyle>
+          <a:p>
+            <a:pPr algn="l"/>
+            <a:r>
+              <a:rPr lang="en-US" sz="3200" dirty="0" smtClean="0">
+                <a:solidFill>
+                  <a:srgbClr val="00B0F0"/>
+                </a:solidFill>
+              </a:rPr>
               <a:t>Breadboard</a:t>
             </a:r>
             <a:endParaRPr lang="en-US" sz="3200" dirty="0">
@@ -4522,445 +5030,6 @@
 </p:sld>
 </file>
 
-<file path=ppt/slides/slide11.xml><?xml version="1.0" encoding="utf-8"?>
-<p:sld xmlns:a="http://schemas.openxmlformats.org/drawingml/2006/main" xmlns:r="http://schemas.openxmlformats.org/officeDocument/2006/relationships" xmlns:p="http://schemas.openxmlformats.org/presentationml/2006/main">
-  <p:cSld>
-    <p:spTree>
-      <p:nvGrpSpPr>
-        <p:cNvPr id="1" name=""/>
-        <p:cNvGrpSpPr/>
-        <p:nvPr/>
-      </p:nvGrpSpPr>
-      <p:grpSpPr>
-        <a:xfrm>
-          <a:off x="0" y="0"/>
-          <a:ext cx="0" cy="0"/>
-          <a:chOff x="0" y="0"/>
-          <a:chExt cx="0" cy="0"/>
-        </a:xfrm>
-      </p:grpSpPr>
-      <p:sp>
-        <p:nvSpPr>
-          <p:cNvPr id="2" name="Subtitle 2"/>
-          <p:cNvSpPr txBox="1">
-            <a:spLocks/>
-          </p:cNvSpPr>
-          <p:nvPr/>
-        </p:nvSpPr>
-        <p:spPr>
-          <a:xfrm>
-            <a:off x="1547664" y="332656"/>
-            <a:ext cx="7264896" cy="776408"/>
-          </a:xfrm>
-          <a:prstGeom prst="rect">
-            <a:avLst/>
-          </a:prstGeom>
-        </p:spPr>
-        <p:txBody>
-          <a:bodyPr vert="horz" lIns="91440" tIns="45720" rIns="91440" bIns="45720" rtlCol="0" anchor="ctr">
-            <a:normAutofit/>
-          </a:bodyPr>
-          <a:lstStyle>
-            <a:lvl1pPr indent="0" algn="ctr">
-              <a:spcBef>
-                <a:spcPct val="20000"/>
-              </a:spcBef>
-              <a:buFont typeface="Arial" panose="020B0604020202020204" pitchFamily="34" charset="0"/>
-              <a:buNone/>
-              <a:defRPr sz="3000" b="1">
-                <a:solidFill>
-                  <a:schemeClr val="tx1">
-                    <a:tint val="75000"/>
-                  </a:schemeClr>
-                </a:solidFill>
-                <a:latin typeface="Tahoma" panose="020B0604030504040204" pitchFamily="34" charset="0"/>
-                <a:ea typeface="Tahoma" panose="020B0604030504040204" pitchFamily="34" charset="0"/>
-                <a:cs typeface="Tahoma" panose="020B0604030504040204" pitchFamily="34" charset="0"/>
-              </a:defRPr>
-            </a:lvl1pPr>
-            <a:lvl2pPr indent="0" algn="ctr">
-              <a:spcBef>
-                <a:spcPct val="20000"/>
-              </a:spcBef>
-              <a:buFont typeface="Arial" panose="020B0604020202020204" pitchFamily="34" charset="0"/>
-              <a:buNone/>
-              <a:defRPr sz="2800">
-                <a:solidFill>
-                  <a:schemeClr val="tx1">
-                    <a:tint val="75000"/>
-                  </a:schemeClr>
-                </a:solidFill>
-              </a:defRPr>
-            </a:lvl2pPr>
-            <a:lvl3pPr indent="0" algn="ctr">
-              <a:spcBef>
-                <a:spcPct val="20000"/>
-              </a:spcBef>
-              <a:buFont typeface="Arial" panose="020B0604020202020204" pitchFamily="34" charset="0"/>
-              <a:buNone/>
-              <a:defRPr sz="2400">
-                <a:solidFill>
-                  <a:schemeClr val="tx1">
-                    <a:tint val="75000"/>
-                  </a:schemeClr>
-                </a:solidFill>
-              </a:defRPr>
-            </a:lvl3pPr>
-            <a:lvl4pPr indent="0" algn="ctr">
-              <a:spcBef>
-                <a:spcPct val="20000"/>
-              </a:spcBef>
-              <a:buFont typeface="Arial" panose="020B0604020202020204" pitchFamily="34" charset="0"/>
-              <a:buNone/>
-              <a:defRPr sz="2000">
-                <a:solidFill>
-                  <a:schemeClr val="tx1">
-                    <a:tint val="75000"/>
-                  </a:schemeClr>
-                </a:solidFill>
-              </a:defRPr>
-            </a:lvl4pPr>
-            <a:lvl5pPr indent="0" algn="ctr">
-              <a:spcBef>
-                <a:spcPct val="20000"/>
-              </a:spcBef>
-              <a:buFont typeface="Arial" panose="020B0604020202020204" pitchFamily="34" charset="0"/>
-              <a:buNone/>
-              <a:defRPr sz="2000">
-                <a:solidFill>
-                  <a:schemeClr val="tx1">
-                    <a:tint val="75000"/>
-                  </a:schemeClr>
-                </a:solidFill>
-              </a:defRPr>
-            </a:lvl5pPr>
-            <a:lvl6pPr indent="0" algn="ctr">
-              <a:spcBef>
-                <a:spcPct val="20000"/>
-              </a:spcBef>
-              <a:buFont typeface="Arial" panose="020B0604020202020204" pitchFamily="34" charset="0"/>
-              <a:buNone/>
-              <a:defRPr sz="2000">
-                <a:solidFill>
-                  <a:schemeClr val="tx1">
-                    <a:tint val="75000"/>
-                  </a:schemeClr>
-                </a:solidFill>
-              </a:defRPr>
-            </a:lvl6pPr>
-            <a:lvl7pPr indent="0" algn="ctr">
-              <a:spcBef>
-                <a:spcPct val="20000"/>
-              </a:spcBef>
-              <a:buFont typeface="Arial" panose="020B0604020202020204" pitchFamily="34" charset="0"/>
-              <a:buNone/>
-              <a:defRPr sz="2000">
-                <a:solidFill>
-                  <a:schemeClr val="tx1">
-                    <a:tint val="75000"/>
-                  </a:schemeClr>
-                </a:solidFill>
-              </a:defRPr>
-            </a:lvl7pPr>
-            <a:lvl8pPr indent="0" algn="ctr">
-              <a:spcBef>
-                <a:spcPct val="20000"/>
-              </a:spcBef>
-              <a:buFont typeface="Arial" panose="020B0604020202020204" pitchFamily="34" charset="0"/>
-              <a:buNone/>
-              <a:defRPr sz="2000">
-                <a:solidFill>
-                  <a:schemeClr val="tx1">
-                    <a:tint val="75000"/>
-                  </a:schemeClr>
-                </a:solidFill>
-              </a:defRPr>
-            </a:lvl8pPr>
-            <a:lvl9pPr indent="0" algn="ctr">
-              <a:spcBef>
-                <a:spcPct val="20000"/>
-              </a:spcBef>
-              <a:buFont typeface="Arial" panose="020B0604020202020204" pitchFamily="34" charset="0"/>
-              <a:buNone/>
-              <a:defRPr sz="2000">
-                <a:solidFill>
-                  <a:schemeClr val="tx1">
-                    <a:tint val="75000"/>
-                  </a:schemeClr>
-                </a:solidFill>
-              </a:defRPr>
-            </a:lvl9pPr>
-          </a:lstStyle>
-          <a:p>
-            <a:pPr algn="l"/>
-            <a:r>
-              <a:rPr lang="en-US" sz="3200" dirty="0" smtClean="0">
-                <a:solidFill>
-                  <a:srgbClr val="00B0F0"/>
-                </a:solidFill>
-              </a:rPr>
-              <a:t>Install on Windows</a:t>
-            </a:r>
-            <a:endParaRPr lang="en-US" sz="3200" dirty="0">
-              <a:solidFill>
-                <a:srgbClr val="00B0F0"/>
-              </a:solidFill>
-            </a:endParaRPr>
-          </a:p>
-        </p:txBody>
-      </p:sp>
-      <p:sp>
-        <p:nvSpPr>
-          <p:cNvPr id="3" name="Rectangle 2"/>
-          <p:cNvSpPr/>
-          <p:nvPr/>
-        </p:nvSpPr>
-        <p:spPr>
-          <a:xfrm>
-            <a:off x="2636" y="6309320"/>
-            <a:ext cx="9141365" cy="551206"/>
-          </a:xfrm>
-          <a:prstGeom prst="rect">
-            <a:avLst/>
-          </a:prstGeom>
-          <a:ln>
-            <a:noFill/>
-          </a:ln>
-        </p:spPr>
-        <p:style>
-          <a:lnRef idx="2">
-            <a:schemeClr val="accent1">
-              <a:shade val="50000"/>
-            </a:schemeClr>
-          </a:lnRef>
-          <a:fillRef idx="1">
-            <a:schemeClr val="accent1"/>
-          </a:fillRef>
-          <a:effectRef idx="0">
-            <a:schemeClr val="accent1"/>
-          </a:effectRef>
-          <a:fontRef idx="minor">
-            <a:schemeClr val="lt1"/>
-          </a:fontRef>
-        </p:style>
-        <p:txBody>
-          <a:bodyPr rtlCol="0" anchor="ctr"/>
-          <a:lstStyle/>
-          <a:p>
-            <a:pPr algn="ctr"/>
-            <a:endParaRPr lang="en-US"/>
-          </a:p>
-        </p:txBody>
-      </p:sp>
-      <p:sp>
-        <p:nvSpPr>
-          <p:cNvPr id="5" name="Subtitle 2"/>
-          <p:cNvSpPr txBox="1">
-            <a:spLocks/>
-          </p:cNvSpPr>
-          <p:nvPr/>
-        </p:nvSpPr>
-        <p:spPr>
-          <a:xfrm>
-            <a:off x="611560" y="1304764"/>
-            <a:ext cx="8084999" cy="5004556"/>
-          </a:xfrm>
-          <a:prstGeom prst="rect">
-            <a:avLst/>
-          </a:prstGeom>
-        </p:spPr>
-        <p:txBody>
-          <a:bodyPr vert="horz" lIns="91440" tIns="45720" rIns="91440" bIns="45720" rtlCol="0" anchor="t">
-            <a:normAutofit/>
-          </a:bodyPr>
-          <a:lstStyle>
-            <a:lvl1pPr indent="0" algn="ctr">
-              <a:spcBef>
-                <a:spcPct val="20000"/>
-              </a:spcBef>
-              <a:buFont typeface="Arial" panose="020B0604020202020204" pitchFamily="34" charset="0"/>
-              <a:buNone/>
-              <a:defRPr sz="3000" b="1">
-                <a:solidFill>
-                  <a:schemeClr val="tx1">
-                    <a:tint val="75000"/>
-                  </a:schemeClr>
-                </a:solidFill>
-                <a:latin typeface="Tahoma" panose="020B0604030504040204" pitchFamily="34" charset="0"/>
-                <a:ea typeface="Tahoma" panose="020B0604030504040204" pitchFamily="34" charset="0"/>
-                <a:cs typeface="Tahoma" panose="020B0604030504040204" pitchFamily="34" charset="0"/>
-              </a:defRPr>
-            </a:lvl1pPr>
-            <a:lvl2pPr indent="0" algn="ctr">
-              <a:spcBef>
-                <a:spcPct val="20000"/>
-              </a:spcBef>
-              <a:buFont typeface="Arial" panose="020B0604020202020204" pitchFamily="34" charset="0"/>
-              <a:buNone/>
-              <a:defRPr sz="2800">
-                <a:solidFill>
-                  <a:schemeClr val="tx1">
-                    <a:tint val="75000"/>
-                  </a:schemeClr>
-                </a:solidFill>
-              </a:defRPr>
-            </a:lvl2pPr>
-            <a:lvl3pPr indent="0" algn="ctr">
-              <a:spcBef>
-                <a:spcPct val="20000"/>
-              </a:spcBef>
-              <a:buFont typeface="Arial" panose="020B0604020202020204" pitchFamily="34" charset="0"/>
-              <a:buNone/>
-              <a:defRPr sz="2400">
-                <a:solidFill>
-                  <a:schemeClr val="tx1">
-                    <a:tint val="75000"/>
-                  </a:schemeClr>
-                </a:solidFill>
-              </a:defRPr>
-            </a:lvl3pPr>
-            <a:lvl4pPr indent="0" algn="ctr">
-              <a:spcBef>
-                <a:spcPct val="20000"/>
-              </a:spcBef>
-              <a:buFont typeface="Arial" panose="020B0604020202020204" pitchFamily="34" charset="0"/>
-              <a:buNone/>
-              <a:defRPr sz="2000">
-                <a:solidFill>
-                  <a:schemeClr val="tx1">
-                    <a:tint val="75000"/>
-                  </a:schemeClr>
-                </a:solidFill>
-              </a:defRPr>
-            </a:lvl4pPr>
-            <a:lvl5pPr indent="0" algn="ctr">
-              <a:spcBef>
-                <a:spcPct val="20000"/>
-              </a:spcBef>
-              <a:buFont typeface="Arial" panose="020B0604020202020204" pitchFamily="34" charset="0"/>
-              <a:buNone/>
-              <a:defRPr sz="2000">
-                <a:solidFill>
-                  <a:schemeClr val="tx1">
-                    <a:tint val="75000"/>
-                  </a:schemeClr>
-                </a:solidFill>
-              </a:defRPr>
-            </a:lvl5pPr>
-            <a:lvl6pPr indent="0" algn="ctr">
-              <a:spcBef>
-                <a:spcPct val="20000"/>
-              </a:spcBef>
-              <a:buFont typeface="Arial" panose="020B0604020202020204" pitchFamily="34" charset="0"/>
-              <a:buNone/>
-              <a:defRPr sz="2000">
-                <a:solidFill>
-                  <a:schemeClr val="tx1">
-                    <a:tint val="75000"/>
-                  </a:schemeClr>
-                </a:solidFill>
-              </a:defRPr>
-            </a:lvl6pPr>
-            <a:lvl7pPr indent="0" algn="ctr">
-              <a:spcBef>
-                <a:spcPct val="20000"/>
-              </a:spcBef>
-              <a:buFont typeface="Arial" panose="020B0604020202020204" pitchFamily="34" charset="0"/>
-              <a:buNone/>
-              <a:defRPr sz="2000">
-                <a:solidFill>
-                  <a:schemeClr val="tx1">
-                    <a:tint val="75000"/>
-                  </a:schemeClr>
-                </a:solidFill>
-              </a:defRPr>
-            </a:lvl7pPr>
-            <a:lvl8pPr indent="0" algn="ctr">
-              <a:spcBef>
-                <a:spcPct val="20000"/>
-              </a:spcBef>
-              <a:buFont typeface="Arial" panose="020B0604020202020204" pitchFamily="34" charset="0"/>
-              <a:buNone/>
-              <a:defRPr sz="2000">
-                <a:solidFill>
-                  <a:schemeClr val="tx1">
-                    <a:tint val="75000"/>
-                  </a:schemeClr>
-                </a:solidFill>
-              </a:defRPr>
-            </a:lvl8pPr>
-            <a:lvl9pPr indent="0" algn="ctr">
-              <a:spcBef>
-                <a:spcPct val="20000"/>
-              </a:spcBef>
-              <a:buFont typeface="Arial" panose="020B0604020202020204" pitchFamily="34" charset="0"/>
-              <a:buNone/>
-              <a:defRPr sz="2000">
-                <a:solidFill>
-                  <a:schemeClr val="tx1">
-                    <a:tint val="75000"/>
-                  </a:schemeClr>
-                </a:solidFill>
-              </a:defRPr>
-            </a:lvl9pPr>
-          </a:lstStyle>
-          <a:p>
-            <a:pPr marL="457200" indent="-457200" algn="l">
-              <a:buFont typeface="Courier New" panose="02070309020205020404" pitchFamily="49" charset="0"/>
-              <a:buChar char="o"/>
-            </a:pPr>
-            <a:r>
-              <a:rPr lang="en-US" sz="2400" b="0" dirty="0" smtClean="0"/>
-              <a:t>Text</a:t>
-            </a:r>
-            <a:endParaRPr lang="en-US" sz="2400" b="0" dirty="0"/>
-          </a:p>
-        </p:txBody>
-      </p:sp>
-      <p:pic>
-        <p:nvPicPr>
-          <p:cNvPr id="6" name="Picture 5"/>
-          <p:cNvPicPr>
-            <a:picLocks noChangeAspect="1"/>
-          </p:cNvPicPr>
-          <p:nvPr/>
-        </p:nvPicPr>
-        <p:blipFill>
-          <a:blip r:embed="rId2"/>
-          <a:stretch>
-            <a:fillRect/>
-          </a:stretch>
-        </p:blipFill>
-        <p:spPr>
-          <a:xfrm>
-            <a:off x="467544" y="408935"/>
-            <a:ext cx="809945" cy="623850"/>
-          </a:xfrm>
-          <a:prstGeom prst="rect">
-            <a:avLst/>
-          </a:prstGeom>
-        </p:spPr>
-      </p:pic>
-    </p:spTree>
-    <p:extLst>
-      <p:ext uri="{BB962C8B-B14F-4D97-AF65-F5344CB8AC3E}">
-        <p14:creationId xmlns:p14="http://schemas.microsoft.com/office/powerpoint/2010/main" val="2917186210"/>
-      </p:ext>
-    </p:extLst>
-  </p:cSld>
-  <p:clrMapOvr>
-    <a:masterClrMapping/>
-  </p:clrMapOvr>
-  <p:timing>
-    <p:tnLst>
-      <p:par>
-        <p:cTn id="1" dur="indefinite" restart="never" nodeType="tmRoot"/>
-      </p:par>
-    </p:tnLst>
-  </p:timing>
-</p:sld>
-</file>
-
 <file path=ppt/slides/slide12.xml><?xml version="1.0" encoding="utf-8"?>
 <p:sld xmlns:a="http://schemas.openxmlformats.org/drawingml/2006/main" xmlns:r="http://schemas.openxmlformats.org/officeDocument/2006/relationships" xmlns:p="http://schemas.openxmlformats.org/presentationml/2006/main">
   <p:cSld>
@@ -5138,7 +5207,23 @@
                   <a:srgbClr val="00B0F0"/>
                 </a:solidFill>
               </a:rPr>
-              <a:t>Install on Mac OS X</a:t>
+              <a:t>Get Started </a:t>
+            </a:r>
+            <a:r>
+              <a:rPr lang="en-US" sz="3200" dirty="0" smtClean="0">
+                <a:solidFill>
+                  <a:srgbClr val="00B0F0"/>
+                </a:solidFill>
+              </a:rPr>
+              <a:t>on </a:t>
+            </a:r>
+            <a:r>
+              <a:rPr lang="en-US" sz="3200" dirty="0" smtClean="0">
+                <a:solidFill>
+                  <a:srgbClr val="00B0F0"/>
+                </a:solidFill>
+              </a:rPr>
+              <a:t>Windows</a:t>
             </a:r>
             <a:endParaRPr lang="en-US" sz="3200" dirty="0">
               <a:solidFill>
@@ -5349,31 +5434,58 @@
               <a:buChar char="o"/>
             </a:pPr>
             <a:r>
-              <a:rPr lang="en-US" sz="2200" b="0" dirty="0" smtClean="0"/>
-              <a:t>Tutorial</a:t>
-            </a:r>
+              <a:rPr lang="en-US" sz="2400" b="0" dirty="0" smtClean="0"/>
+              <a:t>Install USB-&gt;Serial driver</a:t>
+            </a:r>
+            <a:endParaRPr lang="en-US" sz="2400" b="0" dirty="0"/>
           </a:p>
           <a:p>
             <a:pPr lvl="1" algn="l"/>
             <a:r>
-              <a:rPr lang="en-US" sz="2000" b="0" dirty="0" smtClean="0">
+              <a:rPr lang="en-US" sz="2200" dirty="0">
                 <a:hlinkClick r:id="rId2"/>
               </a:rPr>
-              <a:t>https</a:t>
-            </a:r>
-            <a:r>
-              <a:rPr lang="en-US" sz="2000" b="0" dirty="0">
+              <a:t>http://</a:t>
+            </a:r>
+            <a:r>
+              <a:rPr lang="en-US" sz="2200" dirty="0" smtClean="0">
                 <a:hlinkClick r:id="rId2"/>
               </a:rPr>
-              <a:t>://</a:t>
-            </a:r>
-            <a:r>
-              <a:rPr lang="en-US" sz="2000" b="0" dirty="0" smtClean="0">
-                <a:hlinkClick r:id="rId2"/>
+              <a:t>www.prolific.com.tw/US/ShowProduct.aspx?p_id=225&amp;pcid=41</a:t>
+            </a:r>
+            <a:endParaRPr lang="en-US" sz="2200" dirty="0"/>
+          </a:p>
+          <a:p>
+            <a:pPr marL="457200" indent="-457200" algn="l">
+              <a:buFont typeface="Courier New" panose="02070309020205020404" pitchFamily="49" charset="0"/>
+              <a:buChar char="o"/>
+            </a:pPr>
+            <a:r>
+              <a:rPr lang="en-US" sz="2400" b="0" dirty="0" smtClean="0"/>
+              <a:t>Build firmware</a:t>
+            </a:r>
+          </a:p>
+          <a:p>
+            <a:pPr lvl="1" algn="l"/>
+            <a:r>
+              <a:rPr lang="en-US" sz="2200" b="0" dirty="0">
+                <a:hlinkClick r:id="rId3"/>
               </a:rPr>
-              <a:t>github.com/nodemcu/nodemcu-devkit/wiki/Getting-Started-on-OSX</a:t>
-            </a:r>
-            <a:endParaRPr lang="en-US" sz="2000" b="0" dirty="0" smtClean="0"/>
+              <a:t>https://</a:t>
+            </a:r>
+            <a:r>
+              <a:rPr lang="en-US" sz="2200" b="0" dirty="0" smtClean="0">
+                <a:hlinkClick r:id="rId3"/>
+              </a:rPr>
+              <a:t>nodemcu-build.com</a:t>
+            </a:r>
+            <a:r>
+              <a:rPr lang="en-US" sz="2200" dirty="0" smtClean="0">
+                <a:hlinkClick r:id="rId3"/>
+              </a:rPr>
+              <a:t>/</a:t>
+            </a:r>
+            <a:endParaRPr lang="en-US" sz="2200" dirty="0" smtClean="0"/>
           </a:p>
           <a:p>
             <a:pPr marL="914400" lvl="1" indent="-457200" algn="l">
@@ -5381,56 +5493,46 @@
               <a:buChar char="o"/>
             </a:pPr>
             <a:r>
-              <a:rPr lang="en-US" sz="2000" dirty="0" smtClean="0"/>
-              <a:t>Install driver</a:t>
-            </a:r>
-          </a:p>
-          <a:p>
-            <a:pPr marL="914400" lvl="1" indent="-457200" algn="l">
-              <a:buFont typeface="Courier New" panose="02070309020205020404" pitchFamily="49" charset="0"/>
-              <a:buChar char="o"/>
-            </a:pPr>
-            <a:r>
-              <a:rPr lang="en-US" sz="2000" b="0" dirty="0" smtClean="0"/>
-              <a:t>Install </a:t>
-            </a:r>
-            <a:r>
-              <a:rPr lang="en-US" sz="2000" b="0" dirty="0" err="1" smtClean="0"/>
-              <a:t>ESPlorer</a:t>
-            </a:r>
-            <a:endParaRPr lang="en-US" sz="2000" dirty="0"/>
-          </a:p>
-          <a:p>
-            <a:pPr marL="914400" lvl="1" indent="-457200" algn="l">
-              <a:buFont typeface="Courier New" panose="02070309020205020404" pitchFamily="49" charset="0"/>
-              <a:buChar char="o"/>
-            </a:pPr>
-            <a:r>
-              <a:rPr lang="en-US" sz="2000" dirty="0" smtClean="0"/>
-              <a:t>Install python</a:t>
-            </a:r>
-          </a:p>
-          <a:p>
-            <a:pPr marL="914400" lvl="1" indent="-457200" algn="l">
-              <a:buFont typeface="Courier New" panose="02070309020205020404" pitchFamily="49" charset="0"/>
-              <a:buChar char="o"/>
-            </a:pPr>
-            <a:r>
-              <a:rPr lang="en-US" sz="2000" b="0" dirty="0" smtClean="0"/>
-              <a:t>Install </a:t>
-            </a:r>
-            <a:r>
-              <a:rPr lang="en-US" sz="2000" b="0" dirty="0" err="1" smtClean="0"/>
-              <a:t>esptool</a:t>
-            </a:r>
-            <a:endParaRPr lang="en-US" sz="2000" b="0" dirty="0" smtClean="0"/>
+              <a:rPr lang="en-US" sz="2200" b="0" dirty="0" smtClean="0"/>
+              <a:t>Select: file, GPIO, HTTP, net, node, 1-Wire, timer, UART, </a:t>
+            </a:r>
+            <a:r>
+              <a:rPr lang="en-US" sz="2200" b="0" dirty="0" err="1" smtClean="0"/>
+              <a:t>WiFi</a:t>
+            </a:r>
+            <a:endParaRPr lang="en-US" dirty="0" smtClean="0"/>
           </a:p>
           <a:p>
             <a:pPr marL="457200" indent="-457200" algn="l">
               <a:buFont typeface="Courier New" panose="02070309020205020404" pitchFamily="49" charset="0"/>
               <a:buChar char="o"/>
             </a:pPr>
-            <a:endParaRPr lang="en-US" sz="2400" b="0" dirty="0"/>
+            <a:r>
+              <a:rPr lang="en-US" sz="2400" b="0" dirty="0" smtClean="0"/>
+              <a:t>Install python 2.7.x</a:t>
+            </a:r>
+          </a:p>
+          <a:p>
+            <a:pPr lvl="1" algn="l"/>
+            <a:r>
+              <a:rPr lang="en-US" sz="2200" dirty="0" smtClean="0">
+                <a:hlinkClick r:id="rId4"/>
+              </a:rPr>
+              <a:t>https</a:t>
+            </a:r>
+            <a:r>
+              <a:rPr lang="en-US" sz="2200" dirty="0">
+                <a:hlinkClick r:id="rId4"/>
+              </a:rPr>
+              <a:t>://www.python.org/downloads</a:t>
+            </a:r>
+            <a:r>
+              <a:rPr lang="en-US" sz="2200" dirty="0" smtClean="0">
+                <a:hlinkClick r:id="rId4"/>
+              </a:rPr>
+              <a:t>/</a:t>
+            </a:r>
+            <a:endParaRPr lang="en-US" sz="2200" dirty="0" smtClean="0"/>
           </a:p>
           <a:p>
             <a:pPr marL="457200" indent="-457200" algn="l">
@@ -5439,37 +5541,20 @@
             </a:pPr>
             <a:r>
               <a:rPr lang="en-US" sz="2400" b="0" dirty="0" smtClean="0"/>
-              <a:t>Driver:</a:t>
+              <a:t>Install esptool.py</a:t>
             </a:r>
           </a:p>
           <a:p>
             <a:pPr lvl="1" algn="l"/>
             <a:r>
-              <a:rPr lang="en-US" sz="2200" b="0" dirty="0" smtClean="0">
-                <a:hlinkClick r:id="rId3"/>
-              </a:rPr>
-              <a:t>http</a:t>
-            </a:r>
-            <a:r>
-              <a:rPr lang="en-US" sz="2200" b="0" dirty="0">
-                <a:hlinkClick r:id="rId3"/>
-              </a:rPr>
-              <a:t>://</a:t>
-            </a:r>
-            <a:r>
-              <a:rPr lang="en-US" sz="2200" b="0" dirty="0" smtClean="0">
-                <a:hlinkClick r:id="rId3"/>
-              </a:rPr>
-              <a:t>www.prolific.com.tw/US/ShowProduct.aspx?p_id=229&amp;pcid=41</a:t>
+              <a:rPr lang="en-US" sz="2200" b="0" dirty="0"/>
+              <a:t>pip install </a:t>
+            </a:r>
+            <a:r>
+              <a:rPr lang="en-US" sz="2200" b="0" dirty="0" err="1" smtClean="0"/>
+              <a:t>esptool</a:t>
             </a:r>
             <a:endParaRPr lang="en-US" sz="2200" b="0" dirty="0" smtClean="0"/>
-          </a:p>
-          <a:p>
-            <a:pPr marL="457200" indent="-457200" algn="l">
-              <a:buFont typeface="Courier New" panose="02070309020205020404" pitchFamily="49" charset="0"/>
-              <a:buChar char="o"/>
-            </a:pPr>
-            <a:endParaRPr lang="en-US" sz="2400" b="0" dirty="0" smtClean="0"/>
           </a:p>
         </p:txBody>
       </p:sp>
@@ -5482,7 +5567,7 @@
           <p:nvPr/>
         </p:nvPicPr>
         <p:blipFill>
-          <a:blip r:embed="rId4"/>
+          <a:blip r:embed="rId5"/>
           <a:stretch>
             <a:fillRect/>
           </a:stretch>
@@ -5500,7 +5585,7 @@
     </p:spTree>
     <p:extLst>
       <p:ext uri="{BB962C8B-B14F-4D97-AF65-F5344CB8AC3E}">
-        <p14:creationId xmlns:p14="http://schemas.microsoft.com/office/powerpoint/2010/main" val="229410286"/>
+        <p14:creationId xmlns:p14="http://schemas.microsoft.com/office/powerpoint/2010/main" val="2917186210"/>
       </p:ext>
     </p:extLst>
   </p:cSld>
@@ -5689,28 +5774,12 @@
           <a:p>
             <a:pPr algn="l"/>
             <a:r>
-              <a:rPr lang="en-US" sz="3200" dirty="0" err="1" smtClean="0">
+              <a:rPr lang="en-US" sz="3200" dirty="0" smtClean="0">
                 <a:solidFill>
                   <a:srgbClr val="00B0F0"/>
                 </a:solidFill>
               </a:rPr>
-              <a:t>Zarizeni</a:t>
-            </a:r>
-            <a:r>
-              <a:rPr lang="en-US" sz="3200" dirty="0" smtClean="0">
-                <a:solidFill>
-                  <a:srgbClr val="00B0F0"/>
-                </a:solidFill>
-              </a:rPr>
-              <a:t> od </a:t>
-            </a:r>
-            <a:r>
-              <a:rPr lang="en-US" sz="3200" dirty="0" err="1" smtClean="0">
-                <a:solidFill>
-                  <a:srgbClr val="00B0F0"/>
-                </a:solidFill>
-              </a:rPr>
-              <a:t>Jakuba</a:t>
+              <a:t>Flash Firmware</a:t>
             </a:r>
             <a:endParaRPr lang="en-US" sz="3200" dirty="0">
               <a:solidFill>
@@ -5922,9 +5991,128 @@
             </a:pPr>
             <a:r>
               <a:rPr lang="en-US" sz="2400" b="0" dirty="0" smtClean="0"/>
-              <a:t>Text</a:t>
+              <a:t>Connect GPIO-00 to GND</a:t>
+            </a:r>
+          </a:p>
+          <a:p>
+            <a:pPr marL="457200" indent="-457200" algn="l">
+              <a:buFont typeface="Courier New" panose="02070309020205020404" pitchFamily="49" charset="0"/>
+              <a:buChar char="o"/>
+            </a:pPr>
+            <a:r>
+              <a:rPr lang="en-US" sz="2400" b="0" dirty="0" smtClean="0"/>
+              <a:t>Connect USB-to-Serial device to PC</a:t>
+            </a:r>
+          </a:p>
+          <a:p>
+            <a:pPr marL="457200" indent="-457200" algn="l">
+              <a:buFont typeface="Courier New" panose="02070309020205020404" pitchFamily="49" charset="0"/>
+              <a:buChar char="o"/>
+            </a:pPr>
+            <a:r>
+              <a:rPr lang="en-US" sz="2400" b="0" dirty="0" smtClean="0"/>
+              <a:t>Find COM port number</a:t>
+            </a:r>
+          </a:p>
+          <a:p>
+            <a:pPr marL="914400" lvl="1" indent="-457200" algn="l">
+              <a:buFont typeface="Courier New" panose="02070309020205020404" pitchFamily="49" charset="0"/>
+              <a:buChar char="o"/>
+            </a:pPr>
+            <a:r>
+              <a:rPr lang="en-US" sz="2200" b="0" dirty="0" smtClean="0"/>
+              <a:t>Go to Device Manager -&gt; Ports</a:t>
             </a:r>
             <a:endParaRPr lang="en-US" sz="2400" b="0" dirty="0"/>
+          </a:p>
+          <a:p>
+            <a:pPr marL="457200" indent="-457200" algn="l">
+              <a:buFont typeface="Courier New" panose="02070309020205020404" pitchFamily="49" charset="0"/>
+              <a:buChar char="o"/>
+            </a:pPr>
+            <a:r>
+              <a:rPr lang="en-US" sz="2400" b="0" dirty="0" smtClean="0"/>
+              <a:t>Flash </a:t>
+            </a:r>
+            <a:r>
+              <a:rPr lang="en-US" sz="2400" b="0" dirty="0"/>
+              <a:t>firmware</a:t>
+            </a:r>
+          </a:p>
+          <a:p>
+            <a:pPr lvl="1" algn="l"/>
+            <a:r>
+              <a:rPr lang="en-US" sz="2200" dirty="0"/>
+              <a:t>esptool.py --port </a:t>
+            </a:r>
+            <a:r>
+              <a:rPr lang="en-US" sz="2200" dirty="0" smtClean="0"/>
+              <a:t>&lt;serial-port-of-ESP8266&gt; </a:t>
+            </a:r>
+            <a:r>
+              <a:rPr lang="en-US" sz="2200" dirty="0" err="1"/>
+              <a:t>write_flash</a:t>
+            </a:r>
+            <a:r>
+              <a:rPr lang="en-US" sz="2200" dirty="0"/>
+              <a:t> -</a:t>
+            </a:r>
+            <a:r>
+              <a:rPr lang="en-US" sz="2200" dirty="0" err="1"/>
+              <a:t>fm</a:t>
+            </a:r>
+            <a:r>
+              <a:rPr lang="en-US" sz="2200" dirty="0"/>
+              <a:t> </a:t>
+            </a:r>
+            <a:r>
+              <a:rPr lang="en-US" sz="2200" dirty="0" err="1"/>
+              <a:t>qio</a:t>
+            </a:r>
+            <a:r>
+              <a:rPr lang="en-US" sz="2200" dirty="0"/>
+              <a:t> 0x00000 &lt;</a:t>
+            </a:r>
+            <a:r>
+              <a:rPr lang="en-US" sz="2200" dirty="0" err="1"/>
+              <a:t>nodemcu</a:t>
+            </a:r>
+            <a:r>
+              <a:rPr lang="en-US" sz="2200" dirty="0"/>
+              <a:t>-firmware&gt;.</a:t>
+            </a:r>
+            <a:r>
+              <a:rPr lang="en-US" sz="2200" dirty="0" smtClean="0"/>
+              <a:t>bin</a:t>
+            </a:r>
+            <a:endParaRPr lang="en-US" sz="2200" dirty="0"/>
+          </a:p>
+          <a:p>
+            <a:pPr marL="457200" indent="-457200" algn="l">
+              <a:buFont typeface="Courier New" panose="02070309020205020404" pitchFamily="49" charset="0"/>
+              <a:buChar char="o"/>
+            </a:pPr>
+            <a:endParaRPr lang="en-US" sz="2400" b="0" dirty="0" smtClean="0"/>
+          </a:p>
+          <a:p>
+            <a:pPr marL="457200" indent="-457200" algn="l">
+              <a:buFont typeface="Courier New" panose="02070309020205020404" pitchFamily="49" charset="0"/>
+              <a:buChar char="o"/>
+            </a:pPr>
+            <a:r>
+              <a:rPr lang="en-US" sz="2400" b="0" dirty="0" smtClean="0"/>
+              <a:t>Disconnect USB-to-Serial device from PC</a:t>
+            </a:r>
+          </a:p>
+          <a:p>
+            <a:pPr marL="457200" indent="-457200" algn="l">
+              <a:buFont typeface="Courier New" panose="02070309020205020404" pitchFamily="49" charset="0"/>
+              <a:buChar char="o"/>
+            </a:pPr>
+            <a:r>
+              <a:rPr lang="en-US" sz="2400" b="0" dirty="0" smtClean="0"/>
+              <a:t>Disconnect GPIO-00 from GND</a:t>
+            </a:r>
           </a:p>
         </p:txBody>
       </p:sp>
@@ -5955,7 +6143,7 @@
     </p:spTree>
     <p:extLst>
       <p:ext uri="{BB962C8B-B14F-4D97-AF65-F5344CB8AC3E}">
-        <p14:creationId xmlns:p14="http://schemas.microsoft.com/office/powerpoint/2010/main" val="197425036"/>
+        <p14:creationId xmlns:p14="http://schemas.microsoft.com/office/powerpoint/2010/main" val="3409767034"/>
       </p:ext>
     </p:extLst>
   </p:cSld>
@@ -6149,7 +6337,7 @@
                   <a:srgbClr val="00B0F0"/>
                 </a:solidFill>
               </a:rPr>
-              <a:t>DS1820 – Temperature</a:t>
+              <a:t>Upload a Program</a:t>
             </a:r>
             <a:endParaRPr lang="en-US" sz="3200" dirty="0">
               <a:solidFill>
@@ -6360,9 +6548,99 @@
               <a:buChar char="o"/>
             </a:pPr>
             <a:r>
+              <a:rPr lang="en-US" sz="2400" b="0" dirty="0" err="1" smtClean="0"/>
+              <a:t>Lua</a:t>
+            </a:r>
+            <a:r>
               <a:rPr lang="en-US" sz="2400" b="0" dirty="0" smtClean="0"/>
-              <a:t>It is possible to connect more DS1820 to one wire connected to one GPIO.</a:t>
-            </a:r>
+              <a:t> Loader</a:t>
+            </a:r>
+          </a:p>
+          <a:p>
+            <a:pPr lvl="1" algn="l"/>
+            <a:r>
+              <a:rPr lang="en-US" sz="2200" b="0" dirty="0">
+                <a:hlinkClick r:id="rId2"/>
+              </a:rPr>
+              <a:t>http://benlo.com/esp8266</a:t>
+            </a:r>
+            <a:r>
+              <a:rPr lang="en-US" sz="2200" b="0" dirty="0" smtClean="0">
+                <a:hlinkClick r:id="rId2"/>
+              </a:rPr>
+              <a:t>/</a:t>
+            </a:r>
+            <a:endParaRPr lang="en-US" sz="2200" b="0" dirty="0" smtClean="0"/>
+          </a:p>
+          <a:p>
+            <a:pPr marL="457200" indent="-457200" algn="l">
+              <a:buFont typeface="Courier New" panose="02070309020205020404" pitchFamily="49" charset="0"/>
+              <a:buChar char="o"/>
+            </a:pPr>
+            <a:r>
+              <a:rPr lang="en-US" sz="2400" b="0" dirty="0" smtClean="0"/>
+              <a:t>Connect USB-to-Serial device</a:t>
+            </a:r>
+          </a:p>
+          <a:p>
+            <a:pPr marL="457200" indent="-457200" algn="l">
+              <a:buFont typeface="Courier New" panose="02070309020205020404" pitchFamily="49" charset="0"/>
+              <a:buChar char="o"/>
+            </a:pPr>
+            <a:r>
+              <a:rPr lang="en-US" sz="2400" b="0" dirty="0" smtClean="0"/>
+              <a:t>Connect </a:t>
+            </a:r>
+            <a:r>
+              <a:rPr lang="en-US" sz="2400" b="0" dirty="0" err="1" smtClean="0"/>
+              <a:t>Lua</a:t>
+            </a:r>
+            <a:r>
+              <a:rPr lang="en-US" sz="2400" b="0" dirty="0" smtClean="0"/>
+              <a:t> Loader</a:t>
+            </a:r>
+          </a:p>
+          <a:p>
+            <a:pPr marL="457200" indent="-457200" algn="l">
+              <a:buFont typeface="Courier New" panose="02070309020205020404" pitchFamily="49" charset="0"/>
+              <a:buChar char="o"/>
+            </a:pPr>
+            <a:r>
+              <a:rPr lang="en-US" sz="2400" b="0" dirty="0" smtClean="0"/>
+              <a:t>Set </a:t>
+            </a:r>
+            <a:r>
+              <a:rPr lang="en-US" sz="2400" b="0" dirty="0" err="1" smtClean="0"/>
+              <a:t>WiFi</a:t>
+            </a:r>
+            <a:endParaRPr lang="en-US" sz="2400" b="0" dirty="0" smtClean="0"/>
+          </a:p>
+          <a:p>
+            <a:pPr marL="457200" indent="-457200" algn="l">
+              <a:buFont typeface="Courier New" panose="02070309020205020404" pitchFamily="49" charset="0"/>
+              <a:buChar char="o"/>
+            </a:pPr>
+            <a:r>
+              <a:rPr lang="en-US" sz="2400" b="0" dirty="0" smtClean="0"/>
+              <a:t>Upload a program</a:t>
+            </a:r>
+          </a:p>
+          <a:p>
+            <a:pPr marL="457200" indent="-457200" algn="l">
+              <a:buFont typeface="Courier New" panose="02070309020205020404" pitchFamily="49" charset="0"/>
+              <a:buChar char="o"/>
+            </a:pPr>
+            <a:r>
+              <a:rPr lang="en-US" sz="2400" b="0" dirty="0" smtClean="0"/>
+              <a:t>Run the program</a:t>
+            </a:r>
+            <a:endParaRPr lang="en-US" sz="2400" b="0" dirty="0" smtClean="0"/>
+          </a:p>
+          <a:p>
+            <a:pPr marL="457200" indent="-457200" algn="l">
+              <a:buFont typeface="Courier New" panose="02070309020205020404" pitchFamily="49" charset="0"/>
+              <a:buChar char="o"/>
+            </a:pPr>
             <a:endParaRPr lang="en-US" sz="2400" b="0" dirty="0"/>
           </a:p>
         </p:txBody>
@@ -6376,7 +6654,7 @@
           <p:nvPr/>
         </p:nvPicPr>
         <p:blipFill>
-          <a:blip r:embed="rId2"/>
+          <a:blip r:embed="rId3"/>
           <a:stretch>
             <a:fillRect/>
           </a:stretch>
@@ -6394,7 +6672,7 @@
     </p:spTree>
     <p:extLst>
       <p:ext uri="{BB962C8B-B14F-4D97-AF65-F5344CB8AC3E}">
-        <p14:creationId xmlns:p14="http://schemas.microsoft.com/office/powerpoint/2010/main" val="3251745859"/>
+        <p14:creationId xmlns:p14="http://schemas.microsoft.com/office/powerpoint/2010/main" val="3598682390"/>
       </p:ext>
     </p:extLst>
   </p:cSld>
@@ -6583,20 +6861,12 @@
           <a:p>
             <a:pPr algn="l"/>
             <a:r>
-              <a:rPr lang="cs-CZ" sz="3200" dirty="0" smtClean="0">
+              <a:rPr lang="en-US" sz="3200" dirty="0" smtClean="0">
                 <a:solidFill>
                   <a:srgbClr val="00B0F0"/>
                 </a:solidFill>
               </a:rPr>
-              <a:t>DHT</a:t>
-            </a:r>
-            <a:r>
-              <a:rPr lang="en-US" sz="3200" dirty="0" smtClean="0">
-                <a:solidFill>
-                  <a:srgbClr val="00B0F0"/>
-                </a:solidFill>
-              </a:rPr>
-              <a:t>22 – Temperature &amp; Humidity</a:t>
+              <a:t>Create Chart</a:t>
             </a:r>
             <a:endParaRPr lang="en-US" sz="3200" dirty="0">
               <a:solidFill>
@@ -6808,9 +7078,101 @@
             </a:pPr>
             <a:r>
               <a:rPr lang="en-US" sz="2400" b="0" dirty="0" smtClean="0"/>
-              <a:t>One DHT22 can be connected to one GPIO</a:t>
-            </a:r>
-            <a:endParaRPr lang="en-US" sz="2400" b="0" dirty="0"/>
+              <a:t>Register on: </a:t>
+            </a:r>
+            <a:r>
+              <a:rPr lang="en-US" sz="2400" b="0" dirty="0">
+                <a:hlinkClick r:id="rId2"/>
+              </a:rPr>
+              <a:t>https://thingspeak.com</a:t>
+            </a:r>
+            <a:r>
+              <a:rPr lang="en-US" sz="2400" b="0" dirty="0" smtClean="0">
+                <a:hlinkClick r:id="rId2"/>
+              </a:rPr>
+              <a:t>/</a:t>
+            </a:r>
+            <a:endParaRPr lang="en-US" sz="2400" b="0" dirty="0" smtClean="0"/>
+          </a:p>
+          <a:p>
+            <a:pPr marL="457200" indent="-457200" algn="l">
+              <a:buFont typeface="Courier New" panose="02070309020205020404" pitchFamily="49" charset="0"/>
+              <a:buChar char="o"/>
+            </a:pPr>
+            <a:r>
+              <a:rPr lang="en-US" sz="2200" b="0" dirty="0" smtClean="0"/>
+              <a:t>Create New Channel</a:t>
+            </a:r>
+          </a:p>
+          <a:p>
+            <a:pPr marL="914400" lvl="1" indent="-457200" algn="l">
+              <a:buFont typeface="Courier New" panose="02070309020205020404" pitchFamily="49" charset="0"/>
+              <a:buChar char="o"/>
+            </a:pPr>
+            <a:r>
+              <a:rPr lang="en-US" sz="2000" dirty="0" smtClean="0"/>
+              <a:t>Name</a:t>
+            </a:r>
+            <a:r>
+              <a:rPr lang="en-US" sz="2000" dirty="0"/>
+              <a:t> </a:t>
+            </a:r>
+            <a:r>
+              <a:rPr lang="en-US" sz="2000" dirty="0" smtClean="0"/>
+              <a:t>– e.g. esp8266</a:t>
+            </a:r>
+          </a:p>
+          <a:p>
+            <a:pPr marL="914400" lvl="1" indent="-457200" algn="l">
+              <a:buFont typeface="Courier New" panose="02070309020205020404" pitchFamily="49" charset="0"/>
+              <a:buChar char="o"/>
+            </a:pPr>
+            <a:r>
+              <a:rPr lang="en-US" sz="2000" b="0" dirty="0" smtClean="0"/>
+              <a:t>Field 1 – e.g. temperature</a:t>
+            </a:r>
+          </a:p>
+          <a:p>
+            <a:pPr marL="457200" indent="-457200" algn="l">
+              <a:buFont typeface="Courier New" panose="02070309020205020404" pitchFamily="49" charset="0"/>
+              <a:buChar char="o"/>
+            </a:pPr>
+            <a:r>
+              <a:rPr lang="en-US" sz="2200" b="0" dirty="0" smtClean="0"/>
+              <a:t>Find your Write API key to use it in the ESP 8266.</a:t>
+            </a:r>
+          </a:p>
+          <a:p>
+            <a:pPr marL="457200" indent="-457200" algn="l">
+              <a:buFont typeface="Courier New" panose="02070309020205020404" pitchFamily="49" charset="0"/>
+              <a:buChar char="o"/>
+            </a:pPr>
+            <a:r>
+              <a:rPr lang="en-US" sz="2200" b="0" dirty="0" smtClean="0"/>
+              <a:t>Send the value:</a:t>
+            </a:r>
+          </a:p>
+          <a:p>
+            <a:pPr lvl="1" algn="l"/>
+            <a:r>
+              <a:rPr lang="en-US" sz="2000" b="0" dirty="0" smtClean="0"/>
+              <a:t>http</a:t>
+            </a:r>
+            <a:r>
+              <a:rPr lang="en-US" sz="2000" b="0" dirty="0"/>
+              <a:t>://</a:t>
+            </a:r>
+            <a:r>
+              <a:rPr lang="en-US" sz="2000" b="0" dirty="0" smtClean="0"/>
+              <a:t>api.thingspeak.com/update?key=&lt;API key&gt;&amp;field1=&lt;value&gt;</a:t>
+            </a:r>
+          </a:p>
+          <a:p>
+            <a:pPr marL="457200" indent="-457200" algn="l">
+              <a:buFont typeface="Courier New" panose="02070309020205020404" pitchFamily="49" charset="0"/>
+              <a:buChar char="o"/>
+            </a:pPr>
+            <a:endParaRPr lang="en-US" sz="2200" b="0" dirty="0"/>
           </a:p>
         </p:txBody>
       </p:sp>
@@ -6823,7 +7185,7 @@
           <p:nvPr/>
         </p:nvPicPr>
         <p:blipFill>
-          <a:blip r:embed="rId2"/>
+          <a:blip r:embed="rId3"/>
           <a:stretch>
             <a:fillRect/>
           </a:stretch>
@@ -6841,7 +7203,7 @@
     </p:spTree>
     <p:extLst>
       <p:ext uri="{BB962C8B-B14F-4D97-AF65-F5344CB8AC3E}">
-        <p14:creationId xmlns:p14="http://schemas.microsoft.com/office/powerpoint/2010/main" val="644679015"/>
+        <p14:creationId xmlns:p14="http://schemas.microsoft.com/office/powerpoint/2010/main" val="262824393"/>
       </p:ext>
     </p:extLst>
   </p:cSld>
@@ -7035,7 +7397,7 @@
                   <a:srgbClr val="00B0F0"/>
                 </a:solidFill>
               </a:rPr>
-              <a:t>Arduino IDE</a:t>
+              <a:t>Other Devices</a:t>
             </a:r>
             <a:endParaRPr lang="en-US" sz="3200" dirty="0">
               <a:solidFill>
@@ -7247,22 +7609,7 @@
             </a:pPr>
             <a:r>
               <a:rPr lang="en-US" sz="2400" b="0" dirty="0" smtClean="0"/>
-              <a:t>Install ESP 8266 support into Arduino IDE:</a:t>
-            </a:r>
-          </a:p>
-          <a:p>
-            <a:pPr lvl="1" algn="l"/>
-            <a:r>
-              <a:rPr lang="en-US" sz="2400" b="0" dirty="0" smtClean="0"/>
-              <a:t>https</a:t>
-            </a:r>
-            <a:r>
-              <a:rPr lang="en-US" sz="2400" b="0" dirty="0"/>
-              <a:t>://</a:t>
-            </a:r>
-            <a:r>
-              <a:rPr lang="en-US" sz="2400" b="0" dirty="0" smtClean="0"/>
-              <a:t>github.com/esp8266/Arduino</a:t>
+              <a:t>DHT21 – temperature and humidity sensor</a:t>
             </a:r>
           </a:p>
           <a:p>
@@ -7270,7 +7617,10 @@
               <a:buFont typeface="Courier New" panose="02070309020205020404" pitchFamily="49" charset="0"/>
               <a:buChar char="o"/>
             </a:pPr>
-            <a:endParaRPr lang="en-US" sz="2400" b="0" dirty="0"/>
+            <a:r>
+              <a:rPr lang="en-US" sz="2400" b="0" dirty="0" smtClean="0"/>
+              <a:t>HC-SR04 – ultrasonic distance measuring</a:t>
+            </a:r>
           </a:p>
           <a:p>
             <a:pPr marL="457200" indent="-457200" algn="l">
@@ -7279,22 +7629,49 @@
             </a:pPr>
             <a:r>
               <a:rPr lang="en-US" sz="2400" b="0" dirty="0" smtClean="0"/>
-              <a:t>Build in + external libraries</a:t>
-            </a:r>
-          </a:p>
-          <a:p>
-            <a:pPr lvl="1" algn="l"/>
-            <a:r>
-              <a:rPr lang="cs-CZ" sz="2400" dirty="0"/>
-              <a:t>https://github.com/esp8266/Arduino/blob/master/doc/libraries.md</a:t>
-            </a:r>
-            <a:endParaRPr lang="cs-CZ" sz="2400" b="0" dirty="0"/>
+              <a:t>HC-SR501 – motion sensor detector</a:t>
+            </a:r>
           </a:p>
           <a:p>
             <a:pPr marL="457200" indent="-457200" algn="l">
               <a:buFont typeface="Courier New" panose="02070309020205020404" pitchFamily="49" charset="0"/>
               <a:buChar char="o"/>
             </a:pPr>
+            <a:r>
+              <a:rPr lang="en-US" sz="2400" b="0" dirty="0" smtClean="0"/>
+              <a:t>OLED or Nokia 5110 display</a:t>
+            </a:r>
+          </a:p>
+          <a:p>
+            <a:pPr marL="457200" indent="-457200" algn="l">
+              <a:buFont typeface="Courier New" panose="02070309020205020404" pitchFamily="49" charset="0"/>
+              <a:buChar char="o"/>
+            </a:pPr>
+            <a:r>
+              <a:rPr lang="en-US" sz="2400" b="0" dirty="0" smtClean="0"/>
+              <a:t>Addressable led strips</a:t>
+            </a:r>
+          </a:p>
+          <a:p>
+            <a:pPr marL="457200" indent="-457200" algn="l">
+              <a:buFont typeface="Courier New" panose="02070309020205020404" pitchFamily="49" charset="0"/>
+              <a:buChar char="o"/>
+            </a:pPr>
+            <a:r>
+              <a:rPr lang="en-US" sz="2400" b="0" dirty="0" smtClean="0"/>
+              <a:t>Servos</a:t>
+            </a:r>
+            <a:endParaRPr lang="en-US" sz="2400" b="0" dirty="0" smtClean="0"/>
+          </a:p>
+          <a:p>
+            <a:pPr marL="457200" indent="-457200" algn="l">
+              <a:buFont typeface="Courier New" panose="02070309020205020404" pitchFamily="49" charset="0"/>
+              <a:buChar char="o"/>
+            </a:pPr>
+            <a:r>
+              <a:rPr lang="en-US" sz="2400" b="0" dirty="0" smtClean="0"/>
+              <a:t>…</a:t>
+            </a:r>
             <a:endParaRPr lang="en-US" sz="2400" b="0" dirty="0"/>
           </a:p>
         </p:txBody>
@@ -7326,7 +7703,7 @@
     </p:spTree>
     <p:extLst>
       <p:ext uri="{BB962C8B-B14F-4D97-AF65-F5344CB8AC3E}">
-        <p14:creationId xmlns:p14="http://schemas.microsoft.com/office/powerpoint/2010/main" val="3233665424"/>
+        <p14:creationId xmlns:p14="http://schemas.microsoft.com/office/powerpoint/2010/main" val="3251745859"/>
       </p:ext>
     </p:extLst>
   </p:cSld>
@@ -7379,7 +7756,7 @@
         </p:spPr>
         <p:txBody>
           <a:bodyPr vert="horz" lIns="91440" tIns="45720" rIns="91440" bIns="45720" rtlCol="0" anchor="ctr">
-            <a:normAutofit/>
+            <a:normAutofit fontScale="85000" lnSpcReduction="20000"/>
           </a:bodyPr>
           <a:lstStyle>
             <a:lvl1pPr indent="0" algn="ctr">
@@ -7520,7 +7897,7 @@
                   <a:srgbClr val="00B0F0"/>
                 </a:solidFill>
               </a:rPr>
-              <a:t>Title</a:t>
+              <a:t>HC-SR04 – Ultrasonic Distance Measuring</a:t>
             </a:r>
             <a:endParaRPr lang="en-US" sz="3200" dirty="0">
               <a:solidFill>
@@ -7583,8 +7960,8 @@
         </p:nvSpPr>
         <p:spPr>
           <a:xfrm>
-            <a:off x="611560" y="1304764"/>
-            <a:ext cx="8084999" cy="5004556"/>
+            <a:off x="5580112" y="1304764"/>
+            <a:ext cx="3116447" cy="5004556"/>
           </a:xfrm>
           <a:prstGeom prst="rect">
             <a:avLst/>
@@ -7732,27 +8109,26 @@
             </a:pPr>
             <a:r>
               <a:rPr lang="en-US" sz="2400" b="0" dirty="0" smtClean="0"/>
-              <a:t>T</a:t>
-            </a:r>
-            <a:r>
-              <a:rPr lang="en-US" sz="2400" b="0" dirty="0" smtClean="0">
-                <a:solidFill>
-                  <a:srgbClr val="898989"/>
-                </a:solidFill>
-              </a:rPr>
-              <a:t>ex</a:t>
-            </a:r>
+              <a:t>HC-SR04 requires 5V power supply</a:t>
+            </a:r>
+          </a:p>
+          <a:p>
+            <a:pPr marL="457200" indent="-457200" algn="l">
+              <a:buFont typeface="Courier New" panose="02070309020205020404" pitchFamily="49" charset="0"/>
+              <a:buChar char="o"/>
+            </a:pPr>
             <a:r>
               <a:rPr lang="en-US" sz="2400" b="0" dirty="0" smtClean="0"/>
-              <a:t>t</a:t>
-            </a:r>
+              <a:t>Use voltage divider to connect ECHO to ESP</a:t>
+            </a:r>
+            <a:endParaRPr lang="en-US" sz="2400" b="0" dirty="0" smtClean="0"/>
           </a:p>
           <a:p>
             <a:pPr marL="914400" lvl="1" indent="-457200" algn="l">
               <a:buFont typeface="Courier New" panose="02070309020205020404" pitchFamily="49" charset="0"/>
               <a:buChar char="o"/>
             </a:pPr>
-            <a:endParaRPr lang="en-US" sz="2200" b="0" dirty="0"/>
+            <a:endParaRPr lang="en-US" sz="2200" dirty="0"/>
           </a:p>
         </p:txBody>
       </p:sp>
@@ -7780,10 +8156,1052 @@
           </a:prstGeom>
         </p:spPr>
       </p:pic>
+      <p:pic>
+        <p:nvPicPr>
+          <p:cNvPr id="8" name="Picture 7"/>
+          <p:cNvPicPr>
+            <a:picLocks noChangeAspect="1"/>
+          </p:cNvPicPr>
+          <p:nvPr/>
+        </p:nvPicPr>
+        <p:blipFill>
+          <a:blip r:embed="rId3">
+            <a:extLst>
+              <a:ext uri="{28A0092B-C50C-407E-A947-70E740481C1C}">
+                <a14:useLocalDpi xmlns:a14="http://schemas.microsoft.com/office/drawing/2010/main" val="0"/>
+              </a:ext>
+            </a:extLst>
+          </a:blip>
+          <a:stretch>
+            <a:fillRect/>
+          </a:stretch>
+        </p:blipFill>
+        <p:spPr>
+          <a:xfrm>
+            <a:off x="467544" y="1304764"/>
+            <a:ext cx="5049431" cy="4986030"/>
+          </a:xfrm>
+          <a:prstGeom prst="rect">
+            <a:avLst/>
+          </a:prstGeom>
+        </p:spPr>
+      </p:pic>
     </p:spTree>
     <p:extLst>
       <p:ext uri="{BB962C8B-B14F-4D97-AF65-F5344CB8AC3E}">
-        <p14:creationId xmlns:p14="http://schemas.microsoft.com/office/powerpoint/2010/main" val="3037266953"/>
+        <p14:creationId xmlns:p14="http://schemas.microsoft.com/office/powerpoint/2010/main" val="3323705200"/>
+      </p:ext>
+    </p:extLst>
+  </p:cSld>
+  <p:clrMapOvr>
+    <a:masterClrMapping/>
+  </p:clrMapOvr>
+  <p:timing>
+    <p:tnLst>
+      <p:par>
+        <p:cTn id="1" dur="indefinite" restart="never" nodeType="tmRoot"/>
+      </p:par>
+    </p:tnLst>
+  </p:timing>
+</p:sld>
+</file>
+
+<file path=ppt/slides/slide18.xml><?xml version="1.0" encoding="utf-8"?>
+<p:sld xmlns:a="http://schemas.openxmlformats.org/drawingml/2006/main" xmlns:r="http://schemas.openxmlformats.org/officeDocument/2006/relationships" xmlns:p="http://schemas.openxmlformats.org/presentationml/2006/main">
+  <p:cSld>
+    <p:spTree>
+      <p:nvGrpSpPr>
+        <p:cNvPr id="1" name=""/>
+        <p:cNvGrpSpPr/>
+        <p:nvPr/>
+      </p:nvGrpSpPr>
+      <p:grpSpPr>
+        <a:xfrm>
+          <a:off x="0" y="0"/>
+          <a:ext cx="0" cy="0"/>
+          <a:chOff x="0" y="0"/>
+          <a:chExt cx="0" cy="0"/>
+        </a:xfrm>
+      </p:grpSpPr>
+      <p:sp>
+        <p:nvSpPr>
+          <p:cNvPr id="2" name="Subtitle 2"/>
+          <p:cNvSpPr txBox="1">
+            <a:spLocks/>
+          </p:cNvSpPr>
+          <p:nvPr/>
+        </p:nvSpPr>
+        <p:spPr>
+          <a:xfrm>
+            <a:off x="1547664" y="332656"/>
+            <a:ext cx="7264896" cy="776408"/>
+          </a:xfrm>
+          <a:prstGeom prst="rect">
+            <a:avLst/>
+          </a:prstGeom>
+        </p:spPr>
+        <p:txBody>
+          <a:bodyPr vert="horz" lIns="91440" tIns="45720" rIns="91440" bIns="45720" rtlCol="0" anchor="ctr">
+            <a:normAutofit/>
+          </a:bodyPr>
+          <a:lstStyle>
+            <a:lvl1pPr indent="0" algn="ctr">
+              <a:spcBef>
+                <a:spcPct val="20000"/>
+              </a:spcBef>
+              <a:buFont typeface="Arial" panose="020B0604020202020204" pitchFamily="34" charset="0"/>
+              <a:buNone/>
+              <a:defRPr sz="3000" b="1">
+                <a:solidFill>
+                  <a:schemeClr val="tx1">
+                    <a:tint val="75000"/>
+                  </a:schemeClr>
+                </a:solidFill>
+                <a:latin typeface="Tahoma" panose="020B0604030504040204" pitchFamily="34" charset="0"/>
+                <a:ea typeface="Tahoma" panose="020B0604030504040204" pitchFamily="34" charset="0"/>
+                <a:cs typeface="Tahoma" panose="020B0604030504040204" pitchFamily="34" charset="0"/>
+              </a:defRPr>
+            </a:lvl1pPr>
+            <a:lvl2pPr indent="0" algn="ctr">
+              <a:spcBef>
+                <a:spcPct val="20000"/>
+              </a:spcBef>
+              <a:buFont typeface="Arial" panose="020B0604020202020204" pitchFamily="34" charset="0"/>
+              <a:buNone/>
+              <a:defRPr sz="2800">
+                <a:solidFill>
+                  <a:schemeClr val="tx1">
+                    <a:tint val="75000"/>
+                  </a:schemeClr>
+                </a:solidFill>
+              </a:defRPr>
+            </a:lvl2pPr>
+            <a:lvl3pPr indent="0" algn="ctr">
+              <a:spcBef>
+                <a:spcPct val="20000"/>
+              </a:spcBef>
+              <a:buFont typeface="Arial" panose="020B0604020202020204" pitchFamily="34" charset="0"/>
+              <a:buNone/>
+              <a:defRPr sz="2400">
+                <a:solidFill>
+                  <a:schemeClr val="tx1">
+                    <a:tint val="75000"/>
+                  </a:schemeClr>
+                </a:solidFill>
+              </a:defRPr>
+            </a:lvl3pPr>
+            <a:lvl4pPr indent="0" algn="ctr">
+              <a:spcBef>
+                <a:spcPct val="20000"/>
+              </a:spcBef>
+              <a:buFont typeface="Arial" panose="020B0604020202020204" pitchFamily="34" charset="0"/>
+              <a:buNone/>
+              <a:defRPr sz="2000">
+                <a:solidFill>
+                  <a:schemeClr val="tx1">
+                    <a:tint val="75000"/>
+                  </a:schemeClr>
+                </a:solidFill>
+              </a:defRPr>
+            </a:lvl4pPr>
+            <a:lvl5pPr indent="0" algn="ctr">
+              <a:spcBef>
+                <a:spcPct val="20000"/>
+              </a:spcBef>
+              <a:buFont typeface="Arial" panose="020B0604020202020204" pitchFamily="34" charset="0"/>
+              <a:buNone/>
+              <a:defRPr sz="2000">
+                <a:solidFill>
+                  <a:schemeClr val="tx1">
+                    <a:tint val="75000"/>
+                  </a:schemeClr>
+                </a:solidFill>
+              </a:defRPr>
+            </a:lvl5pPr>
+            <a:lvl6pPr indent="0" algn="ctr">
+              <a:spcBef>
+                <a:spcPct val="20000"/>
+              </a:spcBef>
+              <a:buFont typeface="Arial" panose="020B0604020202020204" pitchFamily="34" charset="0"/>
+              <a:buNone/>
+              <a:defRPr sz="2000">
+                <a:solidFill>
+                  <a:schemeClr val="tx1">
+                    <a:tint val="75000"/>
+                  </a:schemeClr>
+                </a:solidFill>
+              </a:defRPr>
+            </a:lvl6pPr>
+            <a:lvl7pPr indent="0" algn="ctr">
+              <a:spcBef>
+                <a:spcPct val="20000"/>
+              </a:spcBef>
+              <a:buFont typeface="Arial" panose="020B0604020202020204" pitchFamily="34" charset="0"/>
+              <a:buNone/>
+              <a:defRPr sz="2000">
+                <a:solidFill>
+                  <a:schemeClr val="tx1">
+                    <a:tint val="75000"/>
+                  </a:schemeClr>
+                </a:solidFill>
+              </a:defRPr>
+            </a:lvl7pPr>
+            <a:lvl8pPr indent="0" algn="ctr">
+              <a:spcBef>
+                <a:spcPct val="20000"/>
+              </a:spcBef>
+              <a:buFont typeface="Arial" panose="020B0604020202020204" pitchFamily="34" charset="0"/>
+              <a:buNone/>
+              <a:defRPr sz="2000">
+                <a:solidFill>
+                  <a:schemeClr val="tx1">
+                    <a:tint val="75000"/>
+                  </a:schemeClr>
+                </a:solidFill>
+              </a:defRPr>
+            </a:lvl8pPr>
+            <a:lvl9pPr indent="0" algn="ctr">
+              <a:spcBef>
+                <a:spcPct val="20000"/>
+              </a:spcBef>
+              <a:buFont typeface="Arial" panose="020B0604020202020204" pitchFamily="34" charset="0"/>
+              <a:buNone/>
+              <a:defRPr sz="2000">
+                <a:solidFill>
+                  <a:schemeClr val="tx1">
+                    <a:tint val="75000"/>
+                  </a:schemeClr>
+                </a:solidFill>
+              </a:defRPr>
+            </a:lvl9pPr>
+          </a:lstStyle>
+          <a:p>
+            <a:pPr algn="l"/>
+            <a:r>
+              <a:rPr lang="en-US" sz="3200" dirty="0" smtClean="0">
+                <a:solidFill>
+                  <a:srgbClr val="00B0F0"/>
+                </a:solidFill>
+              </a:rPr>
+              <a:t>Documentation</a:t>
+            </a:r>
+            <a:endParaRPr lang="en-US" sz="3200" dirty="0">
+              <a:solidFill>
+                <a:srgbClr val="00B0F0"/>
+              </a:solidFill>
+            </a:endParaRPr>
+          </a:p>
+        </p:txBody>
+      </p:sp>
+      <p:sp>
+        <p:nvSpPr>
+          <p:cNvPr id="3" name="Rectangle 2"/>
+          <p:cNvSpPr/>
+          <p:nvPr/>
+        </p:nvSpPr>
+        <p:spPr>
+          <a:xfrm>
+            <a:off x="2636" y="6309320"/>
+            <a:ext cx="9141365" cy="551206"/>
+          </a:xfrm>
+          <a:prstGeom prst="rect">
+            <a:avLst/>
+          </a:prstGeom>
+          <a:ln>
+            <a:noFill/>
+          </a:ln>
+        </p:spPr>
+        <p:style>
+          <a:lnRef idx="2">
+            <a:schemeClr val="accent1">
+              <a:shade val="50000"/>
+            </a:schemeClr>
+          </a:lnRef>
+          <a:fillRef idx="1">
+            <a:schemeClr val="accent1"/>
+          </a:fillRef>
+          <a:effectRef idx="0">
+            <a:schemeClr val="accent1"/>
+          </a:effectRef>
+          <a:fontRef idx="minor">
+            <a:schemeClr val="lt1"/>
+          </a:fontRef>
+        </p:style>
+        <p:txBody>
+          <a:bodyPr rtlCol="0" anchor="ctr"/>
+          <a:lstStyle/>
+          <a:p>
+            <a:pPr algn="ctr"/>
+            <a:endParaRPr lang="en-US"/>
+          </a:p>
+        </p:txBody>
+      </p:sp>
+      <p:sp>
+        <p:nvSpPr>
+          <p:cNvPr id="5" name="Subtitle 2"/>
+          <p:cNvSpPr txBox="1">
+            <a:spLocks/>
+          </p:cNvSpPr>
+          <p:nvPr/>
+        </p:nvSpPr>
+        <p:spPr>
+          <a:xfrm>
+            <a:off x="611560" y="1304764"/>
+            <a:ext cx="8084999" cy="5004556"/>
+          </a:xfrm>
+          <a:prstGeom prst="rect">
+            <a:avLst/>
+          </a:prstGeom>
+        </p:spPr>
+        <p:txBody>
+          <a:bodyPr vert="horz" lIns="91440" tIns="45720" rIns="91440" bIns="45720" rtlCol="0" anchor="t">
+            <a:normAutofit/>
+          </a:bodyPr>
+          <a:lstStyle>
+            <a:lvl1pPr indent="0" algn="ctr">
+              <a:spcBef>
+                <a:spcPct val="20000"/>
+              </a:spcBef>
+              <a:buFont typeface="Arial" panose="020B0604020202020204" pitchFamily="34" charset="0"/>
+              <a:buNone/>
+              <a:defRPr sz="3000" b="1">
+                <a:solidFill>
+                  <a:schemeClr val="tx1">
+                    <a:tint val="75000"/>
+                  </a:schemeClr>
+                </a:solidFill>
+                <a:latin typeface="Tahoma" panose="020B0604030504040204" pitchFamily="34" charset="0"/>
+                <a:ea typeface="Tahoma" panose="020B0604030504040204" pitchFamily="34" charset="0"/>
+                <a:cs typeface="Tahoma" panose="020B0604030504040204" pitchFamily="34" charset="0"/>
+              </a:defRPr>
+            </a:lvl1pPr>
+            <a:lvl2pPr indent="0" algn="ctr">
+              <a:spcBef>
+                <a:spcPct val="20000"/>
+              </a:spcBef>
+              <a:buFont typeface="Arial" panose="020B0604020202020204" pitchFamily="34" charset="0"/>
+              <a:buNone/>
+              <a:defRPr sz="2800">
+                <a:solidFill>
+                  <a:schemeClr val="tx1">
+                    <a:tint val="75000"/>
+                  </a:schemeClr>
+                </a:solidFill>
+              </a:defRPr>
+            </a:lvl2pPr>
+            <a:lvl3pPr indent="0" algn="ctr">
+              <a:spcBef>
+                <a:spcPct val="20000"/>
+              </a:spcBef>
+              <a:buFont typeface="Arial" panose="020B0604020202020204" pitchFamily="34" charset="0"/>
+              <a:buNone/>
+              <a:defRPr sz="2400">
+                <a:solidFill>
+                  <a:schemeClr val="tx1">
+                    <a:tint val="75000"/>
+                  </a:schemeClr>
+                </a:solidFill>
+              </a:defRPr>
+            </a:lvl3pPr>
+            <a:lvl4pPr indent="0" algn="ctr">
+              <a:spcBef>
+                <a:spcPct val="20000"/>
+              </a:spcBef>
+              <a:buFont typeface="Arial" panose="020B0604020202020204" pitchFamily="34" charset="0"/>
+              <a:buNone/>
+              <a:defRPr sz="2000">
+                <a:solidFill>
+                  <a:schemeClr val="tx1">
+                    <a:tint val="75000"/>
+                  </a:schemeClr>
+                </a:solidFill>
+              </a:defRPr>
+            </a:lvl4pPr>
+            <a:lvl5pPr indent="0" algn="ctr">
+              <a:spcBef>
+                <a:spcPct val="20000"/>
+              </a:spcBef>
+              <a:buFont typeface="Arial" panose="020B0604020202020204" pitchFamily="34" charset="0"/>
+              <a:buNone/>
+              <a:defRPr sz="2000">
+                <a:solidFill>
+                  <a:schemeClr val="tx1">
+                    <a:tint val="75000"/>
+                  </a:schemeClr>
+                </a:solidFill>
+              </a:defRPr>
+            </a:lvl5pPr>
+            <a:lvl6pPr indent="0" algn="ctr">
+              <a:spcBef>
+                <a:spcPct val="20000"/>
+              </a:spcBef>
+              <a:buFont typeface="Arial" panose="020B0604020202020204" pitchFamily="34" charset="0"/>
+              <a:buNone/>
+              <a:defRPr sz="2000">
+                <a:solidFill>
+                  <a:schemeClr val="tx1">
+                    <a:tint val="75000"/>
+                  </a:schemeClr>
+                </a:solidFill>
+              </a:defRPr>
+            </a:lvl6pPr>
+            <a:lvl7pPr indent="0" algn="ctr">
+              <a:spcBef>
+                <a:spcPct val="20000"/>
+              </a:spcBef>
+              <a:buFont typeface="Arial" panose="020B0604020202020204" pitchFamily="34" charset="0"/>
+              <a:buNone/>
+              <a:defRPr sz="2000">
+                <a:solidFill>
+                  <a:schemeClr val="tx1">
+                    <a:tint val="75000"/>
+                  </a:schemeClr>
+                </a:solidFill>
+              </a:defRPr>
+            </a:lvl7pPr>
+            <a:lvl8pPr indent="0" algn="ctr">
+              <a:spcBef>
+                <a:spcPct val="20000"/>
+              </a:spcBef>
+              <a:buFont typeface="Arial" panose="020B0604020202020204" pitchFamily="34" charset="0"/>
+              <a:buNone/>
+              <a:defRPr sz="2000">
+                <a:solidFill>
+                  <a:schemeClr val="tx1">
+                    <a:tint val="75000"/>
+                  </a:schemeClr>
+                </a:solidFill>
+              </a:defRPr>
+            </a:lvl8pPr>
+            <a:lvl9pPr indent="0" algn="ctr">
+              <a:spcBef>
+                <a:spcPct val="20000"/>
+              </a:spcBef>
+              <a:buFont typeface="Arial" panose="020B0604020202020204" pitchFamily="34" charset="0"/>
+              <a:buNone/>
+              <a:defRPr sz="2000">
+                <a:solidFill>
+                  <a:schemeClr val="tx1">
+                    <a:tint val="75000"/>
+                  </a:schemeClr>
+                </a:solidFill>
+              </a:defRPr>
+            </a:lvl9pPr>
+          </a:lstStyle>
+          <a:p>
+            <a:pPr marL="457200" indent="-457200" algn="l">
+              <a:buFont typeface="Courier New" panose="02070309020205020404" pitchFamily="49" charset="0"/>
+              <a:buChar char="o"/>
+            </a:pPr>
+            <a:r>
+              <a:rPr lang="en-US" sz="2400" b="0" dirty="0" smtClean="0"/>
+              <a:t>Node MCU</a:t>
+            </a:r>
+          </a:p>
+          <a:p>
+            <a:pPr lvl="1" algn="l"/>
+            <a:r>
+              <a:rPr lang="en-US" sz="2200" b="0" dirty="0">
+                <a:hlinkClick r:id="rId2"/>
+              </a:rPr>
+              <a:t>http://nodemcu.readthedocs.io/en/master/en</a:t>
+            </a:r>
+            <a:r>
+              <a:rPr lang="en-US" sz="2200" b="0" dirty="0" smtClean="0">
+                <a:hlinkClick r:id="rId2"/>
+              </a:rPr>
+              <a:t>/</a:t>
+            </a:r>
+            <a:endParaRPr lang="en-US" sz="2200" b="0" dirty="0" smtClean="0"/>
+          </a:p>
+          <a:p>
+            <a:pPr marL="457200" indent="-457200" algn="l">
+              <a:buFont typeface="Courier New" panose="02070309020205020404" pitchFamily="49" charset="0"/>
+              <a:buChar char="o"/>
+            </a:pPr>
+            <a:endParaRPr lang="en-US" sz="2400" b="0" dirty="0" smtClean="0"/>
+          </a:p>
+          <a:p>
+            <a:pPr marL="457200" indent="-457200" algn="l">
+              <a:buFont typeface="Courier New" panose="02070309020205020404" pitchFamily="49" charset="0"/>
+              <a:buChar char="o"/>
+            </a:pPr>
+            <a:r>
+              <a:rPr lang="en-US" sz="2400" b="0" dirty="0" smtClean="0"/>
+              <a:t>Contains information about</a:t>
+            </a:r>
+          </a:p>
+          <a:p>
+            <a:pPr marL="914400" lvl="1" indent="-457200" algn="l">
+              <a:buFont typeface="Courier New" panose="02070309020205020404" pitchFamily="49" charset="0"/>
+              <a:buChar char="o"/>
+            </a:pPr>
+            <a:r>
+              <a:rPr lang="en-US" sz="2200" b="0" dirty="0" smtClean="0"/>
+              <a:t>Building</a:t>
+            </a:r>
+          </a:p>
+          <a:p>
+            <a:pPr marL="914400" lvl="1" indent="-457200" algn="l">
+              <a:buFont typeface="Courier New" panose="02070309020205020404" pitchFamily="49" charset="0"/>
+              <a:buChar char="o"/>
+            </a:pPr>
+            <a:r>
+              <a:rPr lang="en-US" sz="2200" b="0" dirty="0" smtClean="0"/>
+              <a:t>Flashing</a:t>
+            </a:r>
+          </a:p>
+          <a:p>
+            <a:pPr marL="914400" lvl="1" indent="-457200" algn="l">
+              <a:buFont typeface="Courier New" panose="02070309020205020404" pitchFamily="49" charset="0"/>
+              <a:buChar char="o"/>
+            </a:pPr>
+            <a:r>
+              <a:rPr lang="en-US" sz="2200" b="0" dirty="0" smtClean="0"/>
+              <a:t>Modules</a:t>
+            </a:r>
+            <a:endParaRPr lang="en-US" sz="2200" dirty="0"/>
+          </a:p>
+          <a:p>
+            <a:pPr marL="914400" lvl="1" indent="-457200" algn="l">
+              <a:buFont typeface="Courier New" panose="02070309020205020404" pitchFamily="49" charset="0"/>
+              <a:buChar char="o"/>
+            </a:pPr>
+            <a:r>
+              <a:rPr lang="en-US" sz="2200" b="0" dirty="0" smtClean="0"/>
+              <a:t>…</a:t>
+            </a:r>
+            <a:endParaRPr lang="en-US" sz="2200" b="0" dirty="0"/>
+          </a:p>
+        </p:txBody>
+      </p:sp>
+      <p:pic>
+        <p:nvPicPr>
+          <p:cNvPr id="6" name="Picture 5"/>
+          <p:cNvPicPr>
+            <a:picLocks noChangeAspect="1"/>
+          </p:cNvPicPr>
+          <p:nvPr/>
+        </p:nvPicPr>
+        <p:blipFill>
+          <a:blip r:embed="rId3"/>
+          <a:stretch>
+            <a:fillRect/>
+          </a:stretch>
+        </p:blipFill>
+        <p:spPr>
+          <a:xfrm>
+            <a:off x="467544" y="408935"/>
+            <a:ext cx="809945" cy="623850"/>
+          </a:xfrm>
+          <a:prstGeom prst="rect">
+            <a:avLst/>
+          </a:prstGeom>
+        </p:spPr>
+      </p:pic>
+    </p:spTree>
+    <p:extLst>
+      <p:ext uri="{BB962C8B-B14F-4D97-AF65-F5344CB8AC3E}">
+        <p14:creationId xmlns:p14="http://schemas.microsoft.com/office/powerpoint/2010/main" val="719588964"/>
+      </p:ext>
+    </p:extLst>
+  </p:cSld>
+  <p:clrMapOvr>
+    <a:masterClrMapping/>
+  </p:clrMapOvr>
+  <p:timing>
+    <p:tnLst>
+      <p:par>
+        <p:cTn id="1" dur="indefinite" restart="never" nodeType="tmRoot"/>
+      </p:par>
+    </p:tnLst>
+  </p:timing>
+</p:sld>
+</file>
+
+<file path=ppt/slides/slide19.xml><?xml version="1.0" encoding="utf-8"?>
+<p:sld xmlns:a="http://schemas.openxmlformats.org/drawingml/2006/main" xmlns:r="http://schemas.openxmlformats.org/officeDocument/2006/relationships" xmlns:p="http://schemas.openxmlformats.org/presentationml/2006/main">
+  <p:cSld>
+    <p:spTree>
+      <p:nvGrpSpPr>
+        <p:cNvPr id="1" name=""/>
+        <p:cNvGrpSpPr/>
+        <p:nvPr/>
+      </p:nvGrpSpPr>
+      <p:grpSpPr>
+        <a:xfrm>
+          <a:off x="0" y="0"/>
+          <a:ext cx="0" cy="0"/>
+          <a:chOff x="0" y="0"/>
+          <a:chExt cx="0" cy="0"/>
+        </a:xfrm>
+      </p:grpSpPr>
+      <p:sp>
+        <p:nvSpPr>
+          <p:cNvPr id="2" name="Subtitle 2"/>
+          <p:cNvSpPr txBox="1">
+            <a:spLocks/>
+          </p:cNvSpPr>
+          <p:nvPr/>
+        </p:nvSpPr>
+        <p:spPr>
+          <a:xfrm>
+            <a:off x="1547664" y="332656"/>
+            <a:ext cx="7264896" cy="776408"/>
+          </a:xfrm>
+          <a:prstGeom prst="rect">
+            <a:avLst/>
+          </a:prstGeom>
+        </p:spPr>
+        <p:txBody>
+          <a:bodyPr vert="horz" lIns="91440" tIns="45720" rIns="91440" bIns="45720" rtlCol="0" anchor="ctr">
+            <a:normAutofit/>
+          </a:bodyPr>
+          <a:lstStyle>
+            <a:lvl1pPr indent="0" algn="ctr">
+              <a:spcBef>
+                <a:spcPct val="20000"/>
+              </a:spcBef>
+              <a:buFont typeface="Arial" panose="020B0604020202020204" pitchFamily="34" charset="0"/>
+              <a:buNone/>
+              <a:defRPr sz="3000" b="1">
+                <a:solidFill>
+                  <a:schemeClr val="tx1">
+                    <a:tint val="75000"/>
+                  </a:schemeClr>
+                </a:solidFill>
+                <a:latin typeface="Tahoma" panose="020B0604030504040204" pitchFamily="34" charset="0"/>
+                <a:ea typeface="Tahoma" panose="020B0604030504040204" pitchFamily="34" charset="0"/>
+                <a:cs typeface="Tahoma" panose="020B0604030504040204" pitchFamily="34" charset="0"/>
+              </a:defRPr>
+            </a:lvl1pPr>
+            <a:lvl2pPr indent="0" algn="ctr">
+              <a:spcBef>
+                <a:spcPct val="20000"/>
+              </a:spcBef>
+              <a:buFont typeface="Arial" panose="020B0604020202020204" pitchFamily="34" charset="0"/>
+              <a:buNone/>
+              <a:defRPr sz="2800">
+                <a:solidFill>
+                  <a:schemeClr val="tx1">
+                    <a:tint val="75000"/>
+                  </a:schemeClr>
+                </a:solidFill>
+              </a:defRPr>
+            </a:lvl2pPr>
+            <a:lvl3pPr indent="0" algn="ctr">
+              <a:spcBef>
+                <a:spcPct val="20000"/>
+              </a:spcBef>
+              <a:buFont typeface="Arial" panose="020B0604020202020204" pitchFamily="34" charset="0"/>
+              <a:buNone/>
+              <a:defRPr sz="2400">
+                <a:solidFill>
+                  <a:schemeClr val="tx1">
+                    <a:tint val="75000"/>
+                  </a:schemeClr>
+                </a:solidFill>
+              </a:defRPr>
+            </a:lvl3pPr>
+            <a:lvl4pPr indent="0" algn="ctr">
+              <a:spcBef>
+                <a:spcPct val="20000"/>
+              </a:spcBef>
+              <a:buFont typeface="Arial" panose="020B0604020202020204" pitchFamily="34" charset="0"/>
+              <a:buNone/>
+              <a:defRPr sz="2000">
+                <a:solidFill>
+                  <a:schemeClr val="tx1">
+                    <a:tint val="75000"/>
+                  </a:schemeClr>
+                </a:solidFill>
+              </a:defRPr>
+            </a:lvl4pPr>
+            <a:lvl5pPr indent="0" algn="ctr">
+              <a:spcBef>
+                <a:spcPct val="20000"/>
+              </a:spcBef>
+              <a:buFont typeface="Arial" panose="020B0604020202020204" pitchFamily="34" charset="0"/>
+              <a:buNone/>
+              <a:defRPr sz="2000">
+                <a:solidFill>
+                  <a:schemeClr val="tx1">
+                    <a:tint val="75000"/>
+                  </a:schemeClr>
+                </a:solidFill>
+              </a:defRPr>
+            </a:lvl5pPr>
+            <a:lvl6pPr indent="0" algn="ctr">
+              <a:spcBef>
+                <a:spcPct val="20000"/>
+              </a:spcBef>
+              <a:buFont typeface="Arial" panose="020B0604020202020204" pitchFamily="34" charset="0"/>
+              <a:buNone/>
+              <a:defRPr sz="2000">
+                <a:solidFill>
+                  <a:schemeClr val="tx1">
+                    <a:tint val="75000"/>
+                  </a:schemeClr>
+                </a:solidFill>
+              </a:defRPr>
+            </a:lvl6pPr>
+            <a:lvl7pPr indent="0" algn="ctr">
+              <a:spcBef>
+                <a:spcPct val="20000"/>
+              </a:spcBef>
+              <a:buFont typeface="Arial" panose="020B0604020202020204" pitchFamily="34" charset="0"/>
+              <a:buNone/>
+              <a:defRPr sz="2000">
+                <a:solidFill>
+                  <a:schemeClr val="tx1">
+                    <a:tint val="75000"/>
+                  </a:schemeClr>
+                </a:solidFill>
+              </a:defRPr>
+            </a:lvl7pPr>
+            <a:lvl8pPr indent="0" algn="ctr">
+              <a:spcBef>
+                <a:spcPct val="20000"/>
+              </a:spcBef>
+              <a:buFont typeface="Arial" panose="020B0604020202020204" pitchFamily="34" charset="0"/>
+              <a:buNone/>
+              <a:defRPr sz="2000">
+                <a:solidFill>
+                  <a:schemeClr val="tx1">
+                    <a:tint val="75000"/>
+                  </a:schemeClr>
+                </a:solidFill>
+              </a:defRPr>
+            </a:lvl8pPr>
+            <a:lvl9pPr indent="0" algn="ctr">
+              <a:spcBef>
+                <a:spcPct val="20000"/>
+              </a:spcBef>
+              <a:buFont typeface="Arial" panose="020B0604020202020204" pitchFamily="34" charset="0"/>
+              <a:buNone/>
+              <a:defRPr sz="2000">
+                <a:solidFill>
+                  <a:schemeClr val="tx1">
+                    <a:tint val="75000"/>
+                  </a:schemeClr>
+                </a:solidFill>
+              </a:defRPr>
+            </a:lvl9pPr>
+          </a:lstStyle>
+          <a:p>
+            <a:pPr algn="l"/>
+            <a:r>
+              <a:rPr lang="en-US" sz="3200" dirty="0" smtClean="0">
+                <a:solidFill>
+                  <a:srgbClr val="00B0F0"/>
+                </a:solidFill>
+              </a:rPr>
+              <a:t>Node MCU Development Kit</a:t>
+            </a:r>
+            <a:endParaRPr lang="en-US" sz="3200" dirty="0">
+              <a:solidFill>
+                <a:srgbClr val="00B0F0"/>
+              </a:solidFill>
+            </a:endParaRPr>
+          </a:p>
+        </p:txBody>
+      </p:sp>
+      <p:sp>
+        <p:nvSpPr>
+          <p:cNvPr id="3" name="Rectangle 2"/>
+          <p:cNvSpPr/>
+          <p:nvPr/>
+        </p:nvSpPr>
+        <p:spPr>
+          <a:xfrm>
+            <a:off x="2636" y="6309320"/>
+            <a:ext cx="9141365" cy="551206"/>
+          </a:xfrm>
+          <a:prstGeom prst="rect">
+            <a:avLst/>
+          </a:prstGeom>
+          <a:ln>
+            <a:noFill/>
+          </a:ln>
+        </p:spPr>
+        <p:style>
+          <a:lnRef idx="2">
+            <a:schemeClr val="accent1">
+              <a:shade val="50000"/>
+            </a:schemeClr>
+          </a:lnRef>
+          <a:fillRef idx="1">
+            <a:schemeClr val="accent1"/>
+          </a:fillRef>
+          <a:effectRef idx="0">
+            <a:schemeClr val="accent1"/>
+          </a:effectRef>
+          <a:fontRef idx="minor">
+            <a:schemeClr val="lt1"/>
+          </a:fontRef>
+        </p:style>
+        <p:txBody>
+          <a:bodyPr rtlCol="0" anchor="ctr"/>
+          <a:lstStyle/>
+          <a:p>
+            <a:pPr algn="ctr"/>
+            <a:endParaRPr lang="en-US"/>
+          </a:p>
+        </p:txBody>
+      </p:sp>
+      <p:sp>
+        <p:nvSpPr>
+          <p:cNvPr id="5" name="Subtitle 2"/>
+          <p:cNvSpPr txBox="1">
+            <a:spLocks/>
+          </p:cNvSpPr>
+          <p:nvPr/>
+        </p:nvSpPr>
+        <p:spPr>
+          <a:xfrm>
+            <a:off x="611560" y="1304764"/>
+            <a:ext cx="8084999" cy="5004556"/>
+          </a:xfrm>
+          <a:prstGeom prst="rect">
+            <a:avLst/>
+          </a:prstGeom>
+        </p:spPr>
+        <p:txBody>
+          <a:bodyPr vert="horz" lIns="91440" tIns="45720" rIns="91440" bIns="45720" rtlCol="0" anchor="t">
+            <a:normAutofit/>
+          </a:bodyPr>
+          <a:lstStyle>
+            <a:lvl1pPr indent="0" algn="ctr">
+              <a:spcBef>
+                <a:spcPct val="20000"/>
+              </a:spcBef>
+              <a:buFont typeface="Arial" panose="020B0604020202020204" pitchFamily="34" charset="0"/>
+              <a:buNone/>
+              <a:defRPr sz="3000" b="1">
+                <a:solidFill>
+                  <a:schemeClr val="tx1">
+                    <a:tint val="75000"/>
+                  </a:schemeClr>
+                </a:solidFill>
+                <a:latin typeface="Tahoma" panose="020B0604030504040204" pitchFamily="34" charset="0"/>
+                <a:ea typeface="Tahoma" panose="020B0604030504040204" pitchFamily="34" charset="0"/>
+                <a:cs typeface="Tahoma" panose="020B0604030504040204" pitchFamily="34" charset="0"/>
+              </a:defRPr>
+            </a:lvl1pPr>
+            <a:lvl2pPr indent="0" algn="ctr">
+              <a:spcBef>
+                <a:spcPct val="20000"/>
+              </a:spcBef>
+              <a:buFont typeface="Arial" panose="020B0604020202020204" pitchFamily="34" charset="0"/>
+              <a:buNone/>
+              <a:defRPr sz="2800">
+                <a:solidFill>
+                  <a:schemeClr val="tx1">
+                    <a:tint val="75000"/>
+                  </a:schemeClr>
+                </a:solidFill>
+              </a:defRPr>
+            </a:lvl2pPr>
+            <a:lvl3pPr indent="0" algn="ctr">
+              <a:spcBef>
+                <a:spcPct val="20000"/>
+              </a:spcBef>
+              <a:buFont typeface="Arial" panose="020B0604020202020204" pitchFamily="34" charset="0"/>
+              <a:buNone/>
+              <a:defRPr sz="2400">
+                <a:solidFill>
+                  <a:schemeClr val="tx1">
+                    <a:tint val="75000"/>
+                  </a:schemeClr>
+                </a:solidFill>
+              </a:defRPr>
+            </a:lvl3pPr>
+            <a:lvl4pPr indent="0" algn="ctr">
+              <a:spcBef>
+                <a:spcPct val="20000"/>
+              </a:spcBef>
+              <a:buFont typeface="Arial" panose="020B0604020202020204" pitchFamily="34" charset="0"/>
+              <a:buNone/>
+              <a:defRPr sz="2000">
+                <a:solidFill>
+                  <a:schemeClr val="tx1">
+                    <a:tint val="75000"/>
+                  </a:schemeClr>
+                </a:solidFill>
+              </a:defRPr>
+            </a:lvl4pPr>
+            <a:lvl5pPr indent="0" algn="ctr">
+              <a:spcBef>
+                <a:spcPct val="20000"/>
+              </a:spcBef>
+              <a:buFont typeface="Arial" panose="020B0604020202020204" pitchFamily="34" charset="0"/>
+              <a:buNone/>
+              <a:defRPr sz="2000">
+                <a:solidFill>
+                  <a:schemeClr val="tx1">
+                    <a:tint val="75000"/>
+                  </a:schemeClr>
+                </a:solidFill>
+              </a:defRPr>
+            </a:lvl5pPr>
+            <a:lvl6pPr indent="0" algn="ctr">
+              <a:spcBef>
+                <a:spcPct val="20000"/>
+              </a:spcBef>
+              <a:buFont typeface="Arial" panose="020B0604020202020204" pitchFamily="34" charset="0"/>
+              <a:buNone/>
+              <a:defRPr sz="2000">
+                <a:solidFill>
+                  <a:schemeClr val="tx1">
+                    <a:tint val="75000"/>
+                  </a:schemeClr>
+                </a:solidFill>
+              </a:defRPr>
+            </a:lvl6pPr>
+            <a:lvl7pPr indent="0" algn="ctr">
+              <a:spcBef>
+                <a:spcPct val="20000"/>
+              </a:spcBef>
+              <a:buFont typeface="Arial" panose="020B0604020202020204" pitchFamily="34" charset="0"/>
+              <a:buNone/>
+              <a:defRPr sz="2000">
+                <a:solidFill>
+                  <a:schemeClr val="tx1">
+                    <a:tint val="75000"/>
+                  </a:schemeClr>
+                </a:solidFill>
+              </a:defRPr>
+            </a:lvl7pPr>
+            <a:lvl8pPr indent="0" algn="ctr">
+              <a:spcBef>
+                <a:spcPct val="20000"/>
+              </a:spcBef>
+              <a:buFont typeface="Arial" panose="020B0604020202020204" pitchFamily="34" charset="0"/>
+              <a:buNone/>
+              <a:defRPr sz="2000">
+                <a:solidFill>
+                  <a:schemeClr val="tx1">
+                    <a:tint val="75000"/>
+                  </a:schemeClr>
+                </a:solidFill>
+              </a:defRPr>
+            </a:lvl8pPr>
+            <a:lvl9pPr indent="0" algn="ctr">
+              <a:spcBef>
+                <a:spcPct val="20000"/>
+              </a:spcBef>
+              <a:buFont typeface="Arial" panose="020B0604020202020204" pitchFamily="34" charset="0"/>
+              <a:buNone/>
+              <a:defRPr sz="2000">
+                <a:solidFill>
+                  <a:schemeClr val="tx1">
+                    <a:tint val="75000"/>
+                  </a:schemeClr>
+                </a:solidFill>
+              </a:defRPr>
+            </a:lvl9pPr>
+          </a:lstStyle>
+          <a:p>
+            <a:pPr marL="457200" indent="-457200" algn="l">
+              <a:buFont typeface="Courier New" panose="02070309020205020404" pitchFamily="49" charset="0"/>
+              <a:buChar char="o"/>
+            </a:pPr>
+            <a:r>
+              <a:rPr lang="en-US" sz="2400" b="0" dirty="0" smtClean="0"/>
+              <a:t>USB-to-Serial + ESP 8266</a:t>
+            </a:r>
+          </a:p>
+          <a:p>
+            <a:pPr marL="457200" indent="-457200" algn="l">
+              <a:buFont typeface="Courier New" panose="02070309020205020404" pitchFamily="49" charset="0"/>
+              <a:buChar char="o"/>
+            </a:pPr>
+            <a:r>
+              <a:rPr lang="en-US" sz="2400" b="0" dirty="0" smtClean="0"/>
+              <a:t>Easy to put in the breadboard</a:t>
+            </a:r>
+          </a:p>
+          <a:p>
+            <a:pPr marL="457200" indent="-457200" algn="l">
+              <a:buFont typeface="Courier New" panose="02070309020205020404" pitchFamily="49" charset="0"/>
+              <a:buChar char="o"/>
+            </a:pPr>
+            <a:r>
+              <a:rPr lang="en-US" sz="2400" b="0" dirty="0" smtClean="0"/>
+              <a:t>Whole device is unusable when ESP dies</a:t>
+            </a:r>
+          </a:p>
+          <a:p>
+            <a:pPr marL="914400" lvl="1" indent="-457200" algn="l">
+              <a:buFont typeface="Courier New" panose="02070309020205020404" pitchFamily="49" charset="0"/>
+              <a:buChar char="o"/>
+            </a:pPr>
+            <a:r>
+              <a:rPr lang="en-US" sz="2200" dirty="0" smtClean="0"/>
+              <a:t>E.g. when you reach max number of writes</a:t>
+            </a:r>
+            <a:endParaRPr lang="en-US" sz="2200" b="0" dirty="0" smtClean="0"/>
+          </a:p>
+        </p:txBody>
+      </p:sp>
+      <p:pic>
+        <p:nvPicPr>
+          <p:cNvPr id="6" name="Picture 5"/>
+          <p:cNvPicPr>
+            <a:picLocks noChangeAspect="1"/>
+          </p:cNvPicPr>
+          <p:nvPr/>
+        </p:nvPicPr>
+        <p:blipFill>
+          <a:blip r:embed="rId2"/>
+          <a:stretch>
+            <a:fillRect/>
+          </a:stretch>
+        </p:blipFill>
+        <p:spPr>
+          <a:xfrm>
+            <a:off x="467544" y="408935"/>
+            <a:ext cx="809945" cy="623850"/>
+          </a:xfrm>
+          <a:prstGeom prst="rect">
+            <a:avLst/>
+          </a:prstGeom>
+        </p:spPr>
+      </p:pic>
+      <p:pic>
+        <p:nvPicPr>
+          <p:cNvPr id="4" name="Picture 3"/>
+          <p:cNvPicPr>
+            <a:picLocks noChangeAspect="1"/>
+          </p:cNvPicPr>
+          <p:nvPr/>
+        </p:nvPicPr>
+        <p:blipFill>
+          <a:blip r:embed="rId3">
+            <a:extLst>
+              <a:ext uri="{28A0092B-C50C-407E-A947-70E740481C1C}">
+                <a14:useLocalDpi xmlns:a14="http://schemas.microsoft.com/office/drawing/2010/main" val="0"/>
+              </a:ext>
+            </a:extLst>
+          </a:blip>
+          <a:stretch>
+            <a:fillRect/>
+          </a:stretch>
+        </p:blipFill>
+        <p:spPr>
+          <a:xfrm>
+            <a:off x="4427984" y="3109348"/>
+            <a:ext cx="4268574" cy="3166250"/>
+          </a:xfrm>
+          <a:prstGeom prst="rect">
+            <a:avLst/>
+          </a:prstGeom>
+        </p:spPr>
+      </p:pic>
+    </p:spTree>
+    <p:extLst>
+      <p:ext uri="{BB962C8B-B14F-4D97-AF65-F5344CB8AC3E}">
+        <p14:creationId xmlns:p14="http://schemas.microsoft.com/office/powerpoint/2010/main" val="197425036"/>
       </p:ext>
     </p:extLst>
   </p:cSld>
@@ -7977,7 +9395,7 @@
                   <a:srgbClr val="00B0F0"/>
                 </a:solidFill>
               </a:rPr>
-              <a:t>ESP 8266</a:t>
+              <a:t>Aim for Today</a:t>
             </a:r>
             <a:endParaRPr lang="en-US" sz="3200" dirty="0">
               <a:solidFill>
@@ -8030,6 +9448,521 @@
           </a:p>
         </p:txBody>
       </p:sp>
+      <p:pic>
+        <p:nvPicPr>
+          <p:cNvPr id="6" name="Picture 5"/>
+          <p:cNvPicPr>
+            <a:picLocks noChangeAspect="1"/>
+          </p:cNvPicPr>
+          <p:nvPr/>
+        </p:nvPicPr>
+        <p:blipFill>
+          <a:blip r:embed="rId2"/>
+          <a:stretch>
+            <a:fillRect/>
+          </a:stretch>
+        </p:blipFill>
+        <p:spPr>
+          <a:xfrm>
+            <a:off x="467544" y="408935"/>
+            <a:ext cx="809945" cy="623850"/>
+          </a:xfrm>
+          <a:prstGeom prst="rect">
+            <a:avLst/>
+          </a:prstGeom>
+        </p:spPr>
+      </p:pic>
+      <p:pic>
+        <p:nvPicPr>
+          <p:cNvPr id="7" name="Picture 2" descr="https://developer.mbed.org/media/cache/components/components/18b20.jpg.200x200_q85.jpg"/>
+          <p:cNvPicPr>
+            <a:picLocks noChangeAspect="1" noChangeArrowheads="1"/>
+          </p:cNvPicPr>
+          <p:nvPr/>
+        </p:nvPicPr>
+        <p:blipFill>
+          <a:blip r:embed="rId3" cstate="print">
+            <a:extLst>
+              <a:ext uri="{28A0092B-C50C-407E-A947-70E740481C1C}">
+                <a14:useLocalDpi xmlns:a14="http://schemas.microsoft.com/office/drawing/2010/main" val="0"/>
+              </a:ext>
+            </a:extLst>
+          </a:blip>
+          <a:srcRect/>
+          <a:stretch>
+            <a:fillRect/>
+          </a:stretch>
+        </p:blipFill>
+        <p:spPr bwMode="auto">
+          <a:xfrm>
+            <a:off x="1214330" y="1439625"/>
+            <a:ext cx="675148" cy="722083"/>
+          </a:xfrm>
+          <a:prstGeom prst="rect">
+            <a:avLst/>
+          </a:prstGeom>
+          <a:noFill/>
+          <a:extLst>
+            <a:ext uri="{909E8E84-426E-40DD-AFC4-6F175D3DCCD1}">
+              <a14:hiddenFill xmlns:a14="http://schemas.microsoft.com/office/drawing/2010/main">
+                <a:solidFill>
+                  <a:srgbClr val="FFFFFF"/>
+                </a:solidFill>
+              </a14:hiddenFill>
+            </a:ext>
+          </a:extLst>
+        </p:spPr>
+      </p:pic>
+      <p:pic>
+        <p:nvPicPr>
+          <p:cNvPr id="8" name="Picture 7"/>
+          <p:cNvPicPr>
+            <a:picLocks noChangeAspect="1"/>
+          </p:cNvPicPr>
+          <p:nvPr/>
+        </p:nvPicPr>
+        <p:blipFill>
+          <a:blip r:embed="rId4" cstate="print">
+            <a:extLst>
+              <a:ext uri="{28A0092B-C50C-407E-A947-70E740481C1C}">
+                <a14:useLocalDpi xmlns:a14="http://schemas.microsoft.com/office/drawing/2010/main" val="0"/>
+              </a:ext>
+            </a:extLst>
+          </a:blip>
+          <a:stretch>
+            <a:fillRect/>
+          </a:stretch>
+        </p:blipFill>
+        <p:spPr>
+          <a:xfrm>
+            <a:off x="827584" y="2785246"/>
+            <a:ext cx="1974959" cy="1723874"/>
+          </a:xfrm>
+          <a:prstGeom prst="rect">
+            <a:avLst/>
+          </a:prstGeom>
+        </p:spPr>
+      </p:pic>
+      <p:pic>
+        <p:nvPicPr>
+          <p:cNvPr id="4" name="Picture 3"/>
+          <p:cNvPicPr>
+            <a:picLocks noChangeAspect="1"/>
+          </p:cNvPicPr>
+          <p:nvPr/>
+        </p:nvPicPr>
+        <p:blipFill>
+          <a:blip r:embed="rId5"/>
+          <a:stretch>
+            <a:fillRect/>
+          </a:stretch>
+        </p:blipFill>
+        <p:spPr>
+          <a:xfrm>
+            <a:off x="3851920" y="3215838"/>
+            <a:ext cx="4516610" cy="2661434"/>
+          </a:xfrm>
+          <a:prstGeom prst="rect">
+            <a:avLst/>
+          </a:prstGeom>
+        </p:spPr>
+      </p:pic>
+      <p:sp>
+        <p:nvSpPr>
+          <p:cNvPr id="9" name="Right Arrow 8"/>
+          <p:cNvSpPr/>
+          <p:nvPr/>
+        </p:nvSpPr>
+        <p:spPr>
+          <a:xfrm rot="5400000">
+            <a:off x="1125262" y="2412244"/>
+            <a:ext cx="755397" cy="391780"/>
+          </a:xfrm>
+          <a:prstGeom prst="rightArrow">
+            <a:avLst/>
+          </a:prstGeom>
+        </p:spPr>
+        <p:style>
+          <a:lnRef idx="2">
+            <a:schemeClr val="accent1">
+              <a:shade val="50000"/>
+            </a:schemeClr>
+          </a:lnRef>
+          <a:fillRef idx="1">
+            <a:schemeClr val="accent1"/>
+          </a:fillRef>
+          <a:effectRef idx="0">
+            <a:schemeClr val="accent1"/>
+          </a:effectRef>
+          <a:fontRef idx="minor">
+            <a:schemeClr val="lt1"/>
+          </a:fontRef>
+        </p:style>
+        <p:txBody>
+          <a:bodyPr rtlCol="0" anchor="ctr"/>
+          <a:lstStyle/>
+          <a:p>
+            <a:pPr algn="ctr"/>
+            <a:endParaRPr lang="en-US"/>
+          </a:p>
+        </p:txBody>
+      </p:sp>
+      <p:sp>
+        <p:nvSpPr>
+          <p:cNvPr id="10" name="Right Arrow 9"/>
+          <p:cNvSpPr/>
+          <p:nvPr/>
+        </p:nvSpPr>
+        <p:spPr>
+          <a:xfrm>
+            <a:off x="2195736" y="3933056"/>
+            <a:ext cx="1434576" cy="391780"/>
+          </a:xfrm>
+          <a:prstGeom prst="rightArrow">
+            <a:avLst/>
+          </a:prstGeom>
+        </p:spPr>
+        <p:style>
+          <a:lnRef idx="2">
+            <a:schemeClr val="accent1">
+              <a:shade val="50000"/>
+            </a:schemeClr>
+          </a:lnRef>
+          <a:fillRef idx="1">
+            <a:schemeClr val="accent1"/>
+          </a:fillRef>
+          <a:effectRef idx="0">
+            <a:schemeClr val="accent1"/>
+          </a:effectRef>
+          <a:fontRef idx="minor">
+            <a:schemeClr val="lt1"/>
+          </a:fontRef>
+        </p:style>
+        <p:txBody>
+          <a:bodyPr rtlCol="0" anchor="ctr"/>
+          <a:lstStyle/>
+          <a:p>
+            <a:pPr algn="ctr"/>
+            <a:endParaRPr lang="en-US"/>
+          </a:p>
+        </p:txBody>
+      </p:sp>
+      <p:sp>
+        <p:nvSpPr>
+          <p:cNvPr id="11" name="TextBox 10"/>
+          <p:cNvSpPr txBox="1"/>
+          <p:nvPr/>
+        </p:nvSpPr>
+        <p:spPr>
+          <a:xfrm>
+            <a:off x="1650912" y="1523063"/>
+            <a:ext cx="720080" cy="369332"/>
+          </a:xfrm>
+          <a:prstGeom prst="rect">
+            <a:avLst/>
+          </a:prstGeom>
+          <a:noFill/>
+        </p:spPr>
+        <p:txBody>
+          <a:bodyPr wrap="square" rtlCol="0">
+            <a:spAutoFit/>
+          </a:bodyPr>
+          <a:lstStyle/>
+          <a:p>
+            <a:r>
+              <a:rPr lang="cs-CZ" dirty="0" smtClean="0"/>
+              <a:t>°</a:t>
+            </a:r>
+            <a:r>
+              <a:rPr lang="en-US" dirty="0" smtClean="0"/>
+              <a:t>C</a:t>
+            </a:r>
+            <a:endParaRPr lang="en-US" dirty="0"/>
+          </a:p>
+        </p:txBody>
+      </p:sp>
+      <p:pic>
+        <p:nvPicPr>
+          <p:cNvPr id="12" name="Picture 11"/>
+          <p:cNvPicPr>
+            <a:picLocks noChangeAspect="1"/>
+          </p:cNvPicPr>
+          <p:nvPr/>
+        </p:nvPicPr>
+        <p:blipFill>
+          <a:blip r:embed="rId6"/>
+          <a:stretch>
+            <a:fillRect/>
+          </a:stretch>
+        </p:blipFill>
+        <p:spPr>
+          <a:xfrm>
+            <a:off x="6153232" y="5381786"/>
+            <a:ext cx="2235192" cy="492654"/>
+          </a:xfrm>
+          <a:prstGeom prst="rect">
+            <a:avLst/>
+          </a:prstGeom>
+        </p:spPr>
+      </p:pic>
+    </p:spTree>
+    <p:extLst>
+      <p:ext uri="{BB962C8B-B14F-4D97-AF65-F5344CB8AC3E}">
+        <p14:creationId xmlns:p14="http://schemas.microsoft.com/office/powerpoint/2010/main" val="2621200559"/>
+      </p:ext>
+    </p:extLst>
+  </p:cSld>
+  <p:clrMapOvr>
+    <a:masterClrMapping/>
+  </p:clrMapOvr>
+  <p:timing>
+    <p:tnLst>
+      <p:par>
+        <p:cTn id="1" dur="indefinite" restart="never" nodeType="tmRoot"/>
+      </p:par>
+    </p:tnLst>
+  </p:timing>
+</p:sld>
+</file>
+
+<file path=ppt/slides/slide20.xml><?xml version="1.0" encoding="utf-8"?>
+<p:sld xmlns:a="http://schemas.openxmlformats.org/drawingml/2006/main" xmlns:r="http://schemas.openxmlformats.org/officeDocument/2006/relationships" xmlns:p="http://schemas.openxmlformats.org/presentationml/2006/main">
+  <p:cSld>
+    <p:spTree>
+      <p:nvGrpSpPr>
+        <p:cNvPr id="1" name=""/>
+        <p:cNvGrpSpPr/>
+        <p:nvPr/>
+      </p:nvGrpSpPr>
+      <p:grpSpPr>
+        <a:xfrm>
+          <a:off x="0" y="0"/>
+          <a:ext cx="0" cy="0"/>
+          <a:chOff x="0" y="0"/>
+          <a:chExt cx="0" cy="0"/>
+        </a:xfrm>
+      </p:grpSpPr>
+      <p:sp>
+        <p:nvSpPr>
+          <p:cNvPr id="2" name="Subtitle 2"/>
+          <p:cNvSpPr txBox="1">
+            <a:spLocks/>
+          </p:cNvSpPr>
+          <p:nvPr/>
+        </p:nvSpPr>
+        <p:spPr>
+          <a:xfrm>
+            <a:off x="1547664" y="332656"/>
+            <a:ext cx="7264896" cy="776408"/>
+          </a:xfrm>
+          <a:prstGeom prst="rect">
+            <a:avLst/>
+          </a:prstGeom>
+        </p:spPr>
+        <p:txBody>
+          <a:bodyPr vert="horz" lIns="91440" tIns="45720" rIns="91440" bIns="45720" rtlCol="0" anchor="ctr">
+            <a:normAutofit/>
+          </a:bodyPr>
+          <a:lstStyle>
+            <a:lvl1pPr indent="0" algn="ctr">
+              <a:spcBef>
+                <a:spcPct val="20000"/>
+              </a:spcBef>
+              <a:buFont typeface="Arial" panose="020B0604020202020204" pitchFamily="34" charset="0"/>
+              <a:buNone/>
+              <a:defRPr sz="3000" b="1">
+                <a:solidFill>
+                  <a:schemeClr val="tx1">
+                    <a:tint val="75000"/>
+                  </a:schemeClr>
+                </a:solidFill>
+                <a:latin typeface="Tahoma" panose="020B0604030504040204" pitchFamily="34" charset="0"/>
+                <a:ea typeface="Tahoma" panose="020B0604030504040204" pitchFamily="34" charset="0"/>
+                <a:cs typeface="Tahoma" panose="020B0604030504040204" pitchFamily="34" charset="0"/>
+              </a:defRPr>
+            </a:lvl1pPr>
+            <a:lvl2pPr indent="0" algn="ctr">
+              <a:spcBef>
+                <a:spcPct val="20000"/>
+              </a:spcBef>
+              <a:buFont typeface="Arial" panose="020B0604020202020204" pitchFamily="34" charset="0"/>
+              <a:buNone/>
+              <a:defRPr sz="2800">
+                <a:solidFill>
+                  <a:schemeClr val="tx1">
+                    <a:tint val="75000"/>
+                  </a:schemeClr>
+                </a:solidFill>
+              </a:defRPr>
+            </a:lvl2pPr>
+            <a:lvl3pPr indent="0" algn="ctr">
+              <a:spcBef>
+                <a:spcPct val="20000"/>
+              </a:spcBef>
+              <a:buFont typeface="Arial" panose="020B0604020202020204" pitchFamily="34" charset="0"/>
+              <a:buNone/>
+              <a:defRPr sz="2400">
+                <a:solidFill>
+                  <a:schemeClr val="tx1">
+                    <a:tint val="75000"/>
+                  </a:schemeClr>
+                </a:solidFill>
+              </a:defRPr>
+            </a:lvl3pPr>
+            <a:lvl4pPr indent="0" algn="ctr">
+              <a:spcBef>
+                <a:spcPct val="20000"/>
+              </a:spcBef>
+              <a:buFont typeface="Arial" panose="020B0604020202020204" pitchFamily="34" charset="0"/>
+              <a:buNone/>
+              <a:defRPr sz="2000">
+                <a:solidFill>
+                  <a:schemeClr val="tx1">
+                    <a:tint val="75000"/>
+                  </a:schemeClr>
+                </a:solidFill>
+              </a:defRPr>
+            </a:lvl4pPr>
+            <a:lvl5pPr indent="0" algn="ctr">
+              <a:spcBef>
+                <a:spcPct val="20000"/>
+              </a:spcBef>
+              <a:buFont typeface="Arial" panose="020B0604020202020204" pitchFamily="34" charset="0"/>
+              <a:buNone/>
+              <a:defRPr sz="2000">
+                <a:solidFill>
+                  <a:schemeClr val="tx1">
+                    <a:tint val="75000"/>
+                  </a:schemeClr>
+                </a:solidFill>
+              </a:defRPr>
+            </a:lvl5pPr>
+            <a:lvl6pPr indent="0" algn="ctr">
+              <a:spcBef>
+                <a:spcPct val="20000"/>
+              </a:spcBef>
+              <a:buFont typeface="Arial" panose="020B0604020202020204" pitchFamily="34" charset="0"/>
+              <a:buNone/>
+              <a:defRPr sz="2000">
+                <a:solidFill>
+                  <a:schemeClr val="tx1">
+                    <a:tint val="75000"/>
+                  </a:schemeClr>
+                </a:solidFill>
+              </a:defRPr>
+            </a:lvl6pPr>
+            <a:lvl7pPr indent="0" algn="ctr">
+              <a:spcBef>
+                <a:spcPct val="20000"/>
+              </a:spcBef>
+              <a:buFont typeface="Arial" panose="020B0604020202020204" pitchFamily="34" charset="0"/>
+              <a:buNone/>
+              <a:defRPr sz="2000">
+                <a:solidFill>
+                  <a:schemeClr val="tx1">
+                    <a:tint val="75000"/>
+                  </a:schemeClr>
+                </a:solidFill>
+              </a:defRPr>
+            </a:lvl7pPr>
+            <a:lvl8pPr indent="0" algn="ctr">
+              <a:spcBef>
+                <a:spcPct val="20000"/>
+              </a:spcBef>
+              <a:buFont typeface="Arial" panose="020B0604020202020204" pitchFamily="34" charset="0"/>
+              <a:buNone/>
+              <a:defRPr sz="2000">
+                <a:solidFill>
+                  <a:schemeClr val="tx1">
+                    <a:tint val="75000"/>
+                  </a:schemeClr>
+                </a:solidFill>
+              </a:defRPr>
+            </a:lvl8pPr>
+            <a:lvl9pPr indent="0" algn="ctr">
+              <a:spcBef>
+                <a:spcPct val="20000"/>
+              </a:spcBef>
+              <a:buFont typeface="Arial" panose="020B0604020202020204" pitchFamily="34" charset="0"/>
+              <a:buNone/>
+              <a:defRPr sz="2000">
+                <a:solidFill>
+                  <a:schemeClr val="tx1">
+                    <a:tint val="75000"/>
+                  </a:schemeClr>
+                </a:solidFill>
+              </a:defRPr>
+            </a:lvl9pPr>
+          </a:lstStyle>
+          <a:p>
+            <a:pPr algn="l"/>
+            <a:r>
+              <a:rPr lang="en-US" sz="3200" dirty="0" smtClean="0">
+                <a:solidFill>
+                  <a:srgbClr val="00B0F0"/>
+                </a:solidFill>
+              </a:rPr>
+              <a:t>Get Started </a:t>
+            </a:r>
+            <a:r>
+              <a:rPr lang="en-US" sz="3200" dirty="0" smtClean="0">
+                <a:solidFill>
+                  <a:srgbClr val="00B0F0"/>
+                </a:solidFill>
+              </a:rPr>
+              <a:t>on Mac OS X</a:t>
+            </a:r>
+            <a:endParaRPr lang="en-US" sz="3200" dirty="0">
+              <a:solidFill>
+                <a:srgbClr val="00B0F0"/>
+              </a:solidFill>
+            </a:endParaRPr>
+          </a:p>
+        </p:txBody>
+      </p:sp>
+      <p:sp>
+        <p:nvSpPr>
+          <p:cNvPr id="3" name="Rectangle 2"/>
+          <p:cNvSpPr/>
+          <p:nvPr/>
+        </p:nvSpPr>
+        <p:spPr>
+          <a:xfrm>
+            <a:off x="2636" y="6309320"/>
+            <a:ext cx="9141365" cy="551206"/>
+          </a:xfrm>
+          <a:prstGeom prst="rect">
+            <a:avLst/>
+          </a:prstGeom>
+          <a:ln>
+            <a:noFill/>
+          </a:ln>
+        </p:spPr>
+        <p:style>
+          <a:lnRef idx="2">
+            <a:schemeClr val="accent1">
+              <a:shade val="50000"/>
+            </a:schemeClr>
+          </a:lnRef>
+          <a:fillRef idx="1">
+            <a:schemeClr val="accent1"/>
+          </a:fillRef>
+          <a:effectRef idx="0">
+            <a:schemeClr val="accent1"/>
+          </a:effectRef>
+          <a:fontRef idx="minor">
+            <a:schemeClr val="lt1"/>
+          </a:fontRef>
+        </p:style>
+        <p:txBody>
+          <a:bodyPr rtlCol="0" anchor="ctr"/>
+          <a:lstStyle/>
+          <a:p>
+            <a:pPr algn="ctr"/>
+            <a:endParaRPr lang="en-US"/>
+          </a:p>
+        </p:txBody>
+      </p:sp>
       <p:sp>
         <p:nvSpPr>
           <p:cNvPr id="5" name="Subtitle 2"/>
@@ -8188,28 +10121,612 @@
               <a:buChar char="o"/>
             </a:pPr>
             <a:r>
-              <a:rPr lang="en-US" sz="2400" b="0" dirty="0" smtClean="0"/>
-              <a:t>T</a:t>
-            </a:r>
-            <a:r>
-              <a:rPr lang="en-US" sz="2400" b="0" dirty="0" smtClean="0">
-                <a:solidFill>
-                  <a:srgbClr val="898989"/>
-                </a:solidFill>
+              <a:rPr lang="en-US" sz="2200" b="0" dirty="0" smtClean="0"/>
+              <a:t>Tutorial</a:t>
+            </a:r>
+          </a:p>
+          <a:p>
+            <a:pPr lvl="1" algn="l"/>
+            <a:r>
+              <a:rPr lang="en-US" sz="2000" b="0" dirty="0" smtClean="0">
+                <a:hlinkClick r:id="rId2"/>
               </a:rPr>
-              <a:t>ex</a:t>
-            </a:r>
-            <a:r>
-              <a:rPr lang="en-US" sz="2400" b="0" dirty="0" smtClean="0"/>
-              <a:t>t</a:t>
-            </a:r>
+              <a:t>https</a:t>
+            </a:r>
+            <a:r>
+              <a:rPr lang="en-US" sz="2000" b="0" dirty="0">
+                <a:hlinkClick r:id="rId2"/>
+              </a:rPr>
+              <a:t>://</a:t>
+            </a:r>
+            <a:r>
+              <a:rPr lang="en-US" sz="2000" b="0" dirty="0" smtClean="0">
+                <a:hlinkClick r:id="rId2"/>
+              </a:rPr>
+              <a:t>github.com/nodemcu/nodemcu-devkit/wiki/Getting-Started-on-OSX</a:t>
+            </a:r>
+            <a:endParaRPr lang="en-US" sz="2000" b="0" dirty="0" smtClean="0"/>
           </a:p>
           <a:p>
             <a:pPr marL="914400" lvl="1" indent="-457200" algn="l">
               <a:buFont typeface="Courier New" panose="02070309020205020404" pitchFamily="49" charset="0"/>
               <a:buChar char="o"/>
             </a:pPr>
-            <a:endParaRPr lang="en-US" sz="2200" b="0" dirty="0"/>
+            <a:r>
+              <a:rPr lang="en-US" sz="2000" dirty="0" smtClean="0"/>
+              <a:t>Install driver</a:t>
+            </a:r>
+          </a:p>
+          <a:p>
+            <a:pPr marL="914400" lvl="1" indent="-457200" algn="l">
+              <a:buFont typeface="Courier New" panose="02070309020205020404" pitchFamily="49" charset="0"/>
+              <a:buChar char="o"/>
+            </a:pPr>
+            <a:r>
+              <a:rPr lang="en-US" sz="2000" b="0" dirty="0" smtClean="0"/>
+              <a:t>Install </a:t>
+            </a:r>
+            <a:r>
+              <a:rPr lang="en-US" sz="2000" b="0" dirty="0" err="1" smtClean="0"/>
+              <a:t>ESPlorer</a:t>
+            </a:r>
+            <a:endParaRPr lang="en-US" sz="2000" dirty="0"/>
+          </a:p>
+          <a:p>
+            <a:pPr marL="914400" lvl="1" indent="-457200" algn="l">
+              <a:buFont typeface="Courier New" panose="02070309020205020404" pitchFamily="49" charset="0"/>
+              <a:buChar char="o"/>
+            </a:pPr>
+            <a:r>
+              <a:rPr lang="en-US" sz="2000" dirty="0" smtClean="0"/>
+              <a:t>Install python</a:t>
+            </a:r>
+          </a:p>
+          <a:p>
+            <a:pPr marL="914400" lvl="1" indent="-457200" algn="l">
+              <a:buFont typeface="Courier New" panose="02070309020205020404" pitchFamily="49" charset="0"/>
+              <a:buChar char="o"/>
+            </a:pPr>
+            <a:r>
+              <a:rPr lang="en-US" sz="2000" b="0" dirty="0" smtClean="0"/>
+              <a:t>Install </a:t>
+            </a:r>
+            <a:r>
+              <a:rPr lang="en-US" sz="2000" b="0" dirty="0" err="1" smtClean="0"/>
+              <a:t>esptool</a:t>
+            </a:r>
+            <a:endParaRPr lang="en-US" sz="2000" b="0" dirty="0" smtClean="0"/>
+          </a:p>
+          <a:p>
+            <a:pPr marL="457200" indent="-457200" algn="l">
+              <a:buFont typeface="Courier New" panose="02070309020205020404" pitchFamily="49" charset="0"/>
+              <a:buChar char="o"/>
+            </a:pPr>
+            <a:endParaRPr lang="en-US" sz="2400" b="0" dirty="0"/>
+          </a:p>
+          <a:p>
+            <a:pPr marL="457200" indent="-457200" algn="l">
+              <a:buFont typeface="Courier New" panose="02070309020205020404" pitchFamily="49" charset="0"/>
+              <a:buChar char="o"/>
+            </a:pPr>
+            <a:r>
+              <a:rPr lang="en-US" sz="2400" b="0" dirty="0" smtClean="0"/>
+              <a:t>Driver:</a:t>
+            </a:r>
+          </a:p>
+          <a:p>
+            <a:pPr lvl="1" algn="l"/>
+            <a:r>
+              <a:rPr lang="en-US" sz="2200" b="0" dirty="0" smtClean="0">
+                <a:hlinkClick r:id="rId3"/>
+              </a:rPr>
+              <a:t>http</a:t>
+            </a:r>
+            <a:r>
+              <a:rPr lang="en-US" sz="2200" b="0" dirty="0">
+                <a:hlinkClick r:id="rId3"/>
+              </a:rPr>
+              <a:t>://</a:t>
+            </a:r>
+            <a:r>
+              <a:rPr lang="en-US" sz="2200" b="0" dirty="0" smtClean="0">
+                <a:hlinkClick r:id="rId3"/>
+              </a:rPr>
+              <a:t>www.prolific.com.tw/US/ShowProduct.aspx?p_id=229&amp;pcid=41</a:t>
+            </a:r>
+            <a:endParaRPr lang="en-US" sz="2200" b="0" dirty="0" smtClean="0"/>
+          </a:p>
+          <a:p>
+            <a:pPr marL="457200" indent="-457200" algn="l">
+              <a:buFont typeface="Courier New" panose="02070309020205020404" pitchFamily="49" charset="0"/>
+              <a:buChar char="o"/>
+            </a:pPr>
+            <a:endParaRPr lang="en-US" sz="2400" b="0" dirty="0" smtClean="0"/>
+          </a:p>
+        </p:txBody>
+      </p:sp>
+      <p:pic>
+        <p:nvPicPr>
+          <p:cNvPr id="6" name="Picture 5"/>
+          <p:cNvPicPr>
+            <a:picLocks noChangeAspect="1"/>
+          </p:cNvPicPr>
+          <p:nvPr/>
+        </p:nvPicPr>
+        <p:blipFill>
+          <a:blip r:embed="rId4"/>
+          <a:stretch>
+            <a:fillRect/>
+          </a:stretch>
+        </p:blipFill>
+        <p:spPr>
+          <a:xfrm>
+            <a:off x="467544" y="408935"/>
+            <a:ext cx="809945" cy="623850"/>
+          </a:xfrm>
+          <a:prstGeom prst="rect">
+            <a:avLst/>
+          </a:prstGeom>
+        </p:spPr>
+      </p:pic>
+    </p:spTree>
+    <p:extLst>
+      <p:ext uri="{BB962C8B-B14F-4D97-AF65-F5344CB8AC3E}">
+        <p14:creationId xmlns:p14="http://schemas.microsoft.com/office/powerpoint/2010/main" val="229410286"/>
+      </p:ext>
+    </p:extLst>
+  </p:cSld>
+  <p:clrMapOvr>
+    <a:masterClrMapping/>
+  </p:clrMapOvr>
+  <p:timing>
+    <p:tnLst>
+      <p:par>
+        <p:cTn id="1" dur="indefinite" restart="never" nodeType="tmRoot"/>
+      </p:par>
+    </p:tnLst>
+  </p:timing>
+</p:sld>
+</file>
+
+<file path=ppt/slides/slide21.xml><?xml version="1.0" encoding="utf-8"?>
+<p:sld xmlns:a="http://schemas.openxmlformats.org/drawingml/2006/main" xmlns:r="http://schemas.openxmlformats.org/officeDocument/2006/relationships" xmlns:p="http://schemas.openxmlformats.org/presentationml/2006/main">
+  <p:cSld>
+    <p:spTree>
+      <p:nvGrpSpPr>
+        <p:cNvPr id="1" name=""/>
+        <p:cNvGrpSpPr/>
+        <p:nvPr/>
+      </p:nvGrpSpPr>
+      <p:grpSpPr>
+        <a:xfrm>
+          <a:off x="0" y="0"/>
+          <a:ext cx="0" cy="0"/>
+          <a:chOff x="0" y="0"/>
+          <a:chExt cx="0" cy="0"/>
+        </a:xfrm>
+      </p:grpSpPr>
+      <p:sp>
+        <p:nvSpPr>
+          <p:cNvPr id="2" name="Subtitle 2"/>
+          <p:cNvSpPr txBox="1">
+            <a:spLocks/>
+          </p:cNvSpPr>
+          <p:nvPr/>
+        </p:nvSpPr>
+        <p:spPr>
+          <a:xfrm>
+            <a:off x="1547664" y="332656"/>
+            <a:ext cx="7264896" cy="776408"/>
+          </a:xfrm>
+          <a:prstGeom prst="rect">
+            <a:avLst/>
+          </a:prstGeom>
+        </p:spPr>
+        <p:txBody>
+          <a:bodyPr vert="horz" lIns="91440" tIns="45720" rIns="91440" bIns="45720" rtlCol="0" anchor="ctr">
+            <a:normAutofit/>
+          </a:bodyPr>
+          <a:lstStyle>
+            <a:lvl1pPr indent="0" algn="ctr">
+              <a:spcBef>
+                <a:spcPct val="20000"/>
+              </a:spcBef>
+              <a:buFont typeface="Arial" panose="020B0604020202020204" pitchFamily="34" charset="0"/>
+              <a:buNone/>
+              <a:defRPr sz="3000" b="1">
+                <a:solidFill>
+                  <a:schemeClr val="tx1">
+                    <a:tint val="75000"/>
+                  </a:schemeClr>
+                </a:solidFill>
+                <a:latin typeface="Tahoma" panose="020B0604030504040204" pitchFamily="34" charset="0"/>
+                <a:ea typeface="Tahoma" panose="020B0604030504040204" pitchFamily="34" charset="0"/>
+                <a:cs typeface="Tahoma" panose="020B0604030504040204" pitchFamily="34" charset="0"/>
+              </a:defRPr>
+            </a:lvl1pPr>
+            <a:lvl2pPr indent="0" algn="ctr">
+              <a:spcBef>
+                <a:spcPct val="20000"/>
+              </a:spcBef>
+              <a:buFont typeface="Arial" panose="020B0604020202020204" pitchFamily="34" charset="0"/>
+              <a:buNone/>
+              <a:defRPr sz="2800">
+                <a:solidFill>
+                  <a:schemeClr val="tx1">
+                    <a:tint val="75000"/>
+                  </a:schemeClr>
+                </a:solidFill>
+              </a:defRPr>
+            </a:lvl2pPr>
+            <a:lvl3pPr indent="0" algn="ctr">
+              <a:spcBef>
+                <a:spcPct val="20000"/>
+              </a:spcBef>
+              <a:buFont typeface="Arial" panose="020B0604020202020204" pitchFamily="34" charset="0"/>
+              <a:buNone/>
+              <a:defRPr sz="2400">
+                <a:solidFill>
+                  <a:schemeClr val="tx1">
+                    <a:tint val="75000"/>
+                  </a:schemeClr>
+                </a:solidFill>
+              </a:defRPr>
+            </a:lvl3pPr>
+            <a:lvl4pPr indent="0" algn="ctr">
+              <a:spcBef>
+                <a:spcPct val="20000"/>
+              </a:spcBef>
+              <a:buFont typeface="Arial" panose="020B0604020202020204" pitchFamily="34" charset="0"/>
+              <a:buNone/>
+              <a:defRPr sz="2000">
+                <a:solidFill>
+                  <a:schemeClr val="tx1">
+                    <a:tint val="75000"/>
+                  </a:schemeClr>
+                </a:solidFill>
+              </a:defRPr>
+            </a:lvl4pPr>
+            <a:lvl5pPr indent="0" algn="ctr">
+              <a:spcBef>
+                <a:spcPct val="20000"/>
+              </a:spcBef>
+              <a:buFont typeface="Arial" panose="020B0604020202020204" pitchFamily="34" charset="0"/>
+              <a:buNone/>
+              <a:defRPr sz="2000">
+                <a:solidFill>
+                  <a:schemeClr val="tx1">
+                    <a:tint val="75000"/>
+                  </a:schemeClr>
+                </a:solidFill>
+              </a:defRPr>
+            </a:lvl5pPr>
+            <a:lvl6pPr indent="0" algn="ctr">
+              <a:spcBef>
+                <a:spcPct val="20000"/>
+              </a:spcBef>
+              <a:buFont typeface="Arial" panose="020B0604020202020204" pitchFamily="34" charset="0"/>
+              <a:buNone/>
+              <a:defRPr sz="2000">
+                <a:solidFill>
+                  <a:schemeClr val="tx1">
+                    <a:tint val="75000"/>
+                  </a:schemeClr>
+                </a:solidFill>
+              </a:defRPr>
+            </a:lvl6pPr>
+            <a:lvl7pPr indent="0" algn="ctr">
+              <a:spcBef>
+                <a:spcPct val="20000"/>
+              </a:spcBef>
+              <a:buFont typeface="Arial" panose="020B0604020202020204" pitchFamily="34" charset="0"/>
+              <a:buNone/>
+              <a:defRPr sz="2000">
+                <a:solidFill>
+                  <a:schemeClr val="tx1">
+                    <a:tint val="75000"/>
+                  </a:schemeClr>
+                </a:solidFill>
+              </a:defRPr>
+            </a:lvl7pPr>
+            <a:lvl8pPr indent="0" algn="ctr">
+              <a:spcBef>
+                <a:spcPct val="20000"/>
+              </a:spcBef>
+              <a:buFont typeface="Arial" panose="020B0604020202020204" pitchFamily="34" charset="0"/>
+              <a:buNone/>
+              <a:defRPr sz="2000">
+                <a:solidFill>
+                  <a:schemeClr val="tx1">
+                    <a:tint val="75000"/>
+                  </a:schemeClr>
+                </a:solidFill>
+              </a:defRPr>
+            </a:lvl8pPr>
+            <a:lvl9pPr indent="0" algn="ctr">
+              <a:spcBef>
+                <a:spcPct val="20000"/>
+              </a:spcBef>
+              <a:buFont typeface="Arial" panose="020B0604020202020204" pitchFamily="34" charset="0"/>
+              <a:buNone/>
+              <a:defRPr sz="2000">
+                <a:solidFill>
+                  <a:schemeClr val="tx1">
+                    <a:tint val="75000"/>
+                  </a:schemeClr>
+                </a:solidFill>
+              </a:defRPr>
+            </a:lvl9pPr>
+          </a:lstStyle>
+          <a:p>
+            <a:pPr algn="l"/>
+            <a:r>
+              <a:rPr lang="en-US" sz="3200" dirty="0" smtClean="0">
+                <a:solidFill>
+                  <a:srgbClr val="00B0F0"/>
+                </a:solidFill>
+              </a:rPr>
+              <a:t>Arduino IDE</a:t>
+            </a:r>
+            <a:endParaRPr lang="en-US" sz="3200" dirty="0">
+              <a:solidFill>
+                <a:srgbClr val="00B0F0"/>
+              </a:solidFill>
+            </a:endParaRPr>
+          </a:p>
+        </p:txBody>
+      </p:sp>
+      <p:sp>
+        <p:nvSpPr>
+          <p:cNvPr id="3" name="Rectangle 2"/>
+          <p:cNvSpPr/>
+          <p:nvPr/>
+        </p:nvSpPr>
+        <p:spPr>
+          <a:xfrm>
+            <a:off x="2636" y="6309320"/>
+            <a:ext cx="9141365" cy="551206"/>
+          </a:xfrm>
+          <a:prstGeom prst="rect">
+            <a:avLst/>
+          </a:prstGeom>
+          <a:ln>
+            <a:noFill/>
+          </a:ln>
+        </p:spPr>
+        <p:style>
+          <a:lnRef idx="2">
+            <a:schemeClr val="accent1">
+              <a:shade val="50000"/>
+            </a:schemeClr>
+          </a:lnRef>
+          <a:fillRef idx="1">
+            <a:schemeClr val="accent1"/>
+          </a:fillRef>
+          <a:effectRef idx="0">
+            <a:schemeClr val="accent1"/>
+          </a:effectRef>
+          <a:fontRef idx="minor">
+            <a:schemeClr val="lt1"/>
+          </a:fontRef>
+        </p:style>
+        <p:txBody>
+          <a:bodyPr rtlCol="0" anchor="ctr"/>
+          <a:lstStyle/>
+          <a:p>
+            <a:pPr algn="ctr"/>
+            <a:endParaRPr lang="en-US"/>
+          </a:p>
+        </p:txBody>
+      </p:sp>
+      <p:sp>
+        <p:nvSpPr>
+          <p:cNvPr id="5" name="Subtitle 2"/>
+          <p:cNvSpPr txBox="1">
+            <a:spLocks/>
+          </p:cNvSpPr>
+          <p:nvPr/>
+        </p:nvSpPr>
+        <p:spPr>
+          <a:xfrm>
+            <a:off x="611560" y="1304764"/>
+            <a:ext cx="8084999" cy="5004556"/>
+          </a:xfrm>
+          <a:prstGeom prst="rect">
+            <a:avLst/>
+          </a:prstGeom>
+        </p:spPr>
+        <p:txBody>
+          <a:bodyPr vert="horz" lIns="91440" tIns="45720" rIns="91440" bIns="45720" rtlCol="0" anchor="t">
+            <a:normAutofit/>
+          </a:bodyPr>
+          <a:lstStyle>
+            <a:lvl1pPr indent="0" algn="ctr">
+              <a:spcBef>
+                <a:spcPct val="20000"/>
+              </a:spcBef>
+              <a:buFont typeface="Arial" panose="020B0604020202020204" pitchFamily="34" charset="0"/>
+              <a:buNone/>
+              <a:defRPr sz="3000" b="1">
+                <a:solidFill>
+                  <a:schemeClr val="tx1">
+                    <a:tint val="75000"/>
+                  </a:schemeClr>
+                </a:solidFill>
+                <a:latin typeface="Tahoma" panose="020B0604030504040204" pitchFamily="34" charset="0"/>
+                <a:ea typeface="Tahoma" panose="020B0604030504040204" pitchFamily="34" charset="0"/>
+                <a:cs typeface="Tahoma" panose="020B0604030504040204" pitchFamily="34" charset="0"/>
+              </a:defRPr>
+            </a:lvl1pPr>
+            <a:lvl2pPr indent="0" algn="ctr">
+              <a:spcBef>
+                <a:spcPct val="20000"/>
+              </a:spcBef>
+              <a:buFont typeface="Arial" panose="020B0604020202020204" pitchFamily="34" charset="0"/>
+              <a:buNone/>
+              <a:defRPr sz="2800">
+                <a:solidFill>
+                  <a:schemeClr val="tx1">
+                    <a:tint val="75000"/>
+                  </a:schemeClr>
+                </a:solidFill>
+              </a:defRPr>
+            </a:lvl2pPr>
+            <a:lvl3pPr indent="0" algn="ctr">
+              <a:spcBef>
+                <a:spcPct val="20000"/>
+              </a:spcBef>
+              <a:buFont typeface="Arial" panose="020B0604020202020204" pitchFamily="34" charset="0"/>
+              <a:buNone/>
+              <a:defRPr sz="2400">
+                <a:solidFill>
+                  <a:schemeClr val="tx1">
+                    <a:tint val="75000"/>
+                  </a:schemeClr>
+                </a:solidFill>
+              </a:defRPr>
+            </a:lvl3pPr>
+            <a:lvl4pPr indent="0" algn="ctr">
+              <a:spcBef>
+                <a:spcPct val="20000"/>
+              </a:spcBef>
+              <a:buFont typeface="Arial" panose="020B0604020202020204" pitchFamily="34" charset="0"/>
+              <a:buNone/>
+              <a:defRPr sz="2000">
+                <a:solidFill>
+                  <a:schemeClr val="tx1">
+                    <a:tint val="75000"/>
+                  </a:schemeClr>
+                </a:solidFill>
+              </a:defRPr>
+            </a:lvl4pPr>
+            <a:lvl5pPr indent="0" algn="ctr">
+              <a:spcBef>
+                <a:spcPct val="20000"/>
+              </a:spcBef>
+              <a:buFont typeface="Arial" panose="020B0604020202020204" pitchFamily="34" charset="0"/>
+              <a:buNone/>
+              <a:defRPr sz="2000">
+                <a:solidFill>
+                  <a:schemeClr val="tx1">
+                    <a:tint val="75000"/>
+                  </a:schemeClr>
+                </a:solidFill>
+              </a:defRPr>
+            </a:lvl5pPr>
+            <a:lvl6pPr indent="0" algn="ctr">
+              <a:spcBef>
+                <a:spcPct val="20000"/>
+              </a:spcBef>
+              <a:buFont typeface="Arial" panose="020B0604020202020204" pitchFamily="34" charset="0"/>
+              <a:buNone/>
+              <a:defRPr sz="2000">
+                <a:solidFill>
+                  <a:schemeClr val="tx1">
+                    <a:tint val="75000"/>
+                  </a:schemeClr>
+                </a:solidFill>
+              </a:defRPr>
+            </a:lvl6pPr>
+            <a:lvl7pPr indent="0" algn="ctr">
+              <a:spcBef>
+                <a:spcPct val="20000"/>
+              </a:spcBef>
+              <a:buFont typeface="Arial" panose="020B0604020202020204" pitchFamily="34" charset="0"/>
+              <a:buNone/>
+              <a:defRPr sz="2000">
+                <a:solidFill>
+                  <a:schemeClr val="tx1">
+                    <a:tint val="75000"/>
+                  </a:schemeClr>
+                </a:solidFill>
+              </a:defRPr>
+            </a:lvl7pPr>
+            <a:lvl8pPr indent="0" algn="ctr">
+              <a:spcBef>
+                <a:spcPct val="20000"/>
+              </a:spcBef>
+              <a:buFont typeface="Arial" panose="020B0604020202020204" pitchFamily="34" charset="0"/>
+              <a:buNone/>
+              <a:defRPr sz="2000">
+                <a:solidFill>
+                  <a:schemeClr val="tx1">
+                    <a:tint val="75000"/>
+                  </a:schemeClr>
+                </a:solidFill>
+              </a:defRPr>
+            </a:lvl8pPr>
+            <a:lvl9pPr indent="0" algn="ctr">
+              <a:spcBef>
+                <a:spcPct val="20000"/>
+              </a:spcBef>
+              <a:buFont typeface="Arial" panose="020B0604020202020204" pitchFamily="34" charset="0"/>
+              <a:buNone/>
+              <a:defRPr sz="2000">
+                <a:solidFill>
+                  <a:schemeClr val="tx1">
+                    <a:tint val="75000"/>
+                  </a:schemeClr>
+                </a:solidFill>
+              </a:defRPr>
+            </a:lvl9pPr>
+          </a:lstStyle>
+          <a:p>
+            <a:pPr marL="457200" indent="-457200" algn="l">
+              <a:buFont typeface="Courier New" panose="02070309020205020404" pitchFamily="49" charset="0"/>
+              <a:buChar char="o"/>
+            </a:pPr>
+            <a:r>
+              <a:rPr lang="en-US" sz="2400" b="0" dirty="0" smtClean="0"/>
+              <a:t>Install ESP 8266 support into Arduino IDE:</a:t>
+            </a:r>
+          </a:p>
+          <a:p>
+            <a:pPr lvl="1" algn="l"/>
+            <a:r>
+              <a:rPr lang="en-US" sz="2400" b="0" dirty="0" smtClean="0"/>
+              <a:t>https</a:t>
+            </a:r>
+            <a:r>
+              <a:rPr lang="en-US" sz="2400" b="0" dirty="0"/>
+              <a:t>://</a:t>
+            </a:r>
+            <a:r>
+              <a:rPr lang="en-US" sz="2400" b="0" dirty="0" smtClean="0"/>
+              <a:t>github.com/esp8266/Arduino</a:t>
+            </a:r>
+          </a:p>
+          <a:p>
+            <a:pPr marL="457200" indent="-457200" algn="l">
+              <a:buFont typeface="Courier New" panose="02070309020205020404" pitchFamily="49" charset="0"/>
+              <a:buChar char="o"/>
+            </a:pPr>
+            <a:endParaRPr lang="en-US" sz="2400" b="0" dirty="0"/>
+          </a:p>
+          <a:p>
+            <a:pPr marL="457200" indent="-457200" algn="l">
+              <a:buFont typeface="Courier New" panose="02070309020205020404" pitchFamily="49" charset="0"/>
+              <a:buChar char="o"/>
+            </a:pPr>
+            <a:r>
+              <a:rPr lang="en-US" sz="2400" b="0" dirty="0" smtClean="0"/>
+              <a:t>Build in + external libraries</a:t>
+            </a:r>
+          </a:p>
+          <a:p>
+            <a:pPr lvl="1" algn="l"/>
+            <a:r>
+              <a:rPr lang="cs-CZ" sz="2400" dirty="0"/>
+              <a:t>https://github.com/esp8266/Arduino/blob/master/doc/libraries.md</a:t>
+            </a:r>
+            <a:endParaRPr lang="cs-CZ" sz="2400" b="0" dirty="0"/>
+          </a:p>
+          <a:p>
+            <a:pPr marL="457200" indent="-457200" algn="l">
+              <a:buFont typeface="Courier New" panose="02070309020205020404" pitchFamily="49" charset="0"/>
+              <a:buChar char="o"/>
+            </a:pPr>
+            <a:endParaRPr lang="en-US" sz="2400" b="0" dirty="0"/>
           </a:p>
         </p:txBody>
       </p:sp>
@@ -8240,7 +10757,7 @@
     </p:spTree>
     <p:extLst>
       <p:ext uri="{BB962C8B-B14F-4D97-AF65-F5344CB8AC3E}">
-        <p14:creationId xmlns:p14="http://schemas.microsoft.com/office/powerpoint/2010/main" val="2621200559"/>
+        <p14:creationId xmlns:p14="http://schemas.microsoft.com/office/powerpoint/2010/main" val="3233665424"/>
       </p:ext>
     </p:extLst>
   </p:cSld>
@@ -8257,7 +10774,1804 @@
 </p:sld>
 </file>
 
+<file path=ppt/slides/slide22.xml><?xml version="1.0" encoding="utf-8"?>
+<p:sld xmlns:a="http://schemas.openxmlformats.org/drawingml/2006/main" xmlns:r="http://schemas.openxmlformats.org/officeDocument/2006/relationships" xmlns:p="http://schemas.openxmlformats.org/presentationml/2006/main">
+  <p:cSld>
+    <p:spTree>
+      <p:nvGrpSpPr>
+        <p:cNvPr id="1" name=""/>
+        <p:cNvGrpSpPr/>
+        <p:nvPr/>
+      </p:nvGrpSpPr>
+      <p:grpSpPr>
+        <a:xfrm>
+          <a:off x="0" y="0"/>
+          <a:ext cx="0" cy="0"/>
+          <a:chOff x="0" y="0"/>
+          <a:chExt cx="0" cy="0"/>
+        </a:xfrm>
+      </p:grpSpPr>
+      <p:sp>
+        <p:nvSpPr>
+          <p:cNvPr id="2" name="Subtitle 2"/>
+          <p:cNvSpPr txBox="1">
+            <a:spLocks/>
+          </p:cNvSpPr>
+          <p:nvPr/>
+        </p:nvSpPr>
+        <p:spPr>
+          <a:xfrm>
+            <a:off x="1547664" y="332656"/>
+            <a:ext cx="7264896" cy="776408"/>
+          </a:xfrm>
+          <a:prstGeom prst="rect">
+            <a:avLst/>
+          </a:prstGeom>
+        </p:spPr>
+        <p:txBody>
+          <a:bodyPr vert="horz" lIns="91440" tIns="45720" rIns="91440" bIns="45720" rtlCol="0" anchor="ctr">
+            <a:normAutofit/>
+          </a:bodyPr>
+          <a:lstStyle>
+            <a:lvl1pPr indent="0" algn="ctr">
+              <a:spcBef>
+                <a:spcPct val="20000"/>
+              </a:spcBef>
+              <a:buFont typeface="Arial" panose="020B0604020202020204" pitchFamily="34" charset="0"/>
+              <a:buNone/>
+              <a:defRPr sz="3000" b="1">
+                <a:solidFill>
+                  <a:schemeClr val="tx1">
+                    <a:tint val="75000"/>
+                  </a:schemeClr>
+                </a:solidFill>
+                <a:latin typeface="Tahoma" panose="020B0604030504040204" pitchFamily="34" charset="0"/>
+                <a:ea typeface="Tahoma" panose="020B0604030504040204" pitchFamily="34" charset="0"/>
+                <a:cs typeface="Tahoma" panose="020B0604030504040204" pitchFamily="34" charset="0"/>
+              </a:defRPr>
+            </a:lvl1pPr>
+            <a:lvl2pPr indent="0" algn="ctr">
+              <a:spcBef>
+                <a:spcPct val="20000"/>
+              </a:spcBef>
+              <a:buFont typeface="Arial" panose="020B0604020202020204" pitchFamily="34" charset="0"/>
+              <a:buNone/>
+              <a:defRPr sz="2800">
+                <a:solidFill>
+                  <a:schemeClr val="tx1">
+                    <a:tint val="75000"/>
+                  </a:schemeClr>
+                </a:solidFill>
+              </a:defRPr>
+            </a:lvl2pPr>
+            <a:lvl3pPr indent="0" algn="ctr">
+              <a:spcBef>
+                <a:spcPct val="20000"/>
+              </a:spcBef>
+              <a:buFont typeface="Arial" panose="020B0604020202020204" pitchFamily="34" charset="0"/>
+              <a:buNone/>
+              <a:defRPr sz="2400">
+                <a:solidFill>
+                  <a:schemeClr val="tx1">
+                    <a:tint val="75000"/>
+                  </a:schemeClr>
+                </a:solidFill>
+              </a:defRPr>
+            </a:lvl3pPr>
+            <a:lvl4pPr indent="0" algn="ctr">
+              <a:spcBef>
+                <a:spcPct val="20000"/>
+              </a:spcBef>
+              <a:buFont typeface="Arial" panose="020B0604020202020204" pitchFamily="34" charset="0"/>
+              <a:buNone/>
+              <a:defRPr sz="2000">
+                <a:solidFill>
+                  <a:schemeClr val="tx1">
+                    <a:tint val="75000"/>
+                  </a:schemeClr>
+                </a:solidFill>
+              </a:defRPr>
+            </a:lvl4pPr>
+            <a:lvl5pPr indent="0" algn="ctr">
+              <a:spcBef>
+                <a:spcPct val="20000"/>
+              </a:spcBef>
+              <a:buFont typeface="Arial" panose="020B0604020202020204" pitchFamily="34" charset="0"/>
+              <a:buNone/>
+              <a:defRPr sz="2000">
+                <a:solidFill>
+                  <a:schemeClr val="tx1">
+                    <a:tint val="75000"/>
+                  </a:schemeClr>
+                </a:solidFill>
+              </a:defRPr>
+            </a:lvl5pPr>
+            <a:lvl6pPr indent="0" algn="ctr">
+              <a:spcBef>
+                <a:spcPct val="20000"/>
+              </a:spcBef>
+              <a:buFont typeface="Arial" panose="020B0604020202020204" pitchFamily="34" charset="0"/>
+              <a:buNone/>
+              <a:defRPr sz="2000">
+                <a:solidFill>
+                  <a:schemeClr val="tx1">
+                    <a:tint val="75000"/>
+                  </a:schemeClr>
+                </a:solidFill>
+              </a:defRPr>
+            </a:lvl6pPr>
+            <a:lvl7pPr indent="0" algn="ctr">
+              <a:spcBef>
+                <a:spcPct val="20000"/>
+              </a:spcBef>
+              <a:buFont typeface="Arial" panose="020B0604020202020204" pitchFamily="34" charset="0"/>
+              <a:buNone/>
+              <a:defRPr sz="2000">
+                <a:solidFill>
+                  <a:schemeClr val="tx1">
+                    <a:tint val="75000"/>
+                  </a:schemeClr>
+                </a:solidFill>
+              </a:defRPr>
+            </a:lvl7pPr>
+            <a:lvl8pPr indent="0" algn="ctr">
+              <a:spcBef>
+                <a:spcPct val="20000"/>
+              </a:spcBef>
+              <a:buFont typeface="Arial" panose="020B0604020202020204" pitchFamily="34" charset="0"/>
+              <a:buNone/>
+              <a:defRPr sz="2000">
+                <a:solidFill>
+                  <a:schemeClr val="tx1">
+                    <a:tint val="75000"/>
+                  </a:schemeClr>
+                </a:solidFill>
+              </a:defRPr>
+            </a:lvl8pPr>
+            <a:lvl9pPr indent="0" algn="ctr">
+              <a:spcBef>
+                <a:spcPct val="20000"/>
+              </a:spcBef>
+              <a:buFont typeface="Arial" panose="020B0604020202020204" pitchFamily="34" charset="0"/>
+              <a:buNone/>
+              <a:defRPr sz="2000">
+                <a:solidFill>
+                  <a:schemeClr val="tx1">
+                    <a:tint val="75000"/>
+                  </a:schemeClr>
+                </a:solidFill>
+              </a:defRPr>
+            </a:lvl9pPr>
+          </a:lstStyle>
+          <a:p>
+            <a:pPr algn="l"/>
+            <a:endParaRPr lang="en-US" sz="3200" dirty="0">
+              <a:solidFill>
+                <a:srgbClr val="00B0F0"/>
+              </a:solidFill>
+            </a:endParaRPr>
+          </a:p>
+        </p:txBody>
+      </p:sp>
+      <p:sp>
+        <p:nvSpPr>
+          <p:cNvPr id="3" name="Rectangle 2"/>
+          <p:cNvSpPr/>
+          <p:nvPr/>
+        </p:nvSpPr>
+        <p:spPr>
+          <a:xfrm>
+            <a:off x="2636" y="6309320"/>
+            <a:ext cx="9141365" cy="551206"/>
+          </a:xfrm>
+          <a:prstGeom prst="rect">
+            <a:avLst/>
+          </a:prstGeom>
+          <a:ln>
+            <a:noFill/>
+          </a:ln>
+        </p:spPr>
+        <p:style>
+          <a:lnRef idx="2">
+            <a:schemeClr val="accent1">
+              <a:shade val="50000"/>
+            </a:schemeClr>
+          </a:lnRef>
+          <a:fillRef idx="1">
+            <a:schemeClr val="accent1"/>
+          </a:fillRef>
+          <a:effectRef idx="0">
+            <a:schemeClr val="accent1"/>
+          </a:effectRef>
+          <a:fontRef idx="minor">
+            <a:schemeClr val="lt1"/>
+          </a:fontRef>
+        </p:style>
+        <p:txBody>
+          <a:bodyPr rtlCol="0" anchor="ctr"/>
+          <a:lstStyle/>
+          <a:p>
+            <a:pPr algn="ctr"/>
+            <a:endParaRPr lang="en-US"/>
+          </a:p>
+        </p:txBody>
+      </p:sp>
+      <p:sp>
+        <p:nvSpPr>
+          <p:cNvPr id="5" name="Subtitle 2"/>
+          <p:cNvSpPr txBox="1">
+            <a:spLocks/>
+          </p:cNvSpPr>
+          <p:nvPr/>
+        </p:nvSpPr>
+        <p:spPr>
+          <a:xfrm>
+            <a:off x="611560" y="1304764"/>
+            <a:ext cx="8084999" cy="5004556"/>
+          </a:xfrm>
+          <a:prstGeom prst="rect">
+            <a:avLst/>
+          </a:prstGeom>
+        </p:spPr>
+        <p:txBody>
+          <a:bodyPr vert="horz" lIns="91440" tIns="45720" rIns="91440" bIns="45720" rtlCol="0" anchor="t">
+            <a:normAutofit/>
+          </a:bodyPr>
+          <a:lstStyle>
+            <a:lvl1pPr indent="0" algn="ctr">
+              <a:spcBef>
+                <a:spcPct val="20000"/>
+              </a:spcBef>
+              <a:buFont typeface="Arial" panose="020B0604020202020204" pitchFamily="34" charset="0"/>
+              <a:buNone/>
+              <a:defRPr sz="3000" b="1">
+                <a:solidFill>
+                  <a:schemeClr val="tx1">
+                    <a:tint val="75000"/>
+                  </a:schemeClr>
+                </a:solidFill>
+                <a:latin typeface="Tahoma" panose="020B0604030504040204" pitchFamily="34" charset="0"/>
+                <a:ea typeface="Tahoma" panose="020B0604030504040204" pitchFamily="34" charset="0"/>
+                <a:cs typeface="Tahoma" panose="020B0604030504040204" pitchFamily="34" charset="0"/>
+              </a:defRPr>
+            </a:lvl1pPr>
+            <a:lvl2pPr indent="0" algn="ctr">
+              <a:spcBef>
+                <a:spcPct val="20000"/>
+              </a:spcBef>
+              <a:buFont typeface="Arial" panose="020B0604020202020204" pitchFamily="34" charset="0"/>
+              <a:buNone/>
+              <a:defRPr sz="2800">
+                <a:solidFill>
+                  <a:schemeClr val="tx1">
+                    <a:tint val="75000"/>
+                  </a:schemeClr>
+                </a:solidFill>
+              </a:defRPr>
+            </a:lvl2pPr>
+            <a:lvl3pPr indent="0" algn="ctr">
+              <a:spcBef>
+                <a:spcPct val="20000"/>
+              </a:spcBef>
+              <a:buFont typeface="Arial" panose="020B0604020202020204" pitchFamily="34" charset="0"/>
+              <a:buNone/>
+              <a:defRPr sz="2400">
+                <a:solidFill>
+                  <a:schemeClr val="tx1">
+                    <a:tint val="75000"/>
+                  </a:schemeClr>
+                </a:solidFill>
+              </a:defRPr>
+            </a:lvl3pPr>
+            <a:lvl4pPr indent="0" algn="ctr">
+              <a:spcBef>
+                <a:spcPct val="20000"/>
+              </a:spcBef>
+              <a:buFont typeface="Arial" panose="020B0604020202020204" pitchFamily="34" charset="0"/>
+              <a:buNone/>
+              <a:defRPr sz="2000">
+                <a:solidFill>
+                  <a:schemeClr val="tx1">
+                    <a:tint val="75000"/>
+                  </a:schemeClr>
+                </a:solidFill>
+              </a:defRPr>
+            </a:lvl4pPr>
+            <a:lvl5pPr indent="0" algn="ctr">
+              <a:spcBef>
+                <a:spcPct val="20000"/>
+              </a:spcBef>
+              <a:buFont typeface="Arial" panose="020B0604020202020204" pitchFamily="34" charset="0"/>
+              <a:buNone/>
+              <a:defRPr sz="2000">
+                <a:solidFill>
+                  <a:schemeClr val="tx1">
+                    <a:tint val="75000"/>
+                  </a:schemeClr>
+                </a:solidFill>
+              </a:defRPr>
+            </a:lvl5pPr>
+            <a:lvl6pPr indent="0" algn="ctr">
+              <a:spcBef>
+                <a:spcPct val="20000"/>
+              </a:spcBef>
+              <a:buFont typeface="Arial" panose="020B0604020202020204" pitchFamily="34" charset="0"/>
+              <a:buNone/>
+              <a:defRPr sz="2000">
+                <a:solidFill>
+                  <a:schemeClr val="tx1">
+                    <a:tint val="75000"/>
+                  </a:schemeClr>
+                </a:solidFill>
+              </a:defRPr>
+            </a:lvl6pPr>
+            <a:lvl7pPr indent="0" algn="ctr">
+              <a:spcBef>
+                <a:spcPct val="20000"/>
+              </a:spcBef>
+              <a:buFont typeface="Arial" panose="020B0604020202020204" pitchFamily="34" charset="0"/>
+              <a:buNone/>
+              <a:defRPr sz="2000">
+                <a:solidFill>
+                  <a:schemeClr val="tx1">
+                    <a:tint val="75000"/>
+                  </a:schemeClr>
+                </a:solidFill>
+              </a:defRPr>
+            </a:lvl7pPr>
+            <a:lvl8pPr indent="0" algn="ctr">
+              <a:spcBef>
+                <a:spcPct val="20000"/>
+              </a:spcBef>
+              <a:buFont typeface="Arial" panose="020B0604020202020204" pitchFamily="34" charset="0"/>
+              <a:buNone/>
+              <a:defRPr sz="2000">
+                <a:solidFill>
+                  <a:schemeClr val="tx1">
+                    <a:tint val="75000"/>
+                  </a:schemeClr>
+                </a:solidFill>
+              </a:defRPr>
+            </a:lvl8pPr>
+            <a:lvl9pPr indent="0" algn="ctr">
+              <a:spcBef>
+                <a:spcPct val="20000"/>
+              </a:spcBef>
+              <a:buFont typeface="Arial" panose="020B0604020202020204" pitchFamily="34" charset="0"/>
+              <a:buNone/>
+              <a:defRPr sz="2000">
+                <a:solidFill>
+                  <a:schemeClr val="tx1">
+                    <a:tint val="75000"/>
+                  </a:schemeClr>
+                </a:solidFill>
+              </a:defRPr>
+            </a:lvl9pPr>
+          </a:lstStyle>
+          <a:p>
+            <a:pPr marL="457200" indent="-457200" algn="l">
+              <a:buFont typeface="Courier New" panose="02070309020205020404" pitchFamily="49" charset="0"/>
+              <a:buChar char="o"/>
+            </a:pPr>
+            <a:endParaRPr lang="en-US" b="0" dirty="0"/>
+          </a:p>
+        </p:txBody>
+      </p:sp>
+      <p:pic>
+        <p:nvPicPr>
+          <p:cNvPr id="6" name="Picture 5"/>
+          <p:cNvPicPr>
+            <a:picLocks noChangeAspect="1"/>
+          </p:cNvPicPr>
+          <p:nvPr/>
+        </p:nvPicPr>
+        <p:blipFill>
+          <a:blip r:embed="rId2"/>
+          <a:stretch>
+            <a:fillRect/>
+          </a:stretch>
+        </p:blipFill>
+        <p:spPr>
+          <a:xfrm>
+            <a:off x="2555776" y="3010360"/>
+            <a:ext cx="809945" cy="623850"/>
+          </a:xfrm>
+          <a:prstGeom prst="rect">
+            <a:avLst/>
+          </a:prstGeom>
+        </p:spPr>
+      </p:pic>
+      <p:sp>
+        <p:nvSpPr>
+          <p:cNvPr id="7" name="Subtitle 2"/>
+          <p:cNvSpPr txBox="1">
+            <a:spLocks/>
+          </p:cNvSpPr>
+          <p:nvPr/>
+        </p:nvSpPr>
+        <p:spPr>
+          <a:xfrm>
+            <a:off x="1337289" y="2992086"/>
+            <a:ext cx="6400800" cy="792088"/>
+          </a:xfrm>
+          <a:prstGeom prst="rect">
+            <a:avLst/>
+          </a:prstGeom>
+        </p:spPr>
+        <p:txBody>
+          <a:bodyPr vert="horz" lIns="91440" tIns="45720" rIns="91440" bIns="45720" rtlCol="0">
+            <a:normAutofit/>
+          </a:bodyPr>
+          <a:lstStyle>
+            <a:lvl1pPr marL="0" indent="0" algn="ctr" defTabSz="914400" rtl="0" eaLnBrk="1" latinLnBrk="0" hangingPunct="1">
+              <a:spcBef>
+                <a:spcPct val="20000"/>
+              </a:spcBef>
+              <a:buFont typeface="Arial" panose="020B0604020202020204" pitchFamily="34" charset="0"/>
+              <a:buNone/>
+              <a:defRPr sz="3200" kern="1200">
+                <a:solidFill>
+                  <a:schemeClr val="tx1">
+                    <a:tint val="75000"/>
+                  </a:schemeClr>
+                </a:solidFill>
+                <a:latin typeface="+mn-lt"/>
+                <a:ea typeface="+mn-ea"/>
+                <a:cs typeface="+mn-cs"/>
+              </a:defRPr>
+            </a:lvl1pPr>
+            <a:lvl2pPr marL="457200" indent="0" algn="ctr" defTabSz="914400" rtl="0" eaLnBrk="1" latinLnBrk="0" hangingPunct="1">
+              <a:spcBef>
+                <a:spcPct val="20000"/>
+              </a:spcBef>
+              <a:buFont typeface="Arial" panose="020B0604020202020204" pitchFamily="34" charset="0"/>
+              <a:buNone/>
+              <a:defRPr sz="2800" kern="1200">
+                <a:solidFill>
+                  <a:schemeClr val="tx1">
+                    <a:tint val="75000"/>
+                  </a:schemeClr>
+                </a:solidFill>
+                <a:latin typeface="+mn-lt"/>
+                <a:ea typeface="+mn-ea"/>
+                <a:cs typeface="+mn-cs"/>
+              </a:defRPr>
+            </a:lvl2pPr>
+            <a:lvl3pPr marL="914400" indent="0" algn="ctr" defTabSz="914400" rtl="0" eaLnBrk="1" latinLnBrk="0" hangingPunct="1">
+              <a:spcBef>
+                <a:spcPct val="20000"/>
+              </a:spcBef>
+              <a:buFont typeface="Arial" panose="020B0604020202020204" pitchFamily="34" charset="0"/>
+              <a:buNone/>
+              <a:defRPr sz="2400" kern="1200">
+                <a:solidFill>
+                  <a:schemeClr val="tx1">
+                    <a:tint val="75000"/>
+                  </a:schemeClr>
+                </a:solidFill>
+                <a:latin typeface="+mn-lt"/>
+                <a:ea typeface="+mn-ea"/>
+                <a:cs typeface="+mn-cs"/>
+              </a:defRPr>
+            </a:lvl3pPr>
+            <a:lvl4pPr marL="1371600" indent="0" algn="ctr" defTabSz="914400" rtl="0" eaLnBrk="1" latinLnBrk="0" hangingPunct="1">
+              <a:spcBef>
+                <a:spcPct val="20000"/>
+              </a:spcBef>
+              <a:buFont typeface="Arial" panose="020B0604020202020204" pitchFamily="34" charset="0"/>
+              <a:buNone/>
+              <a:defRPr sz="2000" kern="1200">
+                <a:solidFill>
+                  <a:schemeClr val="tx1">
+                    <a:tint val="75000"/>
+                  </a:schemeClr>
+                </a:solidFill>
+                <a:latin typeface="+mn-lt"/>
+                <a:ea typeface="+mn-ea"/>
+                <a:cs typeface="+mn-cs"/>
+              </a:defRPr>
+            </a:lvl4pPr>
+            <a:lvl5pPr marL="1828800" indent="0" algn="ctr" defTabSz="914400" rtl="0" eaLnBrk="1" latinLnBrk="0" hangingPunct="1">
+              <a:spcBef>
+                <a:spcPct val="20000"/>
+              </a:spcBef>
+              <a:buFont typeface="Arial" panose="020B0604020202020204" pitchFamily="34" charset="0"/>
+              <a:buNone/>
+              <a:defRPr sz="2000" kern="1200">
+                <a:solidFill>
+                  <a:schemeClr val="tx1">
+                    <a:tint val="75000"/>
+                  </a:schemeClr>
+                </a:solidFill>
+                <a:latin typeface="+mn-lt"/>
+                <a:ea typeface="+mn-ea"/>
+                <a:cs typeface="+mn-cs"/>
+              </a:defRPr>
+            </a:lvl5pPr>
+            <a:lvl6pPr marL="2286000" indent="0" algn="ctr" defTabSz="914400" rtl="0" eaLnBrk="1" latinLnBrk="0" hangingPunct="1">
+              <a:spcBef>
+                <a:spcPct val="20000"/>
+              </a:spcBef>
+              <a:buFont typeface="Arial" panose="020B0604020202020204" pitchFamily="34" charset="0"/>
+              <a:buNone/>
+              <a:defRPr sz="2000" kern="1200">
+                <a:solidFill>
+                  <a:schemeClr val="tx1">
+                    <a:tint val="75000"/>
+                  </a:schemeClr>
+                </a:solidFill>
+                <a:latin typeface="+mn-lt"/>
+                <a:ea typeface="+mn-ea"/>
+                <a:cs typeface="+mn-cs"/>
+              </a:defRPr>
+            </a:lvl6pPr>
+            <a:lvl7pPr marL="2743200" indent="0" algn="ctr" defTabSz="914400" rtl="0" eaLnBrk="1" latinLnBrk="0" hangingPunct="1">
+              <a:spcBef>
+                <a:spcPct val="20000"/>
+              </a:spcBef>
+              <a:buFont typeface="Arial" panose="020B0604020202020204" pitchFamily="34" charset="0"/>
+              <a:buNone/>
+              <a:defRPr sz="2000" kern="1200">
+                <a:solidFill>
+                  <a:schemeClr val="tx1">
+                    <a:tint val="75000"/>
+                  </a:schemeClr>
+                </a:solidFill>
+                <a:latin typeface="+mn-lt"/>
+                <a:ea typeface="+mn-ea"/>
+                <a:cs typeface="+mn-cs"/>
+              </a:defRPr>
+            </a:lvl7pPr>
+            <a:lvl8pPr marL="3200400" indent="0" algn="ctr" defTabSz="914400" rtl="0" eaLnBrk="1" latinLnBrk="0" hangingPunct="1">
+              <a:spcBef>
+                <a:spcPct val="20000"/>
+              </a:spcBef>
+              <a:buFont typeface="Arial" panose="020B0604020202020204" pitchFamily="34" charset="0"/>
+              <a:buNone/>
+              <a:defRPr sz="2000" kern="1200">
+                <a:solidFill>
+                  <a:schemeClr val="tx1">
+                    <a:tint val="75000"/>
+                  </a:schemeClr>
+                </a:solidFill>
+                <a:latin typeface="+mn-lt"/>
+                <a:ea typeface="+mn-ea"/>
+                <a:cs typeface="+mn-cs"/>
+              </a:defRPr>
+            </a:lvl8pPr>
+            <a:lvl9pPr marL="3657600" indent="0" algn="ctr" defTabSz="914400" rtl="0" eaLnBrk="1" latinLnBrk="0" hangingPunct="1">
+              <a:spcBef>
+                <a:spcPct val="20000"/>
+              </a:spcBef>
+              <a:buFont typeface="Arial" panose="020B0604020202020204" pitchFamily="34" charset="0"/>
+              <a:buNone/>
+              <a:defRPr sz="2000" kern="1200">
+                <a:solidFill>
+                  <a:schemeClr val="tx1">
+                    <a:tint val="75000"/>
+                  </a:schemeClr>
+                </a:solidFill>
+                <a:latin typeface="+mn-lt"/>
+                <a:ea typeface="+mn-ea"/>
+                <a:cs typeface="+mn-cs"/>
+              </a:defRPr>
+            </a:lvl9pPr>
+          </a:lstStyle>
+          <a:p>
+            <a:r>
+              <a:rPr lang="en-US" b="1" dirty="0">
+                <a:solidFill>
+                  <a:srgbClr val="00B0F0"/>
+                </a:solidFill>
+              </a:rPr>
+              <a:t>Questions?</a:t>
+            </a:r>
+          </a:p>
+        </p:txBody>
+      </p:sp>
+    </p:spTree>
+    <p:extLst>
+      <p:ext uri="{BB962C8B-B14F-4D97-AF65-F5344CB8AC3E}">
+        <p14:creationId xmlns:p14="http://schemas.microsoft.com/office/powerpoint/2010/main" val="3538102883"/>
+      </p:ext>
+    </p:extLst>
+  </p:cSld>
+  <p:clrMapOvr>
+    <a:masterClrMapping/>
+  </p:clrMapOvr>
+  <p:timing>
+    <p:tnLst>
+      <p:par>
+        <p:cTn id="1" dur="indefinite" restart="never" nodeType="tmRoot"/>
+      </p:par>
+    </p:tnLst>
+  </p:timing>
+</p:sld>
+</file>
+
+<file path=ppt/slides/slide23.xml><?xml version="1.0" encoding="utf-8"?>
+<p:sld xmlns:a="http://schemas.openxmlformats.org/drawingml/2006/main" xmlns:r="http://schemas.openxmlformats.org/officeDocument/2006/relationships" xmlns:p="http://schemas.openxmlformats.org/presentationml/2006/main" show="0">
+  <p:cSld>
+    <p:spTree>
+      <p:nvGrpSpPr>
+        <p:cNvPr id="1" name=""/>
+        <p:cNvGrpSpPr/>
+        <p:nvPr/>
+      </p:nvGrpSpPr>
+      <p:grpSpPr>
+        <a:xfrm>
+          <a:off x="0" y="0"/>
+          <a:ext cx="0" cy="0"/>
+          <a:chOff x="0" y="0"/>
+          <a:chExt cx="0" cy="0"/>
+        </a:xfrm>
+      </p:grpSpPr>
+      <p:sp>
+        <p:nvSpPr>
+          <p:cNvPr id="2" name="Subtitle 2"/>
+          <p:cNvSpPr txBox="1">
+            <a:spLocks/>
+          </p:cNvSpPr>
+          <p:nvPr/>
+        </p:nvSpPr>
+        <p:spPr>
+          <a:xfrm>
+            <a:off x="1547664" y="332656"/>
+            <a:ext cx="7264896" cy="776408"/>
+          </a:xfrm>
+          <a:prstGeom prst="rect">
+            <a:avLst/>
+          </a:prstGeom>
+        </p:spPr>
+        <p:txBody>
+          <a:bodyPr vert="horz" lIns="91440" tIns="45720" rIns="91440" bIns="45720" rtlCol="0" anchor="ctr">
+            <a:normAutofit/>
+          </a:bodyPr>
+          <a:lstStyle>
+            <a:lvl1pPr indent="0" algn="ctr">
+              <a:spcBef>
+                <a:spcPct val="20000"/>
+              </a:spcBef>
+              <a:buFont typeface="Arial" panose="020B0604020202020204" pitchFamily="34" charset="0"/>
+              <a:buNone/>
+              <a:defRPr sz="3000" b="1">
+                <a:solidFill>
+                  <a:schemeClr val="tx1">
+                    <a:tint val="75000"/>
+                  </a:schemeClr>
+                </a:solidFill>
+                <a:latin typeface="Tahoma" panose="020B0604030504040204" pitchFamily="34" charset="0"/>
+                <a:ea typeface="Tahoma" panose="020B0604030504040204" pitchFamily="34" charset="0"/>
+                <a:cs typeface="Tahoma" panose="020B0604030504040204" pitchFamily="34" charset="0"/>
+              </a:defRPr>
+            </a:lvl1pPr>
+            <a:lvl2pPr indent="0" algn="ctr">
+              <a:spcBef>
+                <a:spcPct val="20000"/>
+              </a:spcBef>
+              <a:buFont typeface="Arial" panose="020B0604020202020204" pitchFamily="34" charset="0"/>
+              <a:buNone/>
+              <a:defRPr sz="2800">
+                <a:solidFill>
+                  <a:schemeClr val="tx1">
+                    <a:tint val="75000"/>
+                  </a:schemeClr>
+                </a:solidFill>
+              </a:defRPr>
+            </a:lvl2pPr>
+            <a:lvl3pPr indent="0" algn="ctr">
+              <a:spcBef>
+                <a:spcPct val="20000"/>
+              </a:spcBef>
+              <a:buFont typeface="Arial" panose="020B0604020202020204" pitchFamily="34" charset="0"/>
+              <a:buNone/>
+              <a:defRPr sz="2400">
+                <a:solidFill>
+                  <a:schemeClr val="tx1">
+                    <a:tint val="75000"/>
+                  </a:schemeClr>
+                </a:solidFill>
+              </a:defRPr>
+            </a:lvl3pPr>
+            <a:lvl4pPr indent="0" algn="ctr">
+              <a:spcBef>
+                <a:spcPct val="20000"/>
+              </a:spcBef>
+              <a:buFont typeface="Arial" panose="020B0604020202020204" pitchFamily="34" charset="0"/>
+              <a:buNone/>
+              <a:defRPr sz="2000">
+                <a:solidFill>
+                  <a:schemeClr val="tx1">
+                    <a:tint val="75000"/>
+                  </a:schemeClr>
+                </a:solidFill>
+              </a:defRPr>
+            </a:lvl4pPr>
+            <a:lvl5pPr indent="0" algn="ctr">
+              <a:spcBef>
+                <a:spcPct val="20000"/>
+              </a:spcBef>
+              <a:buFont typeface="Arial" panose="020B0604020202020204" pitchFamily="34" charset="0"/>
+              <a:buNone/>
+              <a:defRPr sz="2000">
+                <a:solidFill>
+                  <a:schemeClr val="tx1">
+                    <a:tint val="75000"/>
+                  </a:schemeClr>
+                </a:solidFill>
+              </a:defRPr>
+            </a:lvl5pPr>
+            <a:lvl6pPr indent="0" algn="ctr">
+              <a:spcBef>
+                <a:spcPct val="20000"/>
+              </a:spcBef>
+              <a:buFont typeface="Arial" panose="020B0604020202020204" pitchFamily="34" charset="0"/>
+              <a:buNone/>
+              <a:defRPr sz="2000">
+                <a:solidFill>
+                  <a:schemeClr val="tx1">
+                    <a:tint val="75000"/>
+                  </a:schemeClr>
+                </a:solidFill>
+              </a:defRPr>
+            </a:lvl6pPr>
+            <a:lvl7pPr indent="0" algn="ctr">
+              <a:spcBef>
+                <a:spcPct val="20000"/>
+              </a:spcBef>
+              <a:buFont typeface="Arial" panose="020B0604020202020204" pitchFamily="34" charset="0"/>
+              <a:buNone/>
+              <a:defRPr sz="2000">
+                <a:solidFill>
+                  <a:schemeClr val="tx1">
+                    <a:tint val="75000"/>
+                  </a:schemeClr>
+                </a:solidFill>
+              </a:defRPr>
+            </a:lvl7pPr>
+            <a:lvl8pPr indent="0" algn="ctr">
+              <a:spcBef>
+                <a:spcPct val="20000"/>
+              </a:spcBef>
+              <a:buFont typeface="Arial" panose="020B0604020202020204" pitchFamily="34" charset="0"/>
+              <a:buNone/>
+              <a:defRPr sz="2000">
+                <a:solidFill>
+                  <a:schemeClr val="tx1">
+                    <a:tint val="75000"/>
+                  </a:schemeClr>
+                </a:solidFill>
+              </a:defRPr>
+            </a:lvl8pPr>
+            <a:lvl9pPr indent="0" algn="ctr">
+              <a:spcBef>
+                <a:spcPct val="20000"/>
+              </a:spcBef>
+              <a:buFont typeface="Arial" panose="020B0604020202020204" pitchFamily="34" charset="0"/>
+              <a:buNone/>
+              <a:defRPr sz="2000">
+                <a:solidFill>
+                  <a:schemeClr val="tx1">
+                    <a:tint val="75000"/>
+                  </a:schemeClr>
+                </a:solidFill>
+              </a:defRPr>
+            </a:lvl9pPr>
+          </a:lstStyle>
+          <a:p>
+            <a:pPr algn="l"/>
+            <a:r>
+              <a:rPr lang="en-US" sz="3200" dirty="0" smtClean="0">
+                <a:solidFill>
+                  <a:srgbClr val="00B0F0"/>
+                </a:solidFill>
+              </a:rPr>
+              <a:t>Title</a:t>
+            </a:r>
+            <a:endParaRPr lang="en-US" sz="3200" dirty="0">
+              <a:solidFill>
+                <a:srgbClr val="00B0F0"/>
+              </a:solidFill>
+            </a:endParaRPr>
+          </a:p>
+        </p:txBody>
+      </p:sp>
+      <p:sp>
+        <p:nvSpPr>
+          <p:cNvPr id="3" name="Rectangle 2"/>
+          <p:cNvSpPr/>
+          <p:nvPr/>
+        </p:nvSpPr>
+        <p:spPr>
+          <a:xfrm>
+            <a:off x="2636" y="6309320"/>
+            <a:ext cx="9141365" cy="551206"/>
+          </a:xfrm>
+          <a:prstGeom prst="rect">
+            <a:avLst/>
+          </a:prstGeom>
+          <a:ln>
+            <a:noFill/>
+          </a:ln>
+        </p:spPr>
+        <p:style>
+          <a:lnRef idx="2">
+            <a:schemeClr val="accent1">
+              <a:shade val="50000"/>
+            </a:schemeClr>
+          </a:lnRef>
+          <a:fillRef idx="1">
+            <a:schemeClr val="accent1"/>
+          </a:fillRef>
+          <a:effectRef idx="0">
+            <a:schemeClr val="accent1"/>
+          </a:effectRef>
+          <a:fontRef idx="minor">
+            <a:schemeClr val="lt1"/>
+          </a:fontRef>
+        </p:style>
+        <p:txBody>
+          <a:bodyPr rtlCol="0" anchor="ctr"/>
+          <a:lstStyle/>
+          <a:p>
+            <a:pPr algn="ctr"/>
+            <a:endParaRPr lang="en-US"/>
+          </a:p>
+        </p:txBody>
+      </p:sp>
+      <p:sp>
+        <p:nvSpPr>
+          <p:cNvPr id="5" name="Subtitle 2"/>
+          <p:cNvSpPr txBox="1">
+            <a:spLocks/>
+          </p:cNvSpPr>
+          <p:nvPr/>
+        </p:nvSpPr>
+        <p:spPr>
+          <a:xfrm>
+            <a:off x="611560" y="1304764"/>
+            <a:ext cx="8084999" cy="5004556"/>
+          </a:xfrm>
+          <a:prstGeom prst="rect">
+            <a:avLst/>
+          </a:prstGeom>
+        </p:spPr>
+        <p:txBody>
+          <a:bodyPr vert="horz" lIns="91440" tIns="45720" rIns="91440" bIns="45720" rtlCol="0" anchor="t">
+            <a:normAutofit/>
+          </a:bodyPr>
+          <a:lstStyle>
+            <a:lvl1pPr indent="0" algn="ctr">
+              <a:spcBef>
+                <a:spcPct val="20000"/>
+              </a:spcBef>
+              <a:buFont typeface="Arial" panose="020B0604020202020204" pitchFamily="34" charset="0"/>
+              <a:buNone/>
+              <a:defRPr sz="3000" b="1">
+                <a:solidFill>
+                  <a:schemeClr val="tx1">
+                    <a:tint val="75000"/>
+                  </a:schemeClr>
+                </a:solidFill>
+                <a:latin typeface="Tahoma" panose="020B0604030504040204" pitchFamily="34" charset="0"/>
+                <a:ea typeface="Tahoma" panose="020B0604030504040204" pitchFamily="34" charset="0"/>
+                <a:cs typeface="Tahoma" panose="020B0604030504040204" pitchFamily="34" charset="0"/>
+              </a:defRPr>
+            </a:lvl1pPr>
+            <a:lvl2pPr indent="0" algn="ctr">
+              <a:spcBef>
+                <a:spcPct val="20000"/>
+              </a:spcBef>
+              <a:buFont typeface="Arial" panose="020B0604020202020204" pitchFamily="34" charset="0"/>
+              <a:buNone/>
+              <a:defRPr sz="2800">
+                <a:solidFill>
+                  <a:schemeClr val="tx1">
+                    <a:tint val="75000"/>
+                  </a:schemeClr>
+                </a:solidFill>
+              </a:defRPr>
+            </a:lvl2pPr>
+            <a:lvl3pPr indent="0" algn="ctr">
+              <a:spcBef>
+                <a:spcPct val="20000"/>
+              </a:spcBef>
+              <a:buFont typeface="Arial" panose="020B0604020202020204" pitchFamily="34" charset="0"/>
+              <a:buNone/>
+              <a:defRPr sz="2400">
+                <a:solidFill>
+                  <a:schemeClr val="tx1">
+                    <a:tint val="75000"/>
+                  </a:schemeClr>
+                </a:solidFill>
+              </a:defRPr>
+            </a:lvl3pPr>
+            <a:lvl4pPr indent="0" algn="ctr">
+              <a:spcBef>
+                <a:spcPct val="20000"/>
+              </a:spcBef>
+              <a:buFont typeface="Arial" panose="020B0604020202020204" pitchFamily="34" charset="0"/>
+              <a:buNone/>
+              <a:defRPr sz="2000">
+                <a:solidFill>
+                  <a:schemeClr val="tx1">
+                    <a:tint val="75000"/>
+                  </a:schemeClr>
+                </a:solidFill>
+              </a:defRPr>
+            </a:lvl4pPr>
+            <a:lvl5pPr indent="0" algn="ctr">
+              <a:spcBef>
+                <a:spcPct val="20000"/>
+              </a:spcBef>
+              <a:buFont typeface="Arial" panose="020B0604020202020204" pitchFamily="34" charset="0"/>
+              <a:buNone/>
+              <a:defRPr sz="2000">
+                <a:solidFill>
+                  <a:schemeClr val="tx1">
+                    <a:tint val="75000"/>
+                  </a:schemeClr>
+                </a:solidFill>
+              </a:defRPr>
+            </a:lvl5pPr>
+            <a:lvl6pPr indent="0" algn="ctr">
+              <a:spcBef>
+                <a:spcPct val="20000"/>
+              </a:spcBef>
+              <a:buFont typeface="Arial" panose="020B0604020202020204" pitchFamily="34" charset="0"/>
+              <a:buNone/>
+              <a:defRPr sz="2000">
+                <a:solidFill>
+                  <a:schemeClr val="tx1">
+                    <a:tint val="75000"/>
+                  </a:schemeClr>
+                </a:solidFill>
+              </a:defRPr>
+            </a:lvl6pPr>
+            <a:lvl7pPr indent="0" algn="ctr">
+              <a:spcBef>
+                <a:spcPct val="20000"/>
+              </a:spcBef>
+              <a:buFont typeface="Arial" panose="020B0604020202020204" pitchFamily="34" charset="0"/>
+              <a:buNone/>
+              <a:defRPr sz="2000">
+                <a:solidFill>
+                  <a:schemeClr val="tx1">
+                    <a:tint val="75000"/>
+                  </a:schemeClr>
+                </a:solidFill>
+              </a:defRPr>
+            </a:lvl7pPr>
+            <a:lvl8pPr indent="0" algn="ctr">
+              <a:spcBef>
+                <a:spcPct val="20000"/>
+              </a:spcBef>
+              <a:buFont typeface="Arial" panose="020B0604020202020204" pitchFamily="34" charset="0"/>
+              <a:buNone/>
+              <a:defRPr sz="2000">
+                <a:solidFill>
+                  <a:schemeClr val="tx1">
+                    <a:tint val="75000"/>
+                  </a:schemeClr>
+                </a:solidFill>
+              </a:defRPr>
+            </a:lvl8pPr>
+            <a:lvl9pPr indent="0" algn="ctr">
+              <a:spcBef>
+                <a:spcPct val="20000"/>
+              </a:spcBef>
+              <a:buFont typeface="Arial" panose="020B0604020202020204" pitchFamily="34" charset="0"/>
+              <a:buNone/>
+              <a:defRPr sz="2000">
+                <a:solidFill>
+                  <a:schemeClr val="tx1">
+                    <a:tint val="75000"/>
+                  </a:schemeClr>
+                </a:solidFill>
+              </a:defRPr>
+            </a:lvl9pPr>
+          </a:lstStyle>
+          <a:p>
+            <a:pPr marL="457200" indent="-457200" algn="l">
+              <a:buFont typeface="Courier New" panose="02070309020205020404" pitchFamily="49" charset="0"/>
+              <a:buChar char="o"/>
+            </a:pPr>
+            <a:r>
+              <a:rPr lang="en-US" sz="2400" b="0" dirty="0" smtClean="0"/>
+              <a:t>T</a:t>
+            </a:r>
+            <a:r>
+              <a:rPr lang="en-US" sz="2400" b="0" dirty="0" smtClean="0">
+                <a:solidFill>
+                  <a:srgbClr val="898989"/>
+                </a:solidFill>
+              </a:rPr>
+              <a:t>ex</a:t>
+            </a:r>
+            <a:r>
+              <a:rPr lang="en-US" sz="2400" b="0" dirty="0" smtClean="0"/>
+              <a:t>t</a:t>
+            </a:r>
+          </a:p>
+          <a:p>
+            <a:pPr marL="914400" lvl="1" indent="-457200" algn="l">
+              <a:buFont typeface="Courier New" panose="02070309020205020404" pitchFamily="49" charset="0"/>
+              <a:buChar char="o"/>
+            </a:pPr>
+            <a:endParaRPr lang="en-US" sz="2200" b="0" dirty="0"/>
+          </a:p>
+        </p:txBody>
+      </p:sp>
+      <p:pic>
+        <p:nvPicPr>
+          <p:cNvPr id="6" name="Picture 5"/>
+          <p:cNvPicPr>
+            <a:picLocks noChangeAspect="1"/>
+          </p:cNvPicPr>
+          <p:nvPr/>
+        </p:nvPicPr>
+        <p:blipFill>
+          <a:blip r:embed="rId2"/>
+          <a:stretch>
+            <a:fillRect/>
+          </a:stretch>
+        </p:blipFill>
+        <p:spPr>
+          <a:xfrm>
+            <a:off x="467544" y="408935"/>
+            <a:ext cx="809945" cy="623850"/>
+          </a:xfrm>
+          <a:prstGeom prst="rect">
+            <a:avLst/>
+          </a:prstGeom>
+        </p:spPr>
+      </p:pic>
+    </p:spTree>
+    <p:extLst>
+      <p:ext uri="{BB962C8B-B14F-4D97-AF65-F5344CB8AC3E}">
+        <p14:creationId xmlns:p14="http://schemas.microsoft.com/office/powerpoint/2010/main" val="3037266953"/>
+      </p:ext>
+    </p:extLst>
+  </p:cSld>
+  <p:clrMapOvr>
+    <a:masterClrMapping/>
+  </p:clrMapOvr>
+  <mc:AlternateContent xmlns:mc="http://schemas.openxmlformats.org/markup-compatibility/2006">
+    <mc:Choice xmlns:p14="http://schemas.microsoft.com/office/powerpoint/2010/main" Requires="p14">
+      <p:transition spd="slow" p14:dur="2000"/>
+    </mc:Choice>
+    <mc:Fallback>
+      <p:transition spd="slow"/>
+    </mc:Fallback>
+  </mc:AlternateContent>
+  <p:timing>
+    <p:tnLst>
+      <p:par>
+        <p:cTn id="1" dur="indefinite" restart="never" nodeType="tmRoot"/>
+      </p:par>
+    </p:tnLst>
+  </p:timing>
+</p:sld>
+</file>
+
 <file path=ppt/slides/slide3.xml><?xml version="1.0" encoding="utf-8"?>
+<p:sld xmlns:a="http://schemas.openxmlformats.org/drawingml/2006/main" xmlns:r="http://schemas.openxmlformats.org/officeDocument/2006/relationships" xmlns:p="http://schemas.openxmlformats.org/presentationml/2006/main">
+  <p:cSld>
+    <p:spTree>
+      <p:nvGrpSpPr>
+        <p:cNvPr id="1" name=""/>
+        <p:cNvGrpSpPr/>
+        <p:nvPr/>
+      </p:nvGrpSpPr>
+      <p:grpSpPr>
+        <a:xfrm>
+          <a:off x="0" y="0"/>
+          <a:ext cx="0" cy="0"/>
+          <a:chOff x="0" y="0"/>
+          <a:chExt cx="0" cy="0"/>
+        </a:xfrm>
+      </p:grpSpPr>
+      <p:sp>
+        <p:nvSpPr>
+          <p:cNvPr id="2" name="Subtitle 2"/>
+          <p:cNvSpPr txBox="1">
+            <a:spLocks/>
+          </p:cNvSpPr>
+          <p:nvPr/>
+        </p:nvSpPr>
+        <p:spPr>
+          <a:xfrm>
+            <a:off x="1547664" y="332656"/>
+            <a:ext cx="7264896" cy="776408"/>
+          </a:xfrm>
+          <a:prstGeom prst="rect">
+            <a:avLst/>
+          </a:prstGeom>
+        </p:spPr>
+        <p:txBody>
+          <a:bodyPr vert="horz" lIns="91440" tIns="45720" rIns="91440" bIns="45720" rtlCol="0" anchor="ctr">
+            <a:normAutofit/>
+          </a:bodyPr>
+          <a:lstStyle>
+            <a:lvl1pPr indent="0" algn="ctr">
+              <a:spcBef>
+                <a:spcPct val="20000"/>
+              </a:spcBef>
+              <a:buFont typeface="Arial" panose="020B0604020202020204" pitchFamily="34" charset="0"/>
+              <a:buNone/>
+              <a:defRPr sz="3000" b="1">
+                <a:solidFill>
+                  <a:schemeClr val="tx1">
+                    <a:tint val="75000"/>
+                  </a:schemeClr>
+                </a:solidFill>
+                <a:latin typeface="Tahoma" panose="020B0604030504040204" pitchFamily="34" charset="0"/>
+                <a:ea typeface="Tahoma" panose="020B0604030504040204" pitchFamily="34" charset="0"/>
+                <a:cs typeface="Tahoma" panose="020B0604030504040204" pitchFamily="34" charset="0"/>
+              </a:defRPr>
+            </a:lvl1pPr>
+            <a:lvl2pPr indent="0" algn="ctr">
+              <a:spcBef>
+                <a:spcPct val="20000"/>
+              </a:spcBef>
+              <a:buFont typeface="Arial" panose="020B0604020202020204" pitchFamily="34" charset="0"/>
+              <a:buNone/>
+              <a:defRPr sz="2800">
+                <a:solidFill>
+                  <a:schemeClr val="tx1">
+                    <a:tint val="75000"/>
+                  </a:schemeClr>
+                </a:solidFill>
+              </a:defRPr>
+            </a:lvl2pPr>
+            <a:lvl3pPr indent="0" algn="ctr">
+              <a:spcBef>
+                <a:spcPct val="20000"/>
+              </a:spcBef>
+              <a:buFont typeface="Arial" panose="020B0604020202020204" pitchFamily="34" charset="0"/>
+              <a:buNone/>
+              <a:defRPr sz="2400">
+                <a:solidFill>
+                  <a:schemeClr val="tx1">
+                    <a:tint val="75000"/>
+                  </a:schemeClr>
+                </a:solidFill>
+              </a:defRPr>
+            </a:lvl3pPr>
+            <a:lvl4pPr indent="0" algn="ctr">
+              <a:spcBef>
+                <a:spcPct val="20000"/>
+              </a:spcBef>
+              <a:buFont typeface="Arial" panose="020B0604020202020204" pitchFamily="34" charset="0"/>
+              <a:buNone/>
+              <a:defRPr sz="2000">
+                <a:solidFill>
+                  <a:schemeClr val="tx1">
+                    <a:tint val="75000"/>
+                  </a:schemeClr>
+                </a:solidFill>
+              </a:defRPr>
+            </a:lvl4pPr>
+            <a:lvl5pPr indent="0" algn="ctr">
+              <a:spcBef>
+                <a:spcPct val="20000"/>
+              </a:spcBef>
+              <a:buFont typeface="Arial" panose="020B0604020202020204" pitchFamily="34" charset="0"/>
+              <a:buNone/>
+              <a:defRPr sz="2000">
+                <a:solidFill>
+                  <a:schemeClr val="tx1">
+                    <a:tint val="75000"/>
+                  </a:schemeClr>
+                </a:solidFill>
+              </a:defRPr>
+            </a:lvl5pPr>
+            <a:lvl6pPr indent="0" algn="ctr">
+              <a:spcBef>
+                <a:spcPct val="20000"/>
+              </a:spcBef>
+              <a:buFont typeface="Arial" panose="020B0604020202020204" pitchFamily="34" charset="0"/>
+              <a:buNone/>
+              <a:defRPr sz="2000">
+                <a:solidFill>
+                  <a:schemeClr val="tx1">
+                    <a:tint val="75000"/>
+                  </a:schemeClr>
+                </a:solidFill>
+              </a:defRPr>
+            </a:lvl6pPr>
+            <a:lvl7pPr indent="0" algn="ctr">
+              <a:spcBef>
+                <a:spcPct val="20000"/>
+              </a:spcBef>
+              <a:buFont typeface="Arial" panose="020B0604020202020204" pitchFamily="34" charset="0"/>
+              <a:buNone/>
+              <a:defRPr sz="2000">
+                <a:solidFill>
+                  <a:schemeClr val="tx1">
+                    <a:tint val="75000"/>
+                  </a:schemeClr>
+                </a:solidFill>
+              </a:defRPr>
+            </a:lvl7pPr>
+            <a:lvl8pPr indent="0" algn="ctr">
+              <a:spcBef>
+                <a:spcPct val="20000"/>
+              </a:spcBef>
+              <a:buFont typeface="Arial" panose="020B0604020202020204" pitchFamily="34" charset="0"/>
+              <a:buNone/>
+              <a:defRPr sz="2000">
+                <a:solidFill>
+                  <a:schemeClr val="tx1">
+                    <a:tint val="75000"/>
+                  </a:schemeClr>
+                </a:solidFill>
+              </a:defRPr>
+            </a:lvl8pPr>
+            <a:lvl9pPr indent="0" algn="ctr">
+              <a:spcBef>
+                <a:spcPct val="20000"/>
+              </a:spcBef>
+              <a:buFont typeface="Arial" panose="020B0604020202020204" pitchFamily="34" charset="0"/>
+              <a:buNone/>
+              <a:defRPr sz="2000">
+                <a:solidFill>
+                  <a:schemeClr val="tx1">
+                    <a:tint val="75000"/>
+                  </a:schemeClr>
+                </a:solidFill>
+              </a:defRPr>
+            </a:lvl9pPr>
+          </a:lstStyle>
+          <a:p>
+            <a:pPr algn="l"/>
+            <a:r>
+              <a:rPr lang="en-US" sz="3200" dirty="0" smtClean="0">
+                <a:solidFill>
+                  <a:srgbClr val="00B0F0"/>
+                </a:solidFill>
+              </a:rPr>
+              <a:t>ESP 8266</a:t>
+            </a:r>
+            <a:endParaRPr lang="en-US" sz="3200" dirty="0">
+              <a:solidFill>
+                <a:srgbClr val="00B0F0"/>
+              </a:solidFill>
+            </a:endParaRPr>
+          </a:p>
+        </p:txBody>
+      </p:sp>
+      <p:sp>
+        <p:nvSpPr>
+          <p:cNvPr id="3" name="Rectangle 2"/>
+          <p:cNvSpPr/>
+          <p:nvPr/>
+        </p:nvSpPr>
+        <p:spPr>
+          <a:xfrm>
+            <a:off x="2636" y="6309320"/>
+            <a:ext cx="9141365" cy="551206"/>
+          </a:xfrm>
+          <a:prstGeom prst="rect">
+            <a:avLst/>
+          </a:prstGeom>
+          <a:ln>
+            <a:noFill/>
+          </a:ln>
+        </p:spPr>
+        <p:style>
+          <a:lnRef idx="2">
+            <a:schemeClr val="accent1">
+              <a:shade val="50000"/>
+            </a:schemeClr>
+          </a:lnRef>
+          <a:fillRef idx="1">
+            <a:schemeClr val="accent1"/>
+          </a:fillRef>
+          <a:effectRef idx="0">
+            <a:schemeClr val="accent1"/>
+          </a:effectRef>
+          <a:fontRef idx="minor">
+            <a:schemeClr val="lt1"/>
+          </a:fontRef>
+        </p:style>
+        <p:txBody>
+          <a:bodyPr rtlCol="0" anchor="ctr"/>
+          <a:lstStyle/>
+          <a:p>
+            <a:pPr algn="ctr"/>
+            <a:endParaRPr lang="en-US"/>
+          </a:p>
+        </p:txBody>
+      </p:sp>
+      <p:sp>
+        <p:nvSpPr>
+          <p:cNvPr id="5" name="Subtitle 2"/>
+          <p:cNvSpPr txBox="1">
+            <a:spLocks/>
+          </p:cNvSpPr>
+          <p:nvPr/>
+        </p:nvSpPr>
+        <p:spPr>
+          <a:xfrm>
+            <a:off x="611560" y="1304764"/>
+            <a:ext cx="8084999" cy="3204356"/>
+          </a:xfrm>
+          <a:prstGeom prst="rect">
+            <a:avLst/>
+          </a:prstGeom>
+        </p:spPr>
+        <p:txBody>
+          <a:bodyPr vert="horz" lIns="91440" tIns="45720" rIns="91440" bIns="45720" rtlCol="0" anchor="t">
+            <a:normAutofit/>
+          </a:bodyPr>
+          <a:lstStyle>
+            <a:lvl1pPr indent="0" algn="ctr">
+              <a:spcBef>
+                <a:spcPct val="20000"/>
+              </a:spcBef>
+              <a:buFont typeface="Arial" panose="020B0604020202020204" pitchFamily="34" charset="0"/>
+              <a:buNone/>
+              <a:defRPr sz="3000" b="1">
+                <a:solidFill>
+                  <a:schemeClr val="tx1">
+                    <a:tint val="75000"/>
+                  </a:schemeClr>
+                </a:solidFill>
+                <a:latin typeface="Tahoma" panose="020B0604030504040204" pitchFamily="34" charset="0"/>
+                <a:ea typeface="Tahoma" panose="020B0604030504040204" pitchFamily="34" charset="0"/>
+                <a:cs typeface="Tahoma" panose="020B0604030504040204" pitchFamily="34" charset="0"/>
+              </a:defRPr>
+            </a:lvl1pPr>
+            <a:lvl2pPr indent="0" algn="ctr">
+              <a:spcBef>
+                <a:spcPct val="20000"/>
+              </a:spcBef>
+              <a:buFont typeface="Arial" panose="020B0604020202020204" pitchFamily="34" charset="0"/>
+              <a:buNone/>
+              <a:defRPr sz="2800">
+                <a:solidFill>
+                  <a:schemeClr val="tx1">
+                    <a:tint val="75000"/>
+                  </a:schemeClr>
+                </a:solidFill>
+              </a:defRPr>
+            </a:lvl2pPr>
+            <a:lvl3pPr indent="0" algn="ctr">
+              <a:spcBef>
+                <a:spcPct val="20000"/>
+              </a:spcBef>
+              <a:buFont typeface="Arial" panose="020B0604020202020204" pitchFamily="34" charset="0"/>
+              <a:buNone/>
+              <a:defRPr sz="2400">
+                <a:solidFill>
+                  <a:schemeClr val="tx1">
+                    <a:tint val="75000"/>
+                  </a:schemeClr>
+                </a:solidFill>
+              </a:defRPr>
+            </a:lvl3pPr>
+            <a:lvl4pPr indent="0" algn="ctr">
+              <a:spcBef>
+                <a:spcPct val="20000"/>
+              </a:spcBef>
+              <a:buFont typeface="Arial" panose="020B0604020202020204" pitchFamily="34" charset="0"/>
+              <a:buNone/>
+              <a:defRPr sz="2000">
+                <a:solidFill>
+                  <a:schemeClr val="tx1">
+                    <a:tint val="75000"/>
+                  </a:schemeClr>
+                </a:solidFill>
+              </a:defRPr>
+            </a:lvl4pPr>
+            <a:lvl5pPr indent="0" algn="ctr">
+              <a:spcBef>
+                <a:spcPct val="20000"/>
+              </a:spcBef>
+              <a:buFont typeface="Arial" panose="020B0604020202020204" pitchFamily="34" charset="0"/>
+              <a:buNone/>
+              <a:defRPr sz="2000">
+                <a:solidFill>
+                  <a:schemeClr val="tx1">
+                    <a:tint val="75000"/>
+                  </a:schemeClr>
+                </a:solidFill>
+              </a:defRPr>
+            </a:lvl5pPr>
+            <a:lvl6pPr indent="0" algn="ctr">
+              <a:spcBef>
+                <a:spcPct val="20000"/>
+              </a:spcBef>
+              <a:buFont typeface="Arial" panose="020B0604020202020204" pitchFamily="34" charset="0"/>
+              <a:buNone/>
+              <a:defRPr sz="2000">
+                <a:solidFill>
+                  <a:schemeClr val="tx1">
+                    <a:tint val="75000"/>
+                  </a:schemeClr>
+                </a:solidFill>
+              </a:defRPr>
+            </a:lvl6pPr>
+            <a:lvl7pPr indent="0" algn="ctr">
+              <a:spcBef>
+                <a:spcPct val="20000"/>
+              </a:spcBef>
+              <a:buFont typeface="Arial" panose="020B0604020202020204" pitchFamily="34" charset="0"/>
+              <a:buNone/>
+              <a:defRPr sz="2000">
+                <a:solidFill>
+                  <a:schemeClr val="tx1">
+                    <a:tint val="75000"/>
+                  </a:schemeClr>
+                </a:solidFill>
+              </a:defRPr>
+            </a:lvl7pPr>
+            <a:lvl8pPr indent="0" algn="ctr">
+              <a:spcBef>
+                <a:spcPct val="20000"/>
+              </a:spcBef>
+              <a:buFont typeface="Arial" panose="020B0604020202020204" pitchFamily="34" charset="0"/>
+              <a:buNone/>
+              <a:defRPr sz="2000">
+                <a:solidFill>
+                  <a:schemeClr val="tx1">
+                    <a:tint val="75000"/>
+                  </a:schemeClr>
+                </a:solidFill>
+              </a:defRPr>
+            </a:lvl8pPr>
+            <a:lvl9pPr indent="0" algn="ctr">
+              <a:spcBef>
+                <a:spcPct val="20000"/>
+              </a:spcBef>
+              <a:buFont typeface="Arial" panose="020B0604020202020204" pitchFamily="34" charset="0"/>
+              <a:buNone/>
+              <a:defRPr sz="2000">
+                <a:solidFill>
+                  <a:schemeClr val="tx1">
+                    <a:tint val="75000"/>
+                  </a:schemeClr>
+                </a:solidFill>
+              </a:defRPr>
+            </a:lvl9pPr>
+          </a:lstStyle>
+          <a:p>
+            <a:pPr marL="457200" indent="-457200" algn="l">
+              <a:buFont typeface="Courier New" panose="02070309020205020404" pitchFamily="49" charset="0"/>
+              <a:buChar char="o"/>
+            </a:pPr>
+            <a:r>
+              <a:rPr lang="en-US" sz="2400" b="0" dirty="0" smtClean="0"/>
+              <a:t>32 bit CPU with GPIO ports and </a:t>
+            </a:r>
+            <a:r>
+              <a:rPr lang="en-US" sz="2400" b="0" dirty="0" err="1" smtClean="0"/>
+              <a:t>WiFi</a:t>
+            </a:r>
+            <a:endParaRPr lang="en-US" sz="2400" b="0" dirty="0" smtClean="0"/>
+          </a:p>
+          <a:p>
+            <a:pPr marL="914400" lvl="1" indent="-457200" algn="l">
+              <a:buFont typeface="Courier New" panose="02070309020205020404" pitchFamily="49" charset="0"/>
+              <a:buChar char="o"/>
+            </a:pPr>
+            <a:r>
+              <a:rPr lang="en-US" sz="2200" dirty="0" smtClean="0"/>
+              <a:t>GPIO = general-purpose input/output</a:t>
+            </a:r>
+            <a:endParaRPr lang="en-US" sz="2200" b="0" dirty="0" smtClean="0"/>
+          </a:p>
+          <a:p>
+            <a:pPr marL="457200" indent="-457200" algn="l">
+              <a:buFont typeface="Courier New" panose="02070309020205020404" pitchFamily="49" charset="0"/>
+              <a:buChar char="o"/>
+            </a:pPr>
+            <a:r>
+              <a:rPr lang="cs-CZ" sz="2400" b="0" dirty="0" smtClean="0"/>
+              <a:t>CPU: 80 MHz</a:t>
+            </a:r>
+          </a:p>
+          <a:p>
+            <a:pPr marL="457200" indent="-457200" algn="l">
+              <a:buFont typeface="Courier New" panose="02070309020205020404" pitchFamily="49" charset="0"/>
+              <a:buChar char="o"/>
+            </a:pPr>
+            <a:r>
+              <a:rPr lang="en-US" sz="2400" b="0" dirty="0" smtClean="0"/>
+              <a:t>Memory</a:t>
+            </a:r>
+            <a:r>
+              <a:rPr lang="cs-CZ" sz="2400" b="0" dirty="0" smtClean="0"/>
+              <a:t>: 512kB – 4 MB</a:t>
+            </a:r>
+            <a:endParaRPr lang="en-US" sz="2400" b="0" dirty="0" smtClean="0"/>
+          </a:p>
+          <a:p>
+            <a:pPr marL="457200" indent="-457200" algn="l">
+              <a:buFont typeface="Courier New" panose="02070309020205020404" pitchFamily="49" charset="0"/>
+              <a:buChar char="o"/>
+            </a:pPr>
+            <a:r>
+              <a:rPr lang="en-US" sz="2400" b="0" dirty="0" smtClean="0"/>
+              <a:t>Programing languages: C, </a:t>
+            </a:r>
+            <a:r>
+              <a:rPr lang="en-US" sz="2400" b="0" dirty="0" err="1" smtClean="0"/>
+              <a:t>Lua</a:t>
+            </a:r>
+            <a:r>
+              <a:rPr lang="en-US" sz="2400" b="0" dirty="0" smtClean="0"/>
+              <a:t>, </a:t>
+            </a:r>
+            <a:r>
+              <a:rPr lang="en-US" sz="2400" b="0" dirty="0" err="1" smtClean="0"/>
+              <a:t>MicroPython</a:t>
+            </a:r>
+            <a:endParaRPr lang="en-US" sz="2400" b="0" dirty="0" smtClean="0"/>
+          </a:p>
+        </p:txBody>
+      </p:sp>
+      <p:pic>
+        <p:nvPicPr>
+          <p:cNvPr id="6" name="Picture 5"/>
+          <p:cNvPicPr>
+            <a:picLocks noChangeAspect="1"/>
+          </p:cNvPicPr>
+          <p:nvPr/>
+        </p:nvPicPr>
+        <p:blipFill>
+          <a:blip r:embed="rId2"/>
+          <a:stretch>
+            <a:fillRect/>
+          </a:stretch>
+        </p:blipFill>
+        <p:spPr>
+          <a:xfrm>
+            <a:off x="467544" y="408935"/>
+            <a:ext cx="809945" cy="623850"/>
+          </a:xfrm>
+          <a:prstGeom prst="rect">
+            <a:avLst/>
+          </a:prstGeom>
+        </p:spPr>
+      </p:pic>
+      <p:sp>
+        <p:nvSpPr>
+          <p:cNvPr id="19" name="Subtitle 2"/>
+          <p:cNvSpPr txBox="1">
+            <a:spLocks/>
+          </p:cNvSpPr>
+          <p:nvPr/>
+        </p:nvSpPr>
+        <p:spPr>
+          <a:xfrm>
+            <a:off x="611560" y="5481228"/>
+            <a:ext cx="8084999" cy="1376772"/>
+          </a:xfrm>
+          <a:prstGeom prst="rect">
+            <a:avLst/>
+          </a:prstGeom>
+        </p:spPr>
+        <p:txBody>
+          <a:bodyPr vert="horz" lIns="91440" tIns="45720" rIns="91440" bIns="45720" rtlCol="0" anchor="t">
+            <a:normAutofit/>
+          </a:bodyPr>
+          <a:lstStyle>
+            <a:lvl1pPr indent="0" algn="ctr">
+              <a:spcBef>
+                <a:spcPct val="20000"/>
+              </a:spcBef>
+              <a:buFont typeface="Arial" panose="020B0604020202020204" pitchFamily="34" charset="0"/>
+              <a:buNone/>
+              <a:defRPr sz="3000" b="1">
+                <a:solidFill>
+                  <a:schemeClr val="tx1">
+                    <a:tint val="75000"/>
+                  </a:schemeClr>
+                </a:solidFill>
+                <a:latin typeface="Tahoma" panose="020B0604030504040204" pitchFamily="34" charset="0"/>
+                <a:ea typeface="Tahoma" panose="020B0604030504040204" pitchFamily="34" charset="0"/>
+                <a:cs typeface="Tahoma" panose="020B0604030504040204" pitchFamily="34" charset="0"/>
+              </a:defRPr>
+            </a:lvl1pPr>
+            <a:lvl2pPr indent="0" algn="ctr">
+              <a:spcBef>
+                <a:spcPct val="20000"/>
+              </a:spcBef>
+              <a:buFont typeface="Arial" panose="020B0604020202020204" pitchFamily="34" charset="0"/>
+              <a:buNone/>
+              <a:defRPr sz="2800">
+                <a:solidFill>
+                  <a:schemeClr val="tx1">
+                    <a:tint val="75000"/>
+                  </a:schemeClr>
+                </a:solidFill>
+              </a:defRPr>
+            </a:lvl2pPr>
+            <a:lvl3pPr indent="0" algn="ctr">
+              <a:spcBef>
+                <a:spcPct val="20000"/>
+              </a:spcBef>
+              <a:buFont typeface="Arial" panose="020B0604020202020204" pitchFamily="34" charset="0"/>
+              <a:buNone/>
+              <a:defRPr sz="2400">
+                <a:solidFill>
+                  <a:schemeClr val="tx1">
+                    <a:tint val="75000"/>
+                  </a:schemeClr>
+                </a:solidFill>
+              </a:defRPr>
+            </a:lvl3pPr>
+            <a:lvl4pPr indent="0" algn="ctr">
+              <a:spcBef>
+                <a:spcPct val="20000"/>
+              </a:spcBef>
+              <a:buFont typeface="Arial" panose="020B0604020202020204" pitchFamily="34" charset="0"/>
+              <a:buNone/>
+              <a:defRPr sz="2000">
+                <a:solidFill>
+                  <a:schemeClr val="tx1">
+                    <a:tint val="75000"/>
+                  </a:schemeClr>
+                </a:solidFill>
+              </a:defRPr>
+            </a:lvl4pPr>
+            <a:lvl5pPr indent="0" algn="ctr">
+              <a:spcBef>
+                <a:spcPct val="20000"/>
+              </a:spcBef>
+              <a:buFont typeface="Arial" panose="020B0604020202020204" pitchFamily="34" charset="0"/>
+              <a:buNone/>
+              <a:defRPr sz="2000">
+                <a:solidFill>
+                  <a:schemeClr val="tx1">
+                    <a:tint val="75000"/>
+                  </a:schemeClr>
+                </a:solidFill>
+              </a:defRPr>
+            </a:lvl5pPr>
+            <a:lvl6pPr indent="0" algn="ctr">
+              <a:spcBef>
+                <a:spcPct val="20000"/>
+              </a:spcBef>
+              <a:buFont typeface="Arial" panose="020B0604020202020204" pitchFamily="34" charset="0"/>
+              <a:buNone/>
+              <a:defRPr sz="2000">
+                <a:solidFill>
+                  <a:schemeClr val="tx1">
+                    <a:tint val="75000"/>
+                  </a:schemeClr>
+                </a:solidFill>
+              </a:defRPr>
+            </a:lvl6pPr>
+            <a:lvl7pPr indent="0" algn="ctr">
+              <a:spcBef>
+                <a:spcPct val="20000"/>
+              </a:spcBef>
+              <a:buFont typeface="Arial" panose="020B0604020202020204" pitchFamily="34" charset="0"/>
+              <a:buNone/>
+              <a:defRPr sz="2000">
+                <a:solidFill>
+                  <a:schemeClr val="tx1">
+                    <a:tint val="75000"/>
+                  </a:schemeClr>
+                </a:solidFill>
+              </a:defRPr>
+            </a:lvl7pPr>
+            <a:lvl8pPr indent="0" algn="ctr">
+              <a:spcBef>
+                <a:spcPct val="20000"/>
+              </a:spcBef>
+              <a:buFont typeface="Arial" panose="020B0604020202020204" pitchFamily="34" charset="0"/>
+              <a:buNone/>
+              <a:defRPr sz="2000">
+                <a:solidFill>
+                  <a:schemeClr val="tx1">
+                    <a:tint val="75000"/>
+                  </a:schemeClr>
+                </a:solidFill>
+              </a:defRPr>
+            </a:lvl8pPr>
+            <a:lvl9pPr indent="0" algn="ctr">
+              <a:spcBef>
+                <a:spcPct val="20000"/>
+              </a:spcBef>
+              <a:buFont typeface="Arial" panose="020B0604020202020204" pitchFamily="34" charset="0"/>
+              <a:buNone/>
+              <a:defRPr sz="2000">
+                <a:solidFill>
+                  <a:schemeClr val="tx1">
+                    <a:tint val="75000"/>
+                  </a:schemeClr>
+                </a:solidFill>
+              </a:defRPr>
+            </a:lvl9pPr>
+          </a:lstStyle>
+          <a:p>
+            <a:pPr marL="457200" indent="-457200" algn="l">
+              <a:buFont typeface="Courier New" panose="02070309020205020404" pitchFamily="49" charset="0"/>
+              <a:buChar char="o"/>
+            </a:pPr>
+            <a:r>
+              <a:rPr lang="cs-CZ" sz="2400" b="0" dirty="0" smtClean="0"/>
+              <a:t>ESP 32</a:t>
+            </a:r>
+            <a:r>
+              <a:rPr lang="en-US" sz="2400" b="0" dirty="0" smtClean="0"/>
+              <a:t> is a successor of ESP 8266</a:t>
+            </a:r>
+          </a:p>
+          <a:p>
+            <a:pPr marL="914400" lvl="1" indent="-457200" algn="l">
+              <a:buFont typeface="Courier New" panose="02070309020205020404" pitchFamily="49" charset="0"/>
+              <a:buChar char="o"/>
+            </a:pPr>
+            <a:r>
+              <a:rPr lang="en-US" sz="2200" b="0" dirty="0" smtClean="0"/>
+              <a:t>Dual core, </a:t>
+            </a:r>
+            <a:r>
+              <a:rPr lang="en-US" sz="2200" b="0" dirty="0" err="1" smtClean="0"/>
+              <a:t>WiFi</a:t>
+            </a:r>
+            <a:r>
+              <a:rPr lang="en-US" sz="2200" b="0" dirty="0" smtClean="0"/>
+              <a:t> + Bluetooth</a:t>
+            </a:r>
+            <a:r>
+              <a:rPr lang="en-US" sz="2000" b="0" dirty="0" smtClean="0"/>
+              <a:t> </a:t>
+            </a:r>
+            <a:endParaRPr lang="en-US" sz="2000" b="0" dirty="0"/>
+          </a:p>
+        </p:txBody>
+      </p:sp>
+      <p:pic>
+        <p:nvPicPr>
+          <p:cNvPr id="20" name="Picture 19"/>
+          <p:cNvPicPr>
+            <a:picLocks noChangeAspect="1"/>
+          </p:cNvPicPr>
+          <p:nvPr/>
+        </p:nvPicPr>
+        <p:blipFill>
+          <a:blip r:embed="rId3"/>
+          <a:stretch>
+            <a:fillRect/>
+          </a:stretch>
+        </p:blipFill>
+        <p:spPr>
+          <a:xfrm>
+            <a:off x="544021" y="3449877"/>
+            <a:ext cx="8220075" cy="2028825"/>
+          </a:xfrm>
+          <a:prstGeom prst="rect">
+            <a:avLst/>
+          </a:prstGeom>
+        </p:spPr>
+      </p:pic>
+    </p:spTree>
+    <p:extLst>
+      <p:ext uri="{BB962C8B-B14F-4D97-AF65-F5344CB8AC3E}">
+        <p14:creationId xmlns:p14="http://schemas.microsoft.com/office/powerpoint/2010/main" val="216747887"/>
+      </p:ext>
+    </p:extLst>
+  </p:cSld>
+  <p:clrMapOvr>
+    <a:masterClrMapping/>
+  </p:clrMapOvr>
+  <p:timing>
+    <p:tnLst>
+      <p:par>
+        <p:cTn id="1" dur="indefinite" restart="never" nodeType="tmRoot"/>
+      </p:par>
+    </p:tnLst>
+  </p:timing>
+</p:sld>
+</file>
+
+<file path=ppt/slides/slide4.xml><?xml version="1.0" encoding="utf-8"?>
 <p:sld xmlns:a="http://schemas.openxmlformats.org/drawingml/2006/main" xmlns:r="http://schemas.openxmlformats.org/officeDocument/2006/relationships" xmlns:p="http://schemas.openxmlformats.org/presentationml/2006/main">
   <p:cSld>
     <p:spTree>
@@ -9054,7 +13368,7 @@
 </p:sld>
 </file>
 
-<file path=ppt/slides/slide4.xml><?xml version="1.0" encoding="utf-8"?>
+<file path=ppt/slides/slide5.xml><?xml version="1.0" encoding="utf-8"?>
 <p:sld xmlns:a="http://schemas.openxmlformats.org/drawingml/2006/main" xmlns:r="http://schemas.openxmlformats.org/officeDocument/2006/relationships" xmlns:p="http://schemas.openxmlformats.org/presentationml/2006/main">
   <p:cSld>
     <p:spTree>
@@ -9926,7 +14240,7 @@
 </p:sld>
 </file>
 
-<file path=ppt/slides/slide5.xml><?xml version="1.0" encoding="utf-8"?>
+<file path=ppt/slides/slide6.xml><?xml version="1.0" encoding="utf-8"?>
 <p:sld xmlns:a="http://schemas.openxmlformats.org/drawingml/2006/main" xmlns:r="http://schemas.openxmlformats.org/officeDocument/2006/relationships" xmlns:p="http://schemas.openxmlformats.org/presentationml/2006/main">
   <p:cSld>
     <p:spTree>
@@ -10763,7 +15077,7 @@
 </p:sld>
 </file>
 
-<file path=ppt/slides/slide6.xml><?xml version="1.0" encoding="utf-8"?>
+<file path=ppt/slides/slide7.xml><?xml version="1.0" encoding="utf-8"?>
 <p:sld xmlns:a="http://schemas.openxmlformats.org/drawingml/2006/main" xmlns:r="http://schemas.openxmlformats.org/officeDocument/2006/relationships" xmlns:p="http://schemas.openxmlformats.org/presentationml/2006/main">
   <p:cSld>
     <p:spTree>
@@ -11553,7 +15867,7 @@
 </p:sld>
 </file>
 
-<file path=ppt/slides/slide7.xml><?xml version="1.0" encoding="utf-8"?>
+<file path=ppt/slides/slide8.xml><?xml version="1.0" encoding="utf-8"?>
 <p:sld xmlns:a="http://schemas.openxmlformats.org/drawingml/2006/main" xmlns:r="http://schemas.openxmlformats.org/officeDocument/2006/relationships" xmlns:p="http://schemas.openxmlformats.org/presentationml/2006/main">
   <p:cSld>
     <p:spTree>
@@ -12055,7 +16369,7 @@
 </p:sld>
 </file>
 
-<file path=ppt/slides/slide8.xml><?xml version="1.0" encoding="utf-8"?>
+<file path=ppt/slides/slide9.xml><?xml version="1.0" encoding="utf-8"?>
 <p:sld xmlns:a="http://schemas.openxmlformats.org/drawingml/2006/main" xmlns:r="http://schemas.openxmlformats.org/officeDocument/2006/relationships" xmlns:p="http://schemas.openxmlformats.org/presentationml/2006/main">
   <p:cSld>
     <p:spTree>
@@ -12541,508 +16855,6 @@
     <p:extLst>
       <p:ext uri="{BB962C8B-B14F-4D97-AF65-F5344CB8AC3E}">
         <p14:creationId xmlns:p14="http://schemas.microsoft.com/office/powerpoint/2010/main" val="3961316146"/>
-      </p:ext>
-    </p:extLst>
-  </p:cSld>
-  <p:clrMapOvr>
-    <a:masterClrMapping/>
-  </p:clrMapOvr>
-  <p:timing>
-    <p:tnLst>
-      <p:par>
-        <p:cTn id="1" dur="indefinite" restart="never" nodeType="tmRoot"/>
-      </p:par>
-    </p:tnLst>
-  </p:timing>
-</p:sld>
-</file>
-
-<file path=ppt/slides/slide9.xml><?xml version="1.0" encoding="utf-8"?>
-<p:sld xmlns:a="http://schemas.openxmlformats.org/drawingml/2006/main" xmlns:r="http://schemas.openxmlformats.org/officeDocument/2006/relationships" xmlns:p="http://schemas.openxmlformats.org/presentationml/2006/main">
-  <p:cSld>
-    <p:spTree>
-      <p:nvGrpSpPr>
-        <p:cNvPr id="1" name=""/>
-        <p:cNvGrpSpPr/>
-        <p:nvPr/>
-      </p:nvGrpSpPr>
-      <p:grpSpPr>
-        <a:xfrm>
-          <a:off x="0" y="0"/>
-          <a:ext cx="0" cy="0"/>
-          <a:chOff x="0" y="0"/>
-          <a:chExt cx="0" cy="0"/>
-        </a:xfrm>
-      </p:grpSpPr>
-      <p:sp>
-        <p:nvSpPr>
-          <p:cNvPr id="2" name="Subtitle 2"/>
-          <p:cNvSpPr txBox="1">
-            <a:spLocks/>
-          </p:cNvSpPr>
-          <p:nvPr/>
-        </p:nvSpPr>
-        <p:spPr>
-          <a:xfrm>
-            <a:off x="1547664" y="332656"/>
-            <a:ext cx="7264896" cy="776408"/>
-          </a:xfrm>
-          <a:prstGeom prst="rect">
-            <a:avLst/>
-          </a:prstGeom>
-        </p:spPr>
-        <p:txBody>
-          <a:bodyPr vert="horz" lIns="91440" tIns="45720" rIns="91440" bIns="45720" rtlCol="0" anchor="ctr">
-            <a:normAutofit/>
-          </a:bodyPr>
-          <a:lstStyle>
-            <a:lvl1pPr indent="0" algn="ctr">
-              <a:spcBef>
-                <a:spcPct val="20000"/>
-              </a:spcBef>
-              <a:buFont typeface="Arial" panose="020B0604020202020204" pitchFamily="34" charset="0"/>
-              <a:buNone/>
-              <a:defRPr sz="3000" b="1">
-                <a:solidFill>
-                  <a:schemeClr val="tx1">
-                    <a:tint val="75000"/>
-                  </a:schemeClr>
-                </a:solidFill>
-                <a:latin typeface="Tahoma" panose="020B0604030504040204" pitchFamily="34" charset="0"/>
-                <a:ea typeface="Tahoma" panose="020B0604030504040204" pitchFamily="34" charset="0"/>
-                <a:cs typeface="Tahoma" panose="020B0604030504040204" pitchFamily="34" charset="0"/>
-              </a:defRPr>
-            </a:lvl1pPr>
-            <a:lvl2pPr indent="0" algn="ctr">
-              <a:spcBef>
-                <a:spcPct val="20000"/>
-              </a:spcBef>
-              <a:buFont typeface="Arial" panose="020B0604020202020204" pitchFamily="34" charset="0"/>
-              <a:buNone/>
-              <a:defRPr sz="2800">
-                <a:solidFill>
-                  <a:schemeClr val="tx1">
-                    <a:tint val="75000"/>
-                  </a:schemeClr>
-                </a:solidFill>
-              </a:defRPr>
-            </a:lvl2pPr>
-            <a:lvl3pPr indent="0" algn="ctr">
-              <a:spcBef>
-                <a:spcPct val="20000"/>
-              </a:spcBef>
-              <a:buFont typeface="Arial" panose="020B0604020202020204" pitchFamily="34" charset="0"/>
-              <a:buNone/>
-              <a:defRPr sz="2400">
-                <a:solidFill>
-                  <a:schemeClr val="tx1">
-                    <a:tint val="75000"/>
-                  </a:schemeClr>
-                </a:solidFill>
-              </a:defRPr>
-            </a:lvl3pPr>
-            <a:lvl4pPr indent="0" algn="ctr">
-              <a:spcBef>
-                <a:spcPct val="20000"/>
-              </a:spcBef>
-              <a:buFont typeface="Arial" panose="020B0604020202020204" pitchFamily="34" charset="0"/>
-              <a:buNone/>
-              <a:defRPr sz="2000">
-                <a:solidFill>
-                  <a:schemeClr val="tx1">
-                    <a:tint val="75000"/>
-                  </a:schemeClr>
-                </a:solidFill>
-              </a:defRPr>
-            </a:lvl4pPr>
-            <a:lvl5pPr indent="0" algn="ctr">
-              <a:spcBef>
-                <a:spcPct val="20000"/>
-              </a:spcBef>
-              <a:buFont typeface="Arial" panose="020B0604020202020204" pitchFamily="34" charset="0"/>
-              <a:buNone/>
-              <a:defRPr sz="2000">
-                <a:solidFill>
-                  <a:schemeClr val="tx1">
-                    <a:tint val="75000"/>
-                  </a:schemeClr>
-                </a:solidFill>
-              </a:defRPr>
-            </a:lvl5pPr>
-            <a:lvl6pPr indent="0" algn="ctr">
-              <a:spcBef>
-                <a:spcPct val="20000"/>
-              </a:spcBef>
-              <a:buFont typeface="Arial" panose="020B0604020202020204" pitchFamily="34" charset="0"/>
-              <a:buNone/>
-              <a:defRPr sz="2000">
-                <a:solidFill>
-                  <a:schemeClr val="tx1">
-                    <a:tint val="75000"/>
-                  </a:schemeClr>
-                </a:solidFill>
-              </a:defRPr>
-            </a:lvl6pPr>
-            <a:lvl7pPr indent="0" algn="ctr">
-              <a:spcBef>
-                <a:spcPct val="20000"/>
-              </a:spcBef>
-              <a:buFont typeface="Arial" panose="020B0604020202020204" pitchFamily="34" charset="0"/>
-              <a:buNone/>
-              <a:defRPr sz="2000">
-                <a:solidFill>
-                  <a:schemeClr val="tx1">
-                    <a:tint val="75000"/>
-                  </a:schemeClr>
-                </a:solidFill>
-              </a:defRPr>
-            </a:lvl7pPr>
-            <a:lvl8pPr indent="0" algn="ctr">
-              <a:spcBef>
-                <a:spcPct val="20000"/>
-              </a:spcBef>
-              <a:buFont typeface="Arial" panose="020B0604020202020204" pitchFamily="34" charset="0"/>
-              <a:buNone/>
-              <a:defRPr sz="2000">
-                <a:solidFill>
-                  <a:schemeClr val="tx1">
-                    <a:tint val="75000"/>
-                  </a:schemeClr>
-                </a:solidFill>
-              </a:defRPr>
-            </a:lvl8pPr>
-            <a:lvl9pPr indent="0" algn="ctr">
-              <a:spcBef>
-                <a:spcPct val="20000"/>
-              </a:spcBef>
-              <a:buFont typeface="Arial" panose="020B0604020202020204" pitchFamily="34" charset="0"/>
-              <a:buNone/>
-              <a:defRPr sz="2000">
-                <a:solidFill>
-                  <a:schemeClr val="tx1">
-                    <a:tint val="75000"/>
-                  </a:schemeClr>
-                </a:solidFill>
-              </a:defRPr>
-            </a:lvl9pPr>
-          </a:lstStyle>
-          <a:p>
-            <a:pPr algn="l"/>
-            <a:r>
-              <a:rPr lang="en-US" sz="3200" dirty="0" smtClean="0">
-                <a:solidFill>
-                  <a:srgbClr val="00B0F0"/>
-                </a:solidFill>
-              </a:rPr>
-              <a:t>Connection | ESP-12</a:t>
-            </a:r>
-            <a:endParaRPr lang="en-US" sz="3200" dirty="0">
-              <a:solidFill>
-                <a:srgbClr val="00B0F0"/>
-              </a:solidFill>
-            </a:endParaRPr>
-          </a:p>
-        </p:txBody>
-      </p:sp>
-      <p:sp>
-        <p:nvSpPr>
-          <p:cNvPr id="3" name="Rectangle 2"/>
-          <p:cNvSpPr/>
-          <p:nvPr/>
-        </p:nvSpPr>
-        <p:spPr>
-          <a:xfrm>
-            <a:off x="2636" y="6309320"/>
-            <a:ext cx="9141365" cy="551206"/>
-          </a:xfrm>
-          <a:prstGeom prst="rect">
-            <a:avLst/>
-          </a:prstGeom>
-          <a:ln>
-            <a:noFill/>
-          </a:ln>
-        </p:spPr>
-        <p:style>
-          <a:lnRef idx="2">
-            <a:schemeClr val="accent1">
-              <a:shade val="50000"/>
-            </a:schemeClr>
-          </a:lnRef>
-          <a:fillRef idx="1">
-            <a:schemeClr val="accent1"/>
-          </a:fillRef>
-          <a:effectRef idx="0">
-            <a:schemeClr val="accent1"/>
-          </a:effectRef>
-          <a:fontRef idx="minor">
-            <a:schemeClr val="lt1"/>
-          </a:fontRef>
-        </p:style>
-        <p:txBody>
-          <a:bodyPr rtlCol="0" anchor="ctr"/>
-          <a:lstStyle/>
-          <a:p>
-            <a:pPr algn="ctr"/>
-            <a:endParaRPr lang="en-US"/>
-          </a:p>
-        </p:txBody>
-      </p:sp>
-      <p:sp>
-        <p:nvSpPr>
-          <p:cNvPr id="5" name="Subtitle 2"/>
-          <p:cNvSpPr txBox="1">
-            <a:spLocks/>
-          </p:cNvSpPr>
-          <p:nvPr/>
-        </p:nvSpPr>
-        <p:spPr>
-          <a:xfrm>
-            <a:off x="611560" y="1304764"/>
-            <a:ext cx="8084999" cy="5004556"/>
-          </a:xfrm>
-          <a:prstGeom prst="rect">
-            <a:avLst/>
-          </a:prstGeom>
-        </p:spPr>
-        <p:txBody>
-          <a:bodyPr vert="horz" lIns="91440" tIns="45720" rIns="91440" bIns="45720" rtlCol="0" anchor="t">
-            <a:normAutofit/>
-          </a:bodyPr>
-          <a:lstStyle>
-            <a:lvl1pPr indent="0" algn="ctr">
-              <a:spcBef>
-                <a:spcPct val="20000"/>
-              </a:spcBef>
-              <a:buFont typeface="Arial" panose="020B0604020202020204" pitchFamily="34" charset="0"/>
-              <a:buNone/>
-              <a:defRPr sz="3000" b="1">
-                <a:solidFill>
-                  <a:schemeClr val="tx1">
-                    <a:tint val="75000"/>
-                  </a:schemeClr>
-                </a:solidFill>
-                <a:latin typeface="Tahoma" panose="020B0604030504040204" pitchFamily="34" charset="0"/>
-                <a:ea typeface="Tahoma" panose="020B0604030504040204" pitchFamily="34" charset="0"/>
-                <a:cs typeface="Tahoma" panose="020B0604030504040204" pitchFamily="34" charset="0"/>
-              </a:defRPr>
-            </a:lvl1pPr>
-            <a:lvl2pPr indent="0" algn="ctr">
-              <a:spcBef>
-                <a:spcPct val="20000"/>
-              </a:spcBef>
-              <a:buFont typeface="Arial" panose="020B0604020202020204" pitchFamily="34" charset="0"/>
-              <a:buNone/>
-              <a:defRPr sz="2800">
-                <a:solidFill>
-                  <a:schemeClr val="tx1">
-                    <a:tint val="75000"/>
-                  </a:schemeClr>
-                </a:solidFill>
-              </a:defRPr>
-            </a:lvl2pPr>
-            <a:lvl3pPr indent="0" algn="ctr">
-              <a:spcBef>
-                <a:spcPct val="20000"/>
-              </a:spcBef>
-              <a:buFont typeface="Arial" panose="020B0604020202020204" pitchFamily="34" charset="0"/>
-              <a:buNone/>
-              <a:defRPr sz="2400">
-                <a:solidFill>
-                  <a:schemeClr val="tx1">
-                    <a:tint val="75000"/>
-                  </a:schemeClr>
-                </a:solidFill>
-              </a:defRPr>
-            </a:lvl3pPr>
-            <a:lvl4pPr indent="0" algn="ctr">
-              <a:spcBef>
-                <a:spcPct val="20000"/>
-              </a:spcBef>
-              <a:buFont typeface="Arial" panose="020B0604020202020204" pitchFamily="34" charset="0"/>
-              <a:buNone/>
-              <a:defRPr sz="2000">
-                <a:solidFill>
-                  <a:schemeClr val="tx1">
-                    <a:tint val="75000"/>
-                  </a:schemeClr>
-                </a:solidFill>
-              </a:defRPr>
-            </a:lvl4pPr>
-            <a:lvl5pPr indent="0" algn="ctr">
-              <a:spcBef>
-                <a:spcPct val="20000"/>
-              </a:spcBef>
-              <a:buFont typeface="Arial" panose="020B0604020202020204" pitchFamily="34" charset="0"/>
-              <a:buNone/>
-              <a:defRPr sz="2000">
-                <a:solidFill>
-                  <a:schemeClr val="tx1">
-                    <a:tint val="75000"/>
-                  </a:schemeClr>
-                </a:solidFill>
-              </a:defRPr>
-            </a:lvl5pPr>
-            <a:lvl6pPr indent="0" algn="ctr">
-              <a:spcBef>
-                <a:spcPct val="20000"/>
-              </a:spcBef>
-              <a:buFont typeface="Arial" panose="020B0604020202020204" pitchFamily="34" charset="0"/>
-              <a:buNone/>
-              <a:defRPr sz="2000">
-                <a:solidFill>
-                  <a:schemeClr val="tx1">
-                    <a:tint val="75000"/>
-                  </a:schemeClr>
-                </a:solidFill>
-              </a:defRPr>
-            </a:lvl6pPr>
-            <a:lvl7pPr indent="0" algn="ctr">
-              <a:spcBef>
-                <a:spcPct val="20000"/>
-              </a:spcBef>
-              <a:buFont typeface="Arial" panose="020B0604020202020204" pitchFamily="34" charset="0"/>
-              <a:buNone/>
-              <a:defRPr sz="2000">
-                <a:solidFill>
-                  <a:schemeClr val="tx1">
-                    <a:tint val="75000"/>
-                  </a:schemeClr>
-                </a:solidFill>
-              </a:defRPr>
-            </a:lvl7pPr>
-            <a:lvl8pPr indent="0" algn="ctr">
-              <a:spcBef>
-                <a:spcPct val="20000"/>
-              </a:spcBef>
-              <a:buFont typeface="Arial" panose="020B0604020202020204" pitchFamily="34" charset="0"/>
-              <a:buNone/>
-              <a:defRPr sz="2000">
-                <a:solidFill>
-                  <a:schemeClr val="tx1">
-                    <a:tint val="75000"/>
-                  </a:schemeClr>
-                </a:solidFill>
-              </a:defRPr>
-            </a:lvl8pPr>
-            <a:lvl9pPr indent="0" algn="ctr">
-              <a:spcBef>
-                <a:spcPct val="20000"/>
-              </a:spcBef>
-              <a:buFont typeface="Arial" panose="020B0604020202020204" pitchFamily="34" charset="0"/>
-              <a:buNone/>
-              <a:defRPr sz="2000">
-                <a:solidFill>
-                  <a:schemeClr val="tx1">
-                    <a:tint val="75000"/>
-                  </a:schemeClr>
-                </a:solidFill>
-              </a:defRPr>
-            </a:lvl9pPr>
-          </a:lstStyle>
-          <a:p>
-            <a:pPr marL="457200" indent="-457200" algn="l">
-              <a:buFont typeface="Courier New" panose="02070309020205020404" pitchFamily="49" charset="0"/>
-              <a:buChar char="o"/>
-            </a:pPr>
-            <a:endParaRPr lang="en-US" sz="2400" b="0" dirty="0" smtClean="0"/>
-          </a:p>
-          <a:p>
-            <a:pPr marL="914400" lvl="1" indent="-457200" algn="l">
-              <a:buFont typeface="Courier New" panose="02070309020205020404" pitchFamily="49" charset="0"/>
-              <a:buChar char="o"/>
-            </a:pPr>
-            <a:endParaRPr lang="en-US" sz="2200" b="0" dirty="0"/>
-          </a:p>
-        </p:txBody>
-      </p:sp>
-      <p:pic>
-        <p:nvPicPr>
-          <p:cNvPr id="6" name="Picture 5"/>
-          <p:cNvPicPr>
-            <a:picLocks noChangeAspect="1"/>
-          </p:cNvPicPr>
-          <p:nvPr/>
-        </p:nvPicPr>
-        <p:blipFill>
-          <a:blip r:embed="rId2"/>
-          <a:stretch>
-            <a:fillRect/>
-          </a:stretch>
-        </p:blipFill>
-        <p:spPr>
-          <a:xfrm>
-            <a:off x="467544" y="408935"/>
-            <a:ext cx="809945" cy="623850"/>
-          </a:xfrm>
-          <a:prstGeom prst="rect">
-            <a:avLst/>
-          </a:prstGeom>
-        </p:spPr>
-      </p:pic>
-      <p:pic>
-        <p:nvPicPr>
-          <p:cNvPr id="7" name="Picture 6"/>
-          <p:cNvPicPr>
-            <a:picLocks noChangeAspect="1"/>
-          </p:cNvPicPr>
-          <p:nvPr/>
-        </p:nvPicPr>
-        <p:blipFill>
-          <a:blip r:embed="rId3" cstate="print">
-            <a:extLst>
-              <a:ext uri="{28A0092B-C50C-407E-A947-70E740481C1C}">
-                <a14:useLocalDpi xmlns:a14="http://schemas.microsoft.com/office/drawing/2010/main" val="0"/>
-              </a:ext>
-            </a:extLst>
-          </a:blip>
-          <a:stretch>
-            <a:fillRect/>
-          </a:stretch>
-        </p:blipFill>
-        <p:spPr>
-          <a:xfrm>
-            <a:off x="971600" y="1102055"/>
-            <a:ext cx="6984776" cy="5207266"/>
-          </a:xfrm>
-          <a:prstGeom prst="rect">
-            <a:avLst/>
-          </a:prstGeom>
-        </p:spPr>
-      </p:pic>
-      <p:pic>
-        <p:nvPicPr>
-          <p:cNvPr id="4" name="Picture 3"/>
-          <p:cNvPicPr>
-            <a:picLocks noChangeAspect="1"/>
-          </p:cNvPicPr>
-          <p:nvPr/>
-        </p:nvPicPr>
-        <p:blipFill>
-          <a:blip r:embed="rId4" cstate="print">
-            <a:extLst>
-              <a:ext uri="{28A0092B-C50C-407E-A947-70E740481C1C}">
-                <a14:useLocalDpi xmlns:a14="http://schemas.microsoft.com/office/drawing/2010/main" val="0"/>
-              </a:ext>
-            </a:extLst>
-          </a:blip>
-          <a:stretch>
-            <a:fillRect/>
-          </a:stretch>
-        </p:blipFill>
-        <p:spPr>
-          <a:xfrm>
-            <a:off x="6237157" y="4605837"/>
-            <a:ext cx="1886329" cy="1690911"/>
-          </a:xfrm>
-          <a:prstGeom prst="rect">
-            <a:avLst/>
-          </a:prstGeom>
-        </p:spPr>
-      </p:pic>
-    </p:spTree>
-    <p:extLst>
-      <p:ext uri="{BB962C8B-B14F-4D97-AF65-F5344CB8AC3E}">
-        <p14:creationId xmlns:p14="http://schemas.microsoft.com/office/powerpoint/2010/main" val="2441515095"/>
       </p:ext>
     </p:extLst>
   </p:cSld>

--- a/DevSession - ESP8266.pptx
+++ b/DevSession - ESP8266.pptx
@@ -26,8 +26,8 @@
     <p:sldId id="266" r:id="rId20"/>
     <p:sldId id="269" r:id="rId21"/>
     <p:sldId id="263" r:id="rId22"/>
-    <p:sldId id="284" r:id="rId23"/>
-    <p:sldId id="262" r:id="rId24"/>
+    <p:sldId id="262" r:id="rId23"/>
+    <p:sldId id="284" r:id="rId24"/>
   </p:sldIdLst>
   <p:sldSz cx="9144000" cy="6858000" type="screen4x3"/>
   <p:notesSz cx="6858000" cy="9144000"/>
@@ -326,7 +326,7 @@
           <a:p>
             <a:fld id="{479DD079-A5C7-4211-B487-5DD4D6307C94}" type="datetimeFigureOut">
               <a:rPr lang="en-US" smtClean="0"/>
-              <a:t>1/22/2017</a:t>
+              <a:t>1/23/2017</a:t>
             </a:fld>
             <a:endParaRPr lang="en-US"/>
           </a:p>
@@ -496,7 +496,7 @@
           <a:p>
             <a:fld id="{479DD079-A5C7-4211-B487-5DD4D6307C94}" type="datetimeFigureOut">
               <a:rPr lang="en-US" smtClean="0"/>
-              <a:t>1/22/2017</a:t>
+              <a:t>1/23/2017</a:t>
             </a:fld>
             <a:endParaRPr lang="en-US"/>
           </a:p>
@@ -676,7 +676,7 @@
           <a:p>
             <a:fld id="{479DD079-A5C7-4211-B487-5DD4D6307C94}" type="datetimeFigureOut">
               <a:rPr lang="en-US" smtClean="0"/>
-              <a:t>1/22/2017</a:t>
+              <a:t>1/23/2017</a:t>
             </a:fld>
             <a:endParaRPr lang="en-US"/>
           </a:p>
@@ -846,7 +846,7 @@
           <a:p>
             <a:fld id="{479DD079-A5C7-4211-B487-5DD4D6307C94}" type="datetimeFigureOut">
               <a:rPr lang="en-US" smtClean="0"/>
-              <a:t>1/22/2017</a:t>
+              <a:t>1/23/2017</a:t>
             </a:fld>
             <a:endParaRPr lang="en-US"/>
           </a:p>
@@ -1092,7 +1092,7 @@
           <a:p>
             <a:fld id="{479DD079-A5C7-4211-B487-5DD4D6307C94}" type="datetimeFigureOut">
               <a:rPr lang="en-US" smtClean="0"/>
-              <a:t>1/22/2017</a:t>
+              <a:t>1/23/2017</a:t>
             </a:fld>
             <a:endParaRPr lang="en-US"/>
           </a:p>
@@ -1380,7 +1380,7 @@
           <a:p>
             <a:fld id="{479DD079-A5C7-4211-B487-5DD4D6307C94}" type="datetimeFigureOut">
               <a:rPr lang="en-US" smtClean="0"/>
-              <a:t>1/22/2017</a:t>
+              <a:t>1/23/2017</a:t>
             </a:fld>
             <a:endParaRPr lang="en-US"/>
           </a:p>
@@ -1802,7 +1802,7 @@
           <a:p>
             <a:fld id="{479DD079-A5C7-4211-B487-5DD4D6307C94}" type="datetimeFigureOut">
               <a:rPr lang="en-US" smtClean="0"/>
-              <a:t>1/22/2017</a:t>
+              <a:t>1/23/2017</a:t>
             </a:fld>
             <a:endParaRPr lang="en-US"/>
           </a:p>
@@ -1920,7 +1920,7 @@
           <a:p>
             <a:fld id="{479DD079-A5C7-4211-B487-5DD4D6307C94}" type="datetimeFigureOut">
               <a:rPr lang="en-US" smtClean="0"/>
-              <a:t>1/22/2017</a:t>
+              <a:t>1/23/2017</a:t>
             </a:fld>
             <a:endParaRPr lang="en-US"/>
           </a:p>
@@ -2015,7 +2015,7 @@
           <a:p>
             <a:fld id="{479DD079-A5C7-4211-B487-5DD4D6307C94}" type="datetimeFigureOut">
               <a:rPr lang="en-US" smtClean="0"/>
-              <a:t>1/22/2017</a:t>
+              <a:t>1/23/2017</a:t>
             </a:fld>
             <a:endParaRPr lang="en-US"/>
           </a:p>
@@ -2292,7 +2292,7 @@
           <a:p>
             <a:fld id="{479DD079-A5C7-4211-B487-5DD4D6307C94}" type="datetimeFigureOut">
               <a:rPr lang="en-US" smtClean="0"/>
-              <a:t>1/22/2017</a:t>
+              <a:t>1/23/2017</a:t>
             </a:fld>
             <a:endParaRPr lang="en-US"/>
           </a:p>
@@ -2549,7 +2549,7 @@
           <a:p>
             <a:fld id="{479DD079-A5C7-4211-B487-5DD4D6307C94}" type="datetimeFigureOut">
               <a:rPr lang="en-US" smtClean="0"/>
-              <a:t>1/22/2017</a:t>
+              <a:t>1/23/2017</a:t>
             </a:fld>
             <a:endParaRPr lang="en-US"/>
           </a:p>
@@ -2762,7 +2762,7 @@
           <a:p>
             <a:fld id="{479DD079-A5C7-4211-B487-5DD4D6307C94}" type="datetimeFigureOut">
               <a:rPr lang="en-US" smtClean="0"/>
-              <a:t>1/22/2017</a:t>
+              <a:t>1/23/2017</a:t>
             </a:fld>
             <a:endParaRPr lang="en-US"/>
           </a:p>
@@ -5207,23 +5207,7 @@
                   <a:srgbClr val="00B0F0"/>
                 </a:solidFill>
               </a:rPr>
-              <a:t>Get Started </a:t>
-            </a:r>
-            <a:r>
-              <a:rPr lang="en-US" sz="3200" dirty="0" smtClean="0">
-                <a:solidFill>
-                  <a:srgbClr val="00B0F0"/>
-                </a:solidFill>
-              </a:rPr>
-              <a:t>on </a:t>
-            </a:r>
-            <a:r>
-              <a:rPr lang="en-US" sz="3200" dirty="0" smtClean="0">
-                <a:solidFill>
-                  <a:srgbClr val="00B0F0"/>
-                </a:solidFill>
-              </a:rPr>
-              <a:t>Windows</a:t>
+              <a:t>Get Started on Windows</a:t>
             </a:r>
             <a:endParaRPr lang="en-US" sz="3200" dirty="0">
               <a:solidFill>
@@ -6634,7 +6618,6 @@
               <a:rPr lang="en-US" sz="2400" b="0" dirty="0" smtClean="0"/>
               <a:t>Run the program</a:t>
             </a:r>
-            <a:endParaRPr lang="en-US" sz="2400" b="0" dirty="0" smtClean="0"/>
           </a:p>
           <a:p>
             <a:pPr marL="457200" indent="-457200" algn="l">
@@ -7661,7 +7644,6 @@
               <a:rPr lang="en-US" sz="2400" b="0" dirty="0" smtClean="0"/>
               <a:t>Servos</a:t>
             </a:r>
-            <a:endParaRPr lang="en-US" sz="2400" b="0" dirty="0" smtClean="0"/>
           </a:p>
           <a:p>
             <a:pPr marL="457200" indent="-457200" algn="l">
@@ -8121,7 +8103,6 @@
               <a:rPr lang="en-US" sz="2400" b="0" dirty="0" smtClean="0"/>
               <a:t>Use voltage divider to connect ECHO to ESP</a:t>
             </a:r>
-            <a:endParaRPr lang="en-US" sz="2400" b="0" dirty="0" smtClean="0"/>
           </a:p>
           <a:p>
             <a:pPr marL="914400" lvl="1" indent="-457200" algn="l">
@@ -9902,15 +9883,7 @@
                   <a:srgbClr val="00B0F0"/>
                 </a:solidFill>
               </a:rPr>
-              <a:t>Get Started </a:t>
-            </a:r>
-            <a:r>
-              <a:rPr lang="en-US" sz="3200" dirty="0" smtClean="0">
-                <a:solidFill>
-                  <a:srgbClr val="00B0F0"/>
-                </a:solidFill>
-              </a:rPr>
-              <a:t>on Mac OS X</a:t>
+              <a:t>Get Started on Mac OS X</a:t>
             </a:r>
             <a:endParaRPr lang="en-US" sz="3200" dirty="0">
               <a:solidFill>
@@ -10684,30 +10657,34 @@
           <a:p>
             <a:pPr lvl="1" algn="l"/>
             <a:r>
-              <a:rPr lang="en-US" sz="2400" b="0" dirty="0" smtClean="0"/>
+              <a:rPr lang="en-US" sz="2400" b="0" dirty="0" smtClean="0">
+                <a:hlinkClick r:id="rId2"/>
+              </a:rPr>
               <a:t>https</a:t>
             </a:r>
             <a:r>
-              <a:rPr lang="en-US" sz="2400" b="0" dirty="0"/>
+              <a:rPr lang="en-US" sz="2400" b="0" dirty="0">
+                <a:hlinkClick r:id="rId2"/>
+              </a:rPr>
               <a:t>://</a:t>
             </a:r>
             <a:r>
-              <a:rPr lang="en-US" sz="2400" b="0" dirty="0" smtClean="0"/>
+              <a:rPr lang="en-US" sz="2400" b="0" dirty="0" smtClean="0">
+                <a:hlinkClick r:id="rId2"/>
+              </a:rPr>
               <a:t>github.com/esp8266/Arduino</a:t>
             </a:r>
+            <a:endParaRPr lang="en-US" sz="2400" b="0" dirty="0" smtClean="0"/>
+          </a:p>
+          <a:p>
+            <a:pPr algn="l"/>
+            <a:endParaRPr lang="en-US" sz="2400" b="0" dirty="0"/>
           </a:p>
           <a:p>
             <a:pPr marL="457200" indent="-457200" algn="l">
               <a:buFont typeface="Courier New" panose="02070309020205020404" pitchFamily="49" charset="0"/>
               <a:buChar char="o"/>
             </a:pPr>
-            <a:endParaRPr lang="en-US" sz="2400" b="0" dirty="0"/>
-          </a:p>
-          <a:p>
-            <a:pPr marL="457200" indent="-457200" algn="l">
-              <a:buFont typeface="Courier New" panose="02070309020205020404" pitchFamily="49" charset="0"/>
-              <a:buChar char="o"/>
-            </a:pPr>
             <a:r>
               <a:rPr lang="en-US" sz="2400" b="0" dirty="0" smtClean="0"/>
               <a:t>Build in + external libraries</a:t>
@@ -10716,17 +10693,22 @@
           <a:p>
             <a:pPr lvl="1" algn="l"/>
             <a:r>
-              <a:rPr lang="cs-CZ" sz="2400" dirty="0"/>
-              <a:t>https://github.com/esp8266/Arduino/blob/master/doc/libraries.md</a:t>
-            </a:r>
-            <a:endParaRPr lang="cs-CZ" sz="2400" b="0" dirty="0"/>
-          </a:p>
-          <a:p>
-            <a:pPr marL="457200" indent="-457200" algn="l">
-              <a:buFont typeface="Courier New" panose="02070309020205020404" pitchFamily="49" charset="0"/>
-              <a:buChar char="o"/>
-            </a:pPr>
-            <a:endParaRPr lang="en-US" sz="2400" b="0" dirty="0"/>
+              <a:rPr lang="cs-CZ" sz="2400" dirty="0">
+                <a:hlinkClick r:id="rId3"/>
+              </a:rPr>
+              <a:t>https://</a:t>
+            </a:r>
+            <a:r>
+              <a:rPr lang="cs-CZ" sz="2400" dirty="0" smtClean="0">
+                <a:hlinkClick r:id="rId3"/>
+              </a:rPr>
+              <a:t>github.com/esp8266/Arduino/blob/master/doc/libraries.md</a:t>
+            </a:r>
+            <a:endParaRPr lang="en-US" sz="2400" dirty="0"/>
+          </a:p>
+          <a:p>
+            <a:pPr lvl="1" algn="l"/>
+            <a:endParaRPr lang="en-US" sz="2400" dirty="0" smtClean="0"/>
           </a:p>
         </p:txBody>
       </p:sp>
@@ -10739,7 +10721,7 @@
           <p:nvPr/>
         </p:nvPicPr>
         <p:blipFill>
-          <a:blip r:embed="rId2"/>
+          <a:blip r:embed="rId4"/>
           <a:stretch>
             <a:fillRect/>
           </a:stretch>
@@ -10945,6 +10927,490 @@
           </a:lstStyle>
           <a:p>
             <a:pPr algn="l"/>
+            <a:r>
+              <a:rPr lang="en-US" sz="3200" dirty="0" smtClean="0">
+                <a:solidFill>
+                  <a:srgbClr val="00B0F0"/>
+                </a:solidFill>
+              </a:rPr>
+              <a:t>My GitHub</a:t>
+            </a:r>
+            <a:endParaRPr lang="en-US" sz="3200" dirty="0">
+              <a:solidFill>
+                <a:srgbClr val="00B0F0"/>
+              </a:solidFill>
+            </a:endParaRPr>
+          </a:p>
+        </p:txBody>
+      </p:sp>
+      <p:sp>
+        <p:nvSpPr>
+          <p:cNvPr id="3" name="Rectangle 2"/>
+          <p:cNvSpPr/>
+          <p:nvPr/>
+        </p:nvSpPr>
+        <p:spPr>
+          <a:xfrm>
+            <a:off x="2636" y="6309320"/>
+            <a:ext cx="9141365" cy="551206"/>
+          </a:xfrm>
+          <a:prstGeom prst="rect">
+            <a:avLst/>
+          </a:prstGeom>
+          <a:ln>
+            <a:noFill/>
+          </a:ln>
+        </p:spPr>
+        <p:style>
+          <a:lnRef idx="2">
+            <a:schemeClr val="accent1">
+              <a:shade val="50000"/>
+            </a:schemeClr>
+          </a:lnRef>
+          <a:fillRef idx="1">
+            <a:schemeClr val="accent1"/>
+          </a:fillRef>
+          <a:effectRef idx="0">
+            <a:schemeClr val="accent1"/>
+          </a:effectRef>
+          <a:fontRef idx="minor">
+            <a:schemeClr val="lt1"/>
+          </a:fontRef>
+        </p:style>
+        <p:txBody>
+          <a:bodyPr rtlCol="0" anchor="ctr"/>
+          <a:lstStyle/>
+          <a:p>
+            <a:pPr algn="ctr"/>
+            <a:endParaRPr lang="en-US"/>
+          </a:p>
+        </p:txBody>
+      </p:sp>
+      <p:sp>
+        <p:nvSpPr>
+          <p:cNvPr id="5" name="Subtitle 2"/>
+          <p:cNvSpPr txBox="1">
+            <a:spLocks/>
+          </p:cNvSpPr>
+          <p:nvPr/>
+        </p:nvSpPr>
+        <p:spPr>
+          <a:xfrm>
+            <a:off x="611560" y="1304764"/>
+            <a:ext cx="8084999" cy="5004556"/>
+          </a:xfrm>
+          <a:prstGeom prst="rect">
+            <a:avLst/>
+          </a:prstGeom>
+        </p:spPr>
+        <p:txBody>
+          <a:bodyPr vert="horz" lIns="91440" tIns="45720" rIns="91440" bIns="45720" rtlCol="0" anchor="t">
+            <a:normAutofit/>
+          </a:bodyPr>
+          <a:lstStyle>
+            <a:lvl1pPr indent="0" algn="ctr">
+              <a:spcBef>
+                <a:spcPct val="20000"/>
+              </a:spcBef>
+              <a:buFont typeface="Arial" panose="020B0604020202020204" pitchFamily="34" charset="0"/>
+              <a:buNone/>
+              <a:defRPr sz="3000" b="1">
+                <a:solidFill>
+                  <a:schemeClr val="tx1">
+                    <a:tint val="75000"/>
+                  </a:schemeClr>
+                </a:solidFill>
+                <a:latin typeface="Tahoma" panose="020B0604030504040204" pitchFamily="34" charset="0"/>
+                <a:ea typeface="Tahoma" panose="020B0604030504040204" pitchFamily="34" charset="0"/>
+                <a:cs typeface="Tahoma" panose="020B0604030504040204" pitchFamily="34" charset="0"/>
+              </a:defRPr>
+            </a:lvl1pPr>
+            <a:lvl2pPr indent="0" algn="ctr">
+              <a:spcBef>
+                <a:spcPct val="20000"/>
+              </a:spcBef>
+              <a:buFont typeface="Arial" panose="020B0604020202020204" pitchFamily="34" charset="0"/>
+              <a:buNone/>
+              <a:defRPr sz="2800">
+                <a:solidFill>
+                  <a:schemeClr val="tx1">
+                    <a:tint val="75000"/>
+                  </a:schemeClr>
+                </a:solidFill>
+              </a:defRPr>
+            </a:lvl2pPr>
+            <a:lvl3pPr indent="0" algn="ctr">
+              <a:spcBef>
+                <a:spcPct val="20000"/>
+              </a:spcBef>
+              <a:buFont typeface="Arial" panose="020B0604020202020204" pitchFamily="34" charset="0"/>
+              <a:buNone/>
+              <a:defRPr sz="2400">
+                <a:solidFill>
+                  <a:schemeClr val="tx1">
+                    <a:tint val="75000"/>
+                  </a:schemeClr>
+                </a:solidFill>
+              </a:defRPr>
+            </a:lvl3pPr>
+            <a:lvl4pPr indent="0" algn="ctr">
+              <a:spcBef>
+                <a:spcPct val="20000"/>
+              </a:spcBef>
+              <a:buFont typeface="Arial" panose="020B0604020202020204" pitchFamily="34" charset="0"/>
+              <a:buNone/>
+              <a:defRPr sz="2000">
+                <a:solidFill>
+                  <a:schemeClr val="tx1">
+                    <a:tint val="75000"/>
+                  </a:schemeClr>
+                </a:solidFill>
+              </a:defRPr>
+            </a:lvl4pPr>
+            <a:lvl5pPr indent="0" algn="ctr">
+              <a:spcBef>
+                <a:spcPct val="20000"/>
+              </a:spcBef>
+              <a:buFont typeface="Arial" panose="020B0604020202020204" pitchFamily="34" charset="0"/>
+              <a:buNone/>
+              <a:defRPr sz="2000">
+                <a:solidFill>
+                  <a:schemeClr val="tx1">
+                    <a:tint val="75000"/>
+                  </a:schemeClr>
+                </a:solidFill>
+              </a:defRPr>
+            </a:lvl5pPr>
+            <a:lvl6pPr indent="0" algn="ctr">
+              <a:spcBef>
+                <a:spcPct val="20000"/>
+              </a:spcBef>
+              <a:buFont typeface="Arial" panose="020B0604020202020204" pitchFamily="34" charset="0"/>
+              <a:buNone/>
+              <a:defRPr sz="2000">
+                <a:solidFill>
+                  <a:schemeClr val="tx1">
+                    <a:tint val="75000"/>
+                  </a:schemeClr>
+                </a:solidFill>
+              </a:defRPr>
+            </a:lvl6pPr>
+            <a:lvl7pPr indent="0" algn="ctr">
+              <a:spcBef>
+                <a:spcPct val="20000"/>
+              </a:spcBef>
+              <a:buFont typeface="Arial" panose="020B0604020202020204" pitchFamily="34" charset="0"/>
+              <a:buNone/>
+              <a:defRPr sz="2000">
+                <a:solidFill>
+                  <a:schemeClr val="tx1">
+                    <a:tint val="75000"/>
+                  </a:schemeClr>
+                </a:solidFill>
+              </a:defRPr>
+            </a:lvl7pPr>
+            <a:lvl8pPr indent="0" algn="ctr">
+              <a:spcBef>
+                <a:spcPct val="20000"/>
+              </a:spcBef>
+              <a:buFont typeface="Arial" panose="020B0604020202020204" pitchFamily="34" charset="0"/>
+              <a:buNone/>
+              <a:defRPr sz="2000">
+                <a:solidFill>
+                  <a:schemeClr val="tx1">
+                    <a:tint val="75000"/>
+                  </a:schemeClr>
+                </a:solidFill>
+              </a:defRPr>
+            </a:lvl8pPr>
+            <a:lvl9pPr indent="0" algn="ctr">
+              <a:spcBef>
+                <a:spcPct val="20000"/>
+              </a:spcBef>
+              <a:buFont typeface="Arial" panose="020B0604020202020204" pitchFamily="34" charset="0"/>
+              <a:buNone/>
+              <a:defRPr sz="2000">
+                <a:solidFill>
+                  <a:schemeClr val="tx1">
+                    <a:tint val="75000"/>
+                  </a:schemeClr>
+                </a:solidFill>
+              </a:defRPr>
+            </a:lvl9pPr>
+          </a:lstStyle>
+          <a:p>
+            <a:pPr marL="457200" indent="-457200" algn="l">
+              <a:buFont typeface="Courier New" panose="02070309020205020404" pitchFamily="49" charset="0"/>
+              <a:buChar char="o"/>
+            </a:pPr>
+            <a:endParaRPr lang="en-US" sz="2400" b="0" dirty="0" smtClean="0">
+              <a:hlinkClick r:id="rId2"/>
+            </a:endParaRPr>
+          </a:p>
+          <a:p>
+            <a:pPr marL="457200" indent="-457200" algn="l">
+              <a:buFont typeface="Courier New" panose="02070309020205020404" pitchFamily="49" charset="0"/>
+              <a:buChar char="o"/>
+            </a:pPr>
+            <a:r>
+              <a:rPr lang="en-US" sz="2400" b="0" dirty="0" smtClean="0">
+                <a:hlinkClick r:id="rId2"/>
+              </a:rPr>
+              <a:t>https</a:t>
+            </a:r>
+            <a:r>
+              <a:rPr lang="en-US" sz="2400" b="0" dirty="0">
+                <a:hlinkClick r:id="rId2"/>
+              </a:rPr>
+              <a:t>://</a:t>
+            </a:r>
+            <a:r>
+              <a:rPr lang="en-US" sz="2400" b="0" dirty="0" smtClean="0">
+                <a:hlinkClick r:id="rId2"/>
+              </a:rPr>
+              <a:t>github.com/apolo-11/esp8266</a:t>
+            </a:r>
+            <a:endParaRPr lang="en-US" sz="2400" b="0" dirty="0" smtClean="0"/>
+          </a:p>
+          <a:p>
+            <a:pPr marL="457200" indent="-457200" algn="l">
+              <a:buFont typeface="Courier New" panose="02070309020205020404" pitchFamily="49" charset="0"/>
+              <a:buChar char="o"/>
+            </a:pPr>
+            <a:endParaRPr lang="en-US" sz="2400" b="0" dirty="0" smtClean="0"/>
+          </a:p>
+          <a:p>
+            <a:pPr marL="914400" lvl="1" indent="-457200" algn="l">
+              <a:buFont typeface="Courier New" panose="02070309020205020404" pitchFamily="49" charset="0"/>
+              <a:buChar char="o"/>
+            </a:pPr>
+            <a:endParaRPr lang="en-US" sz="2200" b="0" dirty="0"/>
+          </a:p>
+        </p:txBody>
+      </p:sp>
+      <p:pic>
+        <p:nvPicPr>
+          <p:cNvPr id="6" name="Picture 5"/>
+          <p:cNvPicPr>
+            <a:picLocks noChangeAspect="1"/>
+          </p:cNvPicPr>
+          <p:nvPr/>
+        </p:nvPicPr>
+        <p:blipFill>
+          <a:blip r:embed="rId3"/>
+          <a:stretch>
+            <a:fillRect/>
+          </a:stretch>
+        </p:blipFill>
+        <p:spPr>
+          <a:xfrm>
+            <a:off x="467544" y="408935"/>
+            <a:ext cx="809945" cy="623850"/>
+          </a:xfrm>
+          <a:prstGeom prst="rect">
+            <a:avLst/>
+          </a:prstGeom>
+        </p:spPr>
+      </p:pic>
+    </p:spTree>
+    <p:extLst>
+      <p:ext uri="{BB962C8B-B14F-4D97-AF65-F5344CB8AC3E}">
+        <p14:creationId xmlns:p14="http://schemas.microsoft.com/office/powerpoint/2010/main" val="3037266953"/>
+      </p:ext>
+    </p:extLst>
+  </p:cSld>
+  <p:clrMapOvr>
+    <a:masterClrMapping/>
+  </p:clrMapOvr>
+  <mc:AlternateContent xmlns:mc="http://schemas.openxmlformats.org/markup-compatibility/2006">
+    <mc:Choice xmlns:p14="http://schemas.microsoft.com/office/powerpoint/2010/main" Requires="p14">
+      <p:transition spd="slow" p14:dur="2000"/>
+    </mc:Choice>
+    <mc:Fallback>
+      <p:transition spd="slow"/>
+    </mc:Fallback>
+  </mc:AlternateContent>
+  <p:timing>
+    <p:tnLst>
+      <p:par>
+        <p:cTn id="1" dur="indefinite" restart="never" nodeType="tmRoot"/>
+      </p:par>
+    </p:tnLst>
+  </p:timing>
+</p:sld>
+</file>
+
+<file path=ppt/slides/slide23.xml><?xml version="1.0" encoding="utf-8"?>
+<p:sld xmlns:a="http://schemas.openxmlformats.org/drawingml/2006/main" xmlns:r="http://schemas.openxmlformats.org/officeDocument/2006/relationships" xmlns:p="http://schemas.openxmlformats.org/presentationml/2006/main">
+  <p:cSld>
+    <p:spTree>
+      <p:nvGrpSpPr>
+        <p:cNvPr id="1" name=""/>
+        <p:cNvGrpSpPr/>
+        <p:nvPr/>
+      </p:nvGrpSpPr>
+      <p:grpSpPr>
+        <a:xfrm>
+          <a:off x="0" y="0"/>
+          <a:ext cx="0" cy="0"/>
+          <a:chOff x="0" y="0"/>
+          <a:chExt cx="0" cy="0"/>
+        </a:xfrm>
+      </p:grpSpPr>
+      <p:sp>
+        <p:nvSpPr>
+          <p:cNvPr id="2" name="Subtitle 2"/>
+          <p:cNvSpPr txBox="1">
+            <a:spLocks/>
+          </p:cNvSpPr>
+          <p:nvPr/>
+        </p:nvSpPr>
+        <p:spPr>
+          <a:xfrm>
+            <a:off x="1547664" y="332656"/>
+            <a:ext cx="7264896" cy="776408"/>
+          </a:xfrm>
+          <a:prstGeom prst="rect">
+            <a:avLst/>
+          </a:prstGeom>
+        </p:spPr>
+        <p:txBody>
+          <a:bodyPr vert="horz" lIns="91440" tIns="45720" rIns="91440" bIns="45720" rtlCol="0" anchor="ctr">
+            <a:normAutofit/>
+          </a:bodyPr>
+          <a:lstStyle>
+            <a:lvl1pPr indent="0" algn="ctr">
+              <a:spcBef>
+                <a:spcPct val="20000"/>
+              </a:spcBef>
+              <a:buFont typeface="Arial" panose="020B0604020202020204" pitchFamily="34" charset="0"/>
+              <a:buNone/>
+              <a:defRPr sz="3000" b="1">
+                <a:solidFill>
+                  <a:schemeClr val="tx1">
+                    <a:tint val="75000"/>
+                  </a:schemeClr>
+                </a:solidFill>
+                <a:latin typeface="Tahoma" panose="020B0604030504040204" pitchFamily="34" charset="0"/>
+                <a:ea typeface="Tahoma" panose="020B0604030504040204" pitchFamily="34" charset="0"/>
+                <a:cs typeface="Tahoma" panose="020B0604030504040204" pitchFamily="34" charset="0"/>
+              </a:defRPr>
+            </a:lvl1pPr>
+            <a:lvl2pPr indent="0" algn="ctr">
+              <a:spcBef>
+                <a:spcPct val="20000"/>
+              </a:spcBef>
+              <a:buFont typeface="Arial" panose="020B0604020202020204" pitchFamily="34" charset="0"/>
+              <a:buNone/>
+              <a:defRPr sz="2800">
+                <a:solidFill>
+                  <a:schemeClr val="tx1">
+                    <a:tint val="75000"/>
+                  </a:schemeClr>
+                </a:solidFill>
+              </a:defRPr>
+            </a:lvl2pPr>
+            <a:lvl3pPr indent="0" algn="ctr">
+              <a:spcBef>
+                <a:spcPct val="20000"/>
+              </a:spcBef>
+              <a:buFont typeface="Arial" panose="020B0604020202020204" pitchFamily="34" charset="0"/>
+              <a:buNone/>
+              <a:defRPr sz="2400">
+                <a:solidFill>
+                  <a:schemeClr val="tx1">
+                    <a:tint val="75000"/>
+                  </a:schemeClr>
+                </a:solidFill>
+              </a:defRPr>
+            </a:lvl3pPr>
+            <a:lvl4pPr indent="0" algn="ctr">
+              <a:spcBef>
+                <a:spcPct val="20000"/>
+              </a:spcBef>
+              <a:buFont typeface="Arial" panose="020B0604020202020204" pitchFamily="34" charset="0"/>
+              <a:buNone/>
+              <a:defRPr sz="2000">
+                <a:solidFill>
+                  <a:schemeClr val="tx1">
+                    <a:tint val="75000"/>
+                  </a:schemeClr>
+                </a:solidFill>
+              </a:defRPr>
+            </a:lvl4pPr>
+            <a:lvl5pPr indent="0" algn="ctr">
+              <a:spcBef>
+                <a:spcPct val="20000"/>
+              </a:spcBef>
+              <a:buFont typeface="Arial" panose="020B0604020202020204" pitchFamily="34" charset="0"/>
+              <a:buNone/>
+              <a:defRPr sz="2000">
+                <a:solidFill>
+                  <a:schemeClr val="tx1">
+                    <a:tint val="75000"/>
+                  </a:schemeClr>
+                </a:solidFill>
+              </a:defRPr>
+            </a:lvl5pPr>
+            <a:lvl6pPr indent="0" algn="ctr">
+              <a:spcBef>
+                <a:spcPct val="20000"/>
+              </a:spcBef>
+              <a:buFont typeface="Arial" panose="020B0604020202020204" pitchFamily="34" charset="0"/>
+              <a:buNone/>
+              <a:defRPr sz="2000">
+                <a:solidFill>
+                  <a:schemeClr val="tx1">
+                    <a:tint val="75000"/>
+                  </a:schemeClr>
+                </a:solidFill>
+              </a:defRPr>
+            </a:lvl6pPr>
+            <a:lvl7pPr indent="0" algn="ctr">
+              <a:spcBef>
+                <a:spcPct val="20000"/>
+              </a:spcBef>
+              <a:buFont typeface="Arial" panose="020B0604020202020204" pitchFamily="34" charset="0"/>
+              <a:buNone/>
+              <a:defRPr sz="2000">
+                <a:solidFill>
+                  <a:schemeClr val="tx1">
+                    <a:tint val="75000"/>
+                  </a:schemeClr>
+                </a:solidFill>
+              </a:defRPr>
+            </a:lvl7pPr>
+            <a:lvl8pPr indent="0" algn="ctr">
+              <a:spcBef>
+                <a:spcPct val="20000"/>
+              </a:spcBef>
+              <a:buFont typeface="Arial" panose="020B0604020202020204" pitchFamily="34" charset="0"/>
+              <a:buNone/>
+              <a:defRPr sz="2000">
+                <a:solidFill>
+                  <a:schemeClr val="tx1">
+                    <a:tint val="75000"/>
+                  </a:schemeClr>
+                </a:solidFill>
+              </a:defRPr>
+            </a:lvl8pPr>
+            <a:lvl9pPr indent="0" algn="ctr">
+              <a:spcBef>
+                <a:spcPct val="20000"/>
+              </a:spcBef>
+              <a:buFont typeface="Arial" panose="020B0604020202020204" pitchFamily="34" charset="0"/>
+              <a:buNone/>
+              <a:defRPr sz="2000">
+                <a:solidFill>
+                  <a:schemeClr val="tx1">
+                    <a:tint val="75000"/>
+                  </a:schemeClr>
+                </a:solidFill>
+              </a:defRPr>
+            </a:lvl9pPr>
+          </a:lstStyle>
+          <a:p>
+            <a:pPr algn="l"/>
             <a:endParaRPr lang="en-US" sz="3200" dirty="0">
               <a:solidFill>
                 <a:srgbClr val="00B0F0"/>
@@ -11379,471 +11845,6 @@
   <p:clrMapOvr>
     <a:masterClrMapping/>
   </p:clrMapOvr>
-  <p:timing>
-    <p:tnLst>
-      <p:par>
-        <p:cTn id="1" dur="indefinite" restart="never" nodeType="tmRoot"/>
-      </p:par>
-    </p:tnLst>
-  </p:timing>
-</p:sld>
-</file>
-
-<file path=ppt/slides/slide23.xml><?xml version="1.0" encoding="utf-8"?>
-<p:sld xmlns:a="http://schemas.openxmlformats.org/drawingml/2006/main" xmlns:r="http://schemas.openxmlformats.org/officeDocument/2006/relationships" xmlns:p="http://schemas.openxmlformats.org/presentationml/2006/main" show="0">
-  <p:cSld>
-    <p:spTree>
-      <p:nvGrpSpPr>
-        <p:cNvPr id="1" name=""/>
-        <p:cNvGrpSpPr/>
-        <p:nvPr/>
-      </p:nvGrpSpPr>
-      <p:grpSpPr>
-        <a:xfrm>
-          <a:off x="0" y="0"/>
-          <a:ext cx="0" cy="0"/>
-          <a:chOff x="0" y="0"/>
-          <a:chExt cx="0" cy="0"/>
-        </a:xfrm>
-      </p:grpSpPr>
-      <p:sp>
-        <p:nvSpPr>
-          <p:cNvPr id="2" name="Subtitle 2"/>
-          <p:cNvSpPr txBox="1">
-            <a:spLocks/>
-          </p:cNvSpPr>
-          <p:nvPr/>
-        </p:nvSpPr>
-        <p:spPr>
-          <a:xfrm>
-            <a:off x="1547664" y="332656"/>
-            <a:ext cx="7264896" cy="776408"/>
-          </a:xfrm>
-          <a:prstGeom prst="rect">
-            <a:avLst/>
-          </a:prstGeom>
-        </p:spPr>
-        <p:txBody>
-          <a:bodyPr vert="horz" lIns="91440" tIns="45720" rIns="91440" bIns="45720" rtlCol="0" anchor="ctr">
-            <a:normAutofit/>
-          </a:bodyPr>
-          <a:lstStyle>
-            <a:lvl1pPr indent="0" algn="ctr">
-              <a:spcBef>
-                <a:spcPct val="20000"/>
-              </a:spcBef>
-              <a:buFont typeface="Arial" panose="020B0604020202020204" pitchFamily="34" charset="0"/>
-              <a:buNone/>
-              <a:defRPr sz="3000" b="1">
-                <a:solidFill>
-                  <a:schemeClr val="tx1">
-                    <a:tint val="75000"/>
-                  </a:schemeClr>
-                </a:solidFill>
-                <a:latin typeface="Tahoma" panose="020B0604030504040204" pitchFamily="34" charset="0"/>
-                <a:ea typeface="Tahoma" panose="020B0604030504040204" pitchFamily="34" charset="0"/>
-                <a:cs typeface="Tahoma" panose="020B0604030504040204" pitchFamily="34" charset="0"/>
-              </a:defRPr>
-            </a:lvl1pPr>
-            <a:lvl2pPr indent="0" algn="ctr">
-              <a:spcBef>
-                <a:spcPct val="20000"/>
-              </a:spcBef>
-              <a:buFont typeface="Arial" panose="020B0604020202020204" pitchFamily="34" charset="0"/>
-              <a:buNone/>
-              <a:defRPr sz="2800">
-                <a:solidFill>
-                  <a:schemeClr val="tx1">
-                    <a:tint val="75000"/>
-                  </a:schemeClr>
-                </a:solidFill>
-              </a:defRPr>
-            </a:lvl2pPr>
-            <a:lvl3pPr indent="0" algn="ctr">
-              <a:spcBef>
-                <a:spcPct val="20000"/>
-              </a:spcBef>
-              <a:buFont typeface="Arial" panose="020B0604020202020204" pitchFamily="34" charset="0"/>
-              <a:buNone/>
-              <a:defRPr sz="2400">
-                <a:solidFill>
-                  <a:schemeClr val="tx1">
-                    <a:tint val="75000"/>
-                  </a:schemeClr>
-                </a:solidFill>
-              </a:defRPr>
-            </a:lvl3pPr>
-            <a:lvl4pPr indent="0" algn="ctr">
-              <a:spcBef>
-                <a:spcPct val="20000"/>
-              </a:spcBef>
-              <a:buFont typeface="Arial" panose="020B0604020202020204" pitchFamily="34" charset="0"/>
-              <a:buNone/>
-              <a:defRPr sz="2000">
-                <a:solidFill>
-                  <a:schemeClr val="tx1">
-                    <a:tint val="75000"/>
-                  </a:schemeClr>
-                </a:solidFill>
-              </a:defRPr>
-            </a:lvl4pPr>
-            <a:lvl5pPr indent="0" algn="ctr">
-              <a:spcBef>
-                <a:spcPct val="20000"/>
-              </a:spcBef>
-              <a:buFont typeface="Arial" panose="020B0604020202020204" pitchFamily="34" charset="0"/>
-              <a:buNone/>
-              <a:defRPr sz="2000">
-                <a:solidFill>
-                  <a:schemeClr val="tx1">
-                    <a:tint val="75000"/>
-                  </a:schemeClr>
-                </a:solidFill>
-              </a:defRPr>
-            </a:lvl5pPr>
-            <a:lvl6pPr indent="0" algn="ctr">
-              <a:spcBef>
-                <a:spcPct val="20000"/>
-              </a:spcBef>
-              <a:buFont typeface="Arial" panose="020B0604020202020204" pitchFamily="34" charset="0"/>
-              <a:buNone/>
-              <a:defRPr sz="2000">
-                <a:solidFill>
-                  <a:schemeClr val="tx1">
-                    <a:tint val="75000"/>
-                  </a:schemeClr>
-                </a:solidFill>
-              </a:defRPr>
-            </a:lvl6pPr>
-            <a:lvl7pPr indent="0" algn="ctr">
-              <a:spcBef>
-                <a:spcPct val="20000"/>
-              </a:spcBef>
-              <a:buFont typeface="Arial" panose="020B0604020202020204" pitchFamily="34" charset="0"/>
-              <a:buNone/>
-              <a:defRPr sz="2000">
-                <a:solidFill>
-                  <a:schemeClr val="tx1">
-                    <a:tint val="75000"/>
-                  </a:schemeClr>
-                </a:solidFill>
-              </a:defRPr>
-            </a:lvl7pPr>
-            <a:lvl8pPr indent="0" algn="ctr">
-              <a:spcBef>
-                <a:spcPct val="20000"/>
-              </a:spcBef>
-              <a:buFont typeface="Arial" panose="020B0604020202020204" pitchFamily="34" charset="0"/>
-              <a:buNone/>
-              <a:defRPr sz="2000">
-                <a:solidFill>
-                  <a:schemeClr val="tx1">
-                    <a:tint val="75000"/>
-                  </a:schemeClr>
-                </a:solidFill>
-              </a:defRPr>
-            </a:lvl8pPr>
-            <a:lvl9pPr indent="0" algn="ctr">
-              <a:spcBef>
-                <a:spcPct val="20000"/>
-              </a:spcBef>
-              <a:buFont typeface="Arial" panose="020B0604020202020204" pitchFamily="34" charset="0"/>
-              <a:buNone/>
-              <a:defRPr sz="2000">
-                <a:solidFill>
-                  <a:schemeClr val="tx1">
-                    <a:tint val="75000"/>
-                  </a:schemeClr>
-                </a:solidFill>
-              </a:defRPr>
-            </a:lvl9pPr>
-          </a:lstStyle>
-          <a:p>
-            <a:pPr algn="l"/>
-            <a:r>
-              <a:rPr lang="en-US" sz="3200" dirty="0" smtClean="0">
-                <a:solidFill>
-                  <a:srgbClr val="00B0F0"/>
-                </a:solidFill>
-              </a:rPr>
-              <a:t>Title</a:t>
-            </a:r>
-            <a:endParaRPr lang="en-US" sz="3200" dirty="0">
-              <a:solidFill>
-                <a:srgbClr val="00B0F0"/>
-              </a:solidFill>
-            </a:endParaRPr>
-          </a:p>
-        </p:txBody>
-      </p:sp>
-      <p:sp>
-        <p:nvSpPr>
-          <p:cNvPr id="3" name="Rectangle 2"/>
-          <p:cNvSpPr/>
-          <p:nvPr/>
-        </p:nvSpPr>
-        <p:spPr>
-          <a:xfrm>
-            <a:off x="2636" y="6309320"/>
-            <a:ext cx="9141365" cy="551206"/>
-          </a:xfrm>
-          <a:prstGeom prst="rect">
-            <a:avLst/>
-          </a:prstGeom>
-          <a:ln>
-            <a:noFill/>
-          </a:ln>
-        </p:spPr>
-        <p:style>
-          <a:lnRef idx="2">
-            <a:schemeClr val="accent1">
-              <a:shade val="50000"/>
-            </a:schemeClr>
-          </a:lnRef>
-          <a:fillRef idx="1">
-            <a:schemeClr val="accent1"/>
-          </a:fillRef>
-          <a:effectRef idx="0">
-            <a:schemeClr val="accent1"/>
-          </a:effectRef>
-          <a:fontRef idx="minor">
-            <a:schemeClr val="lt1"/>
-          </a:fontRef>
-        </p:style>
-        <p:txBody>
-          <a:bodyPr rtlCol="0" anchor="ctr"/>
-          <a:lstStyle/>
-          <a:p>
-            <a:pPr algn="ctr"/>
-            <a:endParaRPr lang="en-US"/>
-          </a:p>
-        </p:txBody>
-      </p:sp>
-      <p:sp>
-        <p:nvSpPr>
-          <p:cNvPr id="5" name="Subtitle 2"/>
-          <p:cNvSpPr txBox="1">
-            <a:spLocks/>
-          </p:cNvSpPr>
-          <p:nvPr/>
-        </p:nvSpPr>
-        <p:spPr>
-          <a:xfrm>
-            <a:off x="611560" y="1304764"/>
-            <a:ext cx="8084999" cy="5004556"/>
-          </a:xfrm>
-          <a:prstGeom prst="rect">
-            <a:avLst/>
-          </a:prstGeom>
-        </p:spPr>
-        <p:txBody>
-          <a:bodyPr vert="horz" lIns="91440" tIns="45720" rIns="91440" bIns="45720" rtlCol="0" anchor="t">
-            <a:normAutofit/>
-          </a:bodyPr>
-          <a:lstStyle>
-            <a:lvl1pPr indent="0" algn="ctr">
-              <a:spcBef>
-                <a:spcPct val="20000"/>
-              </a:spcBef>
-              <a:buFont typeface="Arial" panose="020B0604020202020204" pitchFamily="34" charset="0"/>
-              <a:buNone/>
-              <a:defRPr sz="3000" b="1">
-                <a:solidFill>
-                  <a:schemeClr val="tx1">
-                    <a:tint val="75000"/>
-                  </a:schemeClr>
-                </a:solidFill>
-                <a:latin typeface="Tahoma" panose="020B0604030504040204" pitchFamily="34" charset="0"/>
-                <a:ea typeface="Tahoma" panose="020B0604030504040204" pitchFamily="34" charset="0"/>
-                <a:cs typeface="Tahoma" panose="020B0604030504040204" pitchFamily="34" charset="0"/>
-              </a:defRPr>
-            </a:lvl1pPr>
-            <a:lvl2pPr indent="0" algn="ctr">
-              <a:spcBef>
-                <a:spcPct val="20000"/>
-              </a:spcBef>
-              <a:buFont typeface="Arial" panose="020B0604020202020204" pitchFamily="34" charset="0"/>
-              <a:buNone/>
-              <a:defRPr sz="2800">
-                <a:solidFill>
-                  <a:schemeClr val="tx1">
-                    <a:tint val="75000"/>
-                  </a:schemeClr>
-                </a:solidFill>
-              </a:defRPr>
-            </a:lvl2pPr>
-            <a:lvl3pPr indent="0" algn="ctr">
-              <a:spcBef>
-                <a:spcPct val="20000"/>
-              </a:spcBef>
-              <a:buFont typeface="Arial" panose="020B0604020202020204" pitchFamily="34" charset="0"/>
-              <a:buNone/>
-              <a:defRPr sz="2400">
-                <a:solidFill>
-                  <a:schemeClr val="tx1">
-                    <a:tint val="75000"/>
-                  </a:schemeClr>
-                </a:solidFill>
-              </a:defRPr>
-            </a:lvl3pPr>
-            <a:lvl4pPr indent="0" algn="ctr">
-              <a:spcBef>
-                <a:spcPct val="20000"/>
-              </a:spcBef>
-              <a:buFont typeface="Arial" panose="020B0604020202020204" pitchFamily="34" charset="0"/>
-              <a:buNone/>
-              <a:defRPr sz="2000">
-                <a:solidFill>
-                  <a:schemeClr val="tx1">
-                    <a:tint val="75000"/>
-                  </a:schemeClr>
-                </a:solidFill>
-              </a:defRPr>
-            </a:lvl4pPr>
-            <a:lvl5pPr indent="0" algn="ctr">
-              <a:spcBef>
-                <a:spcPct val="20000"/>
-              </a:spcBef>
-              <a:buFont typeface="Arial" panose="020B0604020202020204" pitchFamily="34" charset="0"/>
-              <a:buNone/>
-              <a:defRPr sz="2000">
-                <a:solidFill>
-                  <a:schemeClr val="tx1">
-                    <a:tint val="75000"/>
-                  </a:schemeClr>
-                </a:solidFill>
-              </a:defRPr>
-            </a:lvl5pPr>
-            <a:lvl6pPr indent="0" algn="ctr">
-              <a:spcBef>
-                <a:spcPct val="20000"/>
-              </a:spcBef>
-              <a:buFont typeface="Arial" panose="020B0604020202020204" pitchFamily="34" charset="0"/>
-              <a:buNone/>
-              <a:defRPr sz="2000">
-                <a:solidFill>
-                  <a:schemeClr val="tx1">
-                    <a:tint val="75000"/>
-                  </a:schemeClr>
-                </a:solidFill>
-              </a:defRPr>
-            </a:lvl6pPr>
-            <a:lvl7pPr indent="0" algn="ctr">
-              <a:spcBef>
-                <a:spcPct val="20000"/>
-              </a:spcBef>
-              <a:buFont typeface="Arial" panose="020B0604020202020204" pitchFamily="34" charset="0"/>
-              <a:buNone/>
-              <a:defRPr sz="2000">
-                <a:solidFill>
-                  <a:schemeClr val="tx1">
-                    <a:tint val="75000"/>
-                  </a:schemeClr>
-                </a:solidFill>
-              </a:defRPr>
-            </a:lvl7pPr>
-            <a:lvl8pPr indent="0" algn="ctr">
-              <a:spcBef>
-                <a:spcPct val="20000"/>
-              </a:spcBef>
-              <a:buFont typeface="Arial" panose="020B0604020202020204" pitchFamily="34" charset="0"/>
-              <a:buNone/>
-              <a:defRPr sz="2000">
-                <a:solidFill>
-                  <a:schemeClr val="tx1">
-                    <a:tint val="75000"/>
-                  </a:schemeClr>
-                </a:solidFill>
-              </a:defRPr>
-            </a:lvl8pPr>
-            <a:lvl9pPr indent="0" algn="ctr">
-              <a:spcBef>
-                <a:spcPct val="20000"/>
-              </a:spcBef>
-              <a:buFont typeface="Arial" panose="020B0604020202020204" pitchFamily="34" charset="0"/>
-              <a:buNone/>
-              <a:defRPr sz="2000">
-                <a:solidFill>
-                  <a:schemeClr val="tx1">
-                    <a:tint val="75000"/>
-                  </a:schemeClr>
-                </a:solidFill>
-              </a:defRPr>
-            </a:lvl9pPr>
-          </a:lstStyle>
-          <a:p>
-            <a:pPr marL="457200" indent="-457200" algn="l">
-              <a:buFont typeface="Courier New" panose="02070309020205020404" pitchFamily="49" charset="0"/>
-              <a:buChar char="o"/>
-            </a:pPr>
-            <a:r>
-              <a:rPr lang="en-US" sz="2400" b="0" dirty="0" smtClean="0"/>
-              <a:t>T</a:t>
-            </a:r>
-            <a:r>
-              <a:rPr lang="en-US" sz="2400" b="0" dirty="0" smtClean="0">
-                <a:solidFill>
-                  <a:srgbClr val="898989"/>
-                </a:solidFill>
-              </a:rPr>
-              <a:t>ex</a:t>
-            </a:r>
-            <a:r>
-              <a:rPr lang="en-US" sz="2400" b="0" dirty="0" smtClean="0"/>
-              <a:t>t</a:t>
-            </a:r>
-          </a:p>
-          <a:p>
-            <a:pPr marL="914400" lvl="1" indent="-457200" algn="l">
-              <a:buFont typeface="Courier New" panose="02070309020205020404" pitchFamily="49" charset="0"/>
-              <a:buChar char="o"/>
-            </a:pPr>
-            <a:endParaRPr lang="en-US" sz="2200" b="0" dirty="0"/>
-          </a:p>
-        </p:txBody>
-      </p:sp>
-      <p:pic>
-        <p:nvPicPr>
-          <p:cNvPr id="6" name="Picture 5"/>
-          <p:cNvPicPr>
-            <a:picLocks noChangeAspect="1"/>
-          </p:cNvPicPr>
-          <p:nvPr/>
-        </p:nvPicPr>
-        <p:blipFill>
-          <a:blip r:embed="rId2"/>
-          <a:stretch>
-            <a:fillRect/>
-          </a:stretch>
-        </p:blipFill>
-        <p:spPr>
-          <a:xfrm>
-            <a:off x="467544" y="408935"/>
-            <a:ext cx="809945" cy="623850"/>
-          </a:xfrm>
-          <a:prstGeom prst="rect">
-            <a:avLst/>
-          </a:prstGeom>
-        </p:spPr>
-      </p:pic>
-    </p:spTree>
-    <p:extLst>
-      <p:ext uri="{BB962C8B-B14F-4D97-AF65-F5344CB8AC3E}">
-        <p14:creationId xmlns:p14="http://schemas.microsoft.com/office/powerpoint/2010/main" val="3037266953"/>
-      </p:ext>
-    </p:extLst>
-  </p:cSld>
-  <p:clrMapOvr>
-    <a:masterClrMapping/>
-  </p:clrMapOvr>
-  <mc:AlternateContent xmlns:mc="http://schemas.openxmlformats.org/markup-compatibility/2006">
-    <mc:Choice xmlns:p14="http://schemas.microsoft.com/office/powerpoint/2010/main" Requires="p14">
-      <p:transition spd="slow" p14:dur="2000"/>
-    </mc:Choice>
-    <mc:Fallback>
-      <p:transition spd="slow"/>
-    </mc:Fallback>
-  </mc:AlternateContent>
   <p:timing>
     <p:tnLst>
       <p:par>
